--- a/dev/20200504/ncw/Nathaniel Watts/UISpec Presentation/UISpecPresGroup20.pptx
+++ b/dev/20200504/ncw/Nathaniel Watts/UISpec Presentation/UISpecPresGroup20.pptx
@@ -155,7 +155,7 @@
 <file path=ppt/revisionInfo.xml><?xml version="1.0" encoding="utf-8"?>
 <p1510:revInfo xmlns:a="http://schemas.openxmlformats.org/drawingml/2006/main" xmlns:r="http://schemas.openxmlformats.org/officeDocument/2006/relationships" xmlns:p1510="http://schemas.microsoft.com/office/powerpoint/2015/10/main">
   <p1510:revLst>
-    <p1510:client id="{D20B6939-C64F-45AB-8FC1-E98E92BF2F38}" v="101" dt="2020-05-04T13:48:35.732"/>
+    <p1510:client id="{D20B6939-C64F-45AB-8FC1-E98E92BF2F38}" v="105" dt="2020-05-04T14:14:15.983"/>
   </p1510:revLst>
 </p1510:revInfo>
 </file>
@@ -165,7 +165,7 @@
   <pc:docChgLst>
     <pc:chgData name="Nathaniel Watts" userId="b5f9068336b075df" providerId="LiveId" clId="{D20B6939-C64F-45AB-8FC1-E98E92BF2F38}"/>
     <pc:docChg chg="undo custSel modSld">
-      <pc:chgData name="Nathaniel Watts" userId="b5f9068336b075df" providerId="LiveId" clId="{D20B6939-C64F-45AB-8FC1-E98E92BF2F38}" dt="2020-05-04T13:48:35.732" v="1243"/>
+      <pc:chgData name="Nathaniel Watts" userId="b5f9068336b075df" providerId="LiveId" clId="{D20B6939-C64F-45AB-8FC1-E98E92BF2F38}" dt="2020-05-04T14:15:13.647" v="1274" actId="14100"/>
       <pc:docMkLst>
         <pc:docMk/>
       </pc:docMkLst>
@@ -225,17 +225,41 @@
         </pc:picChg>
       </pc:sldChg>
       <pc:sldChg chg="addSp delSp modSp">
-        <pc:chgData name="Nathaniel Watts" userId="b5f9068336b075df" providerId="LiveId" clId="{D20B6939-C64F-45AB-8FC1-E98E92BF2F38}" dt="2020-05-04T13:37:48.713" v="1099" actId="167"/>
+        <pc:chgData name="Nathaniel Watts" userId="b5f9068336b075df" providerId="LiveId" clId="{D20B6939-C64F-45AB-8FC1-E98E92BF2F38}" dt="2020-05-04T14:15:13.647" v="1274" actId="14100"/>
         <pc:sldMkLst>
           <pc:docMk/>
           <pc:sldMk cId="0" sldId="258"/>
         </pc:sldMkLst>
         <pc:picChg chg="add mod ord">
-          <ac:chgData name="Nathaniel Watts" userId="b5f9068336b075df" providerId="LiveId" clId="{D20B6939-C64F-45AB-8FC1-E98E92BF2F38}" dt="2020-05-04T11:52:10.957" v="453" actId="167"/>
+          <ac:chgData name="Nathaniel Watts" userId="b5f9068336b075df" providerId="LiveId" clId="{D20B6939-C64F-45AB-8FC1-E98E92BF2F38}" dt="2020-05-04T14:14:32.947" v="1264" actId="1076"/>
           <ac:picMkLst>
             <pc:docMk/>
             <pc:sldMk cId="0" sldId="258"/>
             <ac:picMk id="3" creationId="{41B613ED-1E34-4ABE-B23E-3682398D3693}"/>
+          </ac:picMkLst>
+        </pc:picChg>
+        <pc:picChg chg="add del mod">
+          <ac:chgData name="Nathaniel Watts" userId="b5f9068336b075df" providerId="LiveId" clId="{D20B6939-C64F-45AB-8FC1-E98E92BF2F38}" dt="2020-05-04T14:13:54.289" v="1258" actId="478"/>
+          <ac:picMkLst>
+            <pc:docMk/>
+            <pc:sldMk cId="0" sldId="258"/>
+            <ac:picMk id="4" creationId="{3AED09D2-56AB-4111-88E6-51CA67F0702C}"/>
+          </ac:picMkLst>
+        </pc:picChg>
+        <pc:picChg chg="add del mod modCrop">
+          <ac:chgData name="Nathaniel Watts" userId="b5f9068336b075df" providerId="LiveId" clId="{D20B6939-C64F-45AB-8FC1-E98E92BF2F38}" dt="2020-05-04T14:13:15.058" v="1251"/>
+          <ac:picMkLst>
+            <pc:docMk/>
+            <pc:sldMk cId="0" sldId="258"/>
+            <ac:picMk id="4" creationId="{8A6804A9-62CD-4076-8E19-CEFC5957E75E}"/>
+          </ac:picMkLst>
+        </pc:picChg>
+        <pc:picChg chg="add mod ord modCrop">
+          <ac:chgData name="Nathaniel Watts" userId="b5f9068336b075df" providerId="LiveId" clId="{D20B6939-C64F-45AB-8FC1-E98E92BF2F38}" dt="2020-05-04T14:15:13.647" v="1274" actId="14100"/>
+          <ac:picMkLst>
+            <pc:docMk/>
+            <pc:sldMk cId="0" sldId="258"/>
+            <ac:picMk id="6" creationId="{B73B9394-4AEE-431A-A0A8-E37514D7B38E}"/>
           </ac:picMkLst>
         </pc:picChg>
         <pc:picChg chg="add mod ord">
@@ -254,8 +278,8 @@
             <ac:picMk id="94" creationId="{00000000-0000-0000-0000-000000000000}"/>
           </ac:picMkLst>
         </pc:picChg>
-        <pc:picChg chg="mod">
-          <ac:chgData name="Nathaniel Watts" userId="b5f9068336b075df" providerId="LiveId" clId="{D20B6939-C64F-45AB-8FC1-E98E92BF2F38}" dt="2020-05-04T11:51:55.131" v="447" actId="1076"/>
+        <pc:picChg chg="add del mod">
+          <ac:chgData name="Nathaniel Watts" userId="b5f9068336b075df" providerId="LiveId" clId="{D20B6939-C64F-45AB-8FC1-E98E92BF2F38}" dt="2020-05-04T14:13:41.146" v="1253" actId="478"/>
           <ac:picMkLst>
             <pc:docMk/>
             <pc:sldMk cId="0" sldId="258"/>
@@ -17905,25 +17929,37 @@
       </p:pic>
       <p:pic>
         <p:nvPicPr>
-          <p:cNvPr id="95" name="Picture 94"/>
-          <p:cNvPicPr/>
+          <p:cNvPr id="6" name="Picture 5" descr="A screenshot of a cell phone&#10;&#10;Description automatically generated">
+            <a:extLst>
+              <a:ext uri="{FF2B5EF4-FFF2-40B4-BE49-F238E27FC236}">
+                <a16:creationId xmlns:a16="http://schemas.microsoft.com/office/drawing/2014/main" id="{B73B9394-4AEE-431A-A0A8-E37514D7B38E}"/>
+              </a:ext>
+            </a:extLst>
+          </p:cNvPr>
+          <p:cNvPicPr>
+            <a:picLocks noChangeAspect="1"/>
+          </p:cNvPicPr>
           <p:nvPr/>
         </p:nvPicPr>
-        <p:blipFill>
-          <a:blip r:embed="rId4"/>
+        <p:blipFill rotWithShape="1">
+          <a:blip r:embed="rId4">
+            <a:extLst>
+              <a:ext uri="{28A0092B-C50C-407E-A947-70E740481C1C}">
+                <a14:useLocalDpi xmlns:a14="http://schemas.microsoft.com/office/drawing/2010/main" val="0"/>
+              </a:ext>
+            </a:extLst>
+          </a:blip>
+          <a:srcRect r="75000"/>
           <a:stretch/>
         </p:blipFill>
         <p:spPr>
           <a:xfrm>
-            <a:off x="0" y="671"/>
-            <a:ext cx="2286720" cy="5146920"/>
-          </a:xfrm>
-          <a:prstGeom prst="rect">
-            <a:avLst/>
-          </a:prstGeom>
-          <a:ln>
-            <a:noFill/>
-          </a:ln>
+            <a:off x="0" y="2381"/>
+            <a:ext cx="2319618" cy="5145882"/>
+          </a:xfrm>
+          <a:prstGeom prst="rect">
+            <a:avLst/>
+          </a:prstGeom>
         </p:spPr>
       </p:pic>
       <p:sp>

--- a/dev/20200504/ncw/Nathaniel Watts/UISpec Presentation/UISpecPresGroup20.pptx
+++ b/dev/20200504/ncw/Nathaniel Watts/UISpec Presentation/UISpecPresGroup20.pptx
@@ -155,7 +155,7 @@
 <file path=ppt/revisionInfo.xml><?xml version="1.0" encoding="utf-8"?>
 <p1510:revInfo xmlns:a="http://schemas.openxmlformats.org/drawingml/2006/main" xmlns:r="http://schemas.openxmlformats.org/officeDocument/2006/relationships" xmlns:p1510="http://schemas.microsoft.com/office/powerpoint/2015/10/main">
   <p1510:revLst>
-    <p1510:client id="{D20B6939-C64F-45AB-8FC1-E98E92BF2F38}" v="105" dt="2020-05-04T14:14:15.983"/>
+    <p1510:client id="{C1985E81-5A62-47B6-B86B-8ADE75DFF93A}" v="12" dt="2020-05-05T11:49:23.564"/>
   </p1510:revLst>
 </p1510:revInfo>
 </file>
@@ -163,2136 +163,314 @@
 <file path=ppt/changesInfos/changesInfo1.xml><?xml version="1.0" encoding="utf-8"?>
 <pc:chgInfo xmlns:a="http://schemas.openxmlformats.org/drawingml/2006/main" xmlns:r="http://schemas.openxmlformats.org/officeDocument/2006/relationships" xmlns:ac="http://schemas.microsoft.com/office/drawing/2013/main/command" xmlns:pc="http://schemas.microsoft.com/office/powerpoint/2013/main/command">
   <pc:docChgLst>
-    <pc:chgData name="Nathaniel Watts" userId="b5f9068336b075df" providerId="LiveId" clId="{D20B6939-C64F-45AB-8FC1-E98E92BF2F38}"/>
-    <pc:docChg chg="undo custSel modSld">
-      <pc:chgData name="Nathaniel Watts" userId="b5f9068336b075df" providerId="LiveId" clId="{D20B6939-C64F-45AB-8FC1-E98E92BF2F38}" dt="2020-05-04T14:15:13.647" v="1274" actId="14100"/>
+    <pc:chgData name="Nathaniel Watts" userId="b5f9068336b075df" providerId="LiveId" clId="{E70BA67A-A870-461D-8793-7544BFB13201}"/>
+    <pc:docChg chg="modSld">
+      <pc:chgData name="Nathaniel Watts" userId="b5f9068336b075df" providerId="LiveId" clId="{E70BA67A-A870-461D-8793-7544BFB13201}" dt="2020-05-05T11:49:23.564" v="82"/>
       <pc:docMkLst>
         <pc:docMk/>
       </pc:docMkLst>
-      <pc:sldChg chg="addSp delSp modSp">
-        <pc:chgData name="Nathaniel Watts" userId="b5f9068336b075df" providerId="LiveId" clId="{D20B6939-C64F-45AB-8FC1-E98E92BF2F38}" dt="2020-05-04T13:38:40.119" v="1113" actId="478"/>
-        <pc:sldMkLst>
-          <pc:docMk/>
-          <pc:sldMk cId="0" sldId="257"/>
-        </pc:sldMkLst>
-        <pc:spChg chg="ord">
-          <ac:chgData name="Nathaniel Watts" userId="b5f9068336b075df" providerId="LiveId" clId="{D20B6939-C64F-45AB-8FC1-E98E92BF2F38}" dt="2020-05-04T13:24:04.817" v="1073" actId="166"/>
-          <ac:spMkLst>
-            <pc:docMk/>
-            <pc:sldMk cId="0" sldId="257"/>
-            <ac:spMk id="90" creationId="{00000000-0000-0000-0000-000000000000}"/>
-          </ac:spMkLst>
-        </pc:spChg>
-        <pc:picChg chg="add del mod">
-          <ac:chgData name="Nathaniel Watts" userId="b5f9068336b075df" providerId="LiveId" clId="{D20B6939-C64F-45AB-8FC1-E98E92BF2F38}" dt="2020-05-04T11:50:39.235" v="442" actId="478"/>
-          <ac:picMkLst>
-            <pc:docMk/>
-            <pc:sldMk cId="0" sldId="257"/>
-            <ac:picMk id="3" creationId="{050B0DC0-2772-4F3C-9B23-1D2299223C94}"/>
-          </ac:picMkLst>
-        </pc:picChg>
-        <pc:picChg chg="add mod ord">
-          <ac:chgData name="Nathaniel Watts" userId="b5f9068336b075df" providerId="LiveId" clId="{D20B6939-C64F-45AB-8FC1-E98E92BF2F38}" dt="2020-05-04T13:37:33.344" v="1096" actId="167"/>
-          <ac:picMkLst>
-            <pc:docMk/>
-            <pc:sldMk cId="0" sldId="257"/>
-            <ac:picMk id="3" creationId="{095C3605-F9D7-4F79-9C7C-850AFB7F48C1}"/>
-          </ac:picMkLst>
-        </pc:picChg>
-        <pc:picChg chg="add del mod ord">
-          <ac:chgData name="Nathaniel Watts" userId="b5f9068336b075df" providerId="LiveId" clId="{D20B6939-C64F-45AB-8FC1-E98E92BF2F38}" dt="2020-05-04T13:38:40.119" v="1113" actId="478"/>
-          <ac:picMkLst>
-            <pc:docMk/>
-            <pc:sldMk cId="0" sldId="257"/>
-            <ac:picMk id="7" creationId="{05B4AB48-41CF-4A9C-AEA5-5EC1A03E79CC}"/>
-          </ac:picMkLst>
-        </pc:picChg>
-        <pc:picChg chg="add mod ord modCrop">
-          <ac:chgData name="Nathaniel Watts" userId="b5f9068336b075df" providerId="LiveId" clId="{D20B6939-C64F-45AB-8FC1-E98E92BF2F38}" dt="2020-05-04T13:24:01.305" v="1072" actId="167"/>
-          <ac:picMkLst>
-            <pc:docMk/>
-            <pc:sldMk cId="0" sldId="257"/>
-            <ac:picMk id="17" creationId="{7F4D9F75-FCD1-4AF2-BCE5-285B43CF8FAD}"/>
-          </ac:picMkLst>
-        </pc:picChg>
-        <pc:picChg chg="del mod">
-          <ac:chgData name="Nathaniel Watts" userId="b5f9068336b075df" providerId="LiveId" clId="{D20B6939-C64F-45AB-8FC1-E98E92BF2F38}" dt="2020-05-04T11:50:35.658" v="438" actId="478"/>
-          <ac:picMkLst>
-            <pc:docMk/>
-            <pc:sldMk cId="0" sldId="257"/>
-            <ac:picMk id="79" creationId="{00000000-0000-0000-0000-000000000000}"/>
-          </ac:picMkLst>
-        </pc:picChg>
-      </pc:sldChg>
-      <pc:sldChg chg="addSp delSp modSp">
-        <pc:chgData name="Nathaniel Watts" userId="b5f9068336b075df" providerId="LiveId" clId="{D20B6939-C64F-45AB-8FC1-E98E92BF2F38}" dt="2020-05-04T14:15:13.647" v="1274" actId="14100"/>
-        <pc:sldMkLst>
-          <pc:docMk/>
-          <pc:sldMk cId="0" sldId="258"/>
-        </pc:sldMkLst>
-        <pc:picChg chg="add mod ord">
-          <ac:chgData name="Nathaniel Watts" userId="b5f9068336b075df" providerId="LiveId" clId="{D20B6939-C64F-45AB-8FC1-E98E92BF2F38}" dt="2020-05-04T14:14:32.947" v="1264" actId="1076"/>
-          <ac:picMkLst>
-            <pc:docMk/>
-            <pc:sldMk cId="0" sldId="258"/>
-            <ac:picMk id="3" creationId="{41B613ED-1E34-4ABE-B23E-3682398D3693}"/>
-          </ac:picMkLst>
-        </pc:picChg>
-        <pc:picChg chg="add del mod">
-          <ac:chgData name="Nathaniel Watts" userId="b5f9068336b075df" providerId="LiveId" clId="{D20B6939-C64F-45AB-8FC1-E98E92BF2F38}" dt="2020-05-04T14:13:54.289" v="1258" actId="478"/>
-          <ac:picMkLst>
-            <pc:docMk/>
-            <pc:sldMk cId="0" sldId="258"/>
-            <ac:picMk id="4" creationId="{3AED09D2-56AB-4111-88E6-51CA67F0702C}"/>
-          </ac:picMkLst>
-        </pc:picChg>
-        <pc:picChg chg="add del mod modCrop">
-          <ac:chgData name="Nathaniel Watts" userId="b5f9068336b075df" providerId="LiveId" clId="{D20B6939-C64F-45AB-8FC1-E98E92BF2F38}" dt="2020-05-04T14:13:15.058" v="1251"/>
-          <ac:picMkLst>
-            <pc:docMk/>
-            <pc:sldMk cId="0" sldId="258"/>
-            <ac:picMk id="4" creationId="{8A6804A9-62CD-4076-8E19-CEFC5957E75E}"/>
-          </ac:picMkLst>
-        </pc:picChg>
-        <pc:picChg chg="add mod ord modCrop">
-          <ac:chgData name="Nathaniel Watts" userId="b5f9068336b075df" providerId="LiveId" clId="{D20B6939-C64F-45AB-8FC1-E98E92BF2F38}" dt="2020-05-04T14:15:13.647" v="1274" actId="14100"/>
-          <ac:picMkLst>
-            <pc:docMk/>
-            <pc:sldMk cId="0" sldId="258"/>
-            <ac:picMk id="6" creationId="{B73B9394-4AEE-431A-A0A8-E37514D7B38E}"/>
-          </ac:picMkLst>
-        </pc:picChg>
-        <pc:picChg chg="add mod ord">
-          <ac:chgData name="Nathaniel Watts" userId="b5f9068336b075df" providerId="LiveId" clId="{D20B6939-C64F-45AB-8FC1-E98E92BF2F38}" dt="2020-05-04T13:37:48.713" v="1099" actId="167"/>
-          <ac:picMkLst>
-            <pc:docMk/>
-            <pc:sldMk cId="0" sldId="258"/>
-            <ac:picMk id="15" creationId="{CECB19FC-9E52-49FE-9C92-CF9A6164FCBC}"/>
-          </ac:picMkLst>
-        </pc:picChg>
-        <pc:picChg chg="del">
-          <ac:chgData name="Nathaniel Watts" userId="b5f9068336b075df" providerId="LiveId" clId="{D20B6939-C64F-45AB-8FC1-E98E92BF2F38}" dt="2020-05-04T11:51:59.955" v="448" actId="478"/>
-          <ac:picMkLst>
-            <pc:docMk/>
-            <pc:sldMk cId="0" sldId="258"/>
-            <ac:picMk id="94" creationId="{00000000-0000-0000-0000-000000000000}"/>
-          </ac:picMkLst>
-        </pc:picChg>
-        <pc:picChg chg="add del mod">
-          <ac:chgData name="Nathaniel Watts" userId="b5f9068336b075df" providerId="LiveId" clId="{D20B6939-C64F-45AB-8FC1-E98E92BF2F38}" dt="2020-05-04T14:13:41.146" v="1253" actId="478"/>
-          <ac:picMkLst>
-            <pc:docMk/>
-            <pc:sldMk cId="0" sldId="258"/>
-            <ac:picMk id="95" creationId="{00000000-0000-0000-0000-000000000000}"/>
-          </ac:picMkLst>
-        </pc:picChg>
-      </pc:sldChg>
-      <pc:sldChg chg="addSp delSp modSp">
-        <pc:chgData name="Nathaniel Watts" userId="b5f9068336b075df" providerId="LiveId" clId="{D20B6939-C64F-45AB-8FC1-E98E92BF2F38}" dt="2020-05-04T13:39:44.041" v="1125"/>
-        <pc:sldMkLst>
-          <pc:docMk/>
-          <pc:sldMk cId="0" sldId="259"/>
-        </pc:sldMkLst>
-        <pc:spChg chg="add del mod">
-          <ac:chgData name="Nathaniel Watts" userId="b5f9068336b075df" providerId="LiveId" clId="{D20B6939-C64F-45AB-8FC1-E98E92BF2F38}" dt="2020-05-04T13:39:10.591" v="1117" actId="478"/>
-          <ac:spMkLst>
-            <pc:docMk/>
-            <pc:sldMk cId="0" sldId="259"/>
-            <ac:spMk id="4" creationId="{CE4E3211-2D63-44C8-B264-6F0C3501295C}"/>
-          </ac:spMkLst>
-        </pc:spChg>
-        <pc:spChg chg="add del mod">
-          <ac:chgData name="Nathaniel Watts" userId="b5f9068336b075df" providerId="LiveId" clId="{D20B6939-C64F-45AB-8FC1-E98E92BF2F38}" dt="2020-05-04T13:39:23.032" v="1118" actId="478"/>
-          <ac:spMkLst>
-            <pc:docMk/>
-            <pc:sldMk cId="0" sldId="259"/>
-            <ac:spMk id="14" creationId="{EC7ED5DA-43E5-43AD-B533-72886830C773}"/>
-          </ac:spMkLst>
-        </pc:spChg>
-        <pc:spChg chg="add del mod">
-          <ac:chgData name="Nathaniel Watts" userId="b5f9068336b075df" providerId="LiveId" clId="{D20B6939-C64F-45AB-8FC1-E98E92BF2F38}" dt="2020-05-04T13:39:10.591" v="1117" actId="478"/>
-          <ac:spMkLst>
-            <pc:docMk/>
-            <pc:sldMk cId="0" sldId="259"/>
-            <ac:spMk id="15" creationId="{6CFDB19D-E91B-419B-BA47-1ABF124E9941}"/>
-          </ac:spMkLst>
-        </pc:spChg>
-        <pc:spChg chg="add del mod">
-          <ac:chgData name="Nathaniel Watts" userId="b5f9068336b075df" providerId="LiveId" clId="{D20B6939-C64F-45AB-8FC1-E98E92BF2F38}" dt="2020-05-04T13:39:23.032" v="1118" actId="478"/>
-          <ac:spMkLst>
-            <pc:docMk/>
-            <pc:sldMk cId="0" sldId="259"/>
-            <ac:spMk id="16" creationId="{1DA40560-A27C-4BC3-8308-C7127F95EA0A}"/>
-          </ac:spMkLst>
-        </pc:spChg>
-        <pc:spChg chg="add del mod">
-          <ac:chgData name="Nathaniel Watts" userId="b5f9068336b075df" providerId="LiveId" clId="{D20B6939-C64F-45AB-8FC1-E98E92BF2F38}" dt="2020-05-04T13:39:10.591" v="1117" actId="478"/>
-          <ac:spMkLst>
-            <pc:docMk/>
-            <pc:sldMk cId="0" sldId="259"/>
-            <ac:spMk id="17" creationId="{2550EB0F-F76E-409F-812C-7761D4D2B4AF}"/>
-          </ac:spMkLst>
-        </pc:spChg>
-        <pc:spChg chg="add del mod">
-          <ac:chgData name="Nathaniel Watts" userId="b5f9068336b075df" providerId="LiveId" clId="{D20B6939-C64F-45AB-8FC1-E98E92BF2F38}" dt="2020-05-04T13:39:23.032" v="1118" actId="478"/>
-          <ac:spMkLst>
-            <pc:docMk/>
-            <pc:sldMk cId="0" sldId="259"/>
-            <ac:spMk id="18" creationId="{44BF94BE-A422-419A-880B-8CA6EC9278A6}"/>
-          </ac:spMkLst>
-        </pc:spChg>
-        <pc:spChg chg="add del mod">
-          <ac:chgData name="Nathaniel Watts" userId="b5f9068336b075df" providerId="LiveId" clId="{D20B6939-C64F-45AB-8FC1-E98E92BF2F38}" dt="2020-05-04T13:39:10.591" v="1117" actId="478"/>
-          <ac:spMkLst>
-            <pc:docMk/>
-            <pc:sldMk cId="0" sldId="259"/>
-            <ac:spMk id="19" creationId="{C83C03D8-5878-4428-AAE6-6EA81EF23F4B}"/>
-          </ac:spMkLst>
-        </pc:spChg>
-        <pc:spChg chg="add del mod">
-          <ac:chgData name="Nathaniel Watts" userId="b5f9068336b075df" providerId="LiveId" clId="{D20B6939-C64F-45AB-8FC1-E98E92BF2F38}" dt="2020-05-04T13:39:23.032" v="1118" actId="478"/>
-          <ac:spMkLst>
-            <pc:docMk/>
-            <pc:sldMk cId="0" sldId="259"/>
-            <ac:spMk id="20" creationId="{3BB0BD5C-9997-4799-BE21-812CC5BE59EC}"/>
-          </ac:spMkLst>
-        </pc:spChg>
-        <pc:spChg chg="add del mod">
-          <ac:chgData name="Nathaniel Watts" userId="b5f9068336b075df" providerId="LiveId" clId="{D20B6939-C64F-45AB-8FC1-E98E92BF2F38}" dt="2020-05-04T13:39:10.591" v="1117" actId="478"/>
-          <ac:spMkLst>
-            <pc:docMk/>
-            <pc:sldMk cId="0" sldId="259"/>
-            <ac:spMk id="21" creationId="{5CD1D5E4-0C44-41C3-81C8-1D2EDD611285}"/>
-          </ac:spMkLst>
-        </pc:spChg>
-        <pc:spChg chg="add del mod">
-          <ac:chgData name="Nathaniel Watts" userId="b5f9068336b075df" providerId="LiveId" clId="{D20B6939-C64F-45AB-8FC1-E98E92BF2F38}" dt="2020-05-04T13:39:23.032" v="1118" actId="478"/>
-          <ac:spMkLst>
-            <pc:docMk/>
-            <pc:sldMk cId="0" sldId="259"/>
-            <ac:spMk id="22" creationId="{C8507EEC-8B33-40B1-93C9-54254F71A69C}"/>
-          </ac:spMkLst>
-        </pc:spChg>
-        <pc:spChg chg="add del mod">
-          <ac:chgData name="Nathaniel Watts" userId="b5f9068336b075df" providerId="LiveId" clId="{D20B6939-C64F-45AB-8FC1-E98E92BF2F38}" dt="2020-05-04T13:39:10.591" v="1117" actId="478"/>
-          <ac:spMkLst>
-            <pc:docMk/>
-            <pc:sldMk cId="0" sldId="259"/>
-            <ac:spMk id="23" creationId="{F772BF6A-F512-47C8-B85C-1BC12D7EDA07}"/>
-          </ac:spMkLst>
-        </pc:spChg>
-        <pc:spChg chg="add del mod">
-          <ac:chgData name="Nathaniel Watts" userId="b5f9068336b075df" providerId="LiveId" clId="{D20B6939-C64F-45AB-8FC1-E98E92BF2F38}" dt="2020-05-04T13:39:23.032" v="1118" actId="478"/>
-          <ac:spMkLst>
-            <pc:docMk/>
-            <pc:sldMk cId="0" sldId="259"/>
-            <ac:spMk id="24" creationId="{CAC14FAB-663F-476D-9811-C14633E2C744}"/>
-          </ac:spMkLst>
-        </pc:spChg>
-        <pc:spChg chg="add del mod">
-          <ac:chgData name="Nathaniel Watts" userId="b5f9068336b075df" providerId="LiveId" clId="{D20B6939-C64F-45AB-8FC1-E98E92BF2F38}" dt="2020-05-04T13:39:10.591" v="1117" actId="478"/>
-          <ac:spMkLst>
-            <pc:docMk/>
-            <pc:sldMk cId="0" sldId="259"/>
-            <ac:spMk id="25" creationId="{C78B5E8F-00F7-4E3B-85BB-96CEBC302C51}"/>
-          </ac:spMkLst>
-        </pc:spChg>
-        <pc:spChg chg="add del mod">
-          <ac:chgData name="Nathaniel Watts" userId="b5f9068336b075df" providerId="LiveId" clId="{D20B6939-C64F-45AB-8FC1-E98E92BF2F38}" dt="2020-05-04T13:39:23.032" v="1118" actId="478"/>
-          <ac:spMkLst>
-            <pc:docMk/>
-            <pc:sldMk cId="0" sldId="259"/>
-            <ac:spMk id="26" creationId="{DEE74012-FD08-414A-B1DD-DD74F4BC231A}"/>
-          </ac:spMkLst>
-        </pc:spChg>
-        <pc:spChg chg="add del mod">
-          <ac:chgData name="Nathaniel Watts" userId="b5f9068336b075df" providerId="LiveId" clId="{D20B6939-C64F-45AB-8FC1-E98E92BF2F38}" dt="2020-05-04T13:39:10.591" v="1117" actId="478"/>
-          <ac:spMkLst>
-            <pc:docMk/>
-            <pc:sldMk cId="0" sldId="259"/>
-            <ac:spMk id="27" creationId="{11EF07D6-EB1F-412B-BDAA-39206C39AB13}"/>
-          </ac:spMkLst>
-        </pc:spChg>
-        <pc:spChg chg="add del mod">
-          <ac:chgData name="Nathaniel Watts" userId="b5f9068336b075df" providerId="LiveId" clId="{D20B6939-C64F-45AB-8FC1-E98E92BF2F38}" dt="2020-05-04T13:39:23.032" v="1118" actId="478"/>
-          <ac:spMkLst>
-            <pc:docMk/>
-            <pc:sldMk cId="0" sldId="259"/>
-            <ac:spMk id="28" creationId="{A8FAF2D6-F179-4254-8F41-DD58D8AD65A8}"/>
-          </ac:spMkLst>
-        </pc:spChg>
-        <pc:spChg chg="add del mod">
-          <ac:chgData name="Nathaniel Watts" userId="b5f9068336b075df" providerId="LiveId" clId="{D20B6939-C64F-45AB-8FC1-E98E92BF2F38}" dt="2020-05-04T13:39:10.591" v="1117" actId="478"/>
-          <ac:spMkLst>
-            <pc:docMk/>
-            <pc:sldMk cId="0" sldId="259"/>
-            <ac:spMk id="29" creationId="{45E943CF-8156-4ED3-B587-92C0C0BA9CC1}"/>
-          </ac:spMkLst>
-        </pc:spChg>
-        <pc:spChg chg="add del mod">
-          <ac:chgData name="Nathaniel Watts" userId="b5f9068336b075df" providerId="LiveId" clId="{D20B6939-C64F-45AB-8FC1-E98E92BF2F38}" dt="2020-05-04T13:39:29.448" v="1120" actId="478"/>
-          <ac:spMkLst>
-            <pc:docMk/>
-            <pc:sldMk cId="0" sldId="259"/>
-            <ac:spMk id="30" creationId="{7F2ADAEB-93CA-4206-89B3-6A6041DB90C1}"/>
-          </ac:spMkLst>
-        </pc:spChg>
-        <pc:spChg chg="add del mod">
-          <ac:chgData name="Nathaniel Watts" userId="b5f9068336b075df" providerId="LiveId" clId="{D20B6939-C64F-45AB-8FC1-E98E92BF2F38}" dt="2020-05-04T13:39:10.591" v="1117" actId="478"/>
-          <ac:spMkLst>
-            <pc:docMk/>
-            <pc:sldMk cId="0" sldId="259"/>
-            <ac:spMk id="31" creationId="{8B994F2B-6422-4859-A8E0-2690F5133996}"/>
-          </ac:spMkLst>
-        </pc:spChg>
-        <pc:spChg chg="add del mod">
-          <ac:chgData name="Nathaniel Watts" userId="b5f9068336b075df" providerId="LiveId" clId="{D20B6939-C64F-45AB-8FC1-E98E92BF2F38}" dt="2020-05-04T13:39:29.448" v="1120" actId="478"/>
-          <ac:spMkLst>
-            <pc:docMk/>
-            <pc:sldMk cId="0" sldId="259"/>
-            <ac:spMk id="32" creationId="{E5D9AAE4-4B6E-4AA3-B775-9781D70DD37C}"/>
-          </ac:spMkLst>
-        </pc:spChg>
-        <pc:spChg chg="add del mod">
-          <ac:chgData name="Nathaniel Watts" userId="b5f9068336b075df" providerId="LiveId" clId="{D20B6939-C64F-45AB-8FC1-E98E92BF2F38}" dt="2020-05-04T13:39:10.591" v="1117" actId="478"/>
-          <ac:spMkLst>
-            <pc:docMk/>
-            <pc:sldMk cId="0" sldId="259"/>
-            <ac:spMk id="33" creationId="{0F609F48-8B2B-4841-9E5F-213F52597D6E}"/>
-          </ac:spMkLst>
-        </pc:spChg>
-        <pc:spChg chg="add del mod">
-          <ac:chgData name="Nathaniel Watts" userId="b5f9068336b075df" providerId="LiveId" clId="{D20B6939-C64F-45AB-8FC1-E98E92BF2F38}" dt="2020-05-04T13:39:29.448" v="1120" actId="478"/>
-          <ac:spMkLst>
-            <pc:docMk/>
-            <pc:sldMk cId="0" sldId="259"/>
-            <ac:spMk id="34" creationId="{0B0E855B-CBC5-4859-B092-BB04FFB96997}"/>
-          </ac:spMkLst>
-        </pc:spChg>
-        <pc:spChg chg="add del mod">
-          <ac:chgData name="Nathaniel Watts" userId="b5f9068336b075df" providerId="LiveId" clId="{D20B6939-C64F-45AB-8FC1-E98E92BF2F38}" dt="2020-05-04T13:39:10.591" v="1117" actId="478"/>
-          <ac:spMkLst>
-            <pc:docMk/>
-            <pc:sldMk cId="0" sldId="259"/>
-            <ac:spMk id="35" creationId="{69C58468-B5B7-415D-B8AA-7244C2259DA6}"/>
-          </ac:spMkLst>
-        </pc:spChg>
-        <pc:spChg chg="add del mod">
-          <ac:chgData name="Nathaniel Watts" userId="b5f9068336b075df" providerId="LiveId" clId="{D20B6939-C64F-45AB-8FC1-E98E92BF2F38}" dt="2020-05-04T13:39:29.448" v="1120" actId="478"/>
-          <ac:spMkLst>
-            <pc:docMk/>
-            <pc:sldMk cId="0" sldId="259"/>
-            <ac:spMk id="36" creationId="{AFF874F2-030B-4668-8EA1-9F6616C04591}"/>
-          </ac:spMkLst>
-        </pc:spChg>
-        <pc:spChg chg="add del mod">
-          <ac:chgData name="Nathaniel Watts" userId="b5f9068336b075df" providerId="LiveId" clId="{D20B6939-C64F-45AB-8FC1-E98E92BF2F38}" dt="2020-05-04T13:39:10.591" v="1117" actId="478"/>
-          <ac:spMkLst>
-            <pc:docMk/>
-            <pc:sldMk cId="0" sldId="259"/>
-            <ac:spMk id="37" creationId="{F5DACD22-B120-497E-A682-EEA97643A1C6}"/>
-          </ac:spMkLst>
-        </pc:spChg>
-        <pc:spChg chg="add del mod">
-          <ac:chgData name="Nathaniel Watts" userId="b5f9068336b075df" providerId="LiveId" clId="{D20B6939-C64F-45AB-8FC1-E98E92BF2F38}" dt="2020-05-04T13:39:29.448" v="1120" actId="478"/>
-          <ac:spMkLst>
-            <pc:docMk/>
-            <pc:sldMk cId="0" sldId="259"/>
-            <ac:spMk id="38" creationId="{DFEFDD77-4440-45CA-B1DB-022999E354EA}"/>
-          </ac:spMkLst>
-        </pc:spChg>
-        <pc:spChg chg="add del mod">
-          <ac:chgData name="Nathaniel Watts" userId="b5f9068336b075df" providerId="LiveId" clId="{D20B6939-C64F-45AB-8FC1-E98E92BF2F38}" dt="2020-05-04T13:39:10.591" v="1117" actId="478"/>
-          <ac:spMkLst>
-            <pc:docMk/>
-            <pc:sldMk cId="0" sldId="259"/>
-            <ac:spMk id="39" creationId="{43C01E5C-201A-49A7-8FF0-68E6A6556186}"/>
-          </ac:spMkLst>
-        </pc:spChg>
-        <pc:spChg chg="add del mod">
-          <ac:chgData name="Nathaniel Watts" userId="b5f9068336b075df" providerId="LiveId" clId="{D20B6939-C64F-45AB-8FC1-E98E92BF2F38}" dt="2020-05-04T13:39:29.448" v="1120" actId="478"/>
-          <ac:spMkLst>
-            <pc:docMk/>
-            <pc:sldMk cId="0" sldId="259"/>
-            <ac:spMk id="40" creationId="{3F126AFC-7D7D-4ECA-9F51-DA70AF879515}"/>
-          </ac:spMkLst>
-        </pc:spChg>
-        <pc:spChg chg="add del mod">
-          <ac:chgData name="Nathaniel Watts" userId="b5f9068336b075df" providerId="LiveId" clId="{D20B6939-C64F-45AB-8FC1-E98E92BF2F38}" dt="2020-05-04T13:39:10.591" v="1117" actId="478"/>
-          <ac:spMkLst>
-            <pc:docMk/>
-            <pc:sldMk cId="0" sldId="259"/>
-            <ac:spMk id="41" creationId="{84CA2436-F705-48A9-AD8A-4F6A025BCCDC}"/>
-          </ac:spMkLst>
-        </pc:spChg>
-        <pc:spChg chg="add del mod">
-          <ac:chgData name="Nathaniel Watts" userId="b5f9068336b075df" providerId="LiveId" clId="{D20B6939-C64F-45AB-8FC1-E98E92BF2F38}" dt="2020-05-04T13:39:23.032" v="1118" actId="478"/>
-          <ac:spMkLst>
-            <pc:docMk/>
-            <pc:sldMk cId="0" sldId="259"/>
-            <ac:spMk id="42" creationId="{884BD102-F040-421A-9CE4-22E18C4DEE5D}"/>
-          </ac:spMkLst>
-        </pc:spChg>
-        <pc:spChg chg="add del mod">
-          <ac:chgData name="Nathaniel Watts" userId="b5f9068336b075df" providerId="LiveId" clId="{D20B6939-C64F-45AB-8FC1-E98E92BF2F38}" dt="2020-05-04T13:39:10.591" v="1117" actId="478"/>
-          <ac:spMkLst>
-            <pc:docMk/>
-            <pc:sldMk cId="0" sldId="259"/>
-            <ac:spMk id="43" creationId="{81544C9D-FA3E-4DF8-A728-77223096FFF3}"/>
-          </ac:spMkLst>
-        </pc:spChg>
-        <pc:spChg chg="add del mod">
-          <ac:chgData name="Nathaniel Watts" userId="b5f9068336b075df" providerId="LiveId" clId="{D20B6939-C64F-45AB-8FC1-E98E92BF2F38}" dt="2020-05-04T13:39:23.032" v="1118" actId="478"/>
-          <ac:spMkLst>
-            <pc:docMk/>
-            <pc:sldMk cId="0" sldId="259"/>
-            <ac:spMk id="44" creationId="{83C75187-72FF-41E4-B8ED-7400812814A2}"/>
-          </ac:spMkLst>
-        </pc:spChg>
-        <pc:spChg chg="add del mod">
-          <ac:chgData name="Nathaniel Watts" userId="b5f9068336b075df" providerId="LiveId" clId="{D20B6939-C64F-45AB-8FC1-E98E92BF2F38}" dt="2020-05-04T13:39:10.591" v="1117" actId="478"/>
-          <ac:spMkLst>
-            <pc:docMk/>
-            <pc:sldMk cId="0" sldId="259"/>
-            <ac:spMk id="45" creationId="{3D94796B-01DE-4486-A1D4-F1A83FF59AC2}"/>
-          </ac:spMkLst>
-        </pc:spChg>
-        <pc:spChg chg="add del mod">
-          <ac:chgData name="Nathaniel Watts" userId="b5f9068336b075df" providerId="LiveId" clId="{D20B6939-C64F-45AB-8FC1-E98E92BF2F38}" dt="2020-05-04T13:39:23.032" v="1118" actId="478"/>
-          <ac:spMkLst>
-            <pc:docMk/>
-            <pc:sldMk cId="0" sldId="259"/>
-            <ac:spMk id="46" creationId="{56F52C99-ED48-4A7E-959D-C3BDEFC7CE54}"/>
-          </ac:spMkLst>
-        </pc:spChg>
-        <pc:spChg chg="add del mod ord">
-          <ac:chgData name="Nathaniel Watts" userId="b5f9068336b075df" providerId="LiveId" clId="{D20B6939-C64F-45AB-8FC1-E98E92BF2F38}" dt="2020-05-04T13:39:32.452" v="1121" actId="1076"/>
-          <ac:spMkLst>
-            <pc:docMk/>
-            <pc:sldMk cId="0" sldId="259"/>
-            <ac:spMk id="109" creationId="{00000000-0000-0000-0000-000000000000}"/>
-          </ac:spMkLst>
-        </pc:spChg>
-        <pc:spChg chg="add del ord">
-          <ac:chgData name="Nathaniel Watts" userId="b5f9068336b075df" providerId="LiveId" clId="{D20B6939-C64F-45AB-8FC1-E98E92BF2F38}" dt="2020-05-04T11:50:16.772" v="437" actId="478"/>
-          <ac:spMkLst>
-            <pc:docMk/>
-            <pc:sldMk cId="0" sldId="259"/>
-            <ac:spMk id="110" creationId="{00000000-0000-0000-0000-000000000000}"/>
-          </ac:spMkLst>
-        </pc:spChg>
-        <pc:spChg chg="add del ord">
-          <ac:chgData name="Nathaniel Watts" userId="b5f9068336b075df" providerId="LiveId" clId="{D20B6939-C64F-45AB-8FC1-E98E92BF2F38}" dt="2020-05-04T11:50:16.772" v="437" actId="478"/>
-          <ac:spMkLst>
-            <pc:docMk/>
-            <pc:sldMk cId="0" sldId="259"/>
-            <ac:spMk id="111" creationId="{00000000-0000-0000-0000-000000000000}"/>
-          </ac:spMkLst>
-        </pc:spChg>
-        <pc:spChg chg="add del ord">
-          <ac:chgData name="Nathaniel Watts" userId="b5f9068336b075df" providerId="LiveId" clId="{D20B6939-C64F-45AB-8FC1-E98E92BF2F38}" dt="2020-05-04T11:50:16.772" v="437" actId="478"/>
-          <ac:spMkLst>
-            <pc:docMk/>
-            <pc:sldMk cId="0" sldId="259"/>
-            <ac:spMk id="112" creationId="{00000000-0000-0000-0000-000000000000}"/>
-          </ac:spMkLst>
-        </pc:spChg>
-        <pc:spChg chg="add del ord">
-          <ac:chgData name="Nathaniel Watts" userId="b5f9068336b075df" providerId="LiveId" clId="{D20B6939-C64F-45AB-8FC1-E98E92BF2F38}" dt="2020-05-04T11:50:16.772" v="437" actId="478"/>
-          <ac:spMkLst>
-            <pc:docMk/>
-            <pc:sldMk cId="0" sldId="259"/>
-            <ac:spMk id="113" creationId="{00000000-0000-0000-0000-000000000000}"/>
-          </ac:spMkLst>
-        </pc:spChg>
-        <pc:spChg chg="add del ord">
-          <ac:chgData name="Nathaniel Watts" userId="b5f9068336b075df" providerId="LiveId" clId="{D20B6939-C64F-45AB-8FC1-E98E92BF2F38}" dt="2020-05-04T11:50:16.772" v="437" actId="478"/>
-          <ac:spMkLst>
-            <pc:docMk/>
-            <pc:sldMk cId="0" sldId="259"/>
-            <ac:spMk id="114" creationId="{00000000-0000-0000-0000-000000000000}"/>
-          </ac:spMkLst>
-        </pc:spChg>
-        <pc:spChg chg="add del">
-          <ac:chgData name="Nathaniel Watts" userId="b5f9068336b075df" providerId="LiveId" clId="{D20B6939-C64F-45AB-8FC1-E98E92BF2F38}" dt="2020-05-04T11:50:16.772" v="437" actId="478"/>
-          <ac:spMkLst>
-            <pc:docMk/>
-            <pc:sldMk cId="0" sldId="259"/>
-            <ac:spMk id="115" creationId="{00000000-0000-0000-0000-000000000000}"/>
-          </ac:spMkLst>
-        </pc:spChg>
-        <pc:picChg chg="add del mod ord">
-          <ac:chgData name="Nathaniel Watts" userId="b5f9068336b075df" providerId="LiveId" clId="{D20B6939-C64F-45AB-8FC1-E98E92BF2F38}" dt="2020-05-04T13:38:51.632" v="1114" actId="478"/>
-          <ac:picMkLst>
-            <pc:docMk/>
-            <pc:sldMk cId="0" sldId="259"/>
-            <ac:picMk id="3" creationId="{D0172B88-3A19-4314-8D6E-A7560AF10194}"/>
-          </ac:picMkLst>
-        </pc:picChg>
-        <pc:picChg chg="add">
-          <ac:chgData name="Nathaniel Watts" userId="b5f9068336b075df" providerId="LiveId" clId="{D20B6939-C64F-45AB-8FC1-E98E92BF2F38}" dt="2020-05-04T13:24:15.499" v="1074"/>
-          <ac:picMkLst>
-            <pc:docMk/>
-            <pc:sldMk cId="0" sldId="259"/>
-            <ac:picMk id="47" creationId="{F22BA257-0BA2-4E47-B8EA-E65C8DAE2672}"/>
-          </ac:picMkLst>
-        </pc:picChg>
-        <pc:picChg chg="add del">
-          <ac:chgData name="Nathaniel Watts" userId="b5f9068336b075df" providerId="LiveId" clId="{D20B6939-C64F-45AB-8FC1-E98E92BF2F38}" dt="2020-05-04T13:37:58.393" v="1101"/>
-          <ac:picMkLst>
-            <pc:docMk/>
-            <pc:sldMk cId="0" sldId="259"/>
-            <ac:picMk id="48" creationId="{2483D58C-FF1E-4629-AA62-9D21008FBCD4}"/>
-          </ac:picMkLst>
-        </pc:picChg>
-        <pc:picChg chg="add del mod ord">
-          <ac:chgData name="Nathaniel Watts" userId="b5f9068336b075df" providerId="LiveId" clId="{D20B6939-C64F-45AB-8FC1-E98E92BF2F38}" dt="2020-05-04T13:38:53.680" v="1115" actId="478"/>
-          <ac:picMkLst>
-            <pc:docMk/>
-            <pc:sldMk cId="0" sldId="259"/>
-            <ac:picMk id="49" creationId="{68599BBF-6EA7-4181-B2F6-981E09FC7E30}"/>
-          </ac:picMkLst>
-        </pc:picChg>
-        <pc:picChg chg="add ord">
-          <ac:chgData name="Nathaniel Watts" userId="b5f9068336b075df" providerId="LiveId" clId="{D20B6939-C64F-45AB-8FC1-E98E92BF2F38}" dt="2020-05-04T13:39:37.599" v="1123" actId="167"/>
-          <ac:picMkLst>
-            <pc:docMk/>
-            <pc:sldMk cId="0" sldId="259"/>
-            <ac:picMk id="50" creationId="{EC083F47-1AED-4B57-954B-4811C76FA812}"/>
-          </ac:picMkLst>
-        </pc:picChg>
-        <pc:picChg chg="add del">
-          <ac:chgData name="Nathaniel Watts" userId="b5f9068336b075df" providerId="LiveId" clId="{D20B6939-C64F-45AB-8FC1-E98E92BF2F38}" dt="2020-05-04T13:39:44.041" v="1125"/>
-          <ac:picMkLst>
-            <pc:docMk/>
-            <pc:sldMk cId="0" sldId="259"/>
-            <ac:picMk id="51" creationId="{8B6E70D5-1086-4586-A597-C11BB871C624}"/>
-          </ac:picMkLst>
-        </pc:picChg>
-        <pc:picChg chg="del">
-          <ac:chgData name="Nathaniel Watts" userId="b5f9068336b075df" providerId="LiveId" clId="{D20B6939-C64F-45AB-8FC1-E98E92BF2F38}" dt="2020-05-04T11:36:52.226" v="5" actId="478"/>
-          <ac:picMkLst>
-            <pc:docMk/>
-            <pc:sldMk cId="0" sldId="259"/>
-            <ac:picMk id="107" creationId="{00000000-0000-0000-0000-000000000000}"/>
-          </ac:picMkLst>
-        </pc:picChg>
-      </pc:sldChg>
-      <pc:sldChg chg="addSp delSp modSp">
-        <pc:chgData name="Nathaniel Watts" userId="b5f9068336b075df" providerId="LiveId" clId="{D20B6939-C64F-45AB-8FC1-E98E92BF2F38}" dt="2020-05-04T13:39:51.289" v="1127" actId="167"/>
-        <pc:sldMkLst>
-          <pc:docMk/>
-          <pc:sldMk cId="0" sldId="260"/>
-        </pc:sldMkLst>
-        <pc:picChg chg="add del mod ord">
-          <ac:chgData name="Nathaniel Watts" userId="b5f9068336b075df" providerId="LiveId" clId="{D20B6939-C64F-45AB-8FC1-E98E92BF2F38}" dt="2020-05-04T13:38:22.248" v="1110" actId="478"/>
-          <ac:picMkLst>
-            <pc:docMk/>
-            <pc:sldMk cId="0" sldId="260"/>
-            <ac:picMk id="3" creationId="{D95BEAE3-1D3F-46D4-886D-4A5BBE45F7F3}"/>
-          </ac:picMkLst>
-        </pc:picChg>
-        <pc:picChg chg="add">
-          <ac:chgData name="Nathaniel Watts" userId="b5f9068336b075df" providerId="LiveId" clId="{D20B6939-C64F-45AB-8FC1-E98E92BF2F38}" dt="2020-05-04T13:24:16.763" v="1075"/>
-          <ac:picMkLst>
-            <pc:docMk/>
-            <pc:sldMk cId="0" sldId="260"/>
-            <ac:picMk id="7" creationId="{9EEEAE76-A5D1-43EE-90A9-F0D7392BF829}"/>
-          </ac:picMkLst>
-        </pc:picChg>
-        <pc:picChg chg="add del">
-          <ac:chgData name="Nathaniel Watts" userId="b5f9068336b075df" providerId="LiveId" clId="{D20B6939-C64F-45AB-8FC1-E98E92BF2F38}" dt="2020-05-04T13:38:28.151" v="1112" actId="478"/>
-          <ac:picMkLst>
-            <pc:docMk/>
-            <pc:sldMk cId="0" sldId="260"/>
-            <ac:picMk id="8" creationId="{71859FD6-E1CC-400B-8E74-477D919CAFA4}"/>
-          </ac:picMkLst>
-        </pc:picChg>
-        <pc:picChg chg="add ord">
-          <ac:chgData name="Nathaniel Watts" userId="b5f9068336b075df" providerId="LiveId" clId="{D20B6939-C64F-45AB-8FC1-E98E92BF2F38}" dt="2020-05-04T13:39:51.289" v="1127" actId="167"/>
-          <ac:picMkLst>
-            <pc:docMk/>
-            <pc:sldMk cId="0" sldId="260"/>
-            <ac:picMk id="9" creationId="{CFF114B5-FB08-4F0B-A0C7-6FD5DDDD73FB}"/>
-          </ac:picMkLst>
-        </pc:picChg>
-        <pc:picChg chg="del">
-          <ac:chgData name="Nathaniel Watts" userId="b5f9068336b075df" providerId="LiveId" clId="{D20B6939-C64F-45AB-8FC1-E98E92BF2F38}" dt="2020-05-04T11:54:01.866" v="454" actId="478"/>
-          <ac:picMkLst>
-            <pc:docMk/>
-            <pc:sldMk cId="0" sldId="260"/>
-            <ac:picMk id="116" creationId="{00000000-0000-0000-0000-000000000000}"/>
-          </ac:picMkLst>
-        </pc:picChg>
-      </pc:sldChg>
-      <pc:sldChg chg="addSp delSp modSp">
-        <pc:chgData name="Nathaniel Watts" userId="b5f9068336b075df" providerId="LiveId" clId="{D20B6939-C64F-45AB-8FC1-E98E92BF2F38}" dt="2020-05-04T13:41:53.900" v="1159" actId="14100"/>
-        <pc:sldMkLst>
-          <pc:docMk/>
-          <pc:sldMk cId="0" sldId="261"/>
-        </pc:sldMkLst>
-        <pc:spChg chg="del">
-          <ac:chgData name="Nathaniel Watts" userId="b5f9068336b075df" providerId="LiveId" clId="{D20B6939-C64F-45AB-8FC1-E98E92BF2F38}" dt="2020-05-04T13:41:42.537" v="1157" actId="478"/>
-          <ac:spMkLst>
-            <pc:docMk/>
-            <pc:sldMk cId="0" sldId="261"/>
-            <ac:spMk id="124" creationId="{00000000-0000-0000-0000-000000000000}"/>
-          </ac:spMkLst>
-        </pc:spChg>
-        <pc:spChg chg="del">
-          <ac:chgData name="Nathaniel Watts" userId="b5f9068336b075df" providerId="LiveId" clId="{D20B6939-C64F-45AB-8FC1-E98E92BF2F38}" dt="2020-05-04T13:41:45.056" v="1158" actId="478"/>
-          <ac:spMkLst>
-            <pc:docMk/>
-            <pc:sldMk cId="0" sldId="261"/>
-            <ac:spMk id="125" creationId="{00000000-0000-0000-0000-000000000000}"/>
-          </ac:spMkLst>
-        </pc:spChg>
-        <pc:spChg chg="del">
-          <ac:chgData name="Nathaniel Watts" userId="b5f9068336b075df" providerId="LiveId" clId="{D20B6939-C64F-45AB-8FC1-E98E92BF2F38}" dt="2020-05-04T11:54:31.011" v="466" actId="478"/>
-          <ac:spMkLst>
-            <pc:docMk/>
-            <pc:sldMk cId="0" sldId="261"/>
-            <ac:spMk id="128" creationId="{00000000-0000-0000-0000-000000000000}"/>
-          </ac:spMkLst>
-        </pc:spChg>
-        <pc:spChg chg="del">
-          <ac:chgData name="Nathaniel Watts" userId="b5f9068336b075df" providerId="LiveId" clId="{D20B6939-C64F-45AB-8FC1-E98E92BF2F38}" dt="2020-05-04T11:54:29.555" v="465" actId="478"/>
-          <ac:spMkLst>
-            <pc:docMk/>
-            <pc:sldMk cId="0" sldId="261"/>
-            <ac:spMk id="129" creationId="{00000000-0000-0000-0000-000000000000}"/>
-          </ac:spMkLst>
-        </pc:spChg>
-        <pc:spChg chg="del">
-          <ac:chgData name="Nathaniel Watts" userId="b5f9068336b075df" providerId="LiveId" clId="{D20B6939-C64F-45AB-8FC1-E98E92BF2F38}" dt="2020-05-04T11:54:28.059" v="464" actId="478"/>
-          <ac:spMkLst>
-            <pc:docMk/>
-            <pc:sldMk cId="0" sldId="261"/>
-            <ac:spMk id="130" creationId="{00000000-0000-0000-0000-000000000000}"/>
-          </ac:spMkLst>
-        </pc:spChg>
-        <pc:spChg chg="mod">
-          <ac:chgData name="Nathaniel Watts" userId="b5f9068336b075df" providerId="LiveId" clId="{D20B6939-C64F-45AB-8FC1-E98E92BF2F38}" dt="2020-05-04T13:41:53.900" v="1159" actId="14100"/>
-          <ac:spMkLst>
-            <pc:docMk/>
-            <pc:sldMk cId="0" sldId="261"/>
-            <ac:spMk id="131" creationId="{00000000-0000-0000-0000-000000000000}"/>
-          </ac:spMkLst>
-        </pc:spChg>
-        <pc:picChg chg="add del mod ord">
-          <ac:chgData name="Nathaniel Watts" userId="b5f9068336b075df" providerId="LiveId" clId="{D20B6939-C64F-45AB-8FC1-E98E92BF2F38}" dt="2020-05-04T13:40:01.272" v="1128" actId="478"/>
-          <ac:picMkLst>
-            <pc:docMk/>
-            <pc:sldMk cId="0" sldId="261"/>
-            <ac:picMk id="3" creationId="{03BF60FE-0490-4E42-8230-C2350463EDA0}"/>
-          </ac:picMkLst>
-        </pc:picChg>
-        <pc:picChg chg="add mod">
-          <ac:chgData name="Nathaniel Watts" userId="b5f9068336b075df" providerId="LiveId" clId="{D20B6939-C64F-45AB-8FC1-E98E92BF2F38}" dt="2020-05-04T13:24:22.814" v="1078" actId="1035"/>
-          <ac:picMkLst>
-            <pc:docMk/>
-            <pc:sldMk cId="0" sldId="261"/>
-            <ac:picMk id="14" creationId="{78F7C461-6B95-423D-B7E0-616ABABA75F4}"/>
-          </ac:picMkLst>
-        </pc:picChg>
-        <pc:picChg chg="add ord">
-          <ac:chgData name="Nathaniel Watts" userId="b5f9068336b075df" providerId="LiveId" clId="{D20B6939-C64F-45AB-8FC1-E98E92BF2F38}" dt="2020-05-04T13:40:03.378" v="1130" actId="167"/>
-          <ac:picMkLst>
-            <pc:docMk/>
-            <pc:sldMk cId="0" sldId="261"/>
-            <ac:picMk id="15" creationId="{6ECC2C3C-FDDD-416D-8D62-85893B042F34}"/>
-          </ac:picMkLst>
-        </pc:picChg>
-        <pc:picChg chg="del">
-          <ac:chgData name="Nathaniel Watts" userId="b5f9068336b075df" providerId="LiveId" clId="{D20B6939-C64F-45AB-8FC1-E98E92BF2F38}" dt="2020-05-04T11:54:16.282" v="459" actId="478"/>
-          <ac:picMkLst>
-            <pc:docMk/>
-            <pc:sldMk cId="0" sldId="261"/>
-            <ac:picMk id="121" creationId="{00000000-0000-0000-0000-000000000000}"/>
-          </ac:picMkLst>
-        </pc:picChg>
-      </pc:sldChg>
-      <pc:sldChg chg="addSp delSp modSp">
-        <pc:chgData name="Nathaniel Watts" userId="b5f9068336b075df" providerId="LiveId" clId="{D20B6939-C64F-45AB-8FC1-E98E92BF2F38}" dt="2020-05-04T13:40:09.120" v="1133" actId="167"/>
-        <pc:sldMkLst>
-          <pc:docMk/>
-          <pc:sldMk cId="0" sldId="262"/>
-        </pc:sldMkLst>
-        <pc:picChg chg="add del mod ord">
-          <ac:chgData name="Nathaniel Watts" userId="b5f9068336b075df" providerId="LiveId" clId="{D20B6939-C64F-45AB-8FC1-E98E92BF2F38}" dt="2020-05-04T13:40:07.072" v="1131" actId="478"/>
-          <ac:picMkLst>
-            <pc:docMk/>
-            <pc:sldMk cId="0" sldId="262"/>
-            <ac:picMk id="3" creationId="{CBA513DE-1730-4370-A302-8EA535AE3622}"/>
-          </ac:picMkLst>
-        </pc:picChg>
-        <pc:picChg chg="add">
-          <ac:chgData name="Nathaniel Watts" userId="b5f9068336b075df" providerId="LiveId" clId="{D20B6939-C64F-45AB-8FC1-E98E92BF2F38}" dt="2020-05-04T13:24:25.018" v="1079"/>
-          <ac:picMkLst>
-            <pc:docMk/>
-            <pc:sldMk cId="0" sldId="262"/>
-            <ac:picMk id="8" creationId="{EA0122BE-093B-44D5-B949-04E1CE741657}"/>
-          </ac:picMkLst>
-        </pc:picChg>
-        <pc:picChg chg="add ord">
-          <ac:chgData name="Nathaniel Watts" userId="b5f9068336b075df" providerId="LiveId" clId="{D20B6939-C64F-45AB-8FC1-E98E92BF2F38}" dt="2020-05-04T13:40:09.120" v="1133" actId="167"/>
-          <ac:picMkLst>
-            <pc:docMk/>
-            <pc:sldMk cId="0" sldId="262"/>
-            <ac:picMk id="9" creationId="{1E788148-314A-424B-B731-A8A5E0FCF88E}"/>
-          </ac:picMkLst>
-        </pc:picChg>
-        <pc:picChg chg="del">
-          <ac:chgData name="Nathaniel Watts" userId="b5f9068336b075df" providerId="LiveId" clId="{D20B6939-C64F-45AB-8FC1-E98E92BF2F38}" dt="2020-05-04T11:54:48.779" v="467" actId="478"/>
-          <ac:picMkLst>
-            <pc:docMk/>
-            <pc:sldMk cId="0" sldId="262"/>
-            <ac:picMk id="136" creationId="{00000000-0000-0000-0000-000000000000}"/>
-          </ac:picMkLst>
-        </pc:picChg>
-      </pc:sldChg>
-      <pc:sldChg chg="addSp delSp modSp">
-        <pc:chgData name="Nathaniel Watts" userId="b5f9068336b075df" providerId="LiveId" clId="{D20B6939-C64F-45AB-8FC1-E98E92BF2F38}" dt="2020-05-04T13:40:17.191" v="1136" actId="167"/>
-        <pc:sldMkLst>
-          <pc:docMk/>
-          <pc:sldMk cId="0" sldId="263"/>
-        </pc:sldMkLst>
-        <pc:picChg chg="add del mod ord">
-          <ac:chgData name="Nathaniel Watts" userId="b5f9068336b075df" providerId="LiveId" clId="{D20B6939-C64F-45AB-8FC1-E98E92BF2F38}" dt="2020-05-04T13:40:13.424" v="1134" actId="478"/>
-          <ac:picMkLst>
-            <pc:docMk/>
-            <pc:sldMk cId="0" sldId="263"/>
-            <ac:picMk id="3" creationId="{32B5A81F-B5A7-4123-9C84-7ED92A80255E}"/>
-          </ac:picMkLst>
-        </pc:picChg>
-        <pc:picChg chg="add">
-          <ac:chgData name="Nathaniel Watts" userId="b5f9068336b075df" providerId="LiveId" clId="{D20B6939-C64F-45AB-8FC1-E98E92BF2F38}" dt="2020-05-04T13:24:29.212" v="1080"/>
-          <ac:picMkLst>
-            <pc:docMk/>
-            <pc:sldMk cId="0" sldId="263"/>
-            <ac:picMk id="7" creationId="{1ECB3249-E3C6-4CB8-A01D-D560B9134059}"/>
-          </ac:picMkLst>
-        </pc:picChg>
-        <pc:picChg chg="add ord">
-          <ac:chgData name="Nathaniel Watts" userId="b5f9068336b075df" providerId="LiveId" clId="{D20B6939-C64F-45AB-8FC1-E98E92BF2F38}" dt="2020-05-04T13:40:17.191" v="1136" actId="167"/>
-          <ac:picMkLst>
-            <pc:docMk/>
-            <pc:sldMk cId="0" sldId="263"/>
-            <ac:picMk id="8" creationId="{4625AAC1-DAB6-4127-A20E-FF0D155AF303}"/>
-          </ac:picMkLst>
-        </pc:picChg>
-        <pc:picChg chg="del">
-          <ac:chgData name="Nathaniel Watts" userId="b5f9068336b075df" providerId="LiveId" clId="{D20B6939-C64F-45AB-8FC1-E98E92BF2F38}" dt="2020-05-04T11:55:00.162" v="472" actId="478"/>
-          <ac:picMkLst>
-            <pc:docMk/>
-            <pc:sldMk cId="0" sldId="263"/>
-            <ac:picMk id="142" creationId="{00000000-0000-0000-0000-000000000000}"/>
-          </ac:picMkLst>
-        </pc:picChg>
-      </pc:sldChg>
-      <pc:sldChg chg="addSp delSp modSp">
-        <pc:chgData name="Nathaniel Watts" userId="b5f9068336b075df" providerId="LiveId" clId="{D20B6939-C64F-45AB-8FC1-E98E92BF2F38}" dt="2020-05-04T13:24:31.691" v="1081"/>
-        <pc:sldMkLst>
-          <pc:docMk/>
-          <pc:sldMk cId="0" sldId="264"/>
-        </pc:sldMkLst>
-        <pc:picChg chg="add mod ord">
-          <ac:chgData name="Nathaniel Watts" userId="b5f9068336b075df" providerId="LiveId" clId="{D20B6939-C64F-45AB-8FC1-E98E92BF2F38}" dt="2020-05-04T12:06:11.558" v="746" actId="167"/>
-          <ac:picMkLst>
-            <pc:docMk/>
-            <pc:sldMk cId="0" sldId="264"/>
-            <ac:picMk id="3" creationId="{A7D42D52-B117-4524-B47A-C41B47391081}"/>
-          </ac:picMkLst>
-        </pc:picChg>
-        <pc:picChg chg="add">
-          <ac:chgData name="Nathaniel Watts" userId="b5f9068336b075df" providerId="LiveId" clId="{D20B6939-C64F-45AB-8FC1-E98E92BF2F38}" dt="2020-05-04T13:24:31.691" v="1081"/>
-          <ac:picMkLst>
-            <pc:docMk/>
-            <pc:sldMk cId="0" sldId="264"/>
-            <ac:picMk id="6" creationId="{03AAF450-CAAC-47E4-87BD-606271826882}"/>
-          </ac:picMkLst>
-        </pc:picChg>
-        <pc:picChg chg="del">
-          <ac:chgData name="Nathaniel Watts" userId="b5f9068336b075df" providerId="LiveId" clId="{D20B6939-C64F-45AB-8FC1-E98E92BF2F38}" dt="2020-05-04T12:06:07.370" v="742" actId="478"/>
-          <ac:picMkLst>
-            <pc:docMk/>
-            <pc:sldMk cId="0" sldId="264"/>
-            <ac:picMk id="147" creationId="{00000000-0000-0000-0000-000000000000}"/>
-          </ac:picMkLst>
-        </pc:picChg>
-      </pc:sldChg>
-      <pc:sldChg chg="addSp delSp modSp">
-        <pc:chgData name="Nathaniel Watts" userId="b5f9068336b075df" providerId="LiveId" clId="{D20B6939-C64F-45AB-8FC1-E98E92BF2F38}" dt="2020-05-04T13:24:50.692" v="1092" actId="1076"/>
-        <pc:sldMkLst>
-          <pc:docMk/>
-          <pc:sldMk cId="0" sldId="265"/>
-        </pc:sldMkLst>
-        <pc:picChg chg="add mod ord">
-          <ac:chgData name="Nathaniel Watts" userId="b5f9068336b075df" providerId="LiveId" clId="{D20B6939-C64F-45AB-8FC1-E98E92BF2F38}" dt="2020-05-04T12:06:40.330" v="758" actId="1035"/>
-          <ac:picMkLst>
-            <pc:docMk/>
-            <pc:sldMk cId="0" sldId="265"/>
-            <ac:picMk id="3" creationId="{64F9DF54-BC4C-4FDA-8F4B-0E3E0A4C551F}"/>
-          </ac:picMkLst>
-        </pc:picChg>
-        <pc:picChg chg="add mod">
-          <ac:chgData name="Nathaniel Watts" userId="b5f9068336b075df" providerId="LiveId" clId="{D20B6939-C64F-45AB-8FC1-E98E92BF2F38}" dt="2020-05-04T13:24:50.692" v="1092" actId="1076"/>
-          <ac:picMkLst>
-            <pc:docMk/>
-            <pc:sldMk cId="0" sldId="265"/>
-            <ac:picMk id="7" creationId="{CA5EEFC6-FCEE-4A14-85EB-E8178B1CE912}"/>
-          </ac:picMkLst>
-        </pc:picChg>
-        <pc:picChg chg="del">
-          <ac:chgData name="Nathaniel Watts" userId="b5f9068336b075df" providerId="LiveId" clId="{D20B6939-C64F-45AB-8FC1-E98E92BF2F38}" dt="2020-05-04T12:06:21.562" v="747" actId="478"/>
-          <ac:picMkLst>
-            <pc:docMk/>
-            <pc:sldMk cId="0" sldId="265"/>
-            <ac:picMk id="151" creationId="{00000000-0000-0000-0000-000000000000}"/>
-          </ac:picMkLst>
-        </pc:picChg>
-      </pc:sldChg>
-      <pc:sldChg chg="addSp delSp modSp">
-        <pc:chgData name="Nathaniel Watts" userId="b5f9068336b075df" providerId="LiveId" clId="{D20B6939-C64F-45AB-8FC1-E98E92BF2F38}" dt="2020-05-04T13:47:43.033" v="1238" actId="14100"/>
-        <pc:sldMkLst>
-          <pc:docMk/>
-          <pc:sldMk cId="0" sldId="266"/>
-        </pc:sldMkLst>
-        <pc:spChg chg="add mod">
-          <ac:chgData name="Nathaniel Watts" userId="b5f9068336b075df" providerId="LiveId" clId="{D20B6939-C64F-45AB-8FC1-E98E92BF2F38}" dt="2020-05-04T12:03:40.427" v="733" actId="1036"/>
-          <ac:spMkLst>
-            <pc:docMk/>
-            <pc:sldMk cId="0" sldId="266"/>
-            <ac:spMk id="9" creationId="{BE9DE378-0938-4F3D-A30C-C9436725B451}"/>
-          </ac:spMkLst>
-        </pc:spChg>
-        <pc:spChg chg="add mod">
-          <ac:chgData name="Nathaniel Watts" userId="b5f9068336b075df" providerId="LiveId" clId="{D20B6939-C64F-45AB-8FC1-E98E92BF2F38}" dt="2020-05-04T12:09:38.028" v="774" actId="1037"/>
-          <ac:spMkLst>
-            <pc:docMk/>
-            <pc:sldMk cId="0" sldId="266"/>
-            <ac:spMk id="10" creationId="{4CA8035B-3CF0-4796-9F5B-1198EC21D6CB}"/>
-          </ac:spMkLst>
-        </pc:spChg>
-        <pc:spChg chg="add mod">
-          <ac:chgData name="Nathaniel Watts" userId="b5f9068336b075df" providerId="LiveId" clId="{D20B6939-C64F-45AB-8FC1-E98E92BF2F38}" dt="2020-05-04T12:03:53.827" v="741" actId="1036"/>
-          <ac:spMkLst>
-            <pc:docMk/>
-            <pc:sldMk cId="0" sldId="266"/>
-            <ac:spMk id="11" creationId="{276FEDFD-AAD5-4650-A10B-15C457B0CD1E}"/>
-          </ac:spMkLst>
-        </pc:spChg>
-        <pc:spChg chg="add mod">
-          <ac:chgData name="Nathaniel Watts" userId="b5f9068336b075df" providerId="LiveId" clId="{D20B6939-C64F-45AB-8FC1-E98E92BF2F38}" dt="2020-05-04T12:03:53.827" v="741" actId="1036"/>
-          <ac:spMkLst>
-            <pc:docMk/>
-            <pc:sldMk cId="0" sldId="266"/>
-            <ac:spMk id="12" creationId="{7E69951D-FCE6-450E-9684-AF3CF5D7D219}"/>
-          </ac:spMkLst>
-        </pc:spChg>
-        <pc:spChg chg="add mod">
-          <ac:chgData name="Nathaniel Watts" userId="b5f9068336b075df" providerId="LiveId" clId="{D20B6939-C64F-45AB-8FC1-E98E92BF2F38}" dt="2020-05-04T12:03:28.347" v="709" actId="1035"/>
-          <ac:spMkLst>
-            <pc:docMk/>
-            <pc:sldMk cId="0" sldId="266"/>
-            <ac:spMk id="13" creationId="{233B8AF5-5F3F-4912-BC14-945A33F05B64}"/>
-          </ac:spMkLst>
-        </pc:spChg>
-        <pc:spChg chg="add mod">
-          <ac:chgData name="Nathaniel Watts" userId="b5f9068336b075df" providerId="LiveId" clId="{D20B6939-C64F-45AB-8FC1-E98E92BF2F38}" dt="2020-05-04T12:09:32.083" v="767" actId="1037"/>
-          <ac:spMkLst>
-            <pc:docMk/>
-            <pc:sldMk cId="0" sldId="266"/>
-            <ac:spMk id="14" creationId="{A14113E2-4446-4035-93EB-D1859871DBFD}"/>
-          </ac:spMkLst>
-        </pc:spChg>
-        <pc:spChg chg="add mod">
-          <ac:chgData name="Nathaniel Watts" userId="b5f9068336b075df" providerId="LiveId" clId="{D20B6939-C64F-45AB-8FC1-E98E92BF2F38}" dt="2020-05-04T12:03:22.755" v="702" actId="1035"/>
-          <ac:spMkLst>
-            <pc:docMk/>
-            <pc:sldMk cId="0" sldId="266"/>
-            <ac:spMk id="15" creationId="{F893FD61-902B-4851-9CBF-A80BCBE416F0}"/>
-          </ac:spMkLst>
-        </pc:spChg>
-        <pc:spChg chg="add mod">
-          <ac:chgData name="Nathaniel Watts" userId="b5f9068336b075df" providerId="LiveId" clId="{D20B6939-C64F-45AB-8FC1-E98E92BF2F38}" dt="2020-05-04T12:09:35.331" v="772" actId="1038"/>
-          <ac:spMkLst>
-            <pc:docMk/>
-            <pc:sldMk cId="0" sldId="266"/>
-            <ac:spMk id="16" creationId="{3F8E98A3-568A-4CDF-9CE6-30EA02114835}"/>
-          </ac:spMkLst>
-        </pc:spChg>
-        <pc:spChg chg="ord">
-          <ac:chgData name="Nathaniel Watts" userId="b5f9068336b075df" providerId="LiveId" clId="{D20B6939-C64F-45AB-8FC1-E98E92BF2F38}" dt="2020-05-04T13:47:39.476" v="1237" actId="166"/>
-          <ac:spMkLst>
-            <pc:docMk/>
-            <pc:sldMk cId="0" sldId="266"/>
-            <ac:spMk id="158" creationId="{00000000-0000-0000-0000-000000000000}"/>
-          </ac:spMkLst>
-        </pc:spChg>
-        <pc:picChg chg="add mod ord">
-          <ac:chgData name="Nathaniel Watts" userId="b5f9068336b075df" providerId="LiveId" clId="{D20B6939-C64F-45AB-8FC1-E98E92BF2F38}" dt="2020-05-04T12:03:07.367" v="605" actId="1076"/>
-          <ac:picMkLst>
-            <pc:docMk/>
-            <pc:sldMk cId="0" sldId="266"/>
-            <ac:picMk id="3" creationId="{7CDF4F4D-EA97-43B2-80C1-1DD327F0633D}"/>
-          </ac:picMkLst>
-        </pc:picChg>
-        <pc:picChg chg="add mod modCrop">
-          <ac:chgData name="Nathaniel Watts" userId="b5f9068336b075df" providerId="LiveId" clId="{D20B6939-C64F-45AB-8FC1-E98E92BF2F38}" dt="2020-05-04T13:47:43.033" v="1238" actId="14100"/>
-          <ac:picMkLst>
-            <pc:docMk/>
-            <pc:sldMk cId="0" sldId="266"/>
-            <ac:picMk id="4" creationId="{DDFB02C1-4B1C-4748-8EA3-563F3D9732C6}"/>
-          </ac:picMkLst>
-        </pc:picChg>
-        <pc:picChg chg="add mod ord">
-          <ac:chgData name="Nathaniel Watts" userId="b5f9068336b075df" providerId="LiveId" clId="{D20B6939-C64F-45AB-8FC1-E98E92BF2F38}" dt="2020-05-04T12:08:56.038" v="765" actId="167"/>
-          <ac:picMkLst>
-            <pc:docMk/>
-            <pc:sldMk cId="0" sldId="266"/>
-            <ac:picMk id="5" creationId="{8C9E0529-C800-4639-B5BE-C78704DBB1E3}"/>
-          </ac:picMkLst>
-        </pc:picChg>
-        <pc:picChg chg="add mod modCrop">
-          <ac:chgData name="Nathaniel Watts" userId="b5f9068336b075df" providerId="LiveId" clId="{D20B6939-C64F-45AB-8FC1-E98E92BF2F38}" dt="2020-05-04T13:44:40.303" v="1181" actId="1076"/>
-          <ac:picMkLst>
-            <pc:docMk/>
-            <pc:sldMk cId="0" sldId="266"/>
-            <ac:picMk id="17" creationId="{033EA07E-87FB-4232-B500-80B02F6A2858}"/>
-          </ac:picMkLst>
-        </pc:picChg>
-        <pc:picChg chg="add del mod">
-          <ac:chgData name="Nathaniel Watts" userId="b5f9068336b075df" providerId="LiveId" clId="{D20B6939-C64F-45AB-8FC1-E98E92BF2F38}" dt="2020-05-04T13:24:46.343" v="1091" actId="478"/>
-          <ac:picMkLst>
-            <pc:docMk/>
-            <pc:sldMk cId="0" sldId="266"/>
-            <ac:picMk id="17" creationId="{F7D027FE-71A6-465D-B584-37111091D734}"/>
-          </ac:picMkLst>
-        </pc:picChg>
-        <pc:picChg chg="del">
-          <ac:chgData name="Nathaniel Watts" userId="b5f9068336b075df" providerId="LiveId" clId="{D20B6939-C64F-45AB-8FC1-E98E92BF2F38}" dt="2020-05-04T12:00:40.675" v="477" actId="478"/>
-          <ac:picMkLst>
-            <pc:docMk/>
-            <pc:sldMk cId="0" sldId="266"/>
-            <ac:picMk id="156" creationId="{00000000-0000-0000-0000-000000000000}"/>
-          </ac:picMkLst>
-        </pc:picChg>
-        <pc:picChg chg="del mod">
-          <ac:chgData name="Nathaniel Watts" userId="b5f9068336b075df" providerId="LiveId" clId="{D20B6939-C64F-45AB-8FC1-E98E92BF2F38}" dt="2020-05-04T12:08:43.603" v="763" actId="478"/>
-          <ac:picMkLst>
-            <pc:docMk/>
-            <pc:sldMk cId="0" sldId="266"/>
-            <ac:picMk id="157" creationId="{00000000-0000-0000-0000-000000000000}"/>
-          </ac:picMkLst>
-        </pc:picChg>
-      </pc:sldChg>
-      <pc:sldChg chg="addSp delSp modSp">
-        <pc:chgData name="Nathaniel Watts" userId="b5f9068336b075df" providerId="LiveId" clId="{D20B6939-C64F-45AB-8FC1-E98E92BF2F38}" dt="2020-05-04T13:46:06.752" v="1219" actId="1036"/>
-        <pc:sldMkLst>
-          <pc:docMk/>
-          <pc:sldMk cId="0" sldId="267"/>
-        </pc:sldMkLst>
-        <pc:spChg chg="add ord">
-          <ac:chgData name="Nathaniel Watts" userId="b5f9068336b075df" providerId="LiveId" clId="{D20B6939-C64F-45AB-8FC1-E98E92BF2F38}" dt="2020-05-04T12:10:02.591" v="778" actId="167"/>
-          <ac:spMkLst>
-            <pc:docMk/>
-            <pc:sldMk cId="0" sldId="267"/>
-            <ac:spMk id="9" creationId="{B8944B52-4349-4E92-B589-EC82C8627DB3}"/>
-          </ac:spMkLst>
-        </pc:spChg>
-        <pc:spChg chg="add ord">
-          <ac:chgData name="Nathaniel Watts" userId="b5f9068336b075df" providerId="LiveId" clId="{D20B6939-C64F-45AB-8FC1-E98E92BF2F38}" dt="2020-05-04T12:10:02.591" v="778" actId="167"/>
-          <ac:spMkLst>
-            <pc:docMk/>
-            <pc:sldMk cId="0" sldId="267"/>
-            <ac:spMk id="10" creationId="{D49CC573-B2B2-4DBB-905C-7D7A2F099726}"/>
-          </ac:spMkLst>
-        </pc:spChg>
-        <pc:spChg chg="add ord">
-          <ac:chgData name="Nathaniel Watts" userId="b5f9068336b075df" providerId="LiveId" clId="{D20B6939-C64F-45AB-8FC1-E98E92BF2F38}" dt="2020-05-04T12:10:02.591" v="778" actId="167"/>
-          <ac:spMkLst>
-            <pc:docMk/>
-            <pc:sldMk cId="0" sldId="267"/>
-            <ac:spMk id="11" creationId="{7293549B-18C2-409A-A5FB-1968F564F9E3}"/>
-          </ac:spMkLst>
-        </pc:spChg>
-        <pc:spChg chg="add ord">
-          <ac:chgData name="Nathaniel Watts" userId="b5f9068336b075df" providerId="LiveId" clId="{D20B6939-C64F-45AB-8FC1-E98E92BF2F38}" dt="2020-05-04T12:10:02.591" v="778" actId="167"/>
-          <ac:spMkLst>
-            <pc:docMk/>
-            <pc:sldMk cId="0" sldId="267"/>
-            <ac:spMk id="12" creationId="{64975837-4470-486B-A966-DCE6C6DABAFD}"/>
-          </ac:spMkLst>
-        </pc:spChg>
-        <pc:spChg chg="add ord">
-          <ac:chgData name="Nathaniel Watts" userId="b5f9068336b075df" providerId="LiveId" clId="{D20B6939-C64F-45AB-8FC1-E98E92BF2F38}" dt="2020-05-04T12:10:02.591" v="778" actId="167"/>
-          <ac:spMkLst>
-            <pc:docMk/>
-            <pc:sldMk cId="0" sldId="267"/>
-            <ac:spMk id="13" creationId="{3995EB07-30F9-4170-BAB6-3C182570A20E}"/>
-          </ac:spMkLst>
-        </pc:spChg>
-        <pc:spChg chg="add ord">
-          <ac:chgData name="Nathaniel Watts" userId="b5f9068336b075df" providerId="LiveId" clId="{D20B6939-C64F-45AB-8FC1-E98E92BF2F38}" dt="2020-05-04T12:10:02.591" v="778" actId="167"/>
-          <ac:spMkLst>
-            <pc:docMk/>
-            <pc:sldMk cId="0" sldId="267"/>
-            <ac:spMk id="14" creationId="{E279CEA0-C8C4-4A22-B677-87EEA8CF2920}"/>
-          </ac:spMkLst>
-        </pc:spChg>
-        <pc:spChg chg="add ord">
-          <ac:chgData name="Nathaniel Watts" userId="b5f9068336b075df" providerId="LiveId" clId="{D20B6939-C64F-45AB-8FC1-E98E92BF2F38}" dt="2020-05-04T12:10:02.591" v="778" actId="167"/>
-          <ac:spMkLst>
-            <pc:docMk/>
-            <pc:sldMk cId="0" sldId="267"/>
-            <ac:spMk id="15" creationId="{31678479-5D68-49AB-960A-E52C7CF44CD3}"/>
-          </ac:spMkLst>
-        </pc:spChg>
-        <pc:spChg chg="add ord">
-          <ac:chgData name="Nathaniel Watts" userId="b5f9068336b075df" providerId="LiveId" clId="{D20B6939-C64F-45AB-8FC1-E98E92BF2F38}" dt="2020-05-04T12:10:02.591" v="778" actId="167"/>
-          <ac:spMkLst>
-            <pc:docMk/>
-            <pc:sldMk cId="0" sldId="267"/>
-            <ac:spMk id="16" creationId="{E9C9AB1E-6200-4441-81FE-D006719FA7CE}"/>
-          </ac:spMkLst>
-        </pc:spChg>
-        <pc:spChg chg="ord">
-          <ac:chgData name="Nathaniel Watts" userId="b5f9068336b075df" providerId="LiveId" clId="{D20B6939-C64F-45AB-8FC1-E98E92BF2F38}" dt="2020-05-04T13:45:58.837" v="1194" actId="166"/>
-          <ac:spMkLst>
-            <pc:docMk/>
-            <pc:sldMk cId="0" sldId="267"/>
-            <ac:spMk id="163" creationId="{00000000-0000-0000-0000-000000000000}"/>
-          </ac:spMkLst>
-        </pc:spChg>
-        <pc:picChg chg="add ord">
-          <ac:chgData name="Nathaniel Watts" userId="b5f9068336b075df" providerId="LiveId" clId="{D20B6939-C64F-45AB-8FC1-E98E92BF2F38}" dt="2020-05-04T12:10:02.591" v="778" actId="167"/>
-          <ac:picMkLst>
-            <pc:docMk/>
-            <pc:sldMk cId="0" sldId="267"/>
-            <ac:picMk id="8" creationId="{F4683EF0-63A6-4A25-8C9E-66699CEF2C4F}"/>
-          </ac:picMkLst>
-        </pc:picChg>
-        <pc:picChg chg="add del mod">
-          <ac:chgData name="Nathaniel Watts" userId="b5f9068336b075df" providerId="LiveId" clId="{D20B6939-C64F-45AB-8FC1-E98E92BF2F38}" dt="2020-05-04T13:45:48.776" v="1191" actId="478"/>
-          <ac:picMkLst>
-            <pc:docMk/>
-            <pc:sldMk cId="0" sldId="267"/>
-            <ac:picMk id="17" creationId="{76E5CBC1-B1DE-4B12-A1D3-855D2DA2DDC8}"/>
-          </ac:picMkLst>
-        </pc:picChg>
-        <pc:picChg chg="add del mod">
-          <ac:chgData name="Nathaniel Watts" userId="b5f9068336b075df" providerId="LiveId" clId="{D20B6939-C64F-45AB-8FC1-E98E92BF2F38}" dt="2020-05-04T13:45:48.103" v="1190" actId="478"/>
-          <ac:picMkLst>
-            <pc:docMk/>
-            <pc:sldMk cId="0" sldId="267"/>
-            <ac:picMk id="18" creationId="{D838B565-054B-40D1-A2C1-44560E13FB47}"/>
-          </ac:picMkLst>
-        </pc:picChg>
-        <pc:picChg chg="add mod">
-          <ac:chgData name="Nathaniel Watts" userId="b5f9068336b075df" providerId="LiveId" clId="{D20B6939-C64F-45AB-8FC1-E98E92BF2F38}" dt="2020-05-04T13:46:06.752" v="1219" actId="1036"/>
-          <ac:picMkLst>
-            <pc:docMk/>
-            <pc:sldMk cId="0" sldId="267"/>
-            <ac:picMk id="19" creationId="{6A6CDDF8-FA6D-4E51-80E5-DD32D78D9FEA}"/>
-          </ac:picMkLst>
-        </pc:picChg>
-        <pc:picChg chg="add">
-          <ac:chgData name="Nathaniel Watts" userId="b5f9068336b075df" providerId="LiveId" clId="{D20B6939-C64F-45AB-8FC1-E98E92BF2F38}" dt="2020-05-04T13:45:50.260" v="1192"/>
-          <ac:picMkLst>
-            <pc:docMk/>
-            <pc:sldMk cId="0" sldId="267"/>
-            <ac:picMk id="20" creationId="{7B9F7A89-9A4E-41AB-8D26-FA53E6B9C25D}"/>
-          </ac:picMkLst>
-        </pc:picChg>
-        <pc:picChg chg="del">
-          <ac:chgData name="Nathaniel Watts" userId="b5f9068336b075df" providerId="LiveId" clId="{D20B6939-C64F-45AB-8FC1-E98E92BF2F38}" dt="2020-05-04T12:09:54.563" v="775" actId="478"/>
-          <ac:picMkLst>
-            <pc:docMk/>
-            <pc:sldMk cId="0" sldId="267"/>
-            <ac:picMk id="161" creationId="{00000000-0000-0000-0000-000000000000}"/>
-          </ac:picMkLst>
-        </pc:picChg>
-        <pc:picChg chg="del">
-          <ac:chgData name="Nathaniel Watts" userId="b5f9068336b075df" providerId="LiveId" clId="{D20B6939-C64F-45AB-8FC1-E98E92BF2F38}" dt="2020-05-04T12:09:55.579" v="776" actId="478"/>
-          <ac:picMkLst>
-            <pc:docMk/>
-            <pc:sldMk cId="0" sldId="267"/>
-            <ac:picMk id="162" creationId="{00000000-0000-0000-0000-000000000000}"/>
-          </ac:picMkLst>
-        </pc:picChg>
-      </pc:sldChg>
-      <pc:sldChg chg="addSp delSp modSp">
-        <pc:chgData name="Nathaniel Watts" userId="b5f9068336b075df" providerId="LiveId" clId="{D20B6939-C64F-45AB-8FC1-E98E92BF2F38}" dt="2020-05-04T13:48:12.673" v="1242" actId="14100"/>
-        <pc:sldMkLst>
-          <pc:docMk/>
-          <pc:sldMk cId="0" sldId="268"/>
-        </pc:sldMkLst>
-        <pc:spChg chg="add ord">
-          <ac:chgData name="Nathaniel Watts" userId="b5f9068336b075df" providerId="LiveId" clId="{D20B6939-C64F-45AB-8FC1-E98E92BF2F38}" dt="2020-05-04T12:10:20.531" v="782" actId="167"/>
-          <ac:spMkLst>
-            <pc:docMk/>
-            <pc:sldMk cId="0" sldId="268"/>
-            <ac:spMk id="10" creationId="{DC74DFFC-B367-49B6-9100-9E4B21DC5E5D}"/>
-          </ac:spMkLst>
-        </pc:spChg>
-        <pc:spChg chg="add ord">
-          <ac:chgData name="Nathaniel Watts" userId="b5f9068336b075df" providerId="LiveId" clId="{D20B6939-C64F-45AB-8FC1-E98E92BF2F38}" dt="2020-05-04T12:10:20.531" v="782" actId="167"/>
-          <ac:spMkLst>
-            <pc:docMk/>
-            <pc:sldMk cId="0" sldId="268"/>
-            <ac:spMk id="11" creationId="{A07E21D4-2A68-4201-B800-75EDD542DB8F}"/>
-          </ac:spMkLst>
-        </pc:spChg>
-        <pc:spChg chg="add ord">
-          <ac:chgData name="Nathaniel Watts" userId="b5f9068336b075df" providerId="LiveId" clId="{D20B6939-C64F-45AB-8FC1-E98E92BF2F38}" dt="2020-05-04T12:10:20.531" v="782" actId="167"/>
-          <ac:spMkLst>
-            <pc:docMk/>
-            <pc:sldMk cId="0" sldId="268"/>
-            <ac:spMk id="12" creationId="{22AB505B-CD44-40BE-937D-C5312045DDEB}"/>
-          </ac:spMkLst>
-        </pc:spChg>
-        <pc:spChg chg="add ord">
-          <ac:chgData name="Nathaniel Watts" userId="b5f9068336b075df" providerId="LiveId" clId="{D20B6939-C64F-45AB-8FC1-E98E92BF2F38}" dt="2020-05-04T12:10:20.531" v="782" actId="167"/>
-          <ac:spMkLst>
-            <pc:docMk/>
-            <pc:sldMk cId="0" sldId="268"/>
-            <ac:spMk id="13" creationId="{0826A0AA-D0ED-4CC0-98D8-15422B2855BE}"/>
-          </ac:spMkLst>
-        </pc:spChg>
-        <pc:spChg chg="add ord">
-          <ac:chgData name="Nathaniel Watts" userId="b5f9068336b075df" providerId="LiveId" clId="{D20B6939-C64F-45AB-8FC1-E98E92BF2F38}" dt="2020-05-04T12:10:20.531" v="782" actId="167"/>
-          <ac:spMkLst>
-            <pc:docMk/>
-            <pc:sldMk cId="0" sldId="268"/>
-            <ac:spMk id="14" creationId="{C3882130-583C-4D02-9301-52BCD3D19105}"/>
-          </ac:spMkLst>
-        </pc:spChg>
-        <pc:spChg chg="add ord">
-          <ac:chgData name="Nathaniel Watts" userId="b5f9068336b075df" providerId="LiveId" clId="{D20B6939-C64F-45AB-8FC1-E98E92BF2F38}" dt="2020-05-04T12:10:20.531" v="782" actId="167"/>
-          <ac:spMkLst>
-            <pc:docMk/>
-            <pc:sldMk cId="0" sldId="268"/>
-            <ac:spMk id="15" creationId="{20858B55-B50D-4D96-81ED-EB333F293DFC}"/>
-          </ac:spMkLst>
-        </pc:spChg>
-        <pc:spChg chg="add ord">
-          <ac:chgData name="Nathaniel Watts" userId="b5f9068336b075df" providerId="LiveId" clId="{D20B6939-C64F-45AB-8FC1-E98E92BF2F38}" dt="2020-05-04T12:10:20.531" v="782" actId="167"/>
-          <ac:spMkLst>
-            <pc:docMk/>
-            <pc:sldMk cId="0" sldId="268"/>
-            <ac:spMk id="16" creationId="{9D05FD1B-8EE9-4B81-B2DE-2571619385D6}"/>
-          </ac:spMkLst>
-        </pc:spChg>
-        <pc:spChg chg="add ord">
-          <ac:chgData name="Nathaniel Watts" userId="b5f9068336b075df" providerId="LiveId" clId="{D20B6939-C64F-45AB-8FC1-E98E92BF2F38}" dt="2020-05-04T12:10:20.531" v="782" actId="167"/>
-          <ac:spMkLst>
-            <pc:docMk/>
-            <pc:sldMk cId="0" sldId="268"/>
-            <ac:spMk id="17" creationId="{AD61D060-A399-4D6B-98AB-2817E63A8F43}"/>
-          </ac:spMkLst>
-        </pc:spChg>
-        <pc:spChg chg="ord">
-          <ac:chgData name="Nathaniel Watts" userId="b5f9068336b075df" providerId="LiveId" clId="{D20B6939-C64F-45AB-8FC1-E98E92BF2F38}" dt="2020-05-04T13:46:29.244" v="1222" actId="166"/>
-          <ac:spMkLst>
-            <pc:docMk/>
-            <pc:sldMk cId="0" sldId="268"/>
-            <ac:spMk id="169" creationId="{00000000-0000-0000-0000-000000000000}"/>
-          </ac:spMkLst>
-        </pc:spChg>
-        <pc:spChg chg="mod">
-          <ac:chgData name="Nathaniel Watts" userId="b5f9068336b075df" providerId="LiveId" clId="{D20B6939-C64F-45AB-8FC1-E98E92BF2F38}" dt="2020-05-04T13:48:12.673" v="1242" actId="14100"/>
-          <ac:spMkLst>
-            <pc:docMk/>
-            <pc:sldMk cId="0" sldId="268"/>
-            <ac:spMk id="170" creationId="{00000000-0000-0000-0000-000000000000}"/>
-          </ac:spMkLst>
-        </pc:spChg>
-        <pc:spChg chg="mod">
-          <ac:chgData name="Nathaniel Watts" userId="b5f9068336b075df" providerId="LiveId" clId="{D20B6939-C64F-45AB-8FC1-E98E92BF2F38}" dt="2020-05-04T13:48:08.735" v="1241" actId="14100"/>
-          <ac:spMkLst>
-            <pc:docMk/>
-            <pc:sldMk cId="0" sldId="268"/>
-            <ac:spMk id="172" creationId="{00000000-0000-0000-0000-000000000000}"/>
-          </ac:spMkLst>
-        </pc:spChg>
-        <pc:picChg chg="add ord">
-          <ac:chgData name="Nathaniel Watts" userId="b5f9068336b075df" providerId="LiveId" clId="{D20B6939-C64F-45AB-8FC1-E98E92BF2F38}" dt="2020-05-04T12:10:20.531" v="782" actId="167"/>
-          <ac:picMkLst>
-            <pc:docMk/>
-            <pc:sldMk cId="0" sldId="268"/>
-            <ac:picMk id="9" creationId="{1D3530D8-45E9-4198-B67C-CB17502FB198}"/>
-          </ac:picMkLst>
-        </pc:picChg>
-        <pc:picChg chg="add mod">
-          <ac:chgData name="Nathaniel Watts" userId="b5f9068336b075df" providerId="LiveId" clId="{D20B6939-C64F-45AB-8FC1-E98E92BF2F38}" dt="2020-05-04T13:46:33.284" v="1223" actId="14100"/>
-          <ac:picMkLst>
-            <pc:docMk/>
-            <pc:sldMk cId="0" sldId="268"/>
-            <ac:picMk id="18" creationId="{D25CCC3B-4C4A-474A-9F79-39BBCE61638A}"/>
-          </ac:picMkLst>
-        </pc:picChg>
-        <pc:picChg chg="add">
-          <ac:chgData name="Nathaniel Watts" userId="b5f9068336b075df" providerId="LiveId" clId="{D20B6939-C64F-45AB-8FC1-E98E92BF2F38}" dt="2020-05-04T13:46:16.219" v="1220"/>
-          <ac:picMkLst>
-            <pc:docMk/>
-            <pc:sldMk cId="0" sldId="268"/>
-            <ac:picMk id="19" creationId="{0E73DF3B-894C-4155-8788-0AC6B530FAB3}"/>
-          </ac:picMkLst>
-        </pc:picChg>
-        <pc:picChg chg="del">
-          <ac:chgData name="Nathaniel Watts" userId="b5f9068336b075df" providerId="LiveId" clId="{D20B6939-C64F-45AB-8FC1-E98E92BF2F38}" dt="2020-05-04T12:10:12.355" v="779" actId="478"/>
-          <ac:picMkLst>
-            <pc:docMk/>
-            <pc:sldMk cId="0" sldId="268"/>
-            <ac:picMk id="167" creationId="{00000000-0000-0000-0000-000000000000}"/>
-          </ac:picMkLst>
-        </pc:picChg>
-        <pc:picChg chg="del">
-          <ac:chgData name="Nathaniel Watts" userId="b5f9068336b075df" providerId="LiveId" clId="{D20B6939-C64F-45AB-8FC1-E98E92BF2F38}" dt="2020-05-04T12:10:16.059" v="780" actId="478"/>
-          <ac:picMkLst>
-            <pc:docMk/>
-            <pc:sldMk cId="0" sldId="268"/>
-            <ac:picMk id="168" creationId="{00000000-0000-0000-0000-000000000000}"/>
-          </ac:picMkLst>
-        </pc:picChg>
-      </pc:sldChg>
-      <pc:sldChg chg="addSp delSp modSp">
-        <pc:chgData name="Nathaniel Watts" userId="b5f9068336b075df" providerId="LiveId" clId="{D20B6939-C64F-45AB-8FC1-E98E92BF2F38}" dt="2020-05-04T13:47:55.913" v="1240" actId="1037"/>
-        <pc:sldMkLst>
-          <pc:docMk/>
-          <pc:sldMk cId="0" sldId="269"/>
-        </pc:sldMkLst>
-        <pc:spChg chg="add ord">
-          <ac:chgData name="Nathaniel Watts" userId="b5f9068336b075df" providerId="LiveId" clId="{D20B6939-C64F-45AB-8FC1-E98E92BF2F38}" dt="2020-05-04T12:10:32.384" v="786" actId="167"/>
-          <ac:spMkLst>
-            <pc:docMk/>
-            <pc:sldMk cId="0" sldId="269"/>
-            <ac:spMk id="10" creationId="{1BC0BD7E-CAD5-4BA0-A338-D478CE6DEA09}"/>
-          </ac:spMkLst>
-        </pc:spChg>
-        <pc:spChg chg="add ord">
-          <ac:chgData name="Nathaniel Watts" userId="b5f9068336b075df" providerId="LiveId" clId="{D20B6939-C64F-45AB-8FC1-E98E92BF2F38}" dt="2020-05-04T12:10:32.384" v="786" actId="167"/>
-          <ac:spMkLst>
-            <pc:docMk/>
-            <pc:sldMk cId="0" sldId="269"/>
-            <ac:spMk id="11" creationId="{55329699-DF03-4011-83BA-ABCF7B2A5F76}"/>
-          </ac:spMkLst>
-        </pc:spChg>
-        <pc:spChg chg="add ord">
-          <ac:chgData name="Nathaniel Watts" userId="b5f9068336b075df" providerId="LiveId" clId="{D20B6939-C64F-45AB-8FC1-E98E92BF2F38}" dt="2020-05-04T12:10:32.384" v="786" actId="167"/>
-          <ac:spMkLst>
-            <pc:docMk/>
-            <pc:sldMk cId="0" sldId="269"/>
-            <ac:spMk id="12" creationId="{A18A3D05-53DF-4F13-92DD-8AEDE7FFFB01}"/>
-          </ac:spMkLst>
-        </pc:spChg>
-        <pc:spChg chg="add ord">
-          <ac:chgData name="Nathaniel Watts" userId="b5f9068336b075df" providerId="LiveId" clId="{D20B6939-C64F-45AB-8FC1-E98E92BF2F38}" dt="2020-05-04T12:10:32.384" v="786" actId="167"/>
-          <ac:spMkLst>
-            <pc:docMk/>
-            <pc:sldMk cId="0" sldId="269"/>
-            <ac:spMk id="13" creationId="{91A38DAD-DBF9-4136-BA29-FF4634E75ACF}"/>
-          </ac:spMkLst>
-        </pc:spChg>
-        <pc:spChg chg="add ord">
-          <ac:chgData name="Nathaniel Watts" userId="b5f9068336b075df" providerId="LiveId" clId="{D20B6939-C64F-45AB-8FC1-E98E92BF2F38}" dt="2020-05-04T12:10:32.384" v="786" actId="167"/>
-          <ac:spMkLst>
-            <pc:docMk/>
-            <pc:sldMk cId="0" sldId="269"/>
-            <ac:spMk id="14" creationId="{4901A766-4B76-4E47-89DA-2D9DAFEB54E2}"/>
-          </ac:spMkLst>
-        </pc:spChg>
-        <pc:spChg chg="add ord">
-          <ac:chgData name="Nathaniel Watts" userId="b5f9068336b075df" providerId="LiveId" clId="{D20B6939-C64F-45AB-8FC1-E98E92BF2F38}" dt="2020-05-04T12:10:32.384" v="786" actId="167"/>
-          <ac:spMkLst>
-            <pc:docMk/>
-            <pc:sldMk cId="0" sldId="269"/>
-            <ac:spMk id="15" creationId="{81D97F33-4A62-4A38-9D6A-B36B69606DE4}"/>
-          </ac:spMkLst>
-        </pc:spChg>
-        <pc:spChg chg="add ord">
-          <ac:chgData name="Nathaniel Watts" userId="b5f9068336b075df" providerId="LiveId" clId="{D20B6939-C64F-45AB-8FC1-E98E92BF2F38}" dt="2020-05-04T12:10:32.384" v="786" actId="167"/>
-          <ac:spMkLst>
-            <pc:docMk/>
-            <pc:sldMk cId="0" sldId="269"/>
-            <ac:spMk id="16" creationId="{7CBA90C5-0856-4099-8C0D-6DDC697EDA3A}"/>
-          </ac:spMkLst>
-        </pc:spChg>
-        <pc:spChg chg="add ord">
-          <ac:chgData name="Nathaniel Watts" userId="b5f9068336b075df" providerId="LiveId" clId="{D20B6939-C64F-45AB-8FC1-E98E92BF2F38}" dt="2020-05-04T12:10:32.384" v="786" actId="167"/>
-          <ac:spMkLst>
-            <pc:docMk/>
-            <pc:sldMk cId="0" sldId="269"/>
-            <ac:spMk id="17" creationId="{DBB60422-5146-4B28-8F3E-8812444105E1}"/>
-          </ac:spMkLst>
-        </pc:spChg>
-        <pc:spChg chg="mod ord">
-          <ac:chgData name="Nathaniel Watts" userId="b5f9068336b075df" providerId="LiveId" clId="{D20B6939-C64F-45AB-8FC1-E98E92BF2F38}" dt="2020-05-04T13:47:55.913" v="1240" actId="1037"/>
-          <ac:spMkLst>
-            <pc:docMk/>
-            <pc:sldMk cId="0" sldId="269"/>
-            <ac:spMk id="177" creationId="{00000000-0000-0000-0000-000000000000}"/>
-          </ac:spMkLst>
-        </pc:spChg>
-        <pc:picChg chg="add ord">
-          <ac:chgData name="Nathaniel Watts" userId="b5f9068336b075df" providerId="LiveId" clId="{D20B6939-C64F-45AB-8FC1-E98E92BF2F38}" dt="2020-05-04T13:46:52.561" v="1227" actId="166"/>
-          <ac:picMkLst>
-            <pc:docMk/>
-            <pc:sldMk cId="0" sldId="269"/>
-            <ac:picMk id="9" creationId="{463B7EAA-05B4-4927-8F7A-FB35285C0425}"/>
-          </ac:picMkLst>
-        </pc:picChg>
-        <pc:picChg chg="add">
-          <ac:chgData name="Nathaniel Watts" userId="b5f9068336b075df" providerId="LiveId" clId="{D20B6939-C64F-45AB-8FC1-E98E92BF2F38}" dt="2020-05-04T13:46:44.053" v="1225"/>
-          <ac:picMkLst>
-            <pc:docMk/>
-            <pc:sldMk cId="0" sldId="269"/>
-            <ac:picMk id="18" creationId="{B02E1076-F6D9-427D-8CAD-5AF30BB789C0}"/>
-          </ac:picMkLst>
-        </pc:picChg>
-        <pc:picChg chg="add">
-          <ac:chgData name="Nathaniel Watts" userId="b5f9068336b075df" providerId="LiveId" clId="{D20B6939-C64F-45AB-8FC1-E98E92BF2F38}" dt="2020-05-04T13:46:44.053" v="1225"/>
-          <ac:picMkLst>
-            <pc:docMk/>
-            <pc:sldMk cId="0" sldId="269"/>
-            <ac:picMk id="19" creationId="{13F7B7DF-EBC5-4200-8F0E-72B0CD3BC68D}"/>
-          </ac:picMkLst>
-        </pc:picChg>
-        <pc:picChg chg="del">
-          <ac:chgData name="Nathaniel Watts" userId="b5f9068336b075df" providerId="LiveId" clId="{D20B6939-C64F-45AB-8FC1-E98E92BF2F38}" dt="2020-05-04T12:10:26.491" v="783" actId="478"/>
-          <ac:picMkLst>
-            <pc:docMk/>
-            <pc:sldMk cId="0" sldId="269"/>
-            <ac:picMk id="174" creationId="{00000000-0000-0000-0000-000000000000}"/>
-          </ac:picMkLst>
-        </pc:picChg>
-        <pc:picChg chg="del">
-          <ac:chgData name="Nathaniel Watts" userId="b5f9068336b075df" providerId="LiveId" clId="{D20B6939-C64F-45AB-8FC1-E98E92BF2F38}" dt="2020-05-04T12:10:28.171" v="784" actId="478"/>
-          <ac:picMkLst>
-            <pc:docMk/>
-            <pc:sldMk cId="0" sldId="269"/>
-            <ac:picMk id="176" creationId="{00000000-0000-0000-0000-000000000000}"/>
-          </ac:picMkLst>
-        </pc:picChg>
-      </pc:sldChg>
-      <pc:sldChg chg="addSp delSp modSp">
-        <pc:chgData name="Nathaniel Watts" userId="b5f9068336b075df" providerId="LiveId" clId="{D20B6939-C64F-45AB-8FC1-E98E92BF2F38}" dt="2020-05-04T13:48:35.732" v="1243"/>
-        <pc:sldMkLst>
-          <pc:docMk/>
-          <pc:sldMk cId="0" sldId="270"/>
-        </pc:sldMkLst>
-        <pc:picChg chg="add del mod ord">
-          <ac:chgData name="Nathaniel Watts" userId="b5f9068336b075df" providerId="LiveId" clId="{D20B6939-C64F-45AB-8FC1-E98E92BF2F38}" dt="2020-05-04T13:40:26.016" v="1137" actId="478"/>
-          <ac:picMkLst>
-            <pc:docMk/>
-            <pc:sldMk cId="0" sldId="270"/>
-            <ac:picMk id="7" creationId="{77D12A8A-15BD-4F2A-B2B3-A2F39865551B}"/>
-          </ac:picMkLst>
-        </pc:picChg>
-        <pc:picChg chg="add ord">
-          <ac:chgData name="Nathaniel Watts" userId="b5f9068336b075df" providerId="LiveId" clId="{D20B6939-C64F-45AB-8FC1-E98E92BF2F38}" dt="2020-05-04T13:40:29.494" v="1139" actId="167"/>
-          <ac:picMkLst>
-            <pc:docMk/>
-            <pc:sldMk cId="0" sldId="270"/>
-            <ac:picMk id="8" creationId="{BFB96782-BDC5-44D1-AFFE-71775FF6D864}"/>
-          </ac:picMkLst>
-        </pc:picChg>
-        <pc:picChg chg="add">
-          <ac:chgData name="Nathaniel Watts" userId="b5f9068336b075df" providerId="LiveId" clId="{D20B6939-C64F-45AB-8FC1-E98E92BF2F38}" dt="2020-05-04T13:48:35.732" v="1243"/>
-          <ac:picMkLst>
-            <pc:docMk/>
-            <pc:sldMk cId="0" sldId="270"/>
-            <ac:picMk id="9" creationId="{C18D7F12-F47F-4A84-BB14-703940DCDB54}"/>
-          </ac:picMkLst>
-        </pc:picChg>
-        <pc:picChg chg="del">
-          <ac:chgData name="Nathaniel Watts" userId="b5f9068336b075df" providerId="LiveId" clId="{D20B6939-C64F-45AB-8FC1-E98E92BF2F38}" dt="2020-05-04T12:11:01.507" v="787" actId="478"/>
-          <ac:picMkLst>
-            <pc:docMk/>
-            <pc:sldMk cId="0" sldId="270"/>
-            <ac:picMk id="181" creationId="{00000000-0000-0000-0000-000000000000}"/>
-          </ac:picMkLst>
-        </pc:picChg>
-      </pc:sldChg>
       <pc:sldChg chg="addSp modSp">
-        <pc:chgData name="Nathaniel Watts" userId="b5f9068336b075df" providerId="LiveId" clId="{D20B6939-C64F-45AB-8FC1-E98E92BF2F38}" dt="2020-05-04T12:35:47.525" v="927" actId="20577"/>
+        <pc:chgData name="Nathaniel Watts" userId="b5f9068336b075df" providerId="LiveId" clId="{E70BA67A-A870-461D-8793-7544BFB13201}" dt="2020-05-05T11:48:24.905" v="59" actId="1076"/>
         <pc:sldMkLst>
           <pc:docMk/>
           <pc:sldMk cId="0" sldId="271"/>
         </pc:sldMkLst>
         <pc:spChg chg="add mod">
-          <ac:chgData name="Nathaniel Watts" userId="b5f9068336b075df" providerId="LiveId" clId="{D20B6939-C64F-45AB-8FC1-E98E92BF2F38}" dt="2020-05-04T12:29:21.945" v="795" actId="207"/>
+          <ac:chgData name="Nathaniel Watts" userId="b5f9068336b075df" providerId="LiveId" clId="{E70BA67A-A870-461D-8793-7544BFB13201}" dt="2020-05-05T11:47:12.271" v="4" actId="1037"/>
           <ac:spMkLst>
             <pc:docMk/>
             <pc:sldMk cId="0" sldId="271"/>
-            <ac:spMk id="2" creationId="{31CFA914-0C8B-4758-AFE1-34A78CBCFE43}"/>
+            <ac:spMk id="4" creationId="{060DCA05-B199-4540-8136-9271EB9095E2}"/>
           </ac:spMkLst>
         </pc:spChg>
         <pc:spChg chg="add mod">
-          <ac:chgData name="Nathaniel Watts" userId="b5f9068336b075df" providerId="LiveId" clId="{D20B6939-C64F-45AB-8FC1-E98E92BF2F38}" dt="2020-05-04T12:33:02.693" v="832" actId="1035"/>
+          <ac:chgData name="Nathaniel Watts" userId="b5f9068336b075df" providerId="LiveId" clId="{E70BA67A-A870-461D-8793-7544BFB13201}" dt="2020-05-05T11:48:11.420" v="55" actId="14100"/>
           <ac:spMkLst>
             <pc:docMk/>
             <pc:sldMk cId="0" sldId="271"/>
-            <ac:spMk id="3" creationId="{BF26E7C2-AFBC-4976-8D36-C1CB48AD37A3}"/>
+            <ac:spMk id="5" creationId="{BF6F215D-CBA3-421B-990F-19C2DF6E4D62}"/>
           </ac:spMkLst>
         </pc:spChg>
         <pc:spChg chg="add mod">
-          <ac:chgData name="Nathaniel Watts" userId="b5f9068336b075df" providerId="LiveId" clId="{D20B6939-C64F-45AB-8FC1-E98E92BF2F38}" dt="2020-05-04T12:29:30.280" v="796" actId="571"/>
+          <ac:chgData name="Nathaniel Watts" userId="b5f9068336b075df" providerId="LiveId" clId="{E70BA67A-A870-461D-8793-7544BFB13201}" dt="2020-05-05T11:48:24.905" v="59" actId="1076"/>
           <ac:spMkLst>
             <pc:docMk/>
             <pc:sldMk cId="0" sldId="271"/>
-            <ac:spMk id="8" creationId="{B7466F0C-7934-4AE0-A12B-28E19A94B245}"/>
-          </ac:spMkLst>
-        </pc:spChg>
-        <pc:spChg chg="add mod">
-          <ac:chgData name="Nathaniel Watts" userId="b5f9068336b075df" providerId="LiveId" clId="{D20B6939-C64F-45AB-8FC1-E98E92BF2F38}" dt="2020-05-04T12:33:28.851" v="836" actId="20577"/>
-          <ac:spMkLst>
-            <pc:docMk/>
-            <pc:sldMk cId="0" sldId="271"/>
-            <ac:spMk id="9" creationId="{3F4B4946-5852-4BDD-9E40-75467CF5D69C}"/>
-          </ac:spMkLst>
-        </pc:spChg>
-        <pc:spChg chg="add mod">
-          <ac:chgData name="Nathaniel Watts" userId="b5f9068336b075df" providerId="LiveId" clId="{D20B6939-C64F-45AB-8FC1-E98E92BF2F38}" dt="2020-05-04T12:33:40.573" v="840" actId="20577"/>
-          <ac:spMkLst>
-            <pc:docMk/>
-            <pc:sldMk cId="0" sldId="271"/>
-            <ac:spMk id="10" creationId="{8E28C95C-0BC8-42B7-8D98-919DF5F2B4DD}"/>
-          </ac:spMkLst>
-        </pc:spChg>
-        <pc:spChg chg="add mod">
-          <ac:chgData name="Nathaniel Watts" userId="b5f9068336b075df" providerId="LiveId" clId="{D20B6939-C64F-45AB-8FC1-E98E92BF2F38}" dt="2020-05-04T12:33:56.068" v="850" actId="14100"/>
-          <ac:spMkLst>
-            <pc:docMk/>
-            <pc:sldMk cId="0" sldId="271"/>
-            <ac:spMk id="11" creationId="{0E747547-8568-4EED-A531-2B5A5442625F}"/>
-          </ac:spMkLst>
-        </pc:spChg>
-        <pc:spChg chg="add mod">
-          <ac:chgData name="Nathaniel Watts" userId="b5f9068336b075df" providerId="LiveId" clId="{D20B6939-C64F-45AB-8FC1-E98E92BF2F38}" dt="2020-05-04T12:35:11.956" v="908" actId="1038"/>
-          <ac:spMkLst>
-            <pc:docMk/>
-            <pc:sldMk cId="0" sldId="271"/>
-            <ac:spMk id="12" creationId="{BAD508B3-D66D-47CE-88A4-30BDC074CA4F}"/>
-          </ac:spMkLst>
-        </pc:spChg>
-        <pc:spChg chg="add mod">
-          <ac:chgData name="Nathaniel Watts" userId="b5f9068336b075df" providerId="LiveId" clId="{D20B6939-C64F-45AB-8FC1-E98E92BF2F38}" dt="2020-05-04T12:35:47.525" v="927" actId="20577"/>
-          <ac:spMkLst>
-            <pc:docMk/>
-            <pc:sldMk cId="0" sldId="271"/>
-            <ac:spMk id="13" creationId="{1BBC2B4B-1DC5-4417-8E2C-7A5EA8234DFB}"/>
-          </ac:spMkLst>
-        </pc:spChg>
-        <pc:spChg chg="add mod">
-          <ac:chgData name="Nathaniel Watts" userId="b5f9068336b075df" providerId="LiveId" clId="{D20B6939-C64F-45AB-8FC1-E98E92BF2F38}" dt="2020-05-04T12:35:42.300" v="921" actId="20577"/>
-          <ac:spMkLst>
-            <pc:docMk/>
-            <pc:sldMk cId="0" sldId="271"/>
-            <ac:spMk id="14" creationId="{F8428DC6-6084-486E-8B9F-EA9A69DC2AF4}"/>
-          </ac:spMkLst>
-        </pc:spChg>
-        <pc:spChg chg="add mod">
-          <ac:chgData name="Nathaniel Watts" userId="b5f9068336b075df" providerId="LiveId" clId="{D20B6939-C64F-45AB-8FC1-E98E92BF2F38}" dt="2020-05-04T12:35:34.581" v="916" actId="20577"/>
-          <ac:spMkLst>
-            <pc:docMk/>
-            <pc:sldMk cId="0" sldId="271"/>
-            <ac:spMk id="15" creationId="{DF7FF498-1197-493F-8A5E-9D6AB1EE4CF7}"/>
-          </ac:spMkLst>
-        </pc:spChg>
-        <pc:spChg chg="mod">
-          <ac:chgData name="Nathaniel Watts" userId="b5f9068336b075df" providerId="LiveId" clId="{D20B6939-C64F-45AB-8FC1-E98E92BF2F38}" dt="2020-05-04T12:28:53.845" v="792" actId="1076"/>
-          <ac:spMkLst>
-            <pc:docMk/>
-            <pc:sldMk cId="0" sldId="271"/>
-            <ac:spMk id="188" creationId="{00000000-0000-0000-0000-000000000000}"/>
+            <ac:spMk id="18" creationId="{3AD4A592-CEFF-436F-BCAE-17D5B504643F}"/>
           </ac:spMkLst>
         </pc:spChg>
       </pc:sldChg>
-      <pc:sldChg chg="addSp delSp modSp">
-        <pc:chgData name="Nathaniel Watts" userId="b5f9068336b075df" providerId="LiveId" clId="{D20B6939-C64F-45AB-8FC1-E98E92BF2F38}" dt="2020-05-04T12:36:30.807" v="930" actId="167"/>
+      <pc:sldChg chg="addSp modSp">
+        <pc:chgData name="Nathaniel Watts" userId="b5f9068336b075df" providerId="LiveId" clId="{E70BA67A-A870-461D-8793-7544BFB13201}" dt="2020-05-05T11:48:45.313" v="65" actId="170"/>
         <pc:sldMkLst>
           <pc:docMk/>
           <pc:sldMk cId="0" sldId="273"/>
         </pc:sldMkLst>
-        <pc:spChg chg="add ord">
-          <ac:chgData name="Nathaniel Watts" userId="b5f9068336b075df" providerId="LiveId" clId="{D20B6939-C64F-45AB-8FC1-E98E92BF2F38}" dt="2020-05-04T12:36:30.807" v="930" actId="167"/>
+        <pc:spChg chg="add">
+          <ac:chgData name="Nathaniel Watts" userId="b5f9068336b075df" providerId="LiveId" clId="{E70BA67A-A870-461D-8793-7544BFB13201}" dt="2020-05-05T11:48:37.381" v="60"/>
           <ac:spMkLst>
             <pc:docMk/>
             <pc:sldMk cId="0" sldId="273"/>
-            <ac:spMk id="11" creationId="{21E4692B-9B79-4FBE-A643-1EDE54329CDA}"/>
+            <ac:spMk id="21" creationId="{534D22E5-BFB8-4671-BB1B-6D798593BCAE}"/>
           </ac:spMkLst>
         </pc:spChg>
-        <pc:spChg chg="add ord">
-          <ac:chgData name="Nathaniel Watts" userId="b5f9068336b075df" providerId="LiveId" clId="{D20B6939-C64F-45AB-8FC1-E98E92BF2F38}" dt="2020-05-04T12:36:30.807" v="930" actId="167"/>
+        <pc:spChg chg="add">
+          <ac:chgData name="Nathaniel Watts" userId="b5f9068336b075df" providerId="LiveId" clId="{E70BA67A-A870-461D-8793-7544BFB13201}" dt="2020-05-05T11:48:37.381" v="60"/>
           <ac:spMkLst>
             <pc:docMk/>
             <pc:sldMk cId="0" sldId="273"/>
-            <ac:spMk id="12" creationId="{85D80763-CD09-4947-82DC-BEF7C6631F59}"/>
+            <ac:spMk id="22" creationId="{C8E1A162-9D93-40C1-8132-A09B12BB94C7}"/>
           </ac:spMkLst>
         </pc:spChg>
-        <pc:spChg chg="add ord">
-          <ac:chgData name="Nathaniel Watts" userId="b5f9068336b075df" providerId="LiveId" clId="{D20B6939-C64F-45AB-8FC1-E98E92BF2F38}" dt="2020-05-04T12:36:30.807" v="930" actId="167"/>
+        <pc:spChg chg="add">
+          <ac:chgData name="Nathaniel Watts" userId="b5f9068336b075df" providerId="LiveId" clId="{E70BA67A-A870-461D-8793-7544BFB13201}" dt="2020-05-05T11:48:37.381" v="60"/>
           <ac:spMkLst>
             <pc:docMk/>
             <pc:sldMk cId="0" sldId="273"/>
-            <ac:spMk id="13" creationId="{25EA7FE1-766C-4FF3-A0E4-4FAAA1D336E3}"/>
+            <ac:spMk id="23" creationId="{FBF3B661-F0F1-4E84-B5EF-F388EF601971}"/>
           </ac:spMkLst>
         </pc:spChg>
-        <pc:spChg chg="add ord">
-          <ac:chgData name="Nathaniel Watts" userId="b5f9068336b075df" providerId="LiveId" clId="{D20B6939-C64F-45AB-8FC1-E98E92BF2F38}" dt="2020-05-04T12:36:30.807" v="930" actId="167"/>
+        <pc:spChg chg="ord">
+          <ac:chgData name="Nathaniel Watts" userId="b5f9068336b075df" providerId="LiveId" clId="{E70BA67A-A870-461D-8793-7544BFB13201}" dt="2020-05-05T11:48:45.313" v="65" actId="170"/>
           <ac:spMkLst>
             <pc:docMk/>
             <pc:sldMk cId="0" sldId="273"/>
-            <ac:spMk id="14" creationId="{315EF837-680F-4BB3-BB05-853681E2714E}"/>
+            <ac:spMk id="199" creationId="{00000000-0000-0000-0000-000000000000}"/>
           </ac:spMkLst>
         </pc:spChg>
-        <pc:spChg chg="add ord">
-          <ac:chgData name="Nathaniel Watts" userId="b5f9068336b075df" providerId="LiveId" clId="{D20B6939-C64F-45AB-8FC1-E98E92BF2F38}" dt="2020-05-04T12:36:30.807" v="930" actId="167"/>
-          <ac:spMkLst>
-            <pc:docMk/>
-            <pc:sldMk cId="0" sldId="273"/>
-            <ac:spMk id="15" creationId="{ECB18724-8445-499A-86DE-453331632FF7}"/>
-          </ac:spMkLst>
-        </pc:spChg>
-        <pc:spChg chg="add ord">
-          <ac:chgData name="Nathaniel Watts" userId="b5f9068336b075df" providerId="LiveId" clId="{D20B6939-C64F-45AB-8FC1-E98E92BF2F38}" dt="2020-05-04T12:36:30.807" v="930" actId="167"/>
-          <ac:spMkLst>
-            <pc:docMk/>
-            <pc:sldMk cId="0" sldId="273"/>
-            <ac:spMk id="16" creationId="{24D38D2B-8365-4165-BC1D-3A30843B84F7}"/>
-          </ac:spMkLst>
-        </pc:spChg>
-        <pc:spChg chg="add ord">
-          <ac:chgData name="Nathaniel Watts" userId="b5f9068336b075df" providerId="LiveId" clId="{D20B6939-C64F-45AB-8FC1-E98E92BF2F38}" dt="2020-05-04T12:36:30.807" v="930" actId="167"/>
-          <ac:spMkLst>
-            <pc:docMk/>
-            <pc:sldMk cId="0" sldId="273"/>
-            <ac:spMk id="17" creationId="{BC2BDC95-1F8F-4088-90CF-7B6B6B81ED1B}"/>
-          </ac:spMkLst>
-        </pc:spChg>
-        <pc:spChg chg="add ord">
-          <ac:chgData name="Nathaniel Watts" userId="b5f9068336b075df" providerId="LiveId" clId="{D20B6939-C64F-45AB-8FC1-E98E92BF2F38}" dt="2020-05-04T12:36:30.807" v="930" actId="167"/>
-          <ac:spMkLst>
-            <pc:docMk/>
-            <pc:sldMk cId="0" sldId="273"/>
-            <ac:spMk id="18" creationId="{C39F309D-99C0-4837-A1CA-27E177AE467F}"/>
-          </ac:spMkLst>
-        </pc:spChg>
-        <pc:spChg chg="add ord">
-          <ac:chgData name="Nathaniel Watts" userId="b5f9068336b075df" providerId="LiveId" clId="{D20B6939-C64F-45AB-8FC1-E98E92BF2F38}" dt="2020-05-04T12:36:30.807" v="930" actId="167"/>
-          <ac:spMkLst>
-            <pc:docMk/>
-            <pc:sldMk cId="0" sldId="273"/>
-            <ac:spMk id="19" creationId="{BA5A8B5B-E6A1-424B-8B51-205E42C4667D}"/>
-          </ac:spMkLst>
-        </pc:spChg>
-        <pc:spChg chg="add ord">
-          <ac:chgData name="Nathaniel Watts" userId="b5f9068336b075df" providerId="LiveId" clId="{D20B6939-C64F-45AB-8FC1-E98E92BF2F38}" dt="2020-05-04T12:36:30.807" v="930" actId="167"/>
-          <ac:spMkLst>
-            <pc:docMk/>
-            <pc:sldMk cId="0" sldId="273"/>
-            <ac:spMk id="20" creationId="{9C8514CF-E4BC-472D-8ADD-2A619DB93E36}"/>
-          </ac:spMkLst>
-        </pc:spChg>
-        <pc:picChg chg="add ord">
-          <ac:chgData name="Nathaniel Watts" userId="b5f9068336b075df" providerId="LiveId" clId="{D20B6939-C64F-45AB-8FC1-E98E92BF2F38}" dt="2020-05-04T12:36:30.807" v="930" actId="167"/>
-          <ac:picMkLst>
-            <pc:docMk/>
-            <pc:sldMk cId="0" sldId="273"/>
-            <ac:picMk id="10" creationId="{89889A84-0C5F-40ED-B057-268817167660}"/>
-          </ac:picMkLst>
-        </pc:picChg>
-        <pc:picChg chg="del">
-          <ac:chgData name="Nathaniel Watts" userId="b5f9068336b075df" providerId="LiveId" clId="{D20B6939-C64F-45AB-8FC1-E98E92BF2F38}" dt="2020-05-04T12:36:26.964" v="928" actId="478"/>
-          <ac:picMkLst>
-            <pc:docMk/>
-            <pc:sldMk cId="0" sldId="273"/>
-            <ac:picMk id="195" creationId="{00000000-0000-0000-0000-000000000000}"/>
-          </ac:picMkLst>
-        </pc:picChg>
       </pc:sldChg>
-      <pc:sldChg chg="addSp delSp modSp">
-        <pc:chgData name="Nathaniel Watts" userId="b5f9068336b075df" providerId="LiveId" clId="{D20B6939-C64F-45AB-8FC1-E98E92BF2F38}" dt="2020-05-04T12:36:39.750" v="933" actId="167"/>
+      <pc:sldChg chg="addSp">
+        <pc:chgData name="Nathaniel Watts" userId="b5f9068336b075df" providerId="LiveId" clId="{E70BA67A-A870-461D-8793-7544BFB13201}" dt="2020-05-05T11:48:49.476" v="66"/>
         <pc:sldMkLst>
           <pc:docMk/>
           <pc:sldMk cId="0" sldId="274"/>
         </pc:sldMkLst>
-        <pc:spChg chg="add ord">
-          <ac:chgData name="Nathaniel Watts" userId="b5f9068336b075df" providerId="LiveId" clId="{D20B6939-C64F-45AB-8FC1-E98E92BF2F38}" dt="2020-05-04T12:36:39.750" v="933" actId="167"/>
+        <pc:spChg chg="add">
+          <ac:chgData name="Nathaniel Watts" userId="b5f9068336b075df" providerId="LiveId" clId="{E70BA67A-A870-461D-8793-7544BFB13201}" dt="2020-05-05T11:48:49.476" v="66"/>
           <ac:spMkLst>
             <pc:docMk/>
             <pc:sldMk cId="0" sldId="274"/>
-            <ac:spMk id="8" creationId="{BDDE1202-5931-4FBA-92C9-9AF74EAFC23E}"/>
+            <ac:spMk id="18" creationId="{63E859E7-FDCC-48CD-A41B-6CB2AD238DBD}"/>
           </ac:spMkLst>
         </pc:spChg>
-        <pc:spChg chg="add ord">
-          <ac:chgData name="Nathaniel Watts" userId="b5f9068336b075df" providerId="LiveId" clId="{D20B6939-C64F-45AB-8FC1-E98E92BF2F38}" dt="2020-05-04T12:36:39.750" v="933" actId="167"/>
+        <pc:spChg chg="add">
+          <ac:chgData name="Nathaniel Watts" userId="b5f9068336b075df" providerId="LiveId" clId="{E70BA67A-A870-461D-8793-7544BFB13201}" dt="2020-05-05T11:48:49.476" v="66"/>
           <ac:spMkLst>
             <pc:docMk/>
             <pc:sldMk cId="0" sldId="274"/>
-            <ac:spMk id="9" creationId="{2B51D936-FCA5-4981-BFFF-C8DD566513B2}"/>
+            <ac:spMk id="19" creationId="{E1A1D0E5-380A-45C0-B8E8-F5C3EF4BF0D1}"/>
           </ac:spMkLst>
         </pc:spChg>
-        <pc:spChg chg="add ord">
-          <ac:chgData name="Nathaniel Watts" userId="b5f9068336b075df" providerId="LiveId" clId="{D20B6939-C64F-45AB-8FC1-E98E92BF2F38}" dt="2020-05-04T12:36:39.750" v="933" actId="167"/>
+        <pc:spChg chg="add">
+          <ac:chgData name="Nathaniel Watts" userId="b5f9068336b075df" providerId="LiveId" clId="{E70BA67A-A870-461D-8793-7544BFB13201}" dt="2020-05-05T11:48:49.476" v="66"/>
           <ac:spMkLst>
             <pc:docMk/>
             <pc:sldMk cId="0" sldId="274"/>
-            <ac:spMk id="10" creationId="{777448B2-5AB8-4681-8EDC-7BF0403DC02D}"/>
+            <ac:spMk id="20" creationId="{22B6274A-BF50-442C-B61A-60EAB3458F92}"/>
           </ac:spMkLst>
         </pc:spChg>
-        <pc:spChg chg="add ord">
-          <ac:chgData name="Nathaniel Watts" userId="b5f9068336b075df" providerId="LiveId" clId="{D20B6939-C64F-45AB-8FC1-E98E92BF2F38}" dt="2020-05-04T12:36:39.750" v="933" actId="167"/>
-          <ac:spMkLst>
-            <pc:docMk/>
-            <pc:sldMk cId="0" sldId="274"/>
-            <ac:spMk id="11" creationId="{524D7CCF-4A7C-420F-9B09-C59124674662}"/>
-          </ac:spMkLst>
-        </pc:spChg>
-        <pc:spChg chg="add ord">
-          <ac:chgData name="Nathaniel Watts" userId="b5f9068336b075df" providerId="LiveId" clId="{D20B6939-C64F-45AB-8FC1-E98E92BF2F38}" dt="2020-05-04T12:36:39.750" v="933" actId="167"/>
-          <ac:spMkLst>
-            <pc:docMk/>
-            <pc:sldMk cId="0" sldId="274"/>
-            <ac:spMk id="12" creationId="{992BA1E9-2DA2-4A4E-AFAB-1A06FF9D9A42}"/>
-          </ac:spMkLst>
-        </pc:spChg>
-        <pc:spChg chg="add ord">
-          <ac:chgData name="Nathaniel Watts" userId="b5f9068336b075df" providerId="LiveId" clId="{D20B6939-C64F-45AB-8FC1-E98E92BF2F38}" dt="2020-05-04T12:36:39.750" v="933" actId="167"/>
-          <ac:spMkLst>
-            <pc:docMk/>
-            <pc:sldMk cId="0" sldId="274"/>
-            <ac:spMk id="13" creationId="{E6AB0649-6C0E-44A2-831B-E9621A75869A}"/>
-          </ac:spMkLst>
-        </pc:spChg>
-        <pc:spChg chg="add ord">
-          <ac:chgData name="Nathaniel Watts" userId="b5f9068336b075df" providerId="LiveId" clId="{D20B6939-C64F-45AB-8FC1-E98E92BF2F38}" dt="2020-05-04T12:36:39.750" v="933" actId="167"/>
-          <ac:spMkLst>
-            <pc:docMk/>
-            <pc:sldMk cId="0" sldId="274"/>
-            <ac:spMk id="14" creationId="{8736F256-6C02-4F00-85A9-AC54E1556D10}"/>
-          </ac:spMkLst>
-        </pc:spChg>
-        <pc:spChg chg="add ord">
-          <ac:chgData name="Nathaniel Watts" userId="b5f9068336b075df" providerId="LiveId" clId="{D20B6939-C64F-45AB-8FC1-E98E92BF2F38}" dt="2020-05-04T12:36:39.750" v="933" actId="167"/>
-          <ac:spMkLst>
-            <pc:docMk/>
-            <pc:sldMk cId="0" sldId="274"/>
-            <ac:spMk id="15" creationId="{1E0EBEFF-909E-4CBD-B213-C69749C8C03E}"/>
-          </ac:spMkLst>
-        </pc:spChg>
-        <pc:spChg chg="add ord">
-          <ac:chgData name="Nathaniel Watts" userId="b5f9068336b075df" providerId="LiveId" clId="{D20B6939-C64F-45AB-8FC1-E98E92BF2F38}" dt="2020-05-04T12:36:39.750" v="933" actId="167"/>
-          <ac:spMkLst>
-            <pc:docMk/>
-            <pc:sldMk cId="0" sldId="274"/>
-            <ac:spMk id="16" creationId="{116DD326-7097-427E-B06F-51EF20EBB8A2}"/>
-          </ac:spMkLst>
-        </pc:spChg>
-        <pc:spChg chg="add ord">
-          <ac:chgData name="Nathaniel Watts" userId="b5f9068336b075df" providerId="LiveId" clId="{D20B6939-C64F-45AB-8FC1-E98E92BF2F38}" dt="2020-05-04T12:36:39.750" v="933" actId="167"/>
-          <ac:spMkLst>
-            <pc:docMk/>
-            <pc:sldMk cId="0" sldId="274"/>
-            <ac:spMk id="17" creationId="{E1D43438-FC46-4113-AA61-B4473C68E910}"/>
-          </ac:spMkLst>
-        </pc:spChg>
-        <pc:picChg chg="add ord">
-          <ac:chgData name="Nathaniel Watts" userId="b5f9068336b075df" providerId="LiveId" clId="{D20B6939-C64F-45AB-8FC1-E98E92BF2F38}" dt="2020-05-04T12:36:39.750" v="933" actId="167"/>
-          <ac:picMkLst>
-            <pc:docMk/>
-            <pc:sldMk cId="0" sldId="274"/>
-            <ac:picMk id="7" creationId="{64D961B8-83B9-4858-8EF9-9C3628CF4A4A}"/>
-          </ac:picMkLst>
-        </pc:picChg>
-        <pc:picChg chg="del">
-          <ac:chgData name="Nathaniel Watts" userId="b5f9068336b075df" providerId="LiveId" clId="{D20B6939-C64F-45AB-8FC1-E98E92BF2F38}" dt="2020-05-04T12:36:34.628" v="931" actId="478"/>
-          <ac:picMkLst>
-            <pc:docMk/>
-            <pc:sldMk cId="0" sldId="274"/>
-            <ac:picMk id="203" creationId="{00000000-0000-0000-0000-000000000000}"/>
-          </ac:picMkLst>
-        </pc:picChg>
       </pc:sldChg>
-      <pc:sldChg chg="addSp modSp">
-        <pc:chgData name="Nathaniel Watts" userId="b5f9068336b075df" providerId="LiveId" clId="{D20B6939-C64F-45AB-8FC1-E98E92BF2F38}" dt="2020-05-04T12:45:30.922" v="1042" actId="1076"/>
+      <pc:sldChg chg="addSp">
+        <pc:chgData name="Nathaniel Watts" userId="b5f9068336b075df" providerId="LiveId" clId="{E70BA67A-A870-461D-8793-7544BFB13201}" dt="2020-05-05T11:48:53.180" v="67"/>
         <pc:sldMkLst>
           <pc:docMk/>
           <pc:sldMk cId="0" sldId="275"/>
         </pc:sldMkLst>
-        <pc:spChg chg="add mod">
-          <ac:chgData name="Nathaniel Watts" userId="b5f9068336b075df" providerId="LiveId" clId="{D20B6939-C64F-45AB-8FC1-E98E92BF2F38}" dt="2020-05-04T12:43:44.335" v="1030" actId="1076"/>
+        <pc:spChg chg="add">
+          <ac:chgData name="Nathaniel Watts" userId="b5f9068336b075df" providerId="LiveId" clId="{E70BA67A-A870-461D-8793-7544BFB13201}" dt="2020-05-05T11:48:53.180" v="67"/>
           <ac:spMkLst>
             <pc:docMk/>
             <pc:sldMk cId="0" sldId="275"/>
-            <ac:spMk id="2" creationId="{97C68B51-3C31-4EA1-9DB4-E392771A155A}"/>
+            <ac:spMk id="18" creationId="{AD79CA14-FD73-4929-A733-49A90EE4DEAC}"/>
           </ac:spMkLst>
         </pc:spChg>
-        <pc:spChg chg="add mod">
-          <ac:chgData name="Nathaniel Watts" userId="b5f9068336b075df" providerId="LiveId" clId="{D20B6939-C64F-45AB-8FC1-E98E92BF2F38}" dt="2020-05-04T12:43:57.826" v="1034" actId="207"/>
+        <pc:spChg chg="add">
+          <ac:chgData name="Nathaniel Watts" userId="b5f9068336b075df" providerId="LiveId" clId="{E70BA67A-A870-461D-8793-7544BFB13201}" dt="2020-05-05T11:48:53.180" v="67"/>
           <ac:spMkLst>
             <pc:docMk/>
             <pc:sldMk cId="0" sldId="275"/>
-            <ac:spMk id="3" creationId="{088C87B0-8F87-42C0-9282-3EBD6D8CB225}"/>
+            <ac:spMk id="19" creationId="{2F27F226-69C4-48DE-A910-891EF248781A}"/>
           </ac:spMkLst>
         </pc:spChg>
-        <pc:spChg chg="mod">
-          <ac:chgData name="Nathaniel Watts" userId="b5f9068336b075df" providerId="LiveId" clId="{D20B6939-C64F-45AB-8FC1-E98E92BF2F38}" dt="2020-05-04T12:37:10.139" v="934" actId="1076"/>
+        <pc:spChg chg="add">
+          <ac:chgData name="Nathaniel Watts" userId="b5f9068336b075df" providerId="LiveId" clId="{E70BA67A-A870-461D-8793-7544BFB13201}" dt="2020-05-05T11:48:53.180" v="67"/>
           <ac:spMkLst>
             <pc:docMk/>
             <pc:sldMk cId="0" sldId="275"/>
-            <ac:spMk id="8" creationId="{F4FFC342-7AE0-498F-ABAB-10191B8730C2}"/>
-          </ac:spMkLst>
-        </pc:spChg>
-        <pc:spChg chg="mod">
-          <ac:chgData name="Nathaniel Watts" userId="b5f9068336b075df" providerId="LiveId" clId="{D20B6939-C64F-45AB-8FC1-E98E92BF2F38}" dt="2020-05-04T12:37:17.300" v="935" actId="1076"/>
-          <ac:spMkLst>
-            <pc:docMk/>
-            <pc:sldMk cId="0" sldId="275"/>
-            <ac:spMk id="9" creationId="{68FAF953-1D2E-410F-9A6D-E7C9408C16D9}"/>
-          </ac:spMkLst>
-        </pc:spChg>
-        <pc:spChg chg="add mod">
-          <ac:chgData name="Nathaniel Watts" userId="b5f9068336b075df" providerId="LiveId" clId="{D20B6939-C64F-45AB-8FC1-E98E92BF2F38}" dt="2020-05-04T12:45:25.849" v="1041" actId="1076"/>
-          <ac:spMkLst>
-            <pc:docMk/>
-            <pc:sldMk cId="0" sldId="275"/>
-            <ac:spMk id="11" creationId="{E85A902F-9FBC-4104-B336-39A9F1581782}"/>
-          </ac:spMkLst>
-        </pc:spChg>
-        <pc:spChg chg="add mod">
-          <ac:chgData name="Nathaniel Watts" userId="b5f9068336b075df" providerId="LiveId" clId="{D20B6939-C64F-45AB-8FC1-E98E92BF2F38}" dt="2020-05-04T12:44:32.486" v="1035" actId="1076"/>
-          <ac:spMkLst>
-            <pc:docMk/>
-            <pc:sldMk cId="0" sldId="275"/>
-            <ac:spMk id="13" creationId="{1EB7715E-AB35-4D29-8B21-696EB985ED8C}"/>
-          </ac:spMkLst>
-        </pc:spChg>
-        <pc:spChg chg="add mod">
-          <ac:chgData name="Nathaniel Watts" userId="b5f9068336b075df" providerId="LiveId" clId="{D20B6939-C64F-45AB-8FC1-E98E92BF2F38}" dt="2020-05-04T12:45:05.654" v="1039" actId="1076"/>
-          <ac:spMkLst>
-            <pc:docMk/>
-            <pc:sldMk cId="0" sldId="275"/>
-            <ac:spMk id="14" creationId="{82B4C917-9315-4C63-B830-DB787A89AC81}"/>
-          </ac:spMkLst>
-        </pc:spChg>
-        <pc:spChg chg="add mod">
-          <ac:chgData name="Nathaniel Watts" userId="b5f9068336b075df" providerId="LiveId" clId="{D20B6939-C64F-45AB-8FC1-E98E92BF2F38}" dt="2020-05-04T12:44:46.722" v="1038" actId="1076"/>
-          <ac:spMkLst>
-            <pc:docMk/>
-            <pc:sldMk cId="0" sldId="275"/>
-            <ac:spMk id="15" creationId="{DF000B04-1C95-4421-8CD7-70560C6B3D2F}"/>
-          </ac:spMkLst>
-        </pc:spChg>
-        <pc:spChg chg="add mod">
-          <ac:chgData name="Nathaniel Watts" userId="b5f9068336b075df" providerId="LiveId" clId="{D20B6939-C64F-45AB-8FC1-E98E92BF2F38}" dt="2020-05-04T12:44:39.182" v="1036" actId="1076"/>
-          <ac:spMkLst>
-            <pc:docMk/>
-            <pc:sldMk cId="0" sldId="275"/>
-            <ac:spMk id="16" creationId="{88356159-9F56-4A33-A674-D60A37DF2EE8}"/>
-          </ac:spMkLst>
-        </pc:spChg>
-        <pc:spChg chg="add mod">
-          <ac:chgData name="Nathaniel Watts" userId="b5f9068336b075df" providerId="LiveId" clId="{D20B6939-C64F-45AB-8FC1-E98E92BF2F38}" dt="2020-05-04T12:45:30.922" v="1042" actId="1076"/>
-          <ac:spMkLst>
-            <pc:docMk/>
-            <pc:sldMk cId="0" sldId="275"/>
-            <ac:spMk id="17" creationId="{96CC70B5-1B28-4047-850F-EB250ABB9491}"/>
+            <ac:spMk id="20" creationId="{A03D48AF-89B0-4058-9A6D-42510A14A3F8}"/>
           </ac:spMkLst>
         </pc:spChg>
       </pc:sldChg>
-      <pc:sldChg chg="addSp delSp modSp">
-        <pc:chgData name="Nathaniel Watts" userId="b5f9068336b075df" providerId="LiveId" clId="{D20B6939-C64F-45AB-8FC1-E98E92BF2F38}" dt="2020-05-04T12:45:51.258" v="1045" actId="167"/>
+      <pc:sldChg chg="addSp modSp">
+        <pc:chgData name="Nathaniel Watts" userId="b5f9068336b075df" providerId="LiveId" clId="{E70BA67A-A870-461D-8793-7544BFB13201}" dt="2020-05-05T11:49:03.770" v="73" actId="170"/>
         <pc:sldMkLst>
           <pc:docMk/>
           <pc:sldMk cId="0" sldId="276"/>
         </pc:sldMkLst>
-        <pc:spChg chg="add ord">
-          <ac:chgData name="Nathaniel Watts" userId="b5f9068336b075df" providerId="LiveId" clId="{D20B6939-C64F-45AB-8FC1-E98E92BF2F38}" dt="2020-05-04T12:45:51.258" v="1045" actId="167"/>
+        <pc:spChg chg="add">
+          <ac:chgData name="Nathaniel Watts" userId="b5f9068336b075df" providerId="LiveId" clId="{E70BA67A-A870-461D-8793-7544BFB13201}" dt="2020-05-05T11:48:58.116" v="68"/>
           <ac:spMkLst>
             <pc:docMk/>
             <pc:sldMk cId="0" sldId="276"/>
-            <ac:spMk id="11" creationId="{BD971B24-3961-4F7E-B722-DE76B9AC1961}"/>
+            <ac:spMk id="19" creationId="{CA78797D-B768-4C0A-9C14-0BEA9BD2ACB3}"/>
           </ac:spMkLst>
         </pc:spChg>
-        <pc:spChg chg="add ord">
-          <ac:chgData name="Nathaniel Watts" userId="b5f9068336b075df" providerId="LiveId" clId="{D20B6939-C64F-45AB-8FC1-E98E92BF2F38}" dt="2020-05-04T12:45:51.258" v="1045" actId="167"/>
+        <pc:spChg chg="add">
+          <ac:chgData name="Nathaniel Watts" userId="b5f9068336b075df" providerId="LiveId" clId="{E70BA67A-A870-461D-8793-7544BFB13201}" dt="2020-05-05T11:48:58.116" v="68"/>
           <ac:spMkLst>
             <pc:docMk/>
             <pc:sldMk cId="0" sldId="276"/>
-            <ac:spMk id="12" creationId="{13816697-760D-48EA-A30A-00096B609651}"/>
+            <ac:spMk id="20" creationId="{76F4405F-D441-48E5-9DBF-EA7363AB98A5}"/>
           </ac:spMkLst>
         </pc:spChg>
-        <pc:spChg chg="add ord">
-          <ac:chgData name="Nathaniel Watts" userId="b5f9068336b075df" providerId="LiveId" clId="{D20B6939-C64F-45AB-8FC1-E98E92BF2F38}" dt="2020-05-04T12:45:51.258" v="1045" actId="167"/>
+        <pc:spChg chg="add">
+          <ac:chgData name="Nathaniel Watts" userId="b5f9068336b075df" providerId="LiveId" clId="{E70BA67A-A870-461D-8793-7544BFB13201}" dt="2020-05-05T11:48:58.116" v="68"/>
           <ac:spMkLst>
             <pc:docMk/>
             <pc:sldMk cId="0" sldId="276"/>
-            <ac:spMk id="13" creationId="{5D2A3060-5DCF-4C97-B774-933FBD3A1FE2}"/>
+            <ac:spMk id="21" creationId="{FD716D58-99C0-4C6E-990D-0D4FA4B0B702}"/>
           </ac:spMkLst>
         </pc:spChg>
-        <pc:spChg chg="add ord">
-          <ac:chgData name="Nathaniel Watts" userId="b5f9068336b075df" providerId="LiveId" clId="{D20B6939-C64F-45AB-8FC1-E98E92BF2F38}" dt="2020-05-04T12:45:51.258" v="1045" actId="167"/>
+        <pc:spChg chg="ord">
+          <ac:chgData name="Nathaniel Watts" userId="b5f9068336b075df" providerId="LiveId" clId="{E70BA67A-A870-461D-8793-7544BFB13201}" dt="2020-05-05T11:49:03.770" v="73" actId="170"/>
           <ac:spMkLst>
             <pc:docMk/>
             <pc:sldMk cId="0" sldId="276"/>
-            <ac:spMk id="14" creationId="{C4AFCB6A-E88E-4250-8197-A7AB51D6299B}"/>
+            <ac:spMk id="218" creationId="{00000000-0000-0000-0000-000000000000}"/>
           </ac:spMkLst>
         </pc:spChg>
-        <pc:spChg chg="add ord">
-          <ac:chgData name="Nathaniel Watts" userId="b5f9068336b075df" providerId="LiveId" clId="{D20B6939-C64F-45AB-8FC1-E98E92BF2F38}" dt="2020-05-04T12:45:51.258" v="1045" actId="167"/>
-          <ac:spMkLst>
-            <pc:docMk/>
-            <pc:sldMk cId="0" sldId="276"/>
-            <ac:spMk id="15" creationId="{1BF83E24-16B7-49B3-BA9E-4E88403F4C23}"/>
-          </ac:spMkLst>
-        </pc:spChg>
-        <pc:spChg chg="add ord">
-          <ac:chgData name="Nathaniel Watts" userId="b5f9068336b075df" providerId="LiveId" clId="{D20B6939-C64F-45AB-8FC1-E98E92BF2F38}" dt="2020-05-04T12:45:51.258" v="1045" actId="167"/>
-          <ac:spMkLst>
-            <pc:docMk/>
-            <pc:sldMk cId="0" sldId="276"/>
-            <ac:spMk id="16" creationId="{7BE86DCF-1621-472C-9414-61DA17C6E460}"/>
-          </ac:spMkLst>
-        </pc:spChg>
-        <pc:spChg chg="add ord">
-          <ac:chgData name="Nathaniel Watts" userId="b5f9068336b075df" providerId="LiveId" clId="{D20B6939-C64F-45AB-8FC1-E98E92BF2F38}" dt="2020-05-04T12:45:51.258" v="1045" actId="167"/>
-          <ac:spMkLst>
-            <pc:docMk/>
-            <pc:sldMk cId="0" sldId="276"/>
-            <ac:spMk id="17" creationId="{3143147D-9D1E-44FA-A456-F539E1A485F3}"/>
-          </ac:spMkLst>
-        </pc:spChg>
-        <pc:spChg chg="add ord">
-          <ac:chgData name="Nathaniel Watts" userId="b5f9068336b075df" providerId="LiveId" clId="{D20B6939-C64F-45AB-8FC1-E98E92BF2F38}" dt="2020-05-04T12:45:51.258" v="1045" actId="167"/>
-          <ac:spMkLst>
-            <pc:docMk/>
-            <pc:sldMk cId="0" sldId="276"/>
-            <ac:spMk id="18" creationId="{901FA71B-C96F-42BA-959B-A1AB084404F8}"/>
-          </ac:spMkLst>
-        </pc:spChg>
-        <pc:picChg chg="add ord">
-          <ac:chgData name="Nathaniel Watts" userId="b5f9068336b075df" providerId="LiveId" clId="{D20B6939-C64F-45AB-8FC1-E98E92BF2F38}" dt="2020-05-04T12:45:51.258" v="1045" actId="167"/>
-          <ac:picMkLst>
-            <pc:docMk/>
-            <pc:sldMk cId="0" sldId="276"/>
-            <ac:picMk id="10" creationId="{5C7BFB21-7E4C-4109-9A3A-ED1886A7AF01}"/>
-          </ac:picMkLst>
-        </pc:picChg>
-        <pc:picChg chg="del">
-          <ac:chgData name="Nathaniel Watts" userId="b5f9068336b075df" providerId="LiveId" clId="{D20B6939-C64F-45AB-8FC1-E98E92BF2F38}" dt="2020-05-04T12:45:48.213" v="1043" actId="478"/>
-          <ac:picMkLst>
-            <pc:docMk/>
-            <pc:sldMk cId="0" sldId="276"/>
-            <ac:picMk id="213" creationId="{00000000-0000-0000-0000-000000000000}"/>
-          </ac:picMkLst>
-        </pc:picChg>
       </pc:sldChg>
-      <pc:sldChg chg="addSp delSp modSp">
-        <pc:chgData name="Nathaniel Watts" userId="b5f9068336b075df" providerId="LiveId" clId="{D20B6939-C64F-45AB-8FC1-E98E92BF2F38}" dt="2020-05-04T12:45:59.188" v="1048" actId="167"/>
+      <pc:sldChg chg="addSp">
+        <pc:chgData name="Nathaniel Watts" userId="b5f9068336b075df" providerId="LiveId" clId="{E70BA67A-A870-461D-8793-7544BFB13201}" dt="2020-05-05T11:49:07.019" v="74"/>
         <pc:sldMkLst>
           <pc:docMk/>
           <pc:sldMk cId="0" sldId="277"/>
         </pc:sldMkLst>
-        <pc:spChg chg="add ord">
-          <ac:chgData name="Nathaniel Watts" userId="b5f9068336b075df" providerId="LiveId" clId="{D20B6939-C64F-45AB-8FC1-E98E92BF2F38}" dt="2020-05-04T12:45:59.188" v="1048" actId="167"/>
+        <pc:spChg chg="add">
+          <ac:chgData name="Nathaniel Watts" userId="b5f9068336b075df" providerId="LiveId" clId="{E70BA67A-A870-461D-8793-7544BFB13201}" dt="2020-05-05T11:49:07.019" v="74"/>
           <ac:spMkLst>
             <pc:docMk/>
             <pc:sldMk cId="0" sldId="277"/>
-            <ac:spMk id="8" creationId="{CB6AC1DA-5592-4F5F-A92B-17B9CAD350A4}"/>
+            <ac:spMk id="16" creationId="{0481342F-2ECE-4BE1-9B38-843DDF59DAF3}"/>
           </ac:spMkLst>
         </pc:spChg>
-        <pc:spChg chg="add ord">
-          <ac:chgData name="Nathaniel Watts" userId="b5f9068336b075df" providerId="LiveId" clId="{D20B6939-C64F-45AB-8FC1-E98E92BF2F38}" dt="2020-05-04T12:45:59.188" v="1048" actId="167"/>
+        <pc:spChg chg="add">
+          <ac:chgData name="Nathaniel Watts" userId="b5f9068336b075df" providerId="LiveId" clId="{E70BA67A-A870-461D-8793-7544BFB13201}" dt="2020-05-05T11:49:07.019" v="74"/>
           <ac:spMkLst>
             <pc:docMk/>
             <pc:sldMk cId="0" sldId="277"/>
-            <ac:spMk id="9" creationId="{A4AB8254-BD80-4C52-88D3-2557A3B669B9}"/>
+            <ac:spMk id="17" creationId="{D31CE230-C3FA-4FB1-9CB7-3B1FCBD137C1}"/>
           </ac:spMkLst>
         </pc:spChg>
-        <pc:spChg chg="add ord">
-          <ac:chgData name="Nathaniel Watts" userId="b5f9068336b075df" providerId="LiveId" clId="{D20B6939-C64F-45AB-8FC1-E98E92BF2F38}" dt="2020-05-04T12:45:59.188" v="1048" actId="167"/>
+        <pc:spChg chg="add">
+          <ac:chgData name="Nathaniel Watts" userId="b5f9068336b075df" providerId="LiveId" clId="{E70BA67A-A870-461D-8793-7544BFB13201}" dt="2020-05-05T11:49:07.019" v="74"/>
           <ac:spMkLst>
             <pc:docMk/>
             <pc:sldMk cId="0" sldId="277"/>
-            <ac:spMk id="10" creationId="{DABEBBCD-CC36-46FD-99EF-0C2D0B4CA74B}"/>
+            <ac:spMk id="18" creationId="{F8D57D39-46DF-43FC-8BCE-7C19ECEE77D9}"/>
           </ac:spMkLst>
         </pc:spChg>
-        <pc:spChg chg="add ord">
-          <ac:chgData name="Nathaniel Watts" userId="b5f9068336b075df" providerId="LiveId" clId="{D20B6939-C64F-45AB-8FC1-E98E92BF2F38}" dt="2020-05-04T12:45:59.188" v="1048" actId="167"/>
-          <ac:spMkLst>
-            <pc:docMk/>
-            <pc:sldMk cId="0" sldId="277"/>
-            <ac:spMk id="11" creationId="{E6B2CE4D-4C62-4F96-9B59-FA5487F0F6FA}"/>
-          </ac:spMkLst>
-        </pc:spChg>
-        <pc:spChg chg="add ord">
-          <ac:chgData name="Nathaniel Watts" userId="b5f9068336b075df" providerId="LiveId" clId="{D20B6939-C64F-45AB-8FC1-E98E92BF2F38}" dt="2020-05-04T12:45:59.188" v="1048" actId="167"/>
-          <ac:spMkLst>
-            <pc:docMk/>
-            <pc:sldMk cId="0" sldId="277"/>
-            <ac:spMk id="12" creationId="{5A77A4D8-2A35-450A-A98A-9DDDB349D6E0}"/>
-          </ac:spMkLst>
-        </pc:spChg>
-        <pc:spChg chg="add ord">
-          <ac:chgData name="Nathaniel Watts" userId="b5f9068336b075df" providerId="LiveId" clId="{D20B6939-C64F-45AB-8FC1-E98E92BF2F38}" dt="2020-05-04T12:45:59.188" v="1048" actId="167"/>
-          <ac:spMkLst>
-            <pc:docMk/>
-            <pc:sldMk cId="0" sldId="277"/>
-            <ac:spMk id="13" creationId="{B4EBAD16-397E-4B84-B8BC-C45BAC97D9D6}"/>
-          </ac:spMkLst>
-        </pc:spChg>
-        <pc:spChg chg="add ord">
-          <ac:chgData name="Nathaniel Watts" userId="b5f9068336b075df" providerId="LiveId" clId="{D20B6939-C64F-45AB-8FC1-E98E92BF2F38}" dt="2020-05-04T12:45:59.188" v="1048" actId="167"/>
-          <ac:spMkLst>
-            <pc:docMk/>
-            <pc:sldMk cId="0" sldId="277"/>
-            <ac:spMk id="14" creationId="{C8AAE2A8-73D4-4E85-903C-B1D56803C9C0}"/>
-          </ac:spMkLst>
-        </pc:spChg>
-        <pc:spChg chg="add ord">
-          <ac:chgData name="Nathaniel Watts" userId="b5f9068336b075df" providerId="LiveId" clId="{D20B6939-C64F-45AB-8FC1-E98E92BF2F38}" dt="2020-05-04T12:45:59.188" v="1048" actId="167"/>
-          <ac:spMkLst>
-            <pc:docMk/>
-            <pc:sldMk cId="0" sldId="277"/>
-            <ac:spMk id="15" creationId="{F09A4415-DD1F-4FFD-8105-24C815C70701}"/>
-          </ac:spMkLst>
-        </pc:spChg>
-        <pc:picChg chg="add ord">
-          <ac:chgData name="Nathaniel Watts" userId="b5f9068336b075df" providerId="LiveId" clId="{D20B6939-C64F-45AB-8FC1-E98E92BF2F38}" dt="2020-05-04T12:45:59.188" v="1048" actId="167"/>
-          <ac:picMkLst>
-            <pc:docMk/>
-            <pc:sldMk cId="0" sldId="277"/>
-            <ac:picMk id="7" creationId="{CD8710C3-8254-4B95-8535-1BEB7140BAA6}"/>
-          </ac:picMkLst>
-        </pc:picChg>
-        <pc:picChg chg="del">
-          <ac:chgData name="Nathaniel Watts" userId="b5f9068336b075df" providerId="LiveId" clId="{D20B6939-C64F-45AB-8FC1-E98E92BF2F38}" dt="2020-05-04T12:45:55.470" v="1046" actId="478"/>
-          <ac:picMkLst>
-            <pc:docMk/>
-            <pc:sldMk cId="0" sldId="277"/>
-            <ac:picMk id="221" creationId="{00000000-0000-0000-0000-000000000000}"/>
-          </ac:picMkLst>
-        </pc:picChg>
       </pc:sldChg>
-      <pc:sldChg chg="addSp modSp">
-        <pc:chgData name="Nathaniel Watts" userId="b5f9068336b075df" providerId="LiveId" clId="{D20B6939-C64F-45AB-8FC1-E98E92BF2F38}" dt="2020-05-04T12:48:04.545" v="1050" actId="1076"/>
+      <pc:sldChg chg="addSp">
+        <pc:chgData name="Nathaniel Watts" userId="b5f9068336b075df" providerId="LiveId" clId="{E70BA67A-A870-461D-8793-7544BFB13201}" dt="2020-05-05T11:49:11.268" v="75"/>
         <pc:sldMkLst>
           <pc:docMk/>
           <pc:sldMk cId="0" sldId="278"/>
         </pc:sldMkLst>
-        <pc:spChg chg="add mod">
-          <ac:chgData name="Nathaniel Watts" userId="b5f9068336b075df" providerId="LiveId" clId="{D20B6939-C64F-45AB-8FC1-E98E92BF2F38}" dt="2020-05-04T12:48:04.545" v="1050" actId="1076"/>
+        <pc:spChg chg="add">
+          <ac:chgData name="Nathaniel Watts" userId="b5f9068336b075df" providerId="LiveId" clId="{E70BA67A-A870-461D-8793-7544BFB13201}" dt="2020-05-05T11:49:11.268" v="75"/>
           <ac:spMkLst>
             <pc:docMk/>
             <pc:sldMk cId="0" sldId="278"/>
-            <ac:spMk id="8" creationId="{79D3F1AA-130A-4061-AA37-5023629E5C6A}"/>
+            <ac:spMk id="10" creationId="{00994AE8-91C2-438C-9D1F-205791456482}"/>
+          </ac:spMkLst>
+        </pc:spChg>
+        <pc:spChg chg="add">
+          <ac:chgData name="Nathaniel Watts" userId="b5f9068336b075df" providerId="LiveId" clId="{E70BA67A-A870-461D-8793-7544BFB13201}" dt="2020-05-05T11:49:11.268" v="75"/>
+          <ac:spMkLst>
+            <pc:docMk/>
+            <pc:sldMk cId="0" sldId="278"/>
+            <ac:spMk id="11" creationId="{71F8B0C0-C4B3-4804-A2CB-E18021835E98}"/>
+          </ac:spMkLst>
+        </pc:spChg>
+        <pc:spChg chg="add">
+          <ac:chgData name="Nathaniel Watts" userId="b5f9068336b075df" providerId="LiveId" clId="{E70BA67A-A870-461D-8793-7544BFB13201}" dt="2020-05-05T11:49:11.268" v="75"/>
+          <ac:spMkLst>
+            <pc:docMk/>
+            <pc:sldMk cId="0" sldId="278"/>
+            <ac:spMk id="12" creationId="{0313F657-9D14-4BB5-A54E-6A244B59981E}"/>
           </ac:spMkLst>
         </pc:spChg>
       </pc:sldChg>
       <pc:sldChg chg="addSp modSp">
-        <pc:chgData name="Nathaniel Watts" userId="b5f9068336b075df" providerId="LiveId" clId="{D20B6939-C64F-45AB-8FC1-E98E92BF2F38}" dt="2020-05-04T12:48:18.973" v="1053" actId="167"/>
+        <pc:chgData name="Nathaniel Watts" userId="b5f9068336b075df" providerId="LiveId" clId="{E70BA67A-A870-461D-8793-7544BFB13201}" dt="2020-05-05T11:49:20.714" v="81" actId="170"/>
         <pc:sldMkLst>
           <pc:docMk/>
           <pc:sldMk cId="0" sldId="279"/>
         </pc:sldMkLst>
-        <pc:spChg chg="add ord">
-          <ac:chgData name="Nathaniel Watts" userId="b5f9068336b075df" providerId="LiveId" clId="{D20B6939-C64F-45AB-8FC1-E98E92BF2F38}" dt="2020-05-04T12:48:13.227" v="1052" actId="167"/>
+        <pc:spChg chg="add">
+          <ac:chgData name="Nathaniel Watts" userId="b5f9068336b075df" providerId="LiveId" clId="{E70BA67A-A870-461D-8793-7544BFB13201}" dt="2020-05-05T11:49:14.732" v="76"/>
           <ac:spMkLst>
             <pc:docMk/>
             <pc:sldMk cId="0" sldId="279"/>
-            <ac:spMk id="10" creationId="{5669AB52-73AB-451B-B98B-ACF40ED5966C}"/>
+            <ac:spMk id="13" creationId="{A844603C-FCF5-450A-9183-5690938465D4}"/>
           </ac:spMkLst>
         </pc:spChg>
-        <pc:picChg chg="ord">
-          <ac:chgData name="Nathaniel Watts" userId="b5f9068336b075df" providerId="LiveId" clId="{D20B6939-C64F-45AB-8FC1-E98E92BF2F38}" dt="2020-05-04T12:48:18.973" v="1053" actId="167"/>
-          <ac:picMkLst>
+        <pc:spChg chg="add">
+          <ac:chgData name="Nathaniel Watts" userId="b5f9068336b075df" providerId="LiveId" clId="{E70BA67A-A870-461D-8793-7544BFB13201}" dt="2020-05-05T11:49:14.732" v="76"/>
+          <ac:spMkLst>
             <pc:docMk/>
             <pc:sldMk cId="0" sldId="279"/>
-            <ac:picMk id="231" creationId="{00000000-0000-0000-0000-000000000000}"/>
-          </ac:picMkLst>
-        </pc:picChg>
+            <ac:spMk id="14" creationId="{AADB96AD-58CB-4462-B9B9-380F0F2BCE7C}"/>
+          </ac:spMkLst>
+        </pc:spChg>
+        <pc:spChg chg="add">
+          <ac:chgData name="Nathaniel Watts" userId="b5f9068336b075df" providerId="LiveId" clId="{E70BA67A-A870-461D-8793-7544BFB13201}" dt="2020-05-05T11:49:14.732" v="76"/>
+          <ac:spMkLst>
+            <pc:docMk/>
+            <pc:sldMk cId="0" sldId="279"/>
+            <ac:spMk id="15" creationId="{FE10869C-1B50-4EAE-A5A0-FAB9A7F74371}"/>
+          </ac:spMkLst>
+        </pc:spChg>
+        <pc:spChg chg="ord">
+          <ac:chgData name="Nathaniel Watts" userId="b5f9068336b075df" providerId="LiveId" clId="{E70BA67A-A870-461D-8793-7544BFB13201}" dt="2020-05-05T11:49:20.714" v="81" actId="170"/>
+          <ac:spMkLst>
+            <pc:docMk/>
+            <pc:sldMk cId="0" sldId="279"/>
+            <ac:spMk id="236" creationId="{00000000-0000-0000-0000-000000000000}"/>
+          </ac:spMkLst>
+        </pc:spChg>
       </pc:sldChg>
-      <pc:sldChg chg="addSp modSp">
-        <pc:chgData name="Nathaniel Watts" userId="b5f9068336b075df" providerId="LiveId" clId="{D20B6939-C64F-45AB-8FC1-E98E92BF2F38}" dt="2020-05-04T12:48:36.322" v="1056" actId="167"/>
+      <pc:sldChg chg="addSp">
+        <pc:chgData name="Nathaniel Watts" userId="b5f9068336b075df" providerId="LiveId" clId="{E70BA67A-A870-461D-8793-7544BFB13201}" dt="2020-05-05T11:49:23.564" v="82"/>
         <pc:sldMkLst>
           <pc:docMk/>
           <pc:sldMk cId="0" sldId="280"/>
         </pc:sldMkLst>
-        <pc:spChg chg="add ord">
-          <ac:chgData name="Nathaniel Watts" userId="b5f9068336b075df" providerId="LiveId" clId="{D20B6939-C64F-45AB-8FC1-E98E92BF2F38}" dt="2020-05-04T12:48:34.373" v="1055" actId="167"/>
+        <pc:spChg chg="add">
+          <ac:chgData name="Nathaniel Watts" userId="b5f9068336b075df" providerId="LiveId" clId="{E70BA67A-A870-461D-8793-7544BFB13201}" dt="2020-05-05T11:49:23.564" v="82"/>
           <ac:spMkLst>
             <pc:docMk/>
             <pc:sldMk cId="0" sldId="280"/>
-            <ac:spMk id="7" creationId="{87EE80D4-9402-40E3-96A2-4F4DBE1DF71B}"/>
+            <ac:spMk id="10" creationId="{0CC40AFA-0E01-432C-B8E1-5B7D2CF0234E}"/>
           </ac:spMkLst>
         </pc:spChg>
-        <pc:picChg chg="ord">
-          <ac:chgData name="Nathaniel Watts" userId="b5f9068336b075df" providerId="LiveId" clId="{D20B6939-C64F-45AB-8FC1-E98E92BF2F38}" dt="2020-05-04T12:48:36.322" v="1056" actId="167"/>
-          <ac:picMkLst>
+        <pc:spChg chg="add">
+          <ac:chgData name="Nathaniel Watts" userId="b5f9068336b075df" providerId="LiveId" clId="{E70BA67A-A870-461D-8793-7544BFB13201}" dt="2020-05-05T11:49:23.564" v="82"/>
+          <ac:spMkLst>
             <pc:docMk/>
             <pc:sldMk cId="0" sldId="280"/>
-            <ac:picMk id="239" creationId="{00000000-0000-0000-0000-000000000000}"/>
-          </ac:picMkLst>
-        </pc:picChg>
-      </pc:sldChg>
-      <pc:sldChg chg="addSp delSp modSp">
-        <pc:chgData name="Nathaniel Watts" userId="b5f9068336b075df" providerId="LiveId" clId="{D20B6939-C64F-45AB-8FC1-E98E92BF2F38}" dt="2020-05-04T13:41:16.340" v="1153"/>
-        <pc:sldMkLst>
-          <pc:docMk/>
-          <pc:sldMk cId="0" sldId="290"/>
-        </pc:sldMkLst>
-        <pc:picChg chg="add del ord">
-          <ac:chgData name="Nathaniel Watts" userId="b5f9068336b075df" providerId="LiveId" clId="{D20B6939-C64F-45AB-8FC1-E98E92BF2F38}" dt="2020-05-04T13:40:37.696" v="1140" actId="478"/>
-          <ac:picMkLst>
+            <ac:spMk id="11" creationId="{F6A75BFB-E904-4C29-9F10-01BE730746F2}"/>
+          </ac:spMkLst>
+        </pc:spChg>
+        <pc:spChg chg="add">
+          <ac:chgData name="Nathaniel Watts" userId="b5f9068336b075df" providerId="LiveId" clId="{E70BA67A-A870-461D-8793-7544BFB13201}" dt="2020-05-05T11:49:23.564" v="82"/>
+          <ac:spMkLst>
             <pc:docMk/>
-            <pc:sldMk cId="0" sldId="290"/>
-            <ac:picMk id="7" creationId="{E7347E48-6790-4B94-930E-B2E048A103CD}"/>
-          </ac:picMkLst>
-        </pc:picChg>
-        <pc:picChg chg="add ord">
-          <ac:chgData name="Nathaniel Watts" userId="b5f9068336b075df" providerId="LiveId" clId="{D20B6939-C64F-45AB-8FC1-E98E92BF2F38}" dt="2020-05-04T13:40:39.850" v="1142" actId="167"/>
-          <ac:picMkLst>
-            <pc:docMk/>
-            <pc:sldMk cId="0" sldId="290"/>
-            <ac:picMk id="8" creationId="{ADCFF63E-470C-45D5-91C3-ADEC346DD715}"/>
-          </ac:picMkLst>
-        </pc:picChg>
-        <pc:picChg chg="add">
-          <ac:chgData name="Nathaniel Watts" userId="b5f9068336b075df" providerId="LiveId" clId="{D20B6939-C64F-45AB-8FC1-E98E92BF2F38}" dt="2020-05-04T13:41:16.340" v="1153"/>
-          <ac:picMkLst>
-            <pc:docMk/>
-            <pc:sldMk cId="0" sldId="290"/>
-            <ac:picMk id="9" creationId="{C102CEC4-1ADA-4323-93C9-FFE3B0DFC806}"/>
-          </ac:picMkLst>
-        </pc:picChg>
-        <pc:picChg chg="del">
-          <ac:chgData name="Nathaniel Watts" userId="b5f9068336b075df" providerId="LiveId" clId="{D20B6939-C64F-45AB-8FC1-E98E92BF2F38}" dt="2020-05-04T12:50:13.045" v="1057" actId="478"/>
-          <ac:picMkLst>
-            <pc:docMk/>
-            <pc:sldMk cId="0" sldId="290"/>
-            <ac:picMk id="297" creationId="{00000000-0000-0000-0000-000000000000}"/>
-          </ac:picMkLst>
-        </pc:picChg>
-      </pc:sldChg>
-      <pc:sldChg chg="addSp delSp modSp">
-        <pc:chgData name="Nathaniel Watts" userId="b5f9068336b075df" providerId="LiveId" clId="{D20B6939-C64F-45AB-8FC1-E98E92BF2F38}" dt="2020-05-04T13:41:18.196" v="1154"/>
-        <pc:sldMkLst>
-          <pc:docMk/>
-          <pc:sldMk cId="0" sldId="291"/>
-        </pc:sldMkLst>
-        <pc:picChg chg="add del ord">
-          <ac:chgData name="Nathaniel Watts" userId="b5f9068336b075df" providerId="LiveId" clId="{D20B6939-C64F-45AB-8FC1-E98E92BF2F38}" dt="2020-05-04T13:40:42.120" v="1143" actId="478"/>
-          <ac:picMkLst>
-            <pc:docMk/>
-            <pc:sldMk cId="0" sldId="291"/>
-            <ac:picMk id="7" creationId="{94B1A72D-224B-44FD-BCD1-ED71985A30B6}"/>
-          </ac:picMkLst>
-        </pc:picChg>
-        <pc:picChg chg="add ord">
-          <ac:chgData name="Nathaniel Watts" userId="b5f9068336b075df" providerId="LiveId" clId="{D20B6939-C64F-45AB-8FC1-E98E92BF2F38}" dt="2020-05-04T13:40:44.569" v="1145" actId="167"/>
-          <ac:picMkLst>
-            <pc:docMk/>
-            <pc:sldMk cId="0" sldId="291"/>
-            <ac:picMk id="8" creationId="{958F011A-1B46-431F-818A-CBF6D07E243C}"/>
-          </ac:picMkLst>
-        </pc:picChg>
-        <pc:picChg chg="add">
-          <ac:chgData name="Nathaniel Watts" userId="b5f9068336b075df" providerId="LiveId" clId="{D20B6939-C64F-45AB-8FC1-E98E92BF2F38}" dt="2020-05-04T13:41:18.196" v="1154"/>
-          <ac:picMkLst>
-            <pc:docMk/>
-            <pc:sldMk cId="0" sldId="291"/>
-            <ac:picMk id="9" creationId="{3B011FCE-FB70-4DC0-BA8F-0CAF672F529D}"/>
-          </ac:picMkLst>
-        </pc:picChg>
-        <pc:picChg chg="del">
-          <ac:chgData name="Nathaniel Watts" userId="b5f9068336b075df" providerId="LiveId" clId="{D20B6939-C64F-45AB-8FC1-E98E92BF2F38}" dt="2020-05-04T12:50:20.213" v="1060" actId="478"/>
-          <ac:picMkLst>
-            <pc:docMk/>
-            <pc:sldMk cId="0" sldId="291"/>
-            <ac:picMk id="302" creationId="{00000000-0000-0000-0000-000000000000}"/>
-          </ac:picMkLst>
-        </pc:picChg>
-      </pc:sldChg>
-      <pc:sldChg chg="addSp delSp modSp">
-        <pc:chgData name="Nathaniel Watts" userId="b5f9068336b075df" providerId="LiveId" clId="{D20B6939-C64F-45AB-8FC1-E98E92BF2F38}" dt="2020-05-04T13:41:19.733" v="1155"/>
-        <pc:sldMkLst>
-          <pc:docMk/>
-          <pc:sldMk cId="0" sldId="292"/>
-        </pc:sldMkLst>
-        <pc:picChg chg="add del ord">
-          <ac:chgData name="Nathaniel Watts" userId="b5f9068336b075df" providerId="LiveId" clId="{D20B6939-C64F-45AB-8FC1-E98E92BF2F38}" dt="2020-05-04T13:40:47.815" v="1146" actId="478"/>
-          <ac:picMkLst>
-            <pc:docMk/>
-            <pc:sldMk cId="0" sldId="292"/>
-            <ac:picMk id="7" creationId="{A8F80D80-D9CE-4FDE-85F4-87598B2E1D49}"/>
-          </ac:picMkLst>
-        </pc:picChg>
-        <pc:picChg chg="add ord">
-          <ac:chgData name="Nathaniel Watts" userId="b5f9068336b075df" providerId="LiveId" clId="{D20B6939-C64F-45AB-8FC1-E98E92BF2F38}" dt="2020-05-04T13:40:50.553" v="1148" actId="167"/>
-          <ac:picMkLst>
-            <pc:docMk/>
-            <pc:sldMk cId="0" sldId="292"/>
-            <ac:picMk id="8" creationId="{442245F2-907C-46E8-BB4E-730DD31ED2EE}"/>
-          </ac:picMkLst>
-        </pc:picChg>
-        <pc:picChg chg="add">
-          <ac:chgData name="Nathaniel Watts" userId="b5f9068336b075df" providerId="LiveId" clId="{D20B6939-C64F-45AB-8FC1-E98E92BF2F38}" dt="2020-05-04T13:41:19.733" v="1155"/>
-          <ac:picMkLst>
-            <pc:docMk/>
-            <pc:sldMk cId="0" sldId="292"/>
-            <ac:picMk id="9" creationId="{872D9A31-B2BB-4DED-87A6-7DCE99A46534}"/>
-          </ac:picMkLst>
-        </pc:picChg>
-        <pc:picChg chg="del">
-          <ac:chgData name="Nathaniel Watts" userId="b5f9068336b075df" providerId="LiveId" clId="{D20B6939-C64F-45AB-8FC1-E98E92BF2F38}" dt="2020-05-04T12:50:29.974" v="1063" actId="478"/>
-          <ac:picMkLst>
-            <pc:docMk/>
-            <pc:sldMk cId="0" sldId="292"/>
-            <ac:picMk id="307" creationId="{00000000-0000-0000-0000-000000000000}"/>
-          </ac:picMkLst>
-        </pc:picChg>
-      </pc:sldChg>
-      <pc:sldChg chg="addSp delSp modSp">
-        <pc:chgData name="Nathaniel Watts" userId="b5f9068336b075df" providerId="LiveId" clId="{D20B6939-C64F-45AB-8FC1-E98E92BF2F38}" dt="2020-05-04T13:41:21.836" v="1156"/>
-        <pc:sldMkLst>
-          <pc:docMk/>
-          <pc:sldMk cId="0" sldId="293"/>
-        </pc:sldMkLst>
-        <pc:picChg chg="add del mod ord">
-          <ac:chgData name="Nathaniel Watts" userId="b5f9068336b075df" providerId="LiveId" clId="{D20B6939-C64F-45AB-8FC1-E98E92BF2F38}" dt="2020-05-04T13:40:53.343" v="1150" actId="478"/>
-          <ac:picMkLst>
-            <pc:docMk/>
-            <pc:sldMk cId="0" sldId="293"/>
-            <ac:picMk id="5" creationId="{DBB342BC-66DD-4F38-BCDB-984B11BE9309}"/>
-          </ac:picMkLst>
-        </pc:picChg>
-        <pc:picChg chg="add ord">
-          <ac:chgData name="Nathaniel Watts" userId="b5f9068336b075df" providerId="LiveId" clId="{D20B6939-C64F-45AB-8FC1-E98E92BF2F38}" dt="2020-05-04T13:40:55.544" v="1152" actId="167"/>
-          <ac:picMkLst>
-            <pc:docMk/>
-            <pc:sldMk cId="0" sldId="293"/>
-            <ac:picMk id="6" creationId="{62AE02C5-B404-40C3-B4F1-46AABB60014D}"/>
-          </ac:picMkLst>
-        </pc:picChg>
-        <pc:picChg chg="add">
-          <ac:chgData name="Nathaniel Watts" userId="b5f9068336b075df" providerId="LiveId" clId="{D20B6939-C64F-45AB-8FC1-E98E92BF2F38}" dt="2020-05-04T13:41:21.836" v="1156"/>
-          <ac:picMkLst>
-            <pc:docMk/>
-            <pc:sldMk cId="0" sldId="293"/>
-            <ac:picMk id="7" creationId="{44A07044-04E3-4C78-8F4F-15A283F35AF0}"/>
-          </ac:picMkLst>
-        </pc:picChg>
-        <pc:picChg chg="del">
-          <ac:chgData name="Nathaniel Watts" userId="b5f9068336b075df" providerId="LiveId" clId="{D20B6939-C64F-45AB-8FC1-E98E92BF2F38}" dt="2020-05-04T12:50:35.789" v="1066" actId="478"/>
-          <ac:picMkLst>
-            <pc:docMk/>
-            <pc:sldMk cId="0" sldId="293"/>
-            <ac:picMk id="312" creationId="{00000000-0000-0000-0000-000000000000}"/>
-          </ac:picMkLst>
-        </pc:picChg>
+            <pc:sldMk cId="0" sldId="280"/>
+            <ac:spMk id="12" creationId="{4CA8F2AA-067A-438E-87B0-6764AD9CB7D2}"/>
+          </ac:spMkLst>
+        </pc:spChg>
       </pc:sldChg>
     </pc:docChg>
   </pc:docChgLst>
@@ -2381,7 +559,7 @@
           <a:p>
             <a:fld id="{4E4BA8AA-EFAC-4AA8-A2E9-1A4CB38A7A19}" type="datetimeFigureOut">
               <a:rPr lang="en-GB" smtClean="0"/>
-              <a:t>04/05/2020</a:t>
+              <a:t>05/05/2020</a:t>
             </a:fld>
             <a:endParaRPr lang="en-GB"/>
           </a:p>
@@ -6848,10 +5026,10 @@
       </p:grpSpPr>
       <p:pic>
         <p:nvPicPr>
-          <p:cNvPr id="3" name="Picture 2" descr="A screenshot of a cell phone&#10;&#10;Description automatically generated">
+          <p:cNvPr id="4" name="Picture 3" descr="A screenshot of a cell phone&#10;&#10;Description automatically generated">
             <a:extLst>
               <a:ext uri="{FF2B5EF4-FFF2-40B4-BE49-F238E27FC236}">
-                <a16:creationId xmlns:a16="http://schemas.microsoft.com/office/drawing/2014/main" id="{64F9DF54-BC4C-4FDA-8F4B-0E3E0A4C551F}"/>
+                <a16:creationId xmlns:a16="http://schemas.microsoft.com/office/drawing/2014/main" id="{FE8E5AA5-EED6-4AEB-B45D-CC8D85FE7649}"/>
               </a:ext>
             </a:extLst>
           </p:cNvPr>
@@ -7044,59 +5222,6 @@
           <a:fontRef idx="minor"/>
         </p:style>
       </p:sp>
-      <p:pic>
-        <p:nvPicPr>
-          <p:cNvPr id="155" name="Picture 154"/>
-          <p:cNvPicPr/>
-          <p:nvPr/>
-        </p:nvPicPr>
-        <p:blipFill>
-          <a:blip r:embed="rId3"/>
-          <a:stretch/>
-        </p:blipFill>
-        <p:spPr>
-          <a:xfrm>
-            <a:off x="360" y="360"/>
-            <a:ext cx="513720" cy="5146920"/>
-          </a:xfrm>
-          <a:prstGeom prst="rect">
-            <a:avLst/>
-          </a:prstGeom>
-          <a:ln>
-            <a:noFill/>
-          </a:ln>
-        </p:spPr>
-      </p:pic>
-      <p:pic>
-        <p:nvPicPr>
-          <p:cNvPr id="7" name="Picture 6">
-            <a:extLst>
-              <a:ext uri="{FF2B5EF4-FFF2-40B4-BE49-F238E27FC236}">
-                <a16:creationId xmlns:a16="http://schemas.microsoft.com/office/drawing/2014/main" id="{CA5EEFC6-FCEE-4A14-85EB-E8178B1CE912}"/>
-              </a:ext>
-            </a:extLst>
-          </p:cNvPr>
-          <p:cNvPicPr/>
-          <p:nvPr/>
-        </p:nvPicPr>
-        <p:blipFill rotWithShape="1">
-          <a:blip r:embed="rId4"/>
-          <a:srcRect b="90102"/>
-          <a:stretch/>
-        </p:blipFill>
-        <p:spPr>
-          <a:xfrm>
-            <a:off x="0" y="0"/>
-            <a:ext cx="2286720" cy="509449"/>
-          </a:xfrm>
-          <a:prstGeom prst="rect">
-            <a:avLst/>
-          </a:prstGeom>
-          <a:ln>
-            <a:noFill/>
-          </a:ln>
-        </p:spPr>
-      </p:pic>
     </p:spTree>
   </p:cSld>
   <p:clrMapOvr>
@@ -7124,10 +5249,10 @@
       </p:grpSpPr>
       <p:pic>
         <p:nvPicPr>
-          <p:cNvPr id="5" name="Picture 4" descr="A picture containing building, large, white, holding&#10;&#10;Description automatically generated">
+          <p:cNvPr id="6" name="Picture 5" descr="A screenshot of a cell phone&#10;&#10;Description automatically generated">
             <a:extLst>
               <a:ext uri="{FF2B5EF4-FFF2-40B4-BE49-F238E27FC236}">
-                <a16:creationId xmlns:a16="http://schemas.microsoft.com/office/drawing/2014/main" id="{8C9E0529-C800-4639-B5BE-C78704DBB1E3}"/>
+                <a16:creationId xmlns:a16="http://schemas.microsoft.com/office/drawing/2014/main" id="{0A69582D-BE14-4D91-847F-64BD05077795}"/>
               </a:ext>
             </a:extLst>
           </p:cNvPr>
@@ -7150,43 +5275,7 @@
         </p:blipFill>
         <p:spPr>
           <a:xfrm>
-            <a:off x="7179" y="-72554"/>
-            <a:ext cx="9144000" cy="523875"/>
-          </a:xfrm>
-          <a:prstGeom prst="rect">
-            <a:avLst/>
-          </a:prstGeom>
-        </p:spPr>
-      </p:pic>
-      <p:pic>
-        <p:nvPicPr>
-          <p:cNvPr id="3" name="Picture 2" descr="A screenshot of a cell phone&#10;&#10;Description automatically generated">
-            <a:extLst>
-              <a:ext uri="{FF2B5EF4-FFF2-40B4-BE49-F238E27FC236}">
-                <a16:creationId xmlns:a16="http://schemas.microsoft.com/office/drawing/2014/main" id="{7CDF4F4D-EA97-43B2-80C1-1DD327F0633D}"/>
-              </a:ext>
-            </a:extLst>
-          </p:cNvPr>
-          <p:cNvPicPr>
-            <a:picLocks noChangeAspect="1"/>
-          </p:cNvPicPr>
-          <p:nvPr/>
-        </p:nvPicPr>
-        <p:blipFill>
-          <a:blip r:embed="rId3">
-            <a:extLst>
-              <a:ext uri="{28A0092B-C50C-407E-A947-70E740481C1C}">
-                <a14:useLocalDpi xmlns:a14="http://schemas.microsoft.com/office/drawing/2010/main" val="0"/>
-              </a:ext>
-            </a:extLst>
-          </a:blip>
-          <a:stretch>
-            <a:fillRect/>
-          </a:stretch>
-        </p:blipFill>
-        <p:spPr>
-          <a:xfrm>
-            <a:off x="-7179" y="-78302"/>
+            <a:off x="0" y="-4343"/>
             <a:ext cx="9144000" cy="5143500"/>
           </a:xfrm>
           <a:prstGeom prst="rect">
@@ -7259,433 +5348,6 @@
           </a:p>
         </p:txBody>
       </p:sp>
-      <p:pic>
-        <p:nvPicPr>
-          <p:cNvPr id="160" name="Picture 159"/>
-          <p:cNvPicPr/>
-          <p:nvPr/>
-        </p:nvPicPr>
-        <p:blipFill>
-          <a:blip r:embed="rId4"/>
-          <a:stretch/>
-        </p:blipFill>
-        <p:spPr>
-          <a:xfrm>
-            <a:off x="0" y="360"/>
-            <a:ext cx="513720" cy="5146920"/>
-          </a:xfrm>
-          <a:prstGeom prst="rect">
-            <a:avLst/>
-          </a:prstGeom>
-          <a:ln>
-            <a:noFill/>
-          </a:ln>
-        </p:spPr>
-      </p:pic>
-      <p:sp>
-        <p:nvSpPr>
-          <p:cNvPr id="9" name="TextBox 8">
-            <a:extLst>
-              <a:ext uri="{FF2B5EF4-FFF2-40B4-BE49-F238E27FC236}">
-                <a16:creationId xmlns:a16="http://schemas.microsoft.com/office/drawing/2014/main" id="{BE9DE378-0938-4F3D-A30C-C9436725B451}"/>
-              </a:ext>
-            </a:extLst>
-          </p:cNvPr>
-          <p:cNvSpPr txBox="1"/>
-          <p:nvPr/>
-        </p:nvSpPr>
-        <p:spPr>
-          <a:xfrm>
-            <a:off x="2427194" y="1182544"/>
-            <a:ext cx="955006" cy="215444"/>
-          </a:xfrm>
-          <a:prstGeom prst="rect">
-            <a:avLst/>
-          </a:prstGeom>
-          <a:noFill/>
-        </p:spPr>
-        <p:txBody>
-          <a:bodyPr wrap="square" rtlCol="0">
-            <a:spAutoFit/>
-          </a:bodyPr>
-          <a:lstStyle/>
-          <a:p>
-            <a:r>
-              <a:rPr lang="en-GB" sz="800" dirty="0">
-                <a:latin typeface="Times New Roman" panose="02020603050405020304" pitchFamily="18" charset="0"/>
-                <a:cs typeface="Times New Roman" panose="02020603050405020304" pitchFamily="18" charset="0"/>
-              </a:rPr>
-              <a:t>abbey</a:t>
-            </a:r>
-          </a:p>
-        </p:txBody>
-      </p:sp>
-      <p:sp>
-        <p:nvSpPr>
-          <p:cNvPr id="10" name="TextBox 9">
-            <a:extLst>
-              <a:ext uri="{FF2B5EF4-FFF2-40B4-BE49-F238E27FC236}">
-                <a16:creationId xmlns:a16="http://schemas.microsoft.com/office/drawing/2014/main" id="{4CA8035B-3CF0-4796-9F5B-1198EC21D6CB}"/>
-              </a:ext>
-            </a:extLst>
-          </p:cNvPr>
-          <p:cNvSpPr txBox="1"/>
-          <p:nvPr/>
-        </p:nvSpPr>
-        <p:spPr>
-          <a:xfrm>
-            <a:off x="5896534" y="1182544"/>
-            <a:ext cx="955006" cy="215444"/>
-          </a:xfrm>
-          <a:prstGeom prst="rect">
-            <a:avLst/>
-          </a:prstGeom>
-          <a:noFill/>
-        </p:spPr>
-        <p:txBody>
-          <a:bodyPr wrap="square" rtlCol="0">
-            <a:spAutoFit/>
-          </a:bodyPr>
-          <a:lstStyle/>
-          <a:p>
-            <a:r>
-              <a:rPr lang="en-GB" sz="800" dirty="0" err="1">
-                <a:latin typeface="Times New Roman" panose="02020603050405020304" pitchFamily="18" charset="0"/>
-                <a:cs typeface="Times New Roman" panose="02020603050405020304" pitchFamily="18" charset="0"/>
-              </a:rPr>
-              <a:t>abaty</a:t>
-            </a:r>
-            <a:endParaRPr lang="en-GB" sz="800" dirty="0">
-              <a:latin typeface="Times New Roman" panose="02020603050405020304" pitchFamily="18" charset="0"/>
-              <a:cs typeface="Times New Roman" panose="02020603050405020304" pitchFamily="18" charset="0"/>
-            </a:endParaRPr>
-          </a:p>
-        </p:txBody>
-      </p:sp>
-      <p:sp>
-        <p:nvSpPr>
-          <p:cNvPr id="11" name="TextBox 10">
-            <a:extLst>
-              <a:ext uri="{FF2B5EF4-FFF2-40B4-BE49-F238E27FC236}">
-                <a16:creationId xmlns:a16="http://schemas.microsoft.com/office/drawing/2014/main" id="{276FEDFD-AAD5-4650-A10B-15C457B0CD1E}"/>
-              </a:ext>
-            </a:extLst>
-          </p:cNvPr>
-          <p:cNvSpPr txBox="1"/>
-          <p:nvPr/>
-        </p:nvSpPr>
-        <p:spPr>
-          <a:xfrm>
-            <a:off x="2427194" y="1405961"/>
-            <a:ext cx="955006" cy="215444"/>
-          </a:xfrm>
-          <a:prstGeom prst="rect">
-            <a:avLst/>
-          </a:prstGeom>
-          <a:noFill/>
-        </p:spPr>
-        <p:txBody>
-          <a:bodyPr wrap="square" rtlCol="0">
-            <a:spAutoFit/>
-          </a:bodyPr>
-          <a:lstStyle/>
-          <a:p>
-            <a:r>
-              <a:rPr lang="en-GB" sz="800" dirty="0">
-                <a:latin typeface="Times New Roman" panose="02020603050405020304" pitchFamily="18" charset="0"/>
-                <a:cs typeface="Times New Roman" panose="02020603050405020304" pitchFamily="18" charset="0"/>
-              </a:rPr>
-              <a:t>abroad</a:t>
-            </a:r>
-          </a:p>
-        </p:txBody>
-      </p:sp>
-      <p:sp>
-        <p:nvSpPr>
-          <p:cNvPr id="12" name="TextBox 11">
-            <a:extLst>
-              <a:ext uri="{FF2B5EF4-FFF2-40B4-BE49-F238E27FC236}">
-                <a16:creationId xmlns:a16="http://schemas.microsoft.com/office/drawing/2014/main" id="{7E69951D-FCE6-450E-9684-AF3CF5D7D219}"/>
-              </a:ext>
-            </a:extLst>
-          </p:cNvPr>
-          <p:cNvSpPr txBox="1"/>
-          <p:nvPr/>
-        </p:nvSpPr>
-        <p:spPr>
-          <a:xfrm>
-            <a:off x="5891397" y="1405961"/>
-            <a:ext cx="955006" cy="215444"/>
-          </a:xfrm>
-          <a:prstGeom prst="rect">
-            <a:avLst/>
-          </a:prstGeom>
-          <a:noFill/>
-        </p:spPr>
-        <p:txBody>
-          <a:bodyPr wrap="square" rtlCol="0">
-            <a:spAutoFit/>
-          </a:bodyPr>
-          <a:lstStyle/>
-          <a:p>
-            <a:r>
-              <a:rPr lang="en-GB" sz="800" dirty="0" err="1">
-                <a:latin typeface="Times New Roman" panose="02020603050405020304" pitchFamily="18" charset="0"/>
-                <a:cs typeface="Times New Roman" panose="02020603050405020304" pitchFamily="18" charset="0"/>
-              </a:rPr>
-              <a:t>dramor</a:t>
-            </a:r>
-            <a:endParaRPr lang="en-GB" sz="800" dirty="0">
-              <a:latin typeface="Times New Roman" panose="02020603050405020304" pitchFamily="18" charset="0"/>
-              <a:cs typeface="Times New Roman" panose="02020603050405020304" pitchFamily="18" charset="0"/>
-            </a:endParaRPr>
-          </a:p>
-        </p:txBody>
-      </p:sp>
-      <p:sp>
-        <p:nvSpPr>
-          <p:cNvPr id="13" name="TextBox 12">
-            <a:extLst>
-              <a:ext uri="{FF2B5EF4-FFF2-40B4-BE49-F238E27FC236}">
-                <a16:creationId xmlns:a16="http://schemas.microsoft.com/office/drawing/2014/main" id="{233B8AF5-5F3F-4912-BC14-945A33F05B64}"/>
-              </a:ext>
-            </a:extLst>
-          </p:cNvPr>
-          <p:cNvSpPr txBox="1"/>
-          <p:nvPr/>
-        </p:nvSpPr>
-        <p:spPr>
-          <a:xfrm>
-            <a:off x="2427194" y="1633992"/>
-            <a:ext cx="955006" cy="215444"/>
-          </a:xfrm>
-          <a:prstGeom prst="rect">
-            <a:avLst/>
-          </a:prstGeom>
-          <a:noFill/>
-        </p:spPr>
-        <p:txBody>
-          <a:bodyPr wrap="square" rtlCol="0">
-            <a:spAutoFit/>
-          </a:bodyPr>
-          <a:lstStyle/>
-          <a:p>
-            <a:r>
-              <a:rPr lang="en-GB" sz="800" dirty="0">
-                <a:latin typeface="Times New Roman" panose="02020603050405020304" pitchFamily="18" charset="0"/>
-                <a:cs typeface="Times New Roman" panose="02020603050405020304" pitchFamily="18" charset="0"/>
-              </a:rPr>
-              <a:t>accounts</a:t>
-            </a:r>
-          </a:p>
-        </p:txBody>
-      </p:sp>
-      <p:sp>
-        <p:nvSpPr>
-          <p:cNvPr id="14" name="TextBox 13">
-            <a:extLst>
-              <a:ext uri="{FF2B5EF4-FFF2-40B4-BE49-F238E27FC236}">
-                <a16:creationId xmlns:a16="http://schemas.microsoft.com/office/drawing/2014/main" id="{A14113E2-4446-4035-93EB-D1859871DBFD}"/>
-              </a:ext>
-            </a:extLst>
-          </p:cNvPr>
-          <p:cNvSpPr txBox="1"/>
-          <p:nvPr/>
-        </p:nvSpPr>
-        <p:spPr>
-          <a:xfrm>
-            <a:off x="5896534" y="1628579"/>
-            <a:ext cx="955006" cy="215444"/>
-          </a:xfrm>
-          <a:prstGeom prst="rect">
-            <a:avLst/>
-          </a:prstGeom>
-          <a:noFill/>
-        </p:spPr>
-        <p:txBody>
-          <a:bodyPr wrap="square" rtlCol="0">
-            <a:spAutoFit/>
-          </a:bodyPr>
-          <a:lstStyle/>
-          <a:p>
-            <a:r>
-              <a:rPr lang="en-GB" sz="800" dirty="0" err="1">
-                <a:latin typeface="Times New Roman" panose="02020603050405020304" pitchFamily="18" charset="0"/>
-                <a:cs typeface="Times New Roman" panose="02020603050405020304" pitchFamily="18" charset="0"/>
-              </a:rPr>
-              <a:t>cyfrifon</a:t>
-            </a:r>
-            <a:endParaRPr lang="en-GB" sz="800" dirty="0">
-              <a:latin typeface="Times New Roman" panose="02020603050405020304" pitchFamily="18" charset="0"/>
-              <a:cs typeface="Times New Roman" panose="02020603050405020304" pitchFamily="18" charset="0"/>
-            </a:endParaRPr>
-          </a:p>
-        </p:txBody>
-      </p:sp>
-      <p:sp>
-        <p:nvSpPr>
-          <p:cNvPr id="15" name="TextBox 14">
-            <a:extLst>
-              <a:ext uri="{FF2B5EF4-FFF2-40B4-BE49-F238E27FC236}">
-                <a16:creationId xmlns:a16="http://schemas.microsoft.com/office/drawing/2014/main" id="{F893FD61-902B-4851-9CBF-A80BCBE416F0}"/>
-              </a:ext>
-            </a:extLst>
-          </p:cNvPr>
-          <p:cNvSpPr txBox="1"/>
-          <p:nvPr/>
-        </p:nvSpPr>
-        <p:spPr>
-          <a:xfrm>
-            <a:off x="2427194" y="1853325"/>
-            <a:ext cx="955006" cy="215444"/>
-          </a:xfrm>
-          <a:prstGeom prst="rect">
-            <a:avLst/>
-          </a:prstGeom>
-          <a:noFill/>
-        </p:spPr>
-        <p:txBody>
-          <a:bodyPr wrap="square" rtlCol="0">
-            <a:spAutoFit/>
-          </a:bodyPr>
-          <a:lstStyle/>
-          <a:p>
-            <a:r>
-              <a:rPr lang="en-GB" sz="800" dirty="0">
-                <a:latin typeface="Times New Roman" panose="02020603050405020304" pitchFamily="18" charset="0"/>
-                <a:cs typeface="Times New Roman" panose="02020603050405020304" pitchFamily="18" charset="0"/>
-              </a:rPr>
-              <a:t>adult/s</a:t>
-            </a:r>
-          </a:p>
-        </p:txBody>
-      </p:sp>
-      <p:sp>
-        <p:nvSpPr>
-          <p:cNvPr id="16" name="TextBox 15">
-            <a:extLst>
-              <a:ext uri="{FF2B5EF4-FFF2-40B4-BE49-F238E27FC236}">
-                <a16:creationId xmlns:a16="http://schemas.microsoft.com/office/drawing/2014/main" id="{3F8E98A3-568A-4CDF-9CE6-30EA02114835}"/>
-              </a:ext>
-            </a:extLst>
-          </p:cNvPr>
-          <p:cNvSpPr txBox="1"/>
-          <p:nvPr/>
-        </p:nvSpPr>
-        <p:spPr>
-          <a:xfrm>
-            <a:off x="5898121" y="1850111"/>
-            <a:ext cx="955006" cy="215444"/>
-          </a:xfrm>
-          <a:prstGeom prst="rect">
-            <a:avLst/>
-          </a:prstGeom>
-          <a:noFill/>
-        </p:spPr>
-        <p:txBody>
-          <a:bodyPr wrap="square" rtlCol="0">
-            <a:spAutoFit/>
-          </a:bodyPr>
-          <a:lstStyle/>
-          <a:p>
-            <a:r>
-              <a:rPr lang="en-GB" sz="800" dirty="0" err="1">
-                <a:latin typeface="Times New Roman" panose="02020603050405020304" pitchFamily="18" charset="0"/>
-                <a:cs typeface="Times New Roman" panose="02020603050405020304" pitchFamily="18" charset="0"/>
-              </a:rPr>
-              <a:t>oedolyn</a:t>
-            </a:r>
-            <a:r>
-              <a:rPr lang="en-GB" sz="800" dirty="0">
-                <a:latin typeface="Times New Roman" panose="02020603050405020304" pitchFamily="18" charset="0"/>
-                <a:cs typeface="Times New Roman" panose="02020603050405020304" pitchFamily="18" charset="0"/>
-              </a:rPr>
-              <a:t>./</a:t>
-            </a:r>
-            <a:r>
-              <a:rPr lang="en-GB" sz="800" dirty="0" err="1">
-                <a:latin typeface="Times New Roman" panose="02020603050405020304" pitchFamily="18" charset="0"/>
-                <a:cs typeface="Times New Roman" panose="02020603050405020304" pitchFamily="18" charset="0"/>
-              </a:rPr>
-              <a:t>oedolion</a:t>
-            </a:r>
-            <a:endParaRPr lang="en-GB" sz="800" dirty="0">
-              <a:latin typeface="Times New Roman" panose="02020603050405020304" pitchFamily="18" charset="0"/>
-              <a:cs typeface="Times New Roman" panose="02020603050405020304" pitchFamily="18" charset="0"/>
-            </a:endParaRPr>
-          </a:p>
-        </p:txBody>
-      </p:sp>
-      <p:pic>
-        <p:nvPicPr>
-          <p:cNvPr id="4" name="Picture 3" descr="A screenshot of a social media post&#10;&#10;Description automatically generated">
-            <a:extLst>
-              <a:ext uri="{FF2B5EF4-FFF2-40B4-BE49-F238E27FC236}">
-                <a16:creationId xmlns:a16="http://schemas.microsoft.com/office/drawing/2014/main" id="{DDFB02C1-4B1C-4748-8EA3-563F3D9732C6}"/>
-              </a:ext>
-            </a:extLst>
-          </p:cNvPr>
-          <p:cNvPicPr>
-            <a:picLocks noChangeAspect="1"/>
-          </p:cNvPicPr>
-          <p:nvPr/>
-        </p:nvPicPr>
-        <p:blipFill rotWithShape="1">
-          <a:blip r:embed="rId5">
-            <a:extLst>
-              <a:ext uri="{28A0092B-C50C-407E-A947-70E740481C1C}">
-                <a14:useLocalDpi xmlns:a14="http://schemas.microsoft.com/office/drawing/2010/main" val="0"/>
-              </a:ext>
-            </a:extLst>
-          </a:blip>
-          <a:srcRect b="89834"/>
-          <a:stretch/>
-        </p:blipFill>
-        <p:spPr>
-          <a:xfrm>
-            <a:off x="-1" y="-71580"/>
-            <a:ext cx="9151179" cy="522901"/>
-          </a:xfrm>
-          <a:prstGeom prst="rect">
-            <a:avLst/>
-          </a:prstGeom>
-        </p:spPr>
-      </p:pic>
-      <p:pic>
-        <p:nvPicPr>
-          <p:cNvPr id="17" name="Picture 16" descr="A screenshot of a social media post&#10;&#10;Description automatically generated">
-            <a:extLst>
-              <a:ext uri="{FF2B5EF4-FFF2-40B4-BE49-F238E27FC236}">
-                <a16:creationId xmlns:a16="http://schemas.microsoft.com/office/drawing/2014/main" id="{033EA07E-87FB-4232-B500-80B02F6A2858}"/>
-              </a:ext>
-            </a:extLst>
-          </p:cNvPr>
-          <p:cNvPicPr>
-            <a:picLocks noChangeAspect="1"/>
-          </p:cNvPicPr>
-          <p:nvPr/>
-        </p:nvPicPr>
-        <p:blipFill rotWithShape="1">
-          <a:blip r:embed="rId5">
-            <a:extLst>
-              <a:ext uri="{28A0092B-C50C-407E-A947-70E740481C1C}">
-                <a14:useLocalDpi xmlns:a14="http://schemas.microsoft.com/office/drawing/2010/main" val="0"/>
-              </a:ext>
-            </a:extLst>
-          </a:blip>
-          <a:srcRect l="39196" b="89834"/>
-          <a:stretch/>
-        </p:blipFill>
-        <p:spPr>
-          <a:xfrm>
-            <a:off x="513720" y="-70737"/>
-            <a:ext cx="5559903" cy="522901"/>
-          </a:xfrm>
-          <a:prstGeom prst="rect">
-            <a:avLst/>
-          </a:prstGeom>
-        </p:spPr>
-      </p:pic>
       <p:sp>
         <p:nvSpPr>
           <p:cNvPr id="158" name="CustomShape 1"/>
@@ -7775,10 +5437,10 @@
       </p:grpSpPr>
       <p:pic>
         <p:nvPicPr>
-          <p:cNvPr id="8" name="Picture 7" descr="A screenshot of a cell phone&#10;&#10;Description automatically generated">
+          <p:cNvPr id="3" name="Picture 2" descr="A screenshot of a cell phone&#10;&#10;Description automatically generated">
             <a:extLst>
               <a:ext uri="{FF2B5EF4-FFF2-40B4-BE49-F238E27FC236}">
-                <a16:creationId xmlns:a16="http://schemas.microsoft.com/office/drawing/2014/main" id="{F4683EF0-63A6-4A25-8C9E-66699CEF2C4F}"/>
+                <a16:creationId xmlns:a16="http://schemas.microsoft.com/office/drawing/2014/main" id="{5DA68F3D-9AE3-41D5-BD6C-EBD595C85414}"/>
               </a:ext>
             </a:extLst>
           </p:cNvPr>
@@ -7801,7 +5463,7 @@
         </p:blipFill>
         <p:spPr>
           <a:xfrm>
-            <a:off x="-7179" y="-78302"/>
+            <a:off x="0" y="2381"/>
             <a:ext cx="9144000" cy="5143500"/>
           </a:xfrm>
           <a:prstGeom prst="rect">
@@ -7809,340 +5471,6 @@
           </a:prstGeom>
         </p:spPr>
       </p:pic>
-      <p:sp>
-        <p:nvSpPr>
-          <p:cNvPr id="9" name="TextBox 8">
-            <a:extLst>
-              <a:ext uri="{FF2B5EF4-FFF2-40B4-BE49-F238E27FC236}">
-                <a16:creationId xmlns:a16="http://schemas.microsoft.com/office/drawing/2014/main" id="{B8944B52-4349-4E92-B589-EC82C8627DB3}"/>
-              </a:ext>
-            </a:extLst>
-          </p:cNvPr>
-          <p:cNvSpPr txBox="1"/>
-          <p:nvPr/>
-        </p:nvSpPr>
-        <p:spPr>
-          <a:xfrm>
-            <a:off x="2427194" y="1182544"/>
-            <a:ext cx="955006" cy="215444"/>
-          </a:xfrm>
-          <a:prstGeom prst="rect">
-            <a:avLst/>
-          </a:prstGeom>
-          <a:noFill/>
-        </p:spPr>
-        <p:txBody>
-          <a:bodyPr wrap="square" rtlCol="0">
-            <a:spAutoFit/>
-          </a:bodyPr>
-          <a:lstStyle/>
-          <a:p>
-            <a:r>
-              <a:rPr lang="en-GB" sz="800" dirty="0">
-                <a:latin typeface="Times New Roman" panose="02020603050405020304" pitchFamily="18" charset="0"/>
-                <a:cs typeface="Times New Roman" panose="02020603050405020304" pitchFamily="18" charset="0"/>
-              </a:rPr>
-              <a:t>abbey</a:t>
-            </a:r>
-          </a:p>
-        </p:txBody>
-      </p:sp>
-      <p:sp>
-        <p:nvSpPr>
-          <p:cNvPr id="10" name="TextBox 9">
-            <a:extLst>
-              <a:ext uri="{FF2B5EF4-FFF2-40B4-BE49-F238E27FC236}">
-                <a16:creationId xmlns:a16="http://schemas.microsoft.com/office/drawing/2014/main" id="{D49CC573-B2B2-4DBB-905C-7D7A2F099726}"/>
-              </a:ext>
-            </a:extLst>
-          </p:cNvPr>
-          <p:cNvSpPr txBox="1"/>
-          <p:nvPr/>
-        </p:nvSpPr>
-        <p:spPr>
-          <a:xfrm>
-            <a:off x="5896534" y="1182544"/>
-            <a:ext cx="955006" cy="215444"/>
-          </a:xfrm>
-          <a:prstGeom prst="rect">
-            <a:avLst/>
-          </a:prstGeom>
-          <a:noFill/>
-        </p:spPr>
-        <p:txBody>
-          <a:bodyPr wrap="square" rtlCol="0">
-            <a:spAutoFit/>
-          </a:bodyPr>
-          <a:lstStyle/>
-          <a:p>
-            <a:r>
-              <a:rPr lang="en-GB" sz="800" dirty="0" err="1">
-                <a:latin typeface="Times New Roman" panose="02020603050405020304" pitchFamily="18" charset="0"/>
-                <a:cs typeface="Times New Roman" panose="02020603050405020304" pitchFamily="18" charset="0"/>
-              </a:rPr>
-              <a:t>abaty</a:t>
-            </a:r>
-            <a:endParaRPr lang="en-GB" sz="800" dirty="0">
-              <a:latin typeface="Times New Roman" panose="02020603050405020304" pitchFamily="18" charset="0"/>
-              <a:cs typeface="Times New Roman" panose="02020603050405020304" pitchFamily="18" charset="0"/>
-            </a:endParaRPr>
-          </a:p>
-        </p:txBody>
-      </p:sp>
-      <p:sp>
-        <p:nvSpPr>
-          <p:cNvPr id="11" name="TextBox 10">
-            <a:extLst>
-              <a:ext uri="{FF2B5EF4-FFF2-40B4-BE49-F238E27FC236}">
-                <a16:creationId xmlns:a16="http://schemas.microsoft.com/office/drawing/2014/main" id="{7293549B-18C2-409A-A5FB-1968F564F9E3}"/>
-              </a:ext>
-            </a:extLst>
-          </p:cNvPr>
-          <p:cNvSpPr txBox="1"/>
-          <p:nvPr/>
-        </p:nvSpPr>
-        <p:spPr>
-          <a:xfrm>
-            <a:off x="2427194" y="1405961"/>
-            <a:ext cx="955006" cy="215444"/>
-          </a:xfrm>
-          <a:prstGeom prst="rect">
-            <a:avLst/>
-          </a:prstGeom>
-          <a:noFill/>
-        </p:spPr>
-        <p:txBody>
-          <a:bodyPr wrap="square" rtlCol="0">
-            <a:spAutoFit/>
-          </a:bodyPr>
-          <a:lstStyle/>
-          <a:p>
-            <a:r>
-              <a:rPr lang="en-GB" sz="800" dirty="0">
-                <a:latin typeface="Times New Roman" panose="02020603050405020304" pitchFamily="18" charset="0"/>
-                <a:cs typeface="Times New Roman" panose="02020603050405020304" pitchFamily="18" charset="0"/>
-              </a:rPr>
-              <a:t>abroad</a:t>
-            </a:r>
-          </a:p>
-        </p:txBody>
-      </p:sp>
-      <p:sp>
-        <p:nvSpPr>
-          <p:cNvPr id="12" name="TextBox 11">
-            <a:extLst>
-              <a:ext uri="{FF2B5EF4-FFF2-40B4-BE49-F238E27FC236}">
-                <a16:creationId xmlns:a16="http://schemas.microsoft.com/office/drawing/2014/main" id="{64975837-4470-486B-A966-DCE6C6DABAFD}"/>
-              </a:ext>
-            </a:extLst>
-          </p:cNvPr>
-          <p:cNvSpPr txBox="1"/>
-          <p:nvPr/>
-        </p:nvSpPr>
-        <p:spPr>
-          <a:xfrm>
-            <a:off x="5891397" y="1405961"/>
-            <a:ext cx="955006" cy="215444"/>
-          </a:xfrm>
-          <a:prstGeom prst="rect">
-            <a:avLst/>
-          </a:prstGeom>
-          <a:noFill/>
-        </p:spPr>
-        <p:txBody>
-          <a:bodyPr wrap="square" rtlCol="0">
-            <a:spAutoFit/>
-          </a:bodyPr>
-          <a:lstStyle/>
-          <a:p>
-            <a:r>
-              <a:rPr lang="en-GB" sz="800" dirty="0" err="1">
-                <a:latin typeface="Times New Roman" panose="02020603050405020304" pitchFamily="18" charset="0"/>
-                <a:cs typeface="Times New Roman" panose="02020603050405020304" pitchFamily="18" charset="0"/>
-              </a:rPr>
-              <a:t>dramor</a:t>
-            </a:r>
-            <a:endParaRPr lang="en-GB" sz="800" dirty="0">
-              <a:latin typeface="Times New Roman" panose="02020603050405020304" pitchFamily="18" charset="0"/>
-              <a:cs typeface="Times New Roman" panose="02020603050405020304" pitchFamily="18" charset="0"/>
-            </a:endParaRPr>
-          </a:p>
-        </p:txBody>
-      </p:sp>
-      <p:sp>
-        <p:nvSpPr>
-          <p:cNvPr id="13" name="TextBox 12">
-            <a:extLst>
-              <a:ext uri="{FF2B5EF4-FFF2-40B4-BE49-F238E27FC236}">
-                <a16:creationId xmlns:a16="http://schemas.microsoft.com/office/drawing/2014/main" id="{3995EB07-30F9-4170-BAB6-3C182570A20E}"/>
-              </a:ext>
-            </a:extLst>
-          </p:cNvPr>
-          <p:cNvSpPr txBox="1"/>
-          <p:nvPr/>
-        </p:nvSpPr>
-        <p:spPr>
-          <a:xfrm>
-            <a:off x="2427194" y="1633992"/>
-            <a:ext cx="955006" cy="215444"/>
-          </a:xfrm>
-          <a:prstGeom prst="rect">
-            <a:avLst/>
-          </a:prstGeom>
-          <a:noFill/>
-        </p:spPr>
-        <p:txBody>
-          <a:bodyPr wrap="square" rtlCol="0">
-            <a:spAutoFit/>
-          </a:bodyPr>
-          <a:lstStyle/>
-          <a:p>
-            <a:r>
-              <a:rPr lang="en-GB" sz="800" dirty="0">
-                <a:latin typeface="Times New Roman" panose="02020603050405020304" pitchFamily="18" charset="0"/>
-                <a:cs typeface="Times New Roman" panose="02020603050405020304" pitchFamily="18" charset="0"/>
-              </a:rPr>
-              <a:t>accounts</a:t>
-            </a:r>
-          </a:p>
-        </p:txBody>
-      </p:sp>
-      <p:sp>
-        <p:nvSpPr>
-          <p:cNvPr id="14" name="TextBox 13">
-            <a:extLst>
-              <a:ext uri="{FF2B5EF4-FFF2-40B4-BE49-F238E27FC236}">
-                <a16:creationId xmlns:a16="http://schemas.microsoft.com/office/drawing/2014/main" id="{E279CEA0-C8C4-4A22-B677-87EEA8CF2920}"/>
-              </a:ext>
-            </a:extLst>
-          </p:cNvPr>
-          <p:cNvSpPr txBox="1"/>
-          <p:nvPr/>
-        </p:nvSpPr>
-        <p:spPr>
-          <a:xfrm>
-            <a:off x="5896534" y="1628579"/>
-            <a:ext cx="955006" cy="215444"/>
-          </a:xfrm>
-          <a:prstGeom prst="rect">
-            <a:avLst/>
-          </a:prstGeom>
-          <a:noFill/>
-        </p:spPr>
-        <p:txBody>
-          <a:bodyPr wrap="square" rtlCol="0">
-            <a:spAutoFit/>
-          </a:bodyPr>
-          <a:lstStyle/>
-          <a:p>
-            <a:r>
-              <a:rPr lang="en-GB" sz="800" dirty="0" err="1">
-                <a:latin typeface="Times New Roman" panose="02020603050405020304" pitchFamily="18" charset="0"/>
-                <a:cs typeface="Times New Roman" panose="02020603050405020304" pitchFamily="18" charset="0"/>
-              </a:rPr>
-              <a:t>cyfrifon</a:t>
-            </a:r>
-            <a:endParaRPr lang="en-GB" sz="800" dirty="0">
-              <a:latin typeface="Times New Roman" panose="02020603050405020304" pitchFamily="18" charset="0"/>
-              <a:cs typeface="Times New Roman" panose="02020603050405020304" pitchFamily="18" charset="0"/>
-            </a:endParaRPr>
-          </a:p>
-        </p:txBody>
-      </p:sp>
-      <p:sp>
-        <p:nvSpPr>
-          <p:cNvPr id="15" name="TextBox 14">
-            <a:extLst>
-              <a:ext uri="{FF2B5EF4-FFF2-40B4-BE49-F238E27FC236}">
-                <a16:creationId xmlns:a16="http://schemas.microsoft.com/office/drawing/2014/main" id="{31678479-5D68-49AB-960A-E52C7CF44CD3}"/>
-              </a:ext>
-            </a:extLst>
-          </p:cNvPr>
-          <p:cNvSpPr txBox="1"/>
-          <p:nvPr/>
-        </p:nvSpPr>
-        <p:spPr>
-          <a:xfrm>
-            <a:off x="2427194" y="1853325"/>
-            <a:ext cx="955006" cy="215444"/>
-          </a:xfrm>
-          <a:prstGeom prst="rect">
-            <a:avLst/>
-          </a:prstGeom>
-          <a:noFill/>
-        </p:spPr>
-        <p:txBody>
-          <a:bodyPr wrap="square" rtlCol="0">
-            <a:spAutoFit/>
-          </a:bodyPr>
-          <a:lstStyle/>
-          <a:p>
-            <a:r>
-              <a:rPr lang="en-GB" sz="800" dirty="0">
-                <a:latin typeface="Times New Roman" panose="02020603050405020304" pitchFamily="18" charset="0"/>
-                <a:cs typeface="Times New Roman" panose="02020603050405020304" pitchFamily="18" charset="0"/>
-              </a:rPr>
-              <a:t>adult/s</a:t>
-            </a:r>
-          </a:p>
-        </p:txBody>
-      </p:sp>
-      <p:sp>
-        <p:nvSpPr>
-          <p:cNvPr id="16" name="TextBox 15">
-            <a:extLst>
-              <a:ext uri="{FF2B5EF4-FFF2-40B4-BE49-F238E27FC236}">
-                <a16:creationId xmlns:a16="http://schemas.microsoft.com/office/drawing/2014/main" id="{E9C9AB1E-6200-4441-81FE-D006719FA7CE}"/>
-              </a:ext>
-            </a:extLst>
-          </p:cNvPr>
-          <p:cNvSpPr txBox="1"/>
-          <p:nvPr/>
-        </p:nvSpPr>
-        <p:spPr>
-          <a:xfrm>
-            <a:off x="5898121" y="1850111"/>
-            <a:ext cx="955006" cy="215444"/>
-          </a:xfrm>
-          <a:prstGeom prst="rect">
-            <a:avLst/>
-          </a:prstGeom>
-          <a:noFill/>
-        </p:spPr>
-        <p:txBody>
-          <a:bodyPr wrap="square" rtlCol="0">
-            <a:spAutoFit/>
-          </a:bodyPr>
-          <a:lstStyle/>
-          <a:p>
-            <a:r>
-              <a:rPr lang="en-GB" sz="800" dirty="0" err="1">
-                <a:latin typeface="Times New Roman" panose="02020603050405020304" pitchFamily="18" charset="0"/>
-                <a:cs typeface="Times New Roman" panose="02020603050405020304" pitchFamily="18" charset="0"/>
-              </a:rPr>
-              <a:t>oedolyn</a:t>
-            </a:r>
-            <a:r>
-              <a:rPr lang="en-GB" sz="800" dirty="0">
-                <a:latin typeface="Times New Roman" panose="02020603050405020304" pitchFamily="18" charset="0"/>
-                <a:cs typeface="Times New Roman" panose="02020603050405020304" pitchFamily="18" charset="0"/>
-              </a:rPr>
-              <a:t>./</a:t>
-            </a:r>
-            <a:r>
-              <a:rPr lang="en-GB" sz="800" dirty="0" err="1">
-                <a:latin typeface="Times New Roman" panose="02020603050405020304" pitchFamily="18" charset="0"/>
-                <a:cs typeface="Times New Roman" panose="02020603050405020304" pitchFamily="18" charset="0"/>
-              </a:rPr>
-              <a:t>oedolion</a:t>
-            </a:r>
-            <a:endParaRPr lang="en-GB" sz="800" dirty="0">
-              <a:latin typeface="Times New Roman" panose="02020603050405020304" pitchFamily="18" charset="0"/>
-              <a:cs typeface="Times New Roman" panose="02020603050405020304" pitchFamily="18" charset="0"/>
-            </a:endParaRPr>
-          </a:p>
-        </p:txBody>
-      </p:sp>
       <p:sp>
         <p:nvSpPr>
           <p:cNvPr id="164" name="CustomShape 2"/>
@@ -8243,99 +5571,6 @@
           <a:fontRef idx="minor"/>
         </p:style>
       </p:sp>
-      <p:pic>
-        <p:nvPicPr>
-          <p:cNvPr id="166" name="Picture 165"/>
-          <p:cNvPicPr/>
-          <p:nvPr/>
-        </p:nvPicPr>
-        <p:blipFill>
-          <a:blip r:embed="rId3"/>
-          <a:stretch/>
-        </p:blipFill>
-        <p:spPr>
-          <a:xfrm>
-            <a:off x="360" y="720"/>
-            <a:ext cx="513720" cy="5146920"/>
-          </a:xfrm>
-          <a:prstGeom prst="rect">
-            <a:avLst/>
-          </a:prstGeom>
-          <a:ln>
-            <a:noFill/>
-          </a:ln>
-        </p:spPr>
-      </p:pic>
-      <p:pic>
-        <p:nvPicPr>
-          <p:cNvPr id="19" name="Picture 18" descr="A screenshot of a social media post&#10;&#10;Description automatically generated">
-            <a:extLst>
-              <a:ext uri="{FF2B5EF4-FFF2-40B4-BE49-F238E27FC236}">
-                <a16:creationId xmlns:a16="http://schemas.microsoft.com/office/drawing/2014/main" id="{6A6CDDF8-FA6D-4E51-80E5-DD32D78D9FEA}"/>
-              </a:ext>
-            </a:extLst>
-          </p:cNvPr>
-          <p:cNvPicPr>
-            <a:picLocks noChangeAspect="1"/>
-          </p:cNvPicPr>
-          <p:nvPr/>
-        </p:nvPicPr>
-        <p:blipFill rotWithShape="1">
-          <a:blip r:embed="rId4">
-            <a:extLst>
-              <a:ext uri="{28A0092B-C50C-407E-A947-70E740481C1C}">
-                <a14:useLocalDpi xmlns:a14="http://schemas.microsoft.com/office/drawing/2010/main" val="0"/>
-              </a:ext>
-            </a:extLst>
-          </a:blip>
-          <a:srcRect b="89834"/>
-          <a:stretch/>
-        </p:blipFill>
-        <p:spPr>
-          <a:xfrm>
-            <a:off x="7179" y="-73165"/>
-            <a:ext cx="9144000" cy="522901"/>
-          </a:xfrm>
-          <a:prstGeom prst="rect">
-            <a:avLst/>
-          </a:prstGeom>
-        </p:spPr>
-      </p:pic>
-      <p:pic>
-        <p:nvPicPr>
-          <p:cNvPr id="20" name="Picture 19" descr="A screenshot of a social media post&#10;&#10;Description automatically generated">
-            <a:extLst>
-              <a:ext uri="{FF2B5EF4-FFF2-40B4-BE49-F238E27FC236}">
-                <a16:creationId xmlns:a16="http://schemas.microsoft.com/office/drawing/2014/main" id="{7B9F7A89-9A4E-41AB-8D26-FA53E6B9C25D}"/>
-              </a:ext>
-            </a:extLst>
-          </p:cNvPr>
-          <p:cNvPicPr>
-            <a:picLocks noChangeAspect="1"/>
-          </p:cNvPicPr>
-          <p:nvPr/>
-        </p:nvPicPr>
-        <p:blipFill rotWithShape="1">
-          <a:blip r:embed="rId4">
-            <a:extLst>
-              <a:ext uri="{28A0092B-C50C-407E-A947-70E740481C1C}">
-                <a14:useLocalDpi xmlns:a14="http://schemas.microsoft.com/office/drawing/2010/main" val="0"/>
-              </a:ext>
-            </a:extLst>
-          </a:blip>
-          <a:srcRect l="39196" b="89834"/>
-          <a:stretch/>
-        </p:blipFill>
-        <p:spPr>
-          <a:xfrm>
-            <a:off x="513720" y="-70737"/>
-            <a:ext cx="5559903" cy="522901"/>
-          </a:xfrm>
-          <a:prstGeom prst="rect">
-            <a:avLst/>
-          </a:prstGeom>
-        </p:spPr>
-      </p:pic>
       <p:sp>
         <p:nvSpPr>
           <p:cNvPr id="163" name="CustomShape 1"/>
@@ -8425,10 +5660,10 @@
       </p:grpSpPr>
       <p:pic>
         <p:nvPicPr>
-          <p:cNvPr id="9" name="Picture 8" descr="A screenshot of a cell phone&#10;&#10;Description automatically generated">
+          <p:cNvPr id="3" name="Picture 2" descr="A screenshot of a cell phone&#10;&#10;Description automatically generated">
             <a:extLst>
               <a:ext uri="{FF2B5EF4-FFF2-40B4-BE49-F238E27FC236}">
-                <a16:creationId xmlns:a16="http://schemas.microsoft.com/office/drawing/2014/main" id="{1D3530D8-45E9-4198-B67C-CB17502FB198}"/>
+                <a16:creationId xmlns:a16="http://schemas.microsoft.com/office/drawing/2014/main" id="{CC8AD973-1269-4194-8D82-856174E21E45}"/>
               </a:ext>
             </a:extLst>
           </p:cNvPr>
@@ -8451,7 +5686,7 @@
         </p:blipFill>
         <p:spPr>
           <a:xfrm>
-            <a:off x="-7179" y="-78302"/>
+            <a:off x="0" y="2381"/>
             <a:ext cx="9144000" cy="5143500"/>
           </a:xfrm>
           <a:prstGeom prst="rect">
@@ -8459,340 +5694,6 @@
           </a:prstGeom>
         </p:spPr>
       </p:pic>
-      <p:sp>
-        <p:nvSpPr>
-          <p:cNvPr id="10" name="TextBox 9">
-            <a:extLst>
-              <a:ext uri="{FF2B5EF4-FFF2-40B4-BE49-F238E27FC236}">
-                <a16:creationId xmlns:a16="http://schemas.microsoft.com/office/drawing/2014/main" id="{DC74DFFC-B367-49B6-9100-9E4B21DC5E5D}"/>
-              </a:ext>
-            </a:extLst>
-          </p:cNvPr>
-          <p:cNvSpPr txBox="1"/>
-          <p:nvPr/>
-        </p:nvSpPr>
-        <p:spPr>
-          <a:xfrm>
-            <a:off x="2427194" y="1182544"/>
-            <a:ext cx="955006" cy="215444"/>
-          </a:xfrm>
-          <a:prstGeom prst="rect">
-            <a:avLst/>
-          </a:prstGeom>
-          <a:noFill/>
-        </p:spPr>
-        <p:txBody>
-          <a:bodyPr wrap="square" rtlCol="0">
-            <a:spAutoFit/>
-          </a:bodyPr>
-          <a:lstStyle/>
-          <a:p>
-            <a:r>
-              <a:rPr lang="en-GB" sz="800" dirty="0">
-                <a:latin typeface="Times New Roman" panose="02020603050405020304" pitchFamily="18" charset="0"/>
-                <a:cs typeface="Times New Roman" panose="02020603050405020304" pitchFamily="18" charset="0"/>
-              </a:rPr>
-              <a:t>abbey</a:t>
-            </a:r>
-          </a:p>
-        </p:txBody>
-      </p:sp>
-      <p:sp>
-        <p:nvSpPr>
-          <p:cNvPr id="11" name="TextBox 10">
-            <a:extLst>
-              <a:ext uri="{FF2B5EF4-FFF2-40B4-BE49-F238E27FC236}">
-                <a16:creationId xmlns:a16="http://schemas.microsoft.com/office/drawing/2014/main" id="{A07E21D4-2A68-4201-B800-75EDD542DB8F}"/>
-              </a:ext>
-            </a:extLst>
-          </p:cNvPr>
-          <p:cNvSpPr txBox="1"/>
-          <p:nvPr/>
-        </p:nvSpPr>
-        <p:spPr>
-          <a:xfrm>
-            <a:off x="5896534" y="1182544"/>
-            <a:ext cx="955006" cy="215444"/>
-          </a:xfrm>
-          <a:prstGeom prst="rect">
-            <a:avLst/>
-          </a:prstGeom>
-          <a:noFill/>
-        </p:spPr>
-        <p:txBody>
-          <a:bodyPr wrap="square" rtlCol="0">
-            <a:spAutoFit/>
-          </a:bodyPr>
-          <a:lstStyle/>
-          <a:p>
-            <a:r>
-              <a:rPr lang="en-GB" sz="800" dirty="0" err="1">
-                <a:latin typeface="Times New Roman" panose="02020603050405020304" pitchFamily="18" charset="0"/>
-                <a:cs typeface="Times New Roman" panose="02020603050405020304" pitchFamily="18" charset="0"/>
-              </a:rPr>
-              <a:t>abaty</a:t>
-            </a:r>
-            <a:endParaRPr lang="en-GB" sz="800" dirty="0">
-              <a:latin typeface="Times New Roman" panose="02020603050405020304" pitchFamily="18" charset="0"/>
-              <a:cs typeface="Times New Roman" panose="02020603050405020304" pitchFamily="18" charset="0"/>
-            </a:endParaRPr>
-          </a:p>
-        </p:txBody>
-      </p:sp>
-      <p:sp>
-        <p:nvSpPr>
-          <p:cNvPr id="12" name="TextBox 11">
-            <a:extLst>
-              <a:ext uri="{FF2B5EF4-FFF2-40B4-BE49-F238E27FC236}">
-                <a16:creationId xmlns:a16="http://schemas.microsoft.com/office/drawing/2014/main" id="{22AB505B-CD44-40BE-937D-C5312045DDEB}"/>
-              </a:ext>
-            </a:extLst>
-          </p:cNvPr>
-          <p:cNvSpPr txBox="1"/>
-          <p:nvPr/>
-        </p:nvSpPr>
-        <p:spPr>
-          <a:xfrm>
-            <a:off x="2427194" y="1405961"/>
-            <a:ext cx="955006" cy="215444"/>
-          </a:xfrm>
-          <a:prstGeom prst="rect">
-            <a:avLst/>
-          </a:prstGeom>
-          <a:noFill/>
-        </p:spPr>
-        <p:txBody>
-          <a:bodyPr wrap="square" rtlCol="0">
-            <a:spAutoFit/>
-          </a:bodyPr>
-          <a:lstStyle/>
-          <a:p>
-            <a:r>
-              <a:rPr lang="en-GB" sz="800" dirty="0">
-                <a:latin typeface="Times New Roman" panose="02020603050405020304" pitchFamily="18" charset="0"/>
-                <a:cs typeface="Times New Roman" panose="02020603050405020304" pitchFamily="18" charset="0"/>
-              </a:rPr>
-              <a:t>abroad</a:t>
-            </a:r>
-          </a:p>
-        </p:txBody>
-      </p:sp>
-      <p:sp>
-        <p:nvSpPr>
-          <p:cNvPr id="13" name="TextBox 12">
-            <a:extLst>
-              <a:ext uri="{FF2B5EF4-FFF2-40B4-BE49-F238E27FC236}">
-                <a16:creationId xmlns:a16="http://schemas.microsoft.com/office/drawing/2014/main" id="{0826A0AA-D0ED-4CC0-98D8-15422B2855BE}"/>
-              </a:ext>
-            </a:extLst>
-          </p:cNvPr>
-          <p:cNvSpPr txBox="1"/>
-          <p:nvPr/>
-        </p:nvSpPr>
-        <p:spPr>
-          <a:xfrm>
-            <a:off x="5891397" y="1405961"/>
-            <a:ext cx="955006" cy="215444"/>
-          </a:xfrm>
-          <a:prstGeom prst="rect">
-            <a:avLst/>
-          </a:prstGeom>
-          <a:noFill/>
-        </p:spPr>
-        <p:txBody>
-          <a:bodyPr wrap="square" rtlCol="0">
-            <a:spAutoFit/>
-          </a:bodyPr>
-          <a:lstStyle/>
-          <a:p>
-            <a:r>
-              <a:rPr lang="en-GB" sz="800" dirty="0" err="1">
-                <a:latin typeface="Times New Roman" panose="02020603050405020304" pitchFamily="18" charset="0"/>
-                <a:cs typeface="Times New Roman" panose="02020603050405020304" pitchFamily="18" charset="0"/>
-              </a:rPr>
-              <a:t>dramor</a:t>
-            </a:r>
-            <a:endParaRPr lang="en-GB" sz="800" dirty="0">
-              <a:latin typeface="Times New Roman" panose="02020603050405020304" pitchFamily="18" charset="0"/>
-              <a:cs typeface="Times New Roman" panose="02020603050405020304" pitchFamily="18" charset="0"/>
-            </a:endParaRPr>
-          </a:p>
-        </p:txBody>
-      </p:sp>
-      <p:sp>
-        <p:nvSpPr>
-          <p:cNvPr id="14" name="TextBox 13">
-            <a:extLst>
-              <a:ext uri="{FF2B5EF4-FFF2-40B4-BE49-F238E27FC236}">
-                <a16:creationId xmlns:a16="http://schemas.microsoft.com/office/drawing/2014/main" id="{C3882130-583C-4D02-9301-52BCD3D19105}"/>
-              </a:ext>
-            </a:extLst>
-          </p:cNvPr>
-          <p:cNvSpPr txBox="1"/>
-          <p:nvPr/>
-        </p:nvSpPr>
-        <p:spPr>
-          <a:xfrm>
-            <a:off x="2427194" y="1633992"/>
-            <a:ext cx="955006" cy="215444"/>
-          </a:xfrm>
-          <a:prstGeom prst="rect">
-            <a:avLst/>
-          </a:prstGeom>
-          <a:noFill/>
-        </p:spPr>
-        <p:txBody>
-          <a:bodyPr wrap="square" rtlCol="0">
-            <a:spAutoFit/>
-          </a:bodyPr>
-          <a:lstStyle/>
-          <a:p>
-            <a:r>
-              <a:rPr lang="en-GB" sz="800" dirty="0">
-                <a:latin typeface="Times New Roman" panose="02020603050405020304" pitchFamily="18" charset="0"/>
-                <a:cs typeface="Times New Roman" panose="02020603050405020304" pitchFamily="18" charset="0"/>
-              </a:rPr>
-              <a:t>accounts</a:t>
-            </a:r>
-          </a:p>
-        </p:txBody>
-      </p:sp>
-      <p:sp>
-        <p:nvSpPr>
-          <p:cNvPr id="15" name="TextBox 14">
-            <a:extLst>
-              <a:ext uri="{FF2B5EF4-FFF2-40B4-BE49-F238E27FC236}">
-                <a16:creationId xmlns:a16="http://schemas.microsoft.com/office/drawing/2014/main" id="{20858B55-B50D-4D96-81ED-EB333F293DFC}"/>
-              </a:ext>
-            </a:extLst>
-          </p:cNvPr>
-          <p:cNvSpPr txBox="1"/>
-          <p:nvPr/>
-        </p:nvSpPr>
-        <p:spPr>
-          <a:xfrm>
-            <a:off x="5896534" y="1628579"/>
-            <a:ext cx="955006" cy="215444"/>
-          </a:xfrm>
-          <a:prstGeom prst="rect">
-            <a:avLst/>
-          </a:prstGeom>
-          <a:noFill/>
-        </p:spPr>
-        <p:txBody>
-          <a:bodyPr wrap="square" rtlCol="0">
-            <a:spAutoFit/>
-          </a:bodyPr>
-          <a:lstStyle/>
-          <a:p>
-            <a:r>
-              <a:rPr lang="en-GB" sz="800" dirty="0" err="1">
-                <a:latin typeface="Times New Roman" panose="02020603050405020304" pitchFamily="18" charset="0"/>
-                <a:cs typeface="Times New Roman" panose="02020603050405020304" pitchFamily="18" charset="0"/>
-              </a:rPr>
-              <a:t>cyfrifon</a:t>
-            </a:r>
-            <a:endParaRPr lang="en-GB" sz="800" dirty="0">
-              <a:latin typeface="Times New Roman" panose="02020603050405020304" pitchFamily="18" charset="0"/>
-              <a:cs typeface="Times New Roman" panose="02020603050405020304" pitchFamily="18" charset="0"/>
-            </a:endParaRPr>
-          </a:p>
-        </p:txBody>
-      </p:sp>
-      <p:sp>
-        <p:nvSpPr>
-          <p:cNvPr id="16" name="TextBox 15">
-            <a:extLst>
-              <a:ext uri="{FF2B5EF4-FFF2-40B4-BE49-F238E27FC236}">
-                <a16:creationId xmlns:a16="http://schemas.microsoft.com/office/drawing/2014/main" id="{9D05FD1B-8EE9-4B81-B2DE-2571619385D6}"/>
-              </a:ext>
-            </a:extLst>
-          </p:cNvPr>
-          <p:cNvSpPr txBox="1"/>
-          <p:nvPr/>
-        </p:nvSpPr>
-        <p:spPr>
-          <a:xfrm>
-            <a:off x="2427194" y="1853325"/>
-            <a:ext cx="955006" cy="215444"/>
-          </a:xfrm>
-          <a:prstGeom prst="rect">
-            <a:avLst/>
-          </a:prstGeom>
-          <a:noFill/>
-        </p:spPr>
-        <p:txBody>
-          <a:bodyPr wrap="square" rtlCol="0">
-            <a:spAutoFit/>
-          </a:bodyPr>
-          <a:lstStyle/>
-          <a:p>
-            <a:r>
-              <a:rPr lang="en-GB" sz="800" dirty="0">
-                <a:latin typeface="Times New Roman" panose="02020603050405020304" pitchFamily="18" charset="0"/>
-                <a:cs typeface="Times New Roman" panose="02020603050405020304" pitchFamily="18" charset="0"/>
-              </a:rPr>
-              <a:t>adult/s</a:t>
-            </a:r>
-          </a:p>
-        </p:txBody>
-      </p:sp>
-      <p:sp>
-        <p:nvSpPr>
-          <p:cNvPr id="17" name="TextBox 16">
-            <a:extLst>
-              <a:ext uri="{FF2B5EF4-FFF2-40B4-BE49-F238E27FC236}">
-                <a16:creationId xmlns:a16="http://schemas.microsoft.com/office/drawing/2014/main" id="{AD61D060-A399-4D6B-98AB-2817E63A8F43}"/>
-              </a:ext>
-            </a:extLst>
-          </p:cNvPr>
-          <p:cNvSpPr txBox="1"/>
-          <p:nvPr/>
-        </p:nvSpPr>
-        <p:spPr>
-          <a:xfrm>
-            <a:off x="5898121" y="1850111"/>
-            <a:ext cx="955006" cy="215444"/>
-          </a:xfrm>
-          <a:prstGeom prst="rect">
-            <a:avLst/>
-          </a:prstGeom>
-          <a:noFill/>
-        </p:spPr>
-        <p:txBody>
-          <a:bodyPr wrap="square" rtlCol="0">
-            <a:spAutoFit/>
-          </a:bodyPr>
-          <a:lstStyle/>
-          <a:p>
-            <a:r>
-              <a:rPr lang="en-GB" sz="800" dirty="0" err="1">
-                <a:latin typeface="Times New Roman" panose="02020603050405020304" pitchFamily="18" charset="0"/>
-                <a:cs typeface="Times New Roman" panose="02020603050405020304" pitchFamily="18" charset="0"/>
-              </a:rPr>
-              <a:t>oedolyn</a:t>
-            </a:r>
-            <a:r>
-              <a:rPr lang="en-GB" sz="800" dirty="0">
-                <a:latin typeface="Times New Roman" panose="02020603050405020304" pitchFamily="18" charset="0"/>
-                <a:cs typeface="Times New Roman" panose="02020603050405020304" pitchFamily="18" charset="0"/>
-              </a:rPr>
-              <a:t>./</a:t>
-            </a:r>
-            <a:r>
-              <a:rPr lang="en-GB" sz="800" dirty="0" err="1">
-                <a:latin typeface="Times New Roman" panose="02020603050405020304" pitchFamily="18" charset="0"/>
-                <a:cs typeface="Times New Roman" panose="02020603050405020304" pitchFamily="18" charset="0"/>
-              </a:rPr>
-              <a:t>oedolion</a:t>
-            </a:r>
-            <a:endParaRPr lang="en-GB" sz="800" dirty="0">
-              <a:latin typeface="Times New Roman" panose="02020603050405020304" pitchFamily="18" charset="0"/>
-              <a:cs typeface="Times New Roman" panose="02020603050405020304" pitchFamily="18" charset="0"/>
-            </a:endParaRPr>
-          </a:p>
-        </p:txBody>
-      </p:sp>
       <p:sp>
         <p:nvSpPr>
           <p:cNvPr id="170" name="CustomShape 2"/>
@@ -8958,99 +5859,6 @@
           <a:fontRef idx="minor"/>
         </p:style>
       </p:sp>
-      <p:pic>
-        <p:nvPicPr>
-          <p:cNvPr id="173" name="Picture 172"/>
-          <p:cNvPicPr/>
-          <p:nvPr/>
-        </p:nvPicPr>
-        <p:blipFill>
-          <a:blip r:embed="rId3"/>
-          <a:stretch/>
-        </p:blipFill>
-        <p:spPr>
-          <a:xfrm>
-            <a:off x="360" y="720"/>
-            <a:ext cx="513720" cy="5146920"/>
-          </a:xfrm>
-          <a:prstGeom prst="rect">
-            <a:avLst/>
-          </a:prstGeom>
-          <a:ln>
-            <a:noFill/>
-          </a:ln>
-        </p:spPr>
-      </p:pic>
-      <p:pic>
-        <p:nvPicPr>
-          <p:cNvPr id="18" name="Picture 17" descr="A screenshot of a social media post&#10;&#10;Description automatically generated">
-            <a:extLst>
-              <a:ext uri="{FF2B5EF4-FFF2-40B4-BE49-F238E27FC236}">
-                <a16:creationId xmlns:a16="http://schemas.microsoft.com/office/drawing/2014/main" id="{D25CCC3B-4C4A-474A-9F79-39BBCE61638A}"/>
-              </a:ext>
-            </a:extLst>
-          </p:cNvPr>
-          <p:cNvPicPr>
-            <a:picLocks noChangeAspect="1"/>
-          </p:cNvPicPr>
-          <p:nvPr/>
-        </p:nvPicPr>
-        <p:blipFill rotWithShape="1">
-          <a:blip r:embed="rId4">
-            <a:extLst>
-              <a:ext uri="{28A0092B-C50C-407E-A947-70E740481C1C}">
-                <a14:useLocalDpi xmlns:a14="http://schemas.microsoft.com/office/drawing/2010/main" val="0"/>
-              </a:ext>
-            </a:extLst>
-          </a:blip>
-          <a:srcRect b="89834"/>
-          <a:stretch/>
-        </p:blipFill>
-        <p:spPr>
-          <a:xfrm>
-            <a:off x="7179" y="-73165"/>
-            <a:ext cx="9144000" cy="522901"/>
-          </a:xfrm>
-          <a:prstGeom prst="rect">
-            <a:avLst/>
-          </a:prstGeom>
-        </p:spPr>
-      </p:pic>
-      <p:pic>
-        <p:nvPicPr>
-          <p:cNvPr id="19" name="Picture 18" descr="A screenshot of a social media post&#10;&#10;Description automatically generated">
-            <a:extLst>
-              <a:ext uri="{FF2B5EF4-FFF2-40B4-BE49-F238E27FC236}">
-                <a16:creationId xmlns:a16="http://schemas.microsoft.com/office/drawing/2014/main" id="{0E73DF3B-894C-4155-8788-0AC6B530FAB3}"/>
-              </a:ext>
-            </a:extLst>
-          </p:cNvPr>
-          <p:cNvPicPr>
-            <a:picLocks noChangeAspect="1"/>
-          </p:cNvPicPr>
-          <p:nvPr/>
-        </p:nvPicPr>
-        <p:blipFill rotWithShape="1">
-          <a:blip r:embed="rId4">
-            <a:extLst>
-              <a:ext uri="{28A0092B-C50C-407E-A947-70E740481C1C}">
-                <a14:useLocalDpi xmlns:a14="http://schemas.microsoft.com/office/drawing/2010/main" val="0"/>
-              </a:ext>
-            </a:extLst>
-          </a:blip>
-          <a:srcRect l="39196" b="89834"/>
-          <a:stretch/>
-        </p:blipFill>
-        <p:spPr>
-          <a:xfrm>
-            <a:off x="513720" y="-70737"/>
-            <a:ext cx="5559903" cy="522901"/>
-          </a:xfrm>
-          <a:prstGeom prst="rect">
-            <a:avLst/>
-          </a:prstGeom>
-        </p:spPr>
-      </p:pic>
       <p:sp>
         <p:nvSpPr>
           <p:cNvPr id="169" name="CustomShape 1"/>
@@ -9140,10 +5948,10 @@
       </p:grpSpPr>
       <p:pic>
         <p:nvPicPr>
-          <p:cNvPr id="9" name="Picture 8" descr="A screenshot of a cell phone&#10;&#10;Description automatically generated">
+          <p:cNvPr id="3" name="Picture 2" descr="A screenshot of a cell phone&#10;&#10;Description automatically generated">
             <a:extLst>
               <a:ext uri="{FF2B5EF4-FFF2-40B4-BE49-F238E27FC236}">
-                <a16:creationId xmlns:a16="http://schemas.microsoft.com/office/drawing/2014/main" id="{463B7EAA-05B4-4927-8F7A-FB35285C0425}"/>
+                <a16:creationId xmlns:a16="http://schemas.microsoft.com/office/drawing/2014/main" id="{550BF211-E48C-40CF-995E-7206A23D21C1}"/>
               </a:ext>
             </a:extLst>
           </p:cNvPr>
@@ -9166,369 +5974,12 @@
         </p:blipFill>
         <p:spPr>
           <a:xfrm>
-            <a:off x="-7179" y="-78302"/>
+            <a:off x="0" y="2381"/>
             <a:ext cx="9144000" cy="5143500"/>
           </a:xfrm>
           <a:prstGeom prst="rect">
             <a:avLst/>
           </a:prstGeom>
-        </p:spPr>
-      </p:pic>
-      <p:sp>
-        <p:nvSpPr>
-          <p:cNvPr id="10" name="TextBox 9">
-            <a:extLst>
-              <a:ext uri="{FF2B5EF4-FFF2-40B4-BE49-F238E27FC236}">
-                <a16:creationId xmlns:a16="http://schemas.microsoft.com/office/drawing/2014/main" id="{1BC0BD7E-CAD5-4BA0-A338-D478CE6DEA09}"/>
-              </a:ext>
-            </a:extLst>
-          </p:cNvPr>
-          <p:cNvSpPr txBox="1"/>
-          <p:nvPr/>
-        </p:nvSpPr>
-        <p:spPr>
-          <a:xfrm>
-            <a:off x="2427194" y="1182544"/>
-            <a:ext cx="955006" cy="215444"/>
-          </a:xfrm>
-          <a:prstGeom prst="rect">
-            <a:avLst/>
-          </a:prstGeom>
-          <a:noFill/>
-        </p:spPr>
-        <p:txBody>
-          <a:bodyPr wrap="square" rtlCol="0">
-            <a:spAutoFit/>
-          </a:bodyPr>
-          <a:lstStyle/>
-          <a:p>
-            <a:r>
-              <a:rPr lang="en-GB" sz="800" dirty="0">
-                <a:latin typeface="Times New Roman" panose="02020603050405020304" pitchFamily="18" charset="0"/>
-                <a:cs typeface="Times New Roman" panose="02020603050405020304" pitchFamily="18" charset="0"/>
-              </a:rPr>
-              <a:t>abbey</a:t>
-            </a:r>
-          </a:p>
-        </p:txBody>
-      </p:sp>
-      <p:sp>
-        <p:nvSpPr>
-          <p:cNvPr id="11" name="TextBox 10">
-            <a:extLst>
-              <a:ext uri="{FF2B5EF4-FFF2-40B4-BE49-F238E27FC236}">
-                <a16:creationId xmlns:a16="http://schemas.microsoft.com/office/drawing/2014/main" id="{55329699-DF03-4011-83BA-ABCF7B2A5F76}"/>
-              </a:ext>
-            </a:extLst>
-          </p:cNvPr>
-          <p:cNvSpPr txBox="1"/>
-          <p:nvPr/>
-        </p:nvSpPr>
-        <p:spPr>
-          <a:xfrm>
-            <a:off x="5896534" y="1182544"/>
-            <a:ext cx="955006" cy="215444"/>
-          </a:xfrm>
-          <a:prstGeom prst="rect">
-            <a:avLst/>
-          </a:prstGeom>
-          <a:noFill/>
-        </p:spPr>
-        <p:txBody>
-          <a:bodyPr wrap="square" rtlCol="0">
-            <a:spAutoFit/>
-          </a:bodyPr>
-          <a:lstStyle/>
-          <a:p>
-            <a:r>
-              <a:rPr lang="en-GB" sz="800" dirty="0" err="1">
-                <a:latin typeface="Times New Roman" panose="02020603050405020304" pitchFamily="18" charset="0"/>
-                <a:cs typeface="Times New Roman" panose="02020603050405020304" pitchFamily="18" charset="0"/>
-              </a:rPr>
-              <a:t>abaty</a:t>
-            </a:r>
-            <a:endParaRPr lang="en-GB" sz="800" dirty="0">
-              <a:latin typeface="Times New Roman" panose="02020603050405020304" pitchFamily="18" charset="0"/>
-              <a:cs typeface="Times New Roman" panose="02020603050405020304" pitchFamily="18" charset="0"/>
-            </a:endParaRPr>
-          </a:p>
-        </p:txBody>
-      </p:sp>
-      <p:sp>
-        <p:nvSpPr>
-          <p:cNvPr id="12" name="TextBox 11">
-            <a:extLst>
-              <a:ext uri="{FF2B5EF4-FFF2-40B4-BE49-F238E27FC236}">
-                <a16:creationId xmlns:a16="http://schemas.microsoft.com/office/drawing/2014/main" id="{A18A3D05-53DF-4F13-92DD-8AEDE7FFFB01}"/>
-              </a:ext>
-            </a:extLst>
-          </p:cNvPr>
-          <p:cNvSpPr txBox="1"/>
-          <p:nvPr/>
-        </p:nvSpPr>
-        <p:spPr>
-          <a:xfrm>
-            <a:off x="2427194" y="1405961"/>
-            <a:ext cx="955006" cy="215444"/>
-          </a:xfrm>
-          <a:prstGeom prst="rect">
-            <a:avLst/>
-          </a:prstGeom>
-          <a:noFill/>
-        </p:spPr>
-        <p:txBody>
-          <a:bodyPr wrap="square" rtlCol="0">
-            <a:spAutoFit/>
-          </a:bodyPr>
-          <a:lstStyle/>
-          <a:p>
-            <a:r>
-              <a:rPr lang="en-GB" sz="800" dirty="0">
-                <a:latin typeface="Times New Roman" panose="02020603050405020304" pitchFamily="18" charset="0"/>
-                <a:cs typeface="Times New Roman" panose="02020603050405020304" pitchFamily="18" charset="0"/>
-              </a:rPr>
-              <a:t>abroad</a:t>
-            </a:r>
-          </a:p>
-        </p:txBody>
-      </p:sp>
-      <p:sp>
-        <p:nvSpPr>
-          <p:cNvPr id="13" name="TextBox 12">
-            <a:extLst>
-              <a:ext uri="{FF2B5EF4-FFF2-40B4-BE49-F238E27FC236}">
-                <a16:creationId xmlns:a16="http://schemas.microsoft.com/office/drawing/2014/main" id="{91A38DAD-DBF9-4136-BA29-FF4634E75ACF}"/>
-              </a:ext>
-            </a:extLst>
-          </p:cNvPr>
-          <p:cNvSpPr txBox="1"/>
-          <p:nvPr/>
-        </p:nvSpPr>
-        <p:spPr>
-          <a:xfrm>
-            <a:off x="5891397" y="1405961"/>
-            <a:ext cx="955006" cy="215444"/>
-          </a:xfrm>
-          <a:prstGeom prst="rect">
-            <a:avLst/>
-          </a:prstGeom>
-          <a:noFill/>
-        </p:spPr>
-        <p:txBody>
-          <a:bodyPr wrap="square" rtlCol="0">
-            <a:spAutoFit/>
-          </a:bodyPr>
-          <a:lstStyle/>
-          <a:p>
-            <a:r>
-              <a:rPr lang="en-GB" sz="800" dirty="0" err="1">
-                <a:latin typeface="Times New Roman" panose="02020603050405020304" pitchFamily="18" charset="0"/>
-                <a:cs typeface="Times New Roman" panose="02020603050405020304" pitchFamily="18" charset="0"/>
-              </a:rPr>
-              <a:t>dramor</a:t>
-            </a:r>
-            <a:endParaRPr lang="en-GB" sz="800" dirty="0">
-              <a:latin typeface="Times New Roman" panose="02020603050405020304" pitchFamily="18" charset="0"/>
-              <a:cs typeface="Times New Roman" panose="02020603050405020304" pitchFamily="18" charset="0"/>
-            </a:endParaRPr>
-          </a:p>
-        </p:txBody>
-      </p:sp>
-      <p:sp>
-        <p:nvSpPr>
-          <p:cNvPr id="14" name="TextBox 13">
-            <a:extLst>
-              <a:ext uri="{FF2B5EF4-FFF2-40B4-BE49-F238E27FC236}">
-                <a16:creationId xmlns:a16="http://schemas.microsoft.com/office/drawing/2014/main" id="{4901A766-4B76-4E47-89DA-2D9DAFEB54E2}"/>
-              </a:ext>
-            </a:extLst>
-          </p:cNvPr>
-          <p:cNvSpPr txBox="1"/>
-          <p:nvPr/>
-        </p:nvSpPr>
-        <p:spPr>
-          <a:xfrm>
-            <a:off x="2427194" y="1633992"/>
-            <a:ext cx="955006" cy="215444"/>
-          </a:xfrm>
-          <a:prstGeom prst="rect">
-            <a:avLst/>
-          </a:prstGeom>
-          <a:noFill/>
-        </p:spPr>
-        <p:txBody>
-          <a:bodyPr wrap="square" rtlCol="0">
-            <a:spAutoFit/>
-          </a:bodyPr>
-          <a:lstStyle/>
-          <a:p>
-            <a:r>
-              <a:rPr lang="en-GB" sz="800" dirty="0">
-                <a:latin typeface="Times New Roman" panose="02020603050405020304" pitchFamily="18" charset="0"/>
-                <a:cs typeface="Times New Roman" panose="02020603050405020304" pitchFamily="18" charset="0"/>
-              </a:rPr>
-              <a:t>accounts</a:t>
-            </a:r>
-          </a:p>
-        </p:txBody>
-      </p:sp>
-      <p:sp>
-        <p:nvSpPr>
-          <p:cNvPr id="15" name="TextBox 14">
-            <a:extLst>
-              <a:ext uri="{FF2B5EF4-FFF2-40B4-BE49-F238E27FC236}">
-                <a16:creationId xmlns:a16="http://schemas.microsoft.com/office/drawing/2014/main" id="{81D97F33-4A62-4A38-9D6A-B36B69606DE4}"/>
-              </a:ext>
-            </a:extLst>
-          </p:cNvPr>
-          <p:cNvSpPr txBox="1"/>
-          <p:nvPr/>
-        </p:nvSpPr>
-        <p:spPr>
-          <a:xfrm>
-            <a:off x="5896534" y="1628579"/>
-            <a:ext cx="955006" cy="215444"/>
-          </a:xfrm>
-          <a:prstGeom prst="rect">
-            <a:avLst/>
-          </a:prstGeom>
-          <a:noFill/>
-        </p:spPr>
-        <p:txBody>
-          <a:bodyPr wrap="square" rtlCol="0">
-            <a:spAutoFit/>
-          </a:bodyPr>
-          <a:lstStyle/>
-          <a:p>
-            <a:r>
-              <a:rPr lang="en-GB" sz="800" dirty="0" err="1">
-                <a:latin typeface="Times New Roman" panose="02020603050405020304" pitchFamily="18" charset="0"/>
-                <a:cs typeface="Times New Roman" panose="02020603050405020304" pitchFamily="18" charset="0"/>
-              </a:rPr>
-              <a:t>cyfrifon</a:t>
-            </a:r>
-            <a:endParaRPr lang="en-GB" sz="800" dirty="0">
-              <a:latin typeface="Times New Roman" panose="02020603050405020304" pitchFamily="18" charset="0"/>
-              <a:cs typeface="Times New Roman" panose="02020603050405020304" pitchFamily="18" charset="0"/>
-            </a:endParaRPr>
-          </a:p>
-        </p:txBody>
-      </p:sp>
-      <p:sp>
-        <p:nvSpPr>
-          <p:cNvPr id="16" name="TextBox 15">
-            <a:extLst>
-              <a:ext uri="{FF2B5EF4-FFF2-40B4-BE49-F238E27FC236}">
-                <a16:creationId xmlns:a16="http://schemas.microsoft.com/office/drawing/2014/main" id="{7CBA90C5-0856-4099-8C0D-6DDC697EDA3A}"/>
-              </a:ext>
-            </a:extLst>
-          </p:cNvPr>
-          <p:cNvSpPr txBox="1"/>
-          <p:nvPr/>
-        </p:nvSpPr>
-        <p:spPr>
-          <a:xfrm>
-            <a:off x="2427194" y="1853325"/>
-            <a:ext cx="955006" cy="215444"/>
-          </a:xfrm>
-          <a:prstGeom prst="rect">
-            <a:avLst/>
-          </a:prstGeom>
-          <a:noFill/>
-        </p:spPr>
-        <p:txBody>
-          <a:bodyPr wrap="square" rtlCol="0">
-            <a:spAutoFit/>
-          </a:bodyPr>
-          <a:lstStyle/>
-          <a:p>
-            <a:r>
-              <a:rPr lang="en-GB" sz="800" dirty="0">
-                <a:latin typeface="Times New Roman" panose="02020603050405020304" pitchFamily="18" charset="0"/>
-                <a:cs typeface="Times New Roman" panose="02020603050405020304" pitchFamily="18" charset="0"/>
-              </a:rPr>
-              <a:t>adult/s</a:t>
-            </a:r>
-          </a:p>
-        </p:txBody>
-      </p:sp>
-      <p:sp>
-        <p:nvSpPr>
-          <p:cNvPr id="17" name="TextBox 16">
-            <a:extLst>
-              <a:ext uri="{FF2B5EF4-FFF2-40B4-BE49-F238E27FC236}">
-                <a16:creationId xmlns:a16="http://schemas.microsoft.com/office/drawing/2014/main" id="{DBB60422-5146-4B28-8F3E-8812444105E1}"/>
-              </a:ext>
-            </a:extLst>
-          </p:cNvPr>
-          <p:cNvSpPr txBox="1"/>
-          <p:nvPr/>
-        </p:nvSpPr>
-        <p:spPr>
-          <a:xfrm>
-            <a:off x="5898121" y="1850111"/>
-            <a:ext cx="955006" cy="215444"/>
-          </a:xfrm>
-          <a:prstGeom prst="rect">
-            <a:avLst/>
-          </a:prstGeom>
-          <a:noFill/>
-        </p:spPr>
-        <p:txBody>
-          <a:bodyPr wrap="square" rtlCol="0">
-            <a:spAutoFit/>
-          </a:bodyPr>
-          <a:lstStyle/>
-          <a:p>
-            <a:r>
-              <a:rPr lang="en-GB" sz="800" dirty="0" err="1">
-                <a:latin typeface="Times New Roman" panose="02020603050405020304" pitchFamily="18" charset="0"/>
-                <a:cs typeface="Times New Roman" panose="02020603050405020304" pitchFamily="18" charset="0"/>
-              </a:rPr>
-              <a:t>oedolyn</a:t>
-            </a:r>
-            <a:r>
-              <a:rPr lang="en-GB" sz="800" dirty="0">
-                <a:latin typeface="Times New Roman" panose="02020603050405020304" pitchFamily="18" charset="0"/>
-                <a:cs typeface="Times New Roman" panose="02020603050405020304" pitchFamily="18" charset="0"/>
-              </a:rPr>
-              <a:t>./</a:t>
-            </a:r>
-            <a:r>
-              <a:rPr lang="en-GB" sz="800" dirty="0" err="1">
-                <a:latin typeface="Times New Roman" panose="02020603050405020304" pitchFamily="18" charset="0"/>
-                <a:cs typeface="Times New Roman" panose="02020603050405020304" pitchFamily="18" charset="0"/>
-              </a:rPr>
-              <a:t>oedolion</a:t>
-            </a:r>
-            <a:endParaRPr lang="en-GB" sz="800" dirty="0">
-              <a:latin typeface="Times New Roman" panose="02020603050405020304" pitchFamily="18" charset="0"/>
-              <a:cs typeface="Times New Roman" panose="02020603050405020304" pitchFamily="18" charset="0"/>
-            </a:endParaRPr>
-          </a:p>
-        </p:txBody>
-      </p:sp>
-      <p:pic>
-        <p:nvPicPr>
-          <p:cNvPr id="175" name="Picture 174"/>
-          <p:cNvPicPr/>
-          <p:nvPr/>
-        </p:nvPicPr>
-        <p:blipFill>
-          <a:blip r:embed="rId3"/>
-          <a:stretch/>
-        </p:blipFill>
-        <p:spPr>
-          <a:xfrm>
-            <a:off x="360" y="720"/>
-            <a:ext cx="513720" cy="5146920"/>
-          </a:xfrm>
-          <a:prstGeom prst="rect">
-            <a:avLst/>
-          </a:prstGeom>
-          <a:ln>
-            <a:noFill/>
-          </a:ln>
         </p:spPr>
       </p:pic>
       <p:sp>
@@ -9696,76 +6147,6 @@
           <a:fontRef idx="minor"/>
         </p:style>
       </p:sp>
-      <p:pic>
-        <p:nvPicPr>
-          <p:cNvPr id="18" name="Picture 17" descr="A screenshot of a social media post&#10;&#10;Description automatically generated">
-            <a:extLst>
-              <a:ext uri="{FF2B5EF4-FFF2-40B4-BE49-F238E27FC236}">
-                <a16:creationId xmlns:a16="http://schemas.microsoft.com/office/drawing/2014/main" id="{B02E1076-F6D9-427D-8CAD-5AF30BB789C0}"/>
-              </a:ext>
-            </a:extLst>
-          </p:cNvPr>
-          <p:cNvPicPr>
-            <a:picLocks noChangeAspect="1"/>
-          </p:cNvPicPr>
-          <p:nvPr/>
-        </p:nvPicPr>
-        <p:blipFill rotWithShape="1">
-          <a:blip r:embed="rId4">
-            <a:extLst>
-              <a:ext uri="{28A0092B-C50C-407E-A947-70E740481C1C}">
-                <a14:useLocalDpi xmlns:a14="http://schemas.microsoft.com/office/drawing/2010/main" val="0"/>
-              </a:ext>
-            </a:extLst>
-          </a:blip>
-          <a:srcRect b="89834"/>
-          <a:stretch/>
-        </p:blipFill>
-        <p:spPr>
-          <a:xfrm>
-            <a:off x="7179" y="-73165"/>
-            <a:ext cx="9144000" cy="522901"/>
-          </a:xfrm>
-          <a:prstGeom prst="rect">
-            <a:avLst/>
-          </a:prstGeom>
-        </p:spPr>
-      </p:pic>
-      <p:pic>
-        <p:nvPicPr>
-          <p:cNvPr id="19" name="Picture 18" descr="A screenshot of a social media post&#10;&#10;Description automatically generated">
-            <a:extLst>
-              <a:ext uri="{FF2B5EF4-FFF2-40B4-BE49-F238E27FC236}">
-                <a16:creationId xmlns:a16="http://schemas.microsoft.com/office/drawing/2014/main" id="{13F7B7DF-EBC5-4200-8F0E-72B0CD3BC68D}"/>
-              </a:ext>
-            </a:extLst>
-          </p:cNvPr>
-          <p:cNvPicPr>
-            <a:picLocks noChangeAspect="1"/>
-          </p:cNvPicPr>
-          <p:nvPr/>
-        </p:nvPicPr>
-        <p:blipFill rotWithShape="1">
-          <a:blip r:embed="rId4">
-            <a:extLst>
-              <a:ext uri="{28A0092B-C50C-407E-A947-70E740481C1C}">
-                <a14:useLocalDpi xmlns:a14="http://schemas.microsoft.com/office/drawing/2010/main" val="0"/>
-              </a:ext>
-            </a:extLst>
-          </a:blip>
-          <a:srcRect l="39196" b="89834"/>
-          <a:stretch/>
-        </p:blipFill>
-        <p:spPr>
-          <a:xfrm>
-            <a:off x="513720" y="-70737"/>
-            <a:ext cx="5559903" cy="522901"/>
-          </a:xfrm>
-          <a:prstGeom prst="rect">
-            <a:avLst/>
-          </a:prstGeom>
-        </p:spPr>
-      </p:pic>
       <p:sp>
         <p:nvSpPr>
           <p:cNvPr id="177" name="CustomShape 1"/>
@@ -9855,10 +6236,10 @@
       </p:grpSpPr>
       <p:pic>
         <p:nvPicPr>
-          <p:cNvPr id="8" name="Picture 7" descr="A screenshot of a cell phone&#10;&#10;Description automatically generated">
+          <p:cNvPr id="3" name="Picture 2" descr="A screenshot of a cell phone&#10;&#10;Description automatically generated">
             <a:extLst>
               <a:ext uri="{FF2B5EF4-FFF2-40B4-BE49-F238E27FC236}">
-                <a16:creationId xmlns:a16="http://schemas.microsoft.com/office/drawing/2014/main" id="{BFB96782-BDC5-44D1-AFFE-71775FF6D864}"/>
+                <a16:creationId xmlns:a16="http://schemas.microsoft.com/office/drawing/2014/main" id="{904AD0C9-AFDE-4892-A693-5627CB335148}"/>
               </a:ext>
             </a:extLst>
           </p:cNvPr>
@@ -10051,59 +6432,6 @@
           <a:fontRef idx="minor"/>
         </p:style>
       </p:sp>
-      <p:pic>
-        <p:nvPicPr>
-          <p:cNvPr id="185" name="Picture 184"/>
-          <p:cNvPicPr/>
-          <p:nvPr/>
-        </p:nvPicPr>
-        <p:blipFill>
-          <a:blip r:embed="rId3"/>
-          <a:stretch/>
-        </p:blipFill>
-        <p:spPr>
-          <a:xfrm>
-            <a:off x="720" y="720"/>
-            <a:ext cx="513720" cy="5146920"/>
-          </a:xfrm>
-          <a:prstGeom prst="rect">
-            <a:avLst/>
-          </a:prstGeom>
-          <a:ln>
-            <a:noFill/>
-          </a:ln>
-        </p:spPr>
-      </p:pic>
-      <p:pic>
-        <p:nvPicPr>
-          <p:cNvPr id="9" name="Picture 8">
-            <a:extLst>
-              <a:ext uri="{FF2B5EF4-FFF2-40B4-BE49-F238E27FC236}">
-                <a16:creationId xmlns:a16="http://schemas.microsoft.com/office/drawing/2014/main" id="{C18D7F12-F47F-4A84-BB14-703940DCDB54}"/>
-              </a:ext>
-            </a:extLst>
-          </p:cNvPr>
-          <p:cNvPicPr/>
-          <p:nvPr/>
-        </p:nvPicPr>
-        <p:blipFill rotWithShape="1">
-          <a:blip r:embed="rId4"/>
-          <a:srcRect b="90102"/>
-          <a:stretch/>
-        </p:blipFill>
-        <p:spPr>
-          <a:xfrm>
-            <a:off x="0" y="0"/>
-            <a:ext cx="2286720" cy="509449"/>
-          </a:xfrm>
-          <a:prstGeom prst="rect">
-            <a:avLst/>
-          </a:prstGeom>
-          <a:ln>
-            <a:noFill/>
-          </a:ln>
-        </p:spPr>
-      </p:pic>
     </p:spTree>
   </p:cSld>
   <p:clrMapOvr>
@@ -10705,6 +7033,130 @@
           </a:p>
         </p:txBody>
       </p:sp>
+      <p:sp>
+        <p:nvSpPr>
+          <p:cNvPr id="4" name="Rectangle 3">
+            <a:extLst>
+              <a:ext uri="{FF2B5EF4-FFF2-40B4-BE49-F238E27FC236}">
+                <a16:creationId xmlns:a16="http://schemas.microsoft.com/office/drawing/2014/main" id="{060DCA05-B199-4540-8136-9271EB9095E2}"/>
+              </a:ext>
+            </a:extLst>
+          </p:cNvPr>
+          <p:cNvSpPr/>
+          <p:nvPr/>
+        </p:nvSpPr>
+        <p:spPr>
+          <a:xfrm>
+            <a:off x="6648450" y="885825"/>
+            <a:ext cx="2475420" cy="474975"/>
+          </a:xfrm>
+          <a:prstGeom prst="rect">
+            <a:avLst/>
+          </a:prstGeom>
+          <a:solidFill>
+            <a:schemeClr val="bg1"/>
+          </a:solidFill>
+          <a:ln>
+            <a:solidFill>
+              <a:schemeClr val="bg1"/>
+            </a:solidFill>
+          </a:ln>
+        </p:spPr>
+        <p:style>
+          <a:lnRef idx="2">
+            <a:schemeClr val="accent1">
+              <a:shade val="50000"/>
+            </a:schemeClr>
+          </a:lnRef>
+          <a:fillRef idx="1">
+            <a:schemeClr val="accent1"/>
+          </a:fillRef>
+          <a:effectRef idx="0">
+            <a:schemeClr val="accent1"/>
+          </a:effectRef>
+          <a:fontRef idx="minor">
+            <a:schemeClr val="lt1"/>
+          </a:fontRef>
+        </p:style>
+        <p:txBody>
+          <a:bodyPr rtlCol="0" anchor="ctr"/>
+          <a:lstStyle/>
+          <a:p>
+            <a:pPr algn="ctr"/>
+            <a:endParaRPr lang="en-GB"/>
+          </a:p>
+        </p:txBody>
+      </p:sp>
+      <p:sp>
+        <p:nvSpPr>
+          <p:cNvPr id="5" name="TextBox 4">
+            <a:extLst>
+              <a:ext uri="{FF2B5EF4-FFF2-40B4-BE49-F238E27FC236}">
+                <a16:creationId xmlns:a16="http://schemas.microsoft.com/office/drawing/2014/main" id="{BF6F215D-CBA3-421B-990F-19C2DF6E4D62}"/>
+              </a:ext>
+            </a:extLst>
+          </p:cNvPr>
+          <p:cNvSpPr txBox="1"/>
+          <p:nvPr/>
+        </p:nvSpPr>
+        <p:spPr>
+          <a:xfrm>
+            <a:off x="6706680" y="885825"/>
+            <a:ext cx="1703895" cy="369332"/>
+          </a:xfrm>
+          <a:prstGeom prst="rect">
+            <a:avLst/>
+          </a:prstGeom>
+          <a:noFill/>
+        </p:spPr>
+        <p:txBody>
+          <a:bodyPr wrap="square" rtlCol="0">
+            <a:spAutoFit/>
+          </a:bodyPr>
+          <a:lstStyle/>
+          <a:p>
+            <a:r>
+              <a:rPr lang="en-GB" dirty="0"/>
+              <a:t>Total Answers:</a:t>
+            </a:r>
+          </a:p>
+        </p:txBody>
+      </p:sp>
+      <p:sp>
+        <p:nvSpPr>
+          <p:cNvPr id="18" name="TextBox 17">
+            <a:extLst>
+              <a:ext uri="{FF2B5EF4-FFF2-40B4-BE49-F238E27FC236}">
+                <a16:creationId xmlns:a16="http://schemas.microsoft.com/office/drawing/2014/main" id="{3AD4A592-CEFF-436F-BCAE-17D5B504643F}"/>
+              </a:ext>
+            </a:extLst>
+          </p:cNvPr>
+          <p:cNvSpPr txBox="1"/>
+          <p:nvPr/>
+        </p:nvSpPr>
+        <p:spPr>
+          <a:xfrm>
+            <a:off x="8851867" y="885825"/>
+            <a:ext cx="300578" cy="369332"/>
+          </a:xfrm>
+          <a:prstGeom prst="rect">
+            <a:avLst/>
+          </a:prstGeom>
+          <a:noFill/>
+        </p:spPr>
+        <p:txBody>
+          <a:bodyPr wrap="square" rtlCol="0">
+            <a:spAutoFit/>
+          </a:bodyPr>
+          <a:lstStyle/>
+          <a:p>
+            <a:r>
+              <a:rPr lang="en-GB" dirty="0"/>
+              <a:t>5</a:t>
+            </a:r>
+          </a:p>
+        </p:txBody>
+      </p:sp>
     </p:spTree>
   </p:cSld>
   <p:clrMapOvr>
@@ -11350,41 +7802,6 @@
       </p:sp>
       <p:sp>
         <p:nvSpPr>
-          <p:cNvPr id="199" name="Line 4"/>
-          <p:cNvSpPr/>
-          <p:nvPr/>
-        </p:nvSpPr>
-        <p:spPr>
-          <a:xfrm flipV="1">
-            <a:off x="5904000" y="936000"/>
-            <a:ext cx="792000" cy="504000"/>
-          </a:xfrm>
-          <a:prstGeom prst="line">
-            <a:avLst/>
-          </a:prstGeom>
-          <a:ln w="38160">
-            <a:solidFill>
-              <a:srgbClr val="729FCF"/>
-            </a:solidFill>
-            <a:round/>
-            <a:tailEnd type="triangle" w="med" len="med"/>
-          </a:ln>
-        </p:spPr>
-        <p:style>
-          <a:lnRef idx="0">
-            <a:scrgbClr r="0" g="0" b="0"/>
-          </a:lnRef>
-          <a:fillRef idx="0">
-            <a:scrgbClr r="0" g="0" b="0"/>
-          </a:fillRef>
-          <a:effectRef idx="0">
-            <a:scrgbClr r="0" g="0" b="0"/>
-          </a:effectRef>
-          <a:fontRef idx="minor"/>
-        </p:style>
-      </p:sp>
-      <p:sp>
-        <p:nvSpPr>
           <p:cNvPr id="200" name="CustomShape 5"/>
           <p:cNvSpPr/>
           <p:nvPr/>
@@ -11506,6 +7923,165 @@
           </a:ln>
         </p:spPr>
       </p:pic>
+      <p:sp>
+        <p:nvSpPr>
+          <p:cNvPr id="21" name="Rectangle 20">
+            <a:extLst>
+              <a:ext uri="{FF2B5EF4-FFF2-40B4-BE49-F238E27FC236}">
+                <a16:creationId xmlns:a16="http://schemas.microsoft.com/office/drawing/2014/main" id="{534D22E5-BFB8-4671-BB1B-6D798593BCAE}"/>
+              </a:ext>
+            </a:extLst>
+          </p:cNvPr>
+          <p:cNvSpPr/>
+          <p:nvPr/>
+        </p:nvSpPr>
+        <p:spPr>
+          <a:xfrm>
+            <a:off x="6648450" y="885825"/>
+            <a:ext cx="2475420" cy="474975"/>
+          </a:xfrm>
+          <a:prstGeom prst="rect">
+            <a:avLst/>
+          </a:prstGeom>
+          <a:solidFill>
+            <a:schemeClr val="bg1"/>
+          </a:solidFill>
+          <a:ln>
+            <a:solidFill>
+              <a:schemeClr val="bg1"/>
+            </a:solidFill>
+          </a:ln>
+        </p:spPr>
+        <p:style>
+          <a:lnRef idx="2">
+            <a:schemeClr val="accent1">
+              <a:shade val="50000"/>
+            </a:schemeClr>
+          </a:lnRef>
+          <a:fillRef idx="1">
+            <a:schemeClr val="accent1"/>
+          </a:fillRef>
+          <a:effectRef idx="0">
+            <a:schemeClr val="accent1"/>
+          </a:effectRef>
+          <a:fontRef idx="minor">
+            <a:schemeClr val="lt1"/>
+          </a:fontRef>
+        </p:style>
+        <p:txBody>
+          <a:bodyPr rtlCol="0" anchor="ctr"/>
+          <a:lstStyle/>
+          <a:p>
+            <a:pPr algn="ctr"/>
+            <a:endParaRPr lang="en-GB"/>
+          </a:p>
+        </p:txBody>
+      </p:sp>
+      <p:sp>
+        <p:nvSpPr>
+          <p:cNvPr id="22" name="TextBox 21">
+            <a:extLst>
+              <a:ext uri="{FF2B5EF4-FFF2-40B4-BE49-F238E27FC236}">
+                <a16:creationId xmlns:a16="http://schemas.microsoft.com/office/drawing/2014/main" id="{C8E1A162-9D93-40C1-8132-A09B12BB94C7}"/>
+              </a:ext>
+            </a:extLst>
+          </p:cNvPr>
+          <p:cNvSpPr txBox="1"/>
+          <p:nvPr/>
+        </p:nvSpPr>
+        <p:spPr>
+          <a:xfrm>
+            <a:off x="6706680" y="885825"/>
+            <a:ext cx="1703895" cy="369332"/>
+          </a:xfrm>
+          <a:prstGeom prst="rect">
+            <a:avLst/>
+          </a:prstGeom>
+          <a:noFill/>
+        </p:spPr>
+        <p:txBody>
+          <a:bodyPr wrap="square" rtlCol="0">
+            <a:spAutoFit/>
+          </a:bodyPr>
+          <a:lstStyle/>
+          <a:p>
+            <a:r>
+              <a:rPr lang="en-GB" dirty="0"/>
+              <a:t>Total Answers:</a:t>
+            </a:r>
+          </a:p>
+        </p:txBody>
+      </p:sp>
+      <p:sp>
+        <p:nvSpPr>
+          <p:cNvPr id="199" name="Line 4"/>
+          <p:cNvSpPr/>
+          <p:nvPr/>
+        </p:nvSpPr>
+        <p:spPr>
+          <a:xfrm flipV="1">
+            <a:off x="5904000" y="936000"/>
+            <a:ext cx="792000" cy="504000"/>
+          </a:xfrm>
+          <a:prstGeom prst="line">
+            <a:avLst/>
+          </a:prstGeom>
+          <a:ln w="38160">
+            <a:solidFill>
+              <a:srgbClr val="729FCF"/>
+            </a:solidFill>
+            <a:round/>
+            <a:tailEnd type="triangle" w="med" len="med"/>
+          </a:ln>
+        </p:spPr>
+        <p:style>
+          <a:lnRef idx="0">
+            <a:scrgbClr r="0" g="0" b="0"/>
+          </a:lnRef>
+          <a:fillRef idx="0">
+            <a:scrgbClr r="0" g="0" b="0"/>
+          </a:fillRef>
+          <a:effectRef idx="0">
+            <a:scrgbClr r="0" g="0" b="0"/>
+          </a:effectRef>
+          <a:fontRef idx="minor"/>
+        </p:style>
+      </p:sp>
+      <p:sp>
+        <p:nvSpPr>
+          <p:cNvPr id="23" name="TextBox 22">
+            <a:extLst>
+              <a:ext uri="{FF2B5EF4-FFF2-40B4-BE49-F238E27FC236}">
+                <a16:creationId xmlns:a16="http://schemas.microsoft.com/office/drawing/2014/main" id="{FBF3B661-F0F1-4E84-B5EF-F388EF601971}"/>
+              </a:ext>
+            </a:extLst>
+          </p:cNvPr>
+          <p:cNvSpPr txBox="1"/>
+          <p:nvPr/>
+        </p:nvSpPr>
+        <p:spPr>
+          <a:xfrm>
+            <a:off x="8851867" y="885825"/>
+            <a:ext cx="300578" cy="369332"/>
+          </a:xfrm>
+          <a:prstGeom prst="rect">
+            <a:avLst/>
+          </a:prstGeom>
+          <a:noFill/>
+        </p:spPr>
+        <p:txBody>
+          <a:bodyPr wrap="square" rtlCol="0">
+            <a:spAutoFit/>
+          </a:bodyPr>
+          <a:lstStyle/>
+          <a:p>
+            <a:r>
+              <a:rPr lang="en-GB" dirty="0"/>
+              <a:t>5</a:t>
+            </a:r>
+          </a:p>
+        </p:txBody>
+      </p:sp>
     </p:spTree>
   </p:cSld>
   <p:clrMapOvr>
@@ -12142,6 +8718,130 @@
           </a:ln>
         </p:spPr>
       </p:pic>
+      <p:sp>
+        <p:nvSpPr>
+          <p:cNvPr id="18" name="Rectangle 17">
+            <a:extLst>
+              <a:ext uri="{FF2B5EF4-FFF2-40B4-BE49-F238E27FC236}">
+                <a16:creationId xmlns:a16="http://schemas.microsoft.com/office/drawing/2014/main" id="{63E859E7-FDCC-48CD-A41B-6CB2AD238DBD}"/>
+              </a:ext>
+            </a:extLst>
+          </p:cNvPr>
+          <p:cNvSpPr/>
+          <p:nvPr/>
+        </p:nvSpPr>
+        <p:spPr>
+          <a:xfrm>
+            <a:off x="6648450" y="885825"/>
+            <a:ext cx="2475420" cy="474975"/>
+          </a:xfrm>
+          <a:prstGeom prst="rect">
+            <a:avLst/>
+          </a:prstGeom>
+          <a:solidFill>
+            <a:schemeClr val="bg1"/>
+          </a:solidFill>
+          <a:ln>
+            <a:solidFill>
+              <a:schemeClr val="bg1"/>
+            </a:solidFill>
+          </a:ln>
+        </p:spPr>
+        <p:style>
+          <a:lnRef idx="2">
+            <a:schemeClr val="accent1">
+              <a:shade val="50000"/>
+            </a:schemeClr>
+          </a:lnRef>
+          <a:fillRef idx="1">
+            <a:schemeClr val="accent1"/>
+          </a:fillRef>
+          <a:effectRef idx="0">
+            <a:schemeClr val="accent1"/>
+          </a:effectRef>
+          <a:fontRef idx="minor">
+            <a:schemeClr val="lt1"/>
+          </a:fontRef>
+        </p:style>
+        <p:txBody>
+          <a:bodyPr rtlCol="0" anchor="ctr"/>
+          <a:lstStyle/>
+          <a:p>
+            <a:pPr algn="ctr"/>
+            <a:endParaRPr lang="en-GB"/>
+          </a:p>
+        </p:txBody>
+      </p:sp>
+      <p:sp>
+        <p:nvSpPr>
+          <p:cNvPr id="19" name="TextBox 18">
+            <a:extLst>
+              <a:ext uri="{FF2B5EF4-FFF2-40B4-BE49-F238E27FC236}">
+                <a16:creationId xmlns:a16="http://schemas.microsoft.com/office/drawing/2014/main" id="{E1A1D0E5-380A-45C0-B8E8-F5C3EF4BF0D1}"/>
+              </a:ext>
+            </a:extLst>
+          </p:cNvPr>
+          <p:cNvSpPr txBox="1"/>
+          <p:nvPr/>
+        </p:nvSpPr>
+        <p:spPr>
+          <a:xfrm>
+            <a:off x="6706680" y="885825"/>
+            <a:ext cx="1703895" cy="369332"/>
+          </a:xfrm>
+          <a:prstGeom prst="rect">
+            <a:avLst/>
+          </a:prstGeom>
+          <a:noFill/>
+        </p:spPr>
+        <p:txBody>
+          <a:bodyPr wrap="square" rtlCol="0">
+            <a:spAutoFit/>
+          </a:bodyPr>
+          <a:lstStyle/>
+          <a:p>
+            <a:r>
+              <a:rPr lang="en-GB" dirty="0"/>
+              <a:t>Total Answers:</a:t>
+            </a:r>
+          </a:p>
+        </p:txBody>
+      </p:sp>
+      <p:sp>
+        <p:nvSpPr>
+          <p:cNvPr id="20" name="TextBox 19">
+            <a:extLst>
+              <a:ext uri="{FF2B5EF4-FFF2-40B4-BE49-F238E27FC236}">
+                <a16:creationId xmlns:a16="http://schemas.microsoft.com/office/drawing/2014/main" id="{22B6274A-BF50-442C-B61A-60EAB3458F92}"/>
+              </a:ext>
+            </a:extLst>
+          </p:cNvPr>
+          <p:cNvSpPr txBox="1"/>
+          <p:nvPr/>
+        </p:nvSpPr>
+        <p:spPr>
+          <a:xfrm>
+            <a:off x="8851867" y="885825"/>
+            <a:ext cx="300578" cy="369332"/>
+          </a:xfrm>
+          <a:prstGeom prst="rect">
+            <a:avLst/>
+          </a:prstGeom>
+          <a:noFill/>
+        </p:spPr>
+        <p:txBody>
+          <a:bodyPr wrap="square" rtlCol="0">
+            <a:spAutoFit/>
+          </a:bodyPr>
+          <a:lstStyle/>
+          <a:p>
+            <a:r>
+              <a:rPr lang="en-GB" dirty="0"/>
+              <a:t>5</a:t>
+            </a:r>
+          </a:p>
+        </p:txBody>
+      </p:sp>
     </p:spTree>
   </p:cSld>
   <p:clrMapOvr>
@@ -12283,6 +8983,648 @@
       </p:pic>
       <p:sp>
         <p:nvSpPr>
+          <p:cNvPr id="9" name="CustomShape 2">
+            <a:extLst>
+              <a:ext uri="{FF2B5EF4-FFF2-40B4-BE49-F238E27FC236}">
+                <a16:creationId xmlns:a16="http://schemas.microsoft.com/office/drawing/2014/main" id="{68FAF953-1D2E-410F-9A6D-E7C9408C16D9}"/>
+              </a:ext>
+            </a:extLst>
+          </p:cNvPr>
+          <p:cNvSpPr/>
+          <p:nvPr/>
+        </p:nvSpPr>
+        <p:spPr>
+          <a:xfrm>
+            <a:off x="1050570" y="433800"/>
+            <a:ext cx="3241080" cy="647280"/>
+          </a:xfrm>
+          <a:prstGeom prst="rect">
+            <a:avLst/>
+          </a:prstGeom>
+          <a:solidFill>
+            <a:srgbClr val="FF8000">
+              <a:alpha val="80000"/>
+            </a:srgbClr>
+          </a:solidFill>
+          <a:ln w="12600">
+            <a:solidFill>
+              <a:srgbClr val="2D4D6A"/>
+            </a:solidFill>
+            <a:round/>
+          </a:ln>
+        </p:spPr>
+        <p:style>
+          <a:lnRef idx="0">
+            <a:scrgbClr r="0" g="0" b="0"/>
+          </a:lnRef>
+          <a:fillRef idx="0">
+            <a:scrgbClr r="0" g="0" b="0"/>
+          </a:fillRef>
+          <a:effectRef idx="0">
+            <a:scrgbClr r="0" g="0" b="0"/>
+          </a:effectRef>
+          <a:fontRef idx="minor"/>
+        </p:style>
+        <p:txBody>
+          <a:bodyPr lIns="96120" tIns="51120" rIns="96120" bIns="51120">
+            <a:noAutofit/>
+          </a:bodyPr>
+          <a:lstStyle/>
+          <a:p>
+            <a:pPr>
+              <a:lnSpc>
+                <a:spcPct val="100000"/>
+              </a:lnSpc>
+            </a:pPr>
+            <a:r>
+              <a:rPr lang="en-GB" sz="1800" b="0" strike="noStrike" spc="-1">
+                <a:solidFill>
+                  <a:srgbClr val="FFFFFF"/>
+                </a:solidFill>
+                <a:latin typeface="Arial"/>
+                <a:ea typeface="Arial"/>
+              </a:rPr>
+              <a:t>Click on the ‘Study’ icon</a:t>
+            </a:r>
+            <a:endParaRPr lang="en-GB" sz="1800" b="0" strike="noStrike" spc="-1">
+              <a:latin typeface="Arial"/>
+            </a:endParaRPr>
+          </a:p>
+        </p:txBody>
+      </p:sp>
+      <p:sp>
+        <p:nvSpPr>
+          <p:cNvPr id="10" name="Line 3">
+            <a:extLst>
+              <a:ext uri="{FF2B5EF4-FFF2-40B4-BE49-F238E27FC236}">
+                <a16:creationId xmlns:a16="http://schemas.microsoft.com/office/drawing/2014/main" id="{72A55C03-A0B6-4F63-BCCD-6FA8825E8D56}"/>
+              </a:ext>
+            </a:extLst>
+          </p:cNvPr>
+          <p:cNvSpPr/>
+          <p:nvPr/>
+        </p:nvSpPr>
+        <p:spPr>
+          <a:xfrm flipH="1">
+            <a:off x="514080" y="1367856"/>
+            <a:ext cx="1072980" cy="448752"/>
+          </a:xfrm>
+          <a:prstGeom prst="line">
+            <a:avLst/>
+          </a:prstGeom>
+          <a:ln w="38160">
+            <a:solidFill>
+              <a:srgbClr val="FF8000"/>
+            </a:solidFill>
+            <a:round/>
+            <a:tailEnd type="triangle" w="med" len="med"/>
+          </a:ln>
+        </p:spPr>
+        <p:style>
+          <a:lnRef idx="0">
+            <a:scrgbClr r="0" g="0" b="0"/>
+          </a:lnRef>
+          <a:fillRef idx="0">
+            <a:scrgbClr r="0" g="0" b="0"/>
+          </a:fillRef>
+          <a:effectRef idx="0">
+            <a:scrgbClr r="0" g="0" b="0"/>
+          </a:effectRef>
+          <a:fontRef idx="minor"/>
+        </p:style>
+      </p:sp>
+      <p:sp>
+        <p:nvSpPr>
+          <p:cNvPr id="2" name="Rectangle 1">
+            <a:extLst>
+              <a:ext uri="{FF2B5EF4-FFF2-40B4-BE49-F238E27FC236}">
+                <a16:creationId xmlns:a16="http://schemas.microsoft.com/office/drawing/2014/main" id="{97C68B51-3C31-4EA1-9DB4-E392771A155A}"/>
+              </a:ext>
+            </a:extLst>
+          </p:cNvPr>
+          <p:cNvSpPr/>
+          <p:nvPr/>
+        </p:nvSpPr>
+        <p:spPr>
+          <a:xfrm>
+            <a:off x="3203581" y="1294696"/>
+            <a:ext cx="2736477" cy="647280"/>
+          </a:xfrm>
+          <a:prstGeom prst="rect">
+            <a:avLst/>
+          </a:prstGeom>
+          <a:solidFill>
+            <a:schemeClr val="bg1"/>
+          </a:solidFill>
+          <a:ln>
+            <a:solidFill>
+              <a:schemeClr val="bg1"/>
+            </a:solidFill>
+          </a:ln>
+        </p:spPr>
+        <p:style>
+          <a:lnRef idx="2">
+            <a:schemeClr val="accent1">
+              <a:shade val="50000"/>
+            </a:schemeClr>
+          </a:lnRef>
+          <a:fillRef idx="1">
+            <a:schemeClr val="accent1"/>
+          </a:fillRef>
+          <a:effectRef idx="0">
+            <a:schemeClr val="accent1"/>
+          </a:effectRef>
+          <a:fontRef idx="minor">
+            <a:schemeClr val="lt1"/>
+          </a:fontRef>
+        </p:style>
+        <p:txBody>
+          <a:bodyPr rtlCol="0" anchor="ctr"/>
+          <a:lstStyle/>
+          <a:p>
+            <a:pPr algn="ctr"/>
+            <a:r>
+              <a:rPr lang="en-GB" sz="3200" dirty="0">
+                <a:ln>
+                  <a:solidFill>
+                    <a:sysClr val="windowText" lastClr="000000"/>
+                  </a:solidFill>
+                </a:ln>
+                <a:solidFill>
+                  <a:sysClr val="windowText" lastClr="000000"/>
+                </a:solidFill>
+                <a:latin typeface="Calibri" panose="020F0502020204030204" pitchFamily="34" charset="0"/>
+                <a:cs typeface="Calibri" panose="020F0502020204030204" pitchFamily="34" charset="0"/>
+              </a:rPr>
+              <a:t>Afal</a:t>
+            </a:r>
+          </a:p>
+        </p:txBody>
+      </p:sp>
+      <p:sp>
+        <p:nvSpPr>
+          <p:cNvPr id="11" name="Rectangle 10">
+            <a:extLst>
+              <a:ext uri="{FF2B5EF4-FFF2-40B4-BE49-F238E27FC236}">
+                <a16:creationId xmlns:a16="http://schemas.microsoft.com/office/drawing/2014/main" id="{E85A902F-9FBC-4104-B336-39A9F1581782}"/>
+              </a:ext>
+            </a:extLst>
+          </p:cNvPr>
+          <p:cNvSpPr/>
+          <p:nvPr/>
+        </p:nvSpPr>
+        <p:spPr>
+          <a:xfrm>
+            <a:off x="860611" y="2228752"/>
+            <a:ext cx="2736477" cy="647280"/>
+          </a:xfrm>
+          <a:prstGeom prst="rect">
+            <a:avLst/>
+          </a:prstGeom>
+          <a:solidFill>
+            <a:schemeClr val="bg1"/>
+          </a:solidFill>
+          <a:ln>
+            <a:solidFill>
+              <a:schemeClr val="bg1"/>
+            </a:solidFill>
+          </a:ln>
+        </p:spPr>
+        <p:style>
+          <a:lnRef idx="2">
+            <a:schemeClr val="accent1">
+              <a:shade val="50000"/>
+            </a:schemeClr>
+          </a:lnRef>
+          <a:fillRef idx="1">
+            <a:schemeClr val="accent1"/>
+          </a:fillRef>
+          <a:effectRef idx="0">
+            <a:schemeClr val="accent1"/>
+          </a:effectRef>
+          <a:fontRef idx="minor">
+            <a:schemeClr val="lt1"/>
+          </a:fontRef>
+        </p:style>
+        <p:txBody>
+          <a:bodyPr rtlCol="0" anchor="ctr"/>
+          <a:lstStyle/>
+          <a:p>
+            <a:pPr algn="ctr"/>
+            <a:r>
+              <a:rPr lang="en-GB" dirty="0">
+                <a:ln>
+                  <a:solidFill>
+                    <a:sysClr val="windowText" lastClr="000000"/>
+                  </a:solidFill>
+                </a:ln>
+                <a:solidFill>
+                  <a:sysClr val="windowText" lastClr="000000"/>
+                </a:solidFill>
+                <a:latin typeface="Calibri" panose="020F0502020204030204" pitchFamily="34" charset="0"/>
+                <a:cs typeface="Calibri" panose="020F0502020204030204" pitchFamily="34" charset="0"/>
+              </a:rPr>
+              <a:t>After</a:t>
+            </a:r>
+          </a:p>
+        </p:txBody>
+      </p:sp>
+      <p:sp>
+        <p:nvSpPr>
+          <p:cNvPr id="13" name="Rectangle 12">
+            <a:extLst>
+              <a:ext uri="{FF2B5EF4-FFF2-40B4-BE49-F238E27FC236}">
+                <a16:creationId xmlns:a16="http://schemas.microsoft.com/office/drawing/2014/main" id="{1EB7715E-AB35-4D29-8B21-696EB985ED8C}"/>
+              </a:ext>
+            </a:extLst>
+          </p:cNvPr>
+          <p:cNvSpPr/>
+          <p:nvPr/>
+        </p:nvSpPr>
+        <p:spPr>
+          <a:xfrm>
+            <a:off x="3203581" y="2216293"/>
+            <a:ext cx="2736477" cy="647280"/>
+          </a:xfrm>
+          <a:prstGeom prst="rect">
+            <a:avLst/>
+          </a:prstGeom>
+          <a:solidFill>
+            <a:schemeClr val="bg1"/>
+          </a:solidFill>
+          <a:ln>
+            <a:solidFill>
+              <a:schemeClr val="bg1"/>
+            </a:solidFill>
+          </a:ln>
+        </p:spPr>
+        <p:style>
+          <a:lnRef idx="2">
+            <a:schemeClr val="accent1">
+              <a:shade val="50000"/>
+            </a:schemeClr>
+          </a:lnRef>
+          <a:fillRef idx="1">
+            <a:schemeClr val="accent1"/>
+          </a:fillRef>
+          <a:effectRef idx="0">
+            <a:schemeClr val="accent1"/>
+          </a:effectRef>
+          <a:fontRef idx="minor">
+            <a:schemeClr val="lt1"/>
+          </a:fontRef>
+        </p:style>
+        <p:txBody>
+          <a:bodyPr rtlCol="0" anchor="ctr"/>
+          <a:lstStyle/>
+          <a:p>
+            <a:pPr algn="ctr"/>
+            <a:r>
+              <a:rPr lang="en-GB" dirty="0">
+                <a:ln>
+                  <a:solidFill>
+                    <a:sysClr val="windowText" lastClr="000000"/>
+                  </a:solidFill>
+                </a:ln>
+                <a:solidFill>
+                  <a:sysClr val="windowText" lastClr="000000"/>
+                </a:solidFill>
+                <a:latin typeface="Calibri" panose="020F0502020204030204" pitchFamily="34" charset="0"/>
+                <a:cs typeface="Calibri" panose="020F0502020204030204" pitchFamily="34" charset="0"/>
+              </a:rPr>
+              <a:t>Dog</a:t>
+            </a:r>
+          </a:p>
+        </p:txBody>
+      </p:sp>
+      <p:sp>
+        <p:nvSpPr>
+          <p:cNvPr id="14" name="Rectangle 13">
+            <a:extLst>
+              <a:ext uri="{FF2B5EF4-FFF2-40B4-BE49-F238E27FC236}">
+                <a16:creationId xmlns:a16="http://schemas.microsoft.com/office/drawing/2014/main" id="{82B4C917-9315-4C63-B830-DB787A89AC81}"/>
+              </a:ext>
+            </a:extLst>
+          </p:cNvPr>
+          <p:cNvSpPr/>
+          <p:nvPr/>
+        </p:nvSpPr>
+        <p:spPr>
+          <a:xfrm>
+            <a:off x="6145394" y="2266359"/>
+            <a:ext cx="2736477" cy="647280"/>
+          </a:xfrm>
+          <a:prstGeom prst="rect">
+            <a:avLst/>
+          </a:prstGeom>
+          <a:solidFill>
+            <a:schemeClr val="bg1"/>
+          </a:solidFill>
+          <a:ln>
+            <a:solidFill>
+              <a:schemeClr val="bg1"/>
+            </a:solidFill>
+          </a:ln>
+        </p:spPr>
+        <p:style>
+          <a:lnRef idx="2">
+            <a:schemeClr val="accent1">
+              <a:shade val="50000"/>
+            </a:schemeClr>
+          </a:lnRef>
+          <a:fillRef idx="1">
+            <a:schemeClr val="accent1"/>
+          </a:fillRef>
+          <a:effectRef idx="0">
+            <a:schemeClr val="accent1"/>
+          </a:effectRef>
+          <a:fontRef idx="minor">
+            <a:schemeClr val="lt1"/>
+          </a:fontRef>
+        </p:style>
+        <p:txBody>
+          <a:bodyPr rtlCol="0" anchor="ctr"/>
+          <a:lstStyle/>
+          <a:p>
+            <a:pPr algn="ctr"/>
+            <a:r>
+              <a:rPr lang="en-GB" dirty="0">
+                <a:ln>
+                  <a:solidFill>
+                    <a:sysClr val="windowText" lastClr="000000"/>
+                  </a:solidFill>
+                </a:ln>
+                <a:solidFill>
+                  <a:sysClr val="windowText" lastClr="000000"/>
+                </a:solidFill>
+                <a:latin typeface="Calibri" panose="020F0502020204030204" pitchFamily="34" charset="0"/>
+                <a:cs typeface="Calibri" panose="020F0502020204030204" pitchFamily="34" charset="0"/>
+              </a:rPr>
+              <a:t>Apple</a:t>
+            </a:r>
+          </a:p>
+        </p:txBody>
+      </p:sp>
+      <p:sp>
+        <p:nvSpPr>
+          <p:cNvPr id="15" name="Rectangle 14">
+            <a:extLst>
+              <a:ext uri="{FF2B5EF4-FFF2-40B4-BE49-F238E27FC236}">
+                <a16:creationId xmlns:a16="http://schemas.microsoft.com/office/drawing/2014/main" id="{DF000B04-1C95-4421-8CD7-70560C6B3D2F}"/>
+              </a:ext>
+            </a:extLst>
+          </p:cNvPr>
+          <p:cNvSpPr/>
+          <p:nvPr/>
+        </p:nvSpPr>
+        <p:spPr>
+          <a:xfrm>
+            <a:off x="6145395" y="3444063"/>
+            <a:ext cx="2736477" cy="647280"/>
+          </a:xfrm>
+          <a:prstGeom prst="rect">
+            <a:avLst/>
+          </a:prstGeom>
+          <a:solidFill>
+            <a:schemeClr val="bg1"/>
+          </a:solidFill>
+          <a:ln>
+            <a:solidFill>
+              <a:schemeClr val="bg1"/>
+            </a:solidFill>
+          </a:ln>
+        </p:spPr>
+        <p:style>
+          <a:lnRef idx="2">
+            <a:schemeClr val="accent1">
+              <a:shade val="50000"/>
+            </a:schemeClr>
+          </a:lnRef>
+          <a:fillRef idx="1">
+            <a:schemeClr val="accent1"/>
+          </a:fillRef>
+          <a:effectRef idx="0">
+            <a:schemeClr val="accent1"/>
+          </a:effectRef>
+          <a:fontRef idx="minor">
+            <a:schemeClr val="lt1"/>
+          </a:fontRef>
+        </p:style>
+        <p:txBody>
+          <a:bodyPr rtlCol="0" anchor="ctr"/>
+          <a:lstStyle/>
+          <a:p>
+            <a:pPr algn="ctr"/>
+            <a:r>
+              <a:rPr lang="en-GB" dirty="0">
+                <a:ln>
+                  <a:solidFill>
+                    <a:sysClr val="windowText" lastClr="000000"/>
+                  </a:solidFill>
+                </a:ln>
+                <a:solidFill>
+                  <a:sysClr val="windowText" lastClr="000000"/>
+                </a:solidFill>
+                <a:latin typeface="Calibri" panose="020F0502020204030204" pitchFamily="34" charset="0"/>
+                <a:cs typeface="Calibri" panose="020F0502020204030204" pitchFamily="34" charset="0"/>
+              </a:rPr>
+              <a:t>Raining</a:t>
+            </a:r>
+          </a:p>
+        </p:txBody>
+      </p:sp>
+      <p:sp>
+        <p:nvSpPr>
+          <p:cNvPr id="16" name="Rectangle 15">
+            <a:extLst>
+              <a:ext uri="{FF2B5EF4-FFF2-40B4-BE49-F238E27FC236}">
+                <a16:creationId xmlns:a16="http://schemas.microsoft.com/office/drawing/2014/main" id="{88356159-9F56-4A33-A674-D60A37DF2EE8}"/>
+              </a:ext>
+            </a:extLst>
+          </p:cNvPr>
+          <p:cNvSpPr/>
+          <p:nvPr/>
+        </p:nvSpPr>
+        <p:spPr>
+          <a:xfrm>
+            <a:off x="3203581" y="3440851"/>
+            <a:ext cx="2736477" cy="647280"/>
+          </a:xfrm>
+          <a:prstGeom prst="rect">
+            <a:avLst/>
+          </a:prstGeom>
+          <a:solidFill>
+            <a:schemeClr val="bg1"/>
+          </a:solidFill>
+          <a:ln>
+            <a:solidFill>
+              <a:schemeClr val="bg1"/>
+            </a:solidFill>
+          </a:ln>
+        </p:spPr>
+        <p:style>
+          <a:lnRef idx="2">
+            <a:schemeClr val="accent1">
+              <a:shade val="50000"/>
+            </a:schemeClr>
+          </a:lnRef>
+          <a:fillRef idx="1">
+            <a:schemeClr val="accent1"/>
+          </a:fillRef>
+          <a:effectRef idx="0">
+            <a:schemeClr val="accent1"/>
+          </a:effectRef>
+          <a:fontRef idx="minor">
+            <a:schemeClr val="lt1"/>
+          </a:fontRef>
+        </p:style>
+        <p:txBody>
+          <a:bodyPr rtlCol="0" anchor="ctr"/>
+          <a:lstStyle/>
+          <a:p>
+            <a:pPr algn="ctr"/>
+            <a:r>
+              <a:rPr lang="en-GB" dirty="0">
+                <a:ln>
+                  <a:solidFill>
+                    <a:sysClr val="windowText" lastClr="000000"/>
+                  </a:solidFill>
+                </a:ln>
+                <a:solidFill>
+                  <a:sysClr val="windowText" lastClr="000000"/>
+                </a:solidFill>
+                <a:latin typeface="Calibri" panose="020F0502020204030204" pitchFamily="34" charset="0"/>
+                <a:cs typeface="Calibri" panose="020F0502020204030204" pitchFamily="34" charset="0"/>
+              </a:rPr>
+              <a:t>Love</a:t>
+            </a:r>
+          </a:p>
+        </p:txBody>
+      </p:sp>
+      <p:sp>
+        <p:nvSpPr>
+          <p:cNvPr id="17" name="Rectangle 16">
+            <a:extLst>
+              <a:ext uri="{FF2B5EF4-FFF2-40B4-BE49-F238E27FC236}">
+                <a16:creationId xmlns:a16="http://schemas.microsoft.com/office/drawing/2014/main" id="{96CC70B5-1B28-4047-850F-EB250ABB9491}"/>
+              </a:ext>
+            </a:extLst>
+          </p:cNvPr>
+          <p:cNvSpPr/>
+          <p:nvPr/>
+        </p:nvSpPr>
+        <p:spPr>
+          <a:xfrm>
+            <a:off x="860611" y="3438331"/>
+            <a:ext cx="2736477" cy="647280"/>
+          </a:xfrm>
+          <a:prstGeom prst="rect">
+            <a:avLst/>
+          </a:prstGeom>
+          <a:solidFill>
+            <a:schemeClr val="bg1"/>
+          </a:solidFill>
+          <a:ln>
+            <a:solidFill>
+              <a:schemeClr val="bg1"/>
+            </a:solidFill>
+          </a:ln>
+        </p:spPr>
+        <p:style>
+          <a:lnRef idx="2">
+            <a:schemeClr val="accent1">
+              <a:shade val="50000"/>
+            </a:schemeClr>
+          </a:lnRef>
+          <a:fillRef idx="1">
+            <a:schemeClr val="accent1"/>
+          </a:fillRef>
+          <a:effectRef idx="0">
+            <a:schemeClr val="accent1"/>
+          </a:effectRef>
+          <a:fontRef idx="minor">
+            <a:schemeClr val="lt1"/>
+          </a:fontRef>
+        </p:style>
+        <p:txBody>
+          <a:bodyPr rtlCol="0" anchor="ctr"/>
+          <a:lstStyle/>
+          <a:p>
+            <a:pPr algn="ctr"/>
+            <a:r>
+              <a:rPr lang="en-GB" dirty="0">
+                <a:ln>
+                  <a:solidFill>
+                    <a:sysClr val="windowText" lastClr="000000"/>
+                  </a:solidFill>
+                </a:ln>
+                <a:solidFill>
+                  <a:sysClr val="windowText" lastClr="000000"/>
+                </a:solidFill>
+                <a:latin typeface="Calibri" panose="020F0502020204030204" pitchFamily="34" charset="0"/>
+                <a:cs typeface="Calibri" panose="020F0502020204030204" pitchFamily="34" charset="0"/>
+              </a:rPr>
+              <a:t>Horse</a:t>
+            </a:r>
+          </a:p>
+        </p:txBody>
+      </p:sp>
+      <p:sp>
+        <p:nvSpPr>
+          <p:cNvPr id="3" name="Rectangle 2">
+            <a:extLst>
+              <a:ext uri="{FF2B5EF4-FFF2-40B4-BE49-F238E27FC236}">
+                <a16:creationId xmlns:a16="http://schemas.microsoft.com/office/drawing/2014/main" id="{088C87B0-8F87-42C0-9282-3EBD6D8CB225}"/>
+              </a:ext>
+            </a:extLst>
+          </p:cNvPr>
+          <p:cNvSpPr/>
+          <p:nvPr/>
+        </p:nvSpPr>
+        <p:spPr>
+          <a:xfrm>
+            <a:off x="5940058" y="1271013"/>
+            <a:ext cx="460742" cy="611575"/>
+          </a:xfrm>
+          <a:prstGeom prst="rect">
+            <a:avLst/>
+          </a:prstGeom>
+          <a:solidFill>
+            <a:schemeClr val="bg1"/>
+          </a:solidFill>
+          <a:ln>
+            <a:solidFill>
+              <a:schemeClr val="bg1"/>
+            </a:solidFill>
+          </a:ln>
+        </p:spPr>
+        <p:style>
+          <a:lnRef idx="2">
+            <a:schemeClr val="accent1">
+              <a:shade val="50000"/>
+            </a:schemeClr>
+          </a:lnRef>
+          <a:fillRef idx="1">
+            <a:schemeClr val="accent1"/>
+          </a:fillRef>
+          <a:effectRef idx="0">
+            <a:schemeClr val="accent1"/>
+          </a:effectRef>
+          <a:fontRef idx="minor">
+            <a:schemeClr val="lt1"/>
+          </a:fontRef>
+        </p:style>
+        <p:txBody>
+          <a:bodyPr rtlCol="0" anchor="ctr"/>
+          <a:lstStyle/>
+          <a:p>
+            <a:pPr algn="ctr"/>
+            <a:endParaRPr lang="en-GB"/>
+          </a:p>
+        </p:txBody>
+      </p:sp>
+      <p:sp>
+        <p:nvSpPr>
           <p:cNvPr id="8" name="CustomShape 2">
             <a:extLst>
               <a:ext uri="{FF2B5EF4-FFF2-40B4-BE49-F238E27FC236}">
@@ -12295,7 +9637,7 @@
         </p:nvSpPr>
         <p:spPr>
           <a:xfrm>
-            <a:off x="3060828" y="4571702"/>
+            <a:off x="2718287" y="2895864"/>
             <a:ext cx="3707064" cy="1882272"/>
           </a:xfrm>
           <a:prstGeom prst="rect">
@@ -12354,10 +9696,10 @@
       </p:sp>
       <p:sp>
         <p:nvSpPr>
-          <p:cNvPr id="9" name="CustomShape 2">
+          <p:cNvPr id="18" name="Rectangle 17">
             <a:extLst>
               <a:ext uri="{FF2B5EF4-FFF2-40B4-BE49-F238E27FC236}">
-                <a16:creationId xmlns:a16="http://schemas.microsoft.com/office/drawing/2014/main" id="{68FAF953-1D2E-410F-9A6D-E7C9408C16D9}"/>
+                <a16:creationId xmlns:a16="http://schemas.microsoft.com/office/drawing/2014/main" id="{AD79CA14-FD73-4929-A733-49A90EE4DEAC}"/>
               </a:ext>
             </a:extLst>
           </p:cNvPr>
@@ -12366,120 +9708,8 @@
         </p:nvSpPr>
         <p:spPr>
           <a:xfrm>
-            <a:off x="1050570" y="433800"/>
-            <a:ext cx="3241080" cy="647280"/>
-          </a:xfrm>
-          <a:prstGeom prst="rect">
-            <a:avLst/>
-          </a:prstGeom>
-          <a:solidFill>
-            <a:srgbClr val="FF8000">
-              <a:alpha val="80000"/>
-            </a:srgbClr>
-          </a:solidFill>
-          <a:ln w="12600">
-            <a:solidFill>
-              <a:srgbClr val="2D4D6A"/>
-            </a:solidFill>
-            <a:round/>
-          </a:ln>
-        </p:spPr>
-        <p:style>
-          <a:lnRef idx="0">
-            <a:scrgbClr r="0" g="0" b="0"/>
-          </a:lnRef>
-          <a:fillRef idx="0">
-            <a:scrgbClr r="0" g="0" b="0"/>
-          </a:fillRef>
-          <a:effectRef idx="0">
-            <a:scrgbClr r="0" g="0" b="0"/>
-          </a:effectRef>
-          <a:fontRef idx="minor"/>
-        </p:style>
-        <p:txBody>
-          <a:bodyPr lIns="96120" tIns="51120" rIns="96120" bIns="51120">
-            <a:noAutofit/>
-          </a:bodyPr>
-          <a:lstStyle/>
-          <a:p>
-            <a:pPr>
-              <a:lnSpc>
-                <a:spcPct val="100000"/>
-              </a:lnSpc>
-            </a:pPr>
-            <a:r>
-              <a:rPr lang="en-GB" sz="1800" b="0" strike="noStrike" spc="-1">
-                <a:solidFill>
-                  <a:srgbClr val="FFFFFF"/>
-                </a:solidFill>
-                <a:latin typeface="Arial"/>
-                <a:ea typeface="Arial"/>
-              </a:rPr>
-              <a:t>Click on the ‘Study’ icon</a:t>
-            </a:r>
-            <a:endParaRPr lang="en-GB" sz="1800" b="0" strike="noStrike" spc="-1">
-              <a:latin typeface="Arial"/>
-            </a:endParaRPr>
-          </a:p>
-        </p:txBody>
-      </p:sp>
-      <p:sp>
-        <p:nvSpPr>
-          <p:cNvPr id="10" name="Line 3">
-            <a:extLst>
-              <a:ext uri="{FF2B5EF4-FFF2-40B4-BE49-F238E27FC236}">
-                <a16:creationId xmlns:a16="http://schemas.microsoft.com/office/drawing/2014/main" id="{72A55C03-A0B6-4F63-BCCD-6FA8825E8D56}"/>
-              </a:ext>
-            </a:extLst>
-          </p:cNvPr>
-          <p:cNvSpPr/>
-          <p:nvPr/>
-        </p:nvSpPr>
-        <p:spPr>
-          <a:xfrm flipH="1">
-            <a:off x="514080" y="1367856"/>
-            <a:ext cx="1072980" cy="448752"/>
-          </a:xfrm>
-          <a:prstGeom prst="line">
-            <a:avLst/>
-          </a:prstGeom>
-          <a:ln w="38160">
-            <a:solidFill>
-              <a:srgbClr val="FF8000"/>
-            </a:solidFill>
-            <a:round/>
-            <a:tailEnd type="triangle" w="med" len="med"/>
-          </a:ln>
-        </p:spPr>
-        <p:style>
-          <a:lnRef idx="0">
-            <a:scrgbClr r="0" g="0" b="0"/>
-          </a:lnRef>
-          <a:fillRef idx="0">
-            <a:scrgbClr r="0" g="0" b="0"/>
-          </a:fillRef>
-          <a:effectRef idx="0">
-            <a:scrgbClr r="0" g="0" b="0"/>
-          </a:effectRef>
-          <a:fontRef idx="minor"/>
-        </p:style>
-      </p:sp>
-      <p:sp>
-        <p:nvSpPr>
-          <p:cNvPr id="2" name="Rectangle 1">
-            <a:extLst>
-              <a:ext uri="{FF2B5EF4-FFF2-40B4-BE49-F238E27FC236}">
-                <a16:creationId xmlns:a16="http://schemas.microsoft.com/office/drawing/2014/main" id="{97C68B51-3C31-4EA1-9DB4-E392771A155A}"/>
-              </a:ext>
-            </a:extLst>
-          </p:cNvPr>
-          <p:cNvSpPr/>
-          <p:nvPr/>
-        </p:nvSpPr>
-        <p:spPr>
-          <a:xfrm>
-            <a:off x="3203581" y="1294696"/>
-            <a:ext cx="2736477" cy="647280"/>
+            <a:off x="6648450" y="885825"/>
+            <a:ext cx="2475420" cy="474975"/>
           </a:xfrm>
           <a:prstGeom prst="rect">
             <a:avLst/>
@@ -12514,483 +9744,77 @@
           <a:lstStyle/>
           <a:p>
             <a:pPr algn="ctr"/>
-            <a:r>
-              <a:rPr lang="en-GB" sz="3200" dirty="0">
-                <a:ln>
-                  <a:solidFill>
-                    <a:sysClr val="windowText" lastClr="000000"/>
-                  </a:solidFill>
-                </a:ln>
-                <a:solidFill>
-                  <a:sysClr val="windowText" lastClr="000000"/>
-                </a:solidFill>
-                <a:latin typeface="Calibri" panose="020F0502020204030204" pitchFamily="34" charset="0"/>
-                <a:cs typeface="Calibri" panose="020F0502020204030204" pitchFamily="34" charset="0"/>
-              </a:rPr>
-              <a:t>Afal</a:t>
-            </a:r>
-          </a:p>
-        </p:txBody>
-      </p:sp>
-      <p:sp>
-        <p:nvSpPr>
-          <p:cNvPr id="11" name="Rectangle 10">
+            <a:endParaRPr lang="en-GB"/>
+          </a:p>
+        </p:txBody>
+      </p:sp>
+      <p:sp>
+        <p:nvSpPr>
+          <p:cNvPr id="19" name="TextBox 18">
             <a:extLst>
               <a:ext uri="{FF2B5EF4-FFF2-40B4-BE49-F238E27FC236}">
-                <a16:creationId xmlns:a16="http://schemas.microsoft.com/office/drawing/2014/main" id="{E85A902F-9FBC-4104-B336-39A9F1581782}"/>
+                <a16:creationId xmlns:a16="http://schemas.microsoft.com/office/drawing/2014/main" id="{2F27F226-69C4-48DE-A910-891EF248781A}"/>
               </a:ext>
             </a:extLst>
           </p:cNvPr>
-          <p:cNvSpPr/>
-          <p:nvPr/>
-        </p:nvSpPr>
-        <p:spPr>
-          <a:xfrm>
-            <a:off x="860611" y="2228752"/>
-            <a:ext cx="2736477" cy="647280"/>
-          </a:xfrm>
-          <a:prstGeom prst="rect">
-            <a:avLst/>
-          </a:prstGeom>
-          <a:solidFill>
-            <a:schemeClr val="bg1"/>
-          </a:solidFill>
-          <a:ln>
-            <a:solidFill>
-              <a:schemeClr val="bg1"/>
-            </a:solidFill>
-          </a:ln>
-        </p:spPr>
-        <p:style>
-          <a:lnRef idx="2">
-            <a:schemeClr val="accent1">
-              <a:shade val="50000"/>
-            </a:schemeClr>
-          </a:lnRef>
-          <a:fillRef idx="1">
-            <a:schemeClr val="accent1"/>
-          </a:fillRef>
-          <a:effectRef idx="0">
-            <a:schemeClr val="accent1"/>
-          </a:effectRef>
-          <a:fontRef idx="minor">
-            <a:schemeClr val="lt1"/>
-          </a:fontRef>
-        </p:style>
-        <p:txBody>
-          <a:bodyPr rtlCol="0" anchor="ctr"/>
-          <a:lstStyle/>
-          <a:p>
-            <a:pPr algn="ctr"/>
+          <p:cNvSpPr txBox="1"/>
+          <p:nvPr/>
+        </p:nvSpPr>
+        <p:spPr>
+          <a:xfrm>
+            <a:off x="6706680" y="885825"/>
+            <a:ext cx="1703895" cy="369332"/>
+          </a:xfrm>
+          <a:prstGeom prst="rect">
+            <a:avLst/>
+          </a:prstGeom>
+          <a:noFill/>
+        </p:spPr>
+        <p:txBody>
+          <a:bodyPr wrap="square" rtlCol="0">
+            <a:spAutoFit/>
+          </a:bodyPr>
+          <a:lstStyle/>
+          <a:p>
             <a:r>
-              <a:rPr lang="en-GB" dirty="0">
-                <a:ln>
-                  <a:solidFill>
-                    <a:sysClr val="windowText" lastClr="000000"/>
-                  </a:solidFill>
-                </a:ln>
-                <a:solidFill>
-                  <a:sysClr val="windowText" lastClr="000000"/>
-                </a:solidFill>
-                <a:latin typeface="Calibri" panose="020F0502020204030204" pitchFamily="34" charset="0"/>
-                <a:cs typeface="Calibri" panose="020F0502020204030204" pitchFamily="34" charset="0"/>
-              </a:rPr>
-              <a:t>After</a:t>
+              <a:rPr lang="en-GB" dirty="0"/>
+              <a:t>Total Answers:</a:t>
             </a:r>
           </a:p>
         </p:txBody>
       </p:sp>
       <p:sp>
         <p:nvSpPr>
-          <p:cNvPr id="13" name="Rectangle 12">
+          <p:cNvPr id="20" name="TextBox 19">
             <a:extLst>
               <a:ext uri="{FF2B5EF4-FFF2-40B4-BE49-F238E27FC236}">
-                <a16:creationId xmlns:a16="http://schemas.microsoft.com/office/drawing/2014/main" id="{1EB7715E-AB35-4D29-8B21-696EB985ED8C}"/>
+                <a16:creationId xmlns:a16="http://schemas.microsoft.com/office/drawing/2014/main" id="{A03D48AF-89B0-4058-9A6D-42510A14A3F8}"/>
               </a:ext>
             </a:extLst>
           </p:cNvPr>
-          <p:cNvSpPr/>
-          <p:nvPr/>
-        </p:nvSpPr>
-        <p:spPr>
-          <a:xfrm>
-            <a:off x="3203581" y="2216293"/>
-            <a:ext cx="2736477" cy="647280"/>
-          </a:xfrm>
-          <a:prstGeom prst="rect">
-            <a:avLst/>
-          </a:prstGeom>
-          <a:solidFill>
-            <a:schemeClr val="bg1"/>
-          </a:solidFill>
-          <a:ln>
-            <a:solidFill>
-              <a:schemeClr val="bg1"/>
-            </a:solidFill>
-          </a:ln>
-        </p:spPr>
-        <p:style>
-          <a:lnRef idx="2">
-            <a:schemeClr val="accent1">
-              <a:shade val="50000"/>
-            </a:schemeClr>
-          </a:lnRef>
-          <a:fillRef idx="1">
-            <a:schemeClr val="accent1"/>
-          </a:fillRef>
-          <a:effectRef idx="0">
-            <a:schemeClr val="accent1"/>
-          </a:effectRef>
-          <a:fontRef idx="minor">
-            <a:schemeClr val="lt1"/>
-          </a:fontRef>
-        </p:style>
-        <p:txBody>
-          <a:bodyPr rtlCol="0" anchor="ctr"/>
-          <a:lstStyle/>
-          <a:p>
-            <a:pPr algn="ctr"/>
+          <p:cNvSpPr txBox="1"/>
+          <p:nvPr/>
+        </p:nvSpPr>
+        <p:spPr>
+          <a:xfrm>
+            <a:off x="8851867" y="885825"/>
+            <a:ext cx="300578" cy="369332"/>
+          </a:xfrm>
+          <a:prstGeom prst="rect">
+            <a:avLst/>
+          </a:prstGeom>
+          <a:noFill/>
+        </p:spPr>
+        <p:txBody>
+          <a:bodyPr wrap="square" rtlCol="0">
+            <a:spAutoFit/>
+          </a:bodyPr>
+          <a:lstStyle/>
+          <a:p>
             <a:r>
-              <a:rPr lang="en-GB" dirty="0">
-                <a:ln>
-                  <a:solidFill>
-                    <a:sysClr val="windowText" lastClr="000000"/>
-                  </a:solidFill>
-                </a:ln>
-                <a:solidFill>
-                  <a:sysClr val="windowText" lastClr="000000"/>
-                </a:solidFill>
-                <a:latin typeface="Calibri" panose="020F0502020204030204" pitchFamily="34" charset="0"/>
-                <a:cs typeface="Calibri" panose="020F0502020204030204" pitchFamily="34" charset="0"/>
-              </a:rPr>
-              <a:t>Dog</a:t>
+              <a:rPr lang="en-GB" dirty="0"/>
+              <a:t>5</a:t>
             </a:r>
-          </a:p>
-        </p:txBody>
-      </p:sp>
-      <p:sp>
-        <p:nvSpPr>
-          <p:cNvPr id="14" name="Rectangle 13">
-            <a:extLst>
-              <a:ext uri="{FF2B5EF4-FFF2-40B4-BE49-F238E27FC236}">
-                <a16:creationId xmlns:a16="http://schemas.microsoft.com/office/drawing/2014/main" id="{82B4C917-9315-4C63-B830-DB787A89AC81}"/>
-              </a:ext>
-            </a:extLst>
-          </p:cNvPr>
-          <p:cNvSpPr/>
-          <p:nvPr/>
-        </p:nvSpPr>
-        <p:spPr>
-          <a:xfrm>
-            <a:off x="6145394" y="2266359"/>
-            <a:ext cx="2736477" cy="647280"/>
-          </a:xfrm>
-          <a:prstGeom prst="rect">
-            <a:avLst/>
-          </a:prstGeom>
-          <a:solidFill>
-            <a:schemeClr val="bg1"/>
-          </a:solidFill>
-          <a:ln>
-            <a:solidFill>
-              <a:schemeClr val="bg1"/>
-            </a:solidFill>
-          </a:ln>
-        </p:spPr>
-        <p:style>
-          <a:lnRef idx="2">
-            <a:schemeClr val="accent1">
-              <a:shade val="50000"/>
-            </a:schemeClr>
-          </a:lnRef>
-          <a:fillRef idx="1">
-            <a:schemeClr val="accent1"/>
-          </a:fillRef>
-          <a:effectRef idx="0">
-            <a:schemeClr val="accent1"/>
-          </a:effectRef>
-          <a:fontRef idx="minor">
-            <a:schemeClr val="lt1"/>
-          </a:fontRef>
-        </p:style>
-        <p:txBody>
-          <a:bodyPr rtlCol="0" anchor="ctr"/>
-          <a:lstStyle/>
-          <a:p>
-            <a:pPr algn="ctr"/>
-            <a:r>
-              <a:rPr lang="en-GB" dirty="0">
-                <a:ln>
-                  <a:solidFill>
-                    <a:sysClr val="windowText" lastClr="000000"/>
-                  </a:solidFill>
-                </a:ln>
-                <a:solidFill>
-                  <a:sysClr val="windowText" lastClr="000000"/>
-                </a:solidFill>
-                <a:latin typeface="Calibri" panose="020F0502020204030204" pitchFamily="34" charset="0"/>
-                <a:cs typeface="Calibri" panose="020F0502020204030204" pitchFamily="34" charset="0"/>
-              </a:rPr>
-              <a:t>Apple</a:t>
-            </a:r>
-          </a:p>
-        </p:txBody>
-      </p:sp>
-      <p:sp>
-        <p:nvSpPr>
-          <p:cNvPr id="15" name="Rectangle 14">
-            <a:extLst>
-              <a:ext uri="{FF2B5EF4-FFF2-40B4-BE49-F238E27FC236}">
-                <a16:creationId xmlns:a16="http://schemas.microsoft.com/office/drawing/2014/main" id="{DF000B04-1C95-4421-8CD7-70560C6B3D2F}"/>
-              </a:ext>
-            </a:extLst>
-          </p:cNvPr>
-          <p:cNvSpPr/>
-          <p:nvPr/>
-        </p:nvSpPr>
-        <p:spPr>
-          <a:xfrm>
-            <a:off x="6145395" y="3444063"/>
-            <a:ext cx="2736477" cy="647280"/>
-          </a:xfrm>
-          <a:prstGeom prst="rect">
-            <a:avLst/>
-          </a:prstGeom>
-          <a:solidFill>
-            <a:schemeClr val="bg1"/>
-          </a:solidFill>
-          <a:ln>
-            <a:solidFill>
-              <a:schemeClr val="bg1"/>
-            </a:solidFill>
-          </a:ln>
-        </p:spPr>
-        <p:style>
-          <a:lnRef idx="2">
-            <a:schemeClr val="accent1">
-              <a:shade val="50000"/>
-            </a:schemeClr>
-          </a:lnRef>
-          <a:fillRef idx="1">
-            <a:schemeClr val="accent1"/>
-          </a:fillRef>
-          <a:effectRef idx="0">
-            <a:schemeClr val="accent1"/>
-          </a:effectRef>
-          <a:fontRef idx="minor">
-            <a:schemeClr val="lt1"/>
-          </a:fontRef>
-        </p:style>
-        <p:txBody>
-          <a:bodyPr rtlCol="0" anchor="ctr"/>
-          <a:lstStyle/>
-          <a:p>
-            <a:pPr algn="ctr"/>
-            <a:r>
-              <a:rPr lang="en-GB" dirty="0">
-                <a:ln>
-                  <a:solidFill>
-                    <a:sysClr val="windowText" lastClr="000000"/>
-                  </a:solidFill>
-                </a:ln>
-                <a:solidFill>
-                  <a:sysClr val="windowText" lastClr="000000"/>
-                </a:solidFill>
-                <a:latin typeface="Calibri" panose="020F0502020204030204" pitchFamily="34" charset="0"/>
-                <a:cs typeface="Calibri" panose="020F0502020204030204" pitchFamily="34" charset="0"/>
-              </a:rPr>
-              <a:t>Raining</a:t>
-            </a:r>
-          </a:p>
-        </p:txBody>
-      </p:sp>
-      <p:sp>
-        <p:nvSpPr>
-          <p:cNvPr id="16" name="Rectangle 15">
-            <a:extLst>
-              <a:ext uri="{FF2B5EF4-FFF2-40B4-BE49-F238E27FC236}">
-                <a16:creationId xmlns:a16="http://schemas.microsoft.com/office/drawing/2014/main" id="{88356159-9F56-4A33-A674-D60A37DF2EE8}"/>
-              </a:ext>
-            </a:extLst>
-          </p:cNvPr>
-          <p:cNvSpPr/>
-          <p:nvPr/>
-        </p:nvSpPr>
-        <p:spPr>
-          <a:xfrm>
-            <a:off x="3203581" y="3440851"/>
-            <a:ext cx="2736477" cy="647280"/>
-          </a:xfrm>
-          <a:prstGeom prst="rect">
-            <a:avLst/>
-          </a:prstGeom>
-          <a:solidFill>
-            <a:schemeClr val="bg1"/>
-          </a:solidFill>
-          <a:ln>
-            <a:solidFill>
-              <a:schemeClr val="bg1"/>
-            </a:solidFill>
-          </a:ln>
-        </p:spPr>
-        <p:style>
-          <a:lnRef idx="2">
-            <a:schemeClr val="accent1">
-              <a:shade val="50000"/>
-            </a:schemeClr>
-          </a:lnRef>
-          <a:fillRef idx="1">
-            <a:schemeClr val="accent1"/>
-          </a:fillRef>
-          <a:effectRef idx="0">
-            <a:schemeClr val="accent1"/>
-          </a:effectRef>
-          <a:fontRef idx="minor">
-            <a:schemeClr val="lt1"/>
-          </a:fontRef>
-        </p:style>
-        <p:txBody>
-          <a:bodyPr rtlCol="0" anchor="ctr"/>
-          <a:lstStyle/>
-          <a:p>
-            <a:pPr algn="ctr"/>
-            <a:r>
-              <a:rPr lang="en-GB" dirty="0">
-                <a:ln>
-                  <a:solidFill>
-                    <a:sysClr val="windowText" lastClr="000000"/>
-                  </a:solidFill>
-                </a:ln>
-                <a:solidFill>
-                  <a:sysClr val="windowText" lastClr="000000"/>
-                </a:solidFill>
-                <a:latin typeface="Calibri" panose="020F0502020204030204" pitchFamily="34" charset="0"/>
-                <a:cs typeface="Calibri" panose="020F0502020204030204" pitchFamily="34" charset="0"/>
-              </a:rPr>
-              <a:t>Love</a:t>
-            </a:r>
-          </a:p>
-        </p:txBody>
-      </p:sp>
-      <p:sp>
-        <p:nvSpPr>
-          <p:cNvPr id="17" name="Rectangle 16">
-            <a:extLst>
-              <a:ext uri="{FF2B5EF4-FFF2-40B4-BE49-F238E27FC236}">
-                <a16:creationId xmlns:a16="http://schemas.microsoft.com/office/drawing/2014/main" id="{96CC70B5-1B28-4047-850F-EB250ABB9491}"/>
-              </a:ext>
-            </a:extLst>
-          </p:cNvPr>
-          <p:cNvSpPr/>
-          <p:nvPr/>
-        </p:nvSpPr>
-        <p:spPr>
-          <a:xfrm>
-            <a:off x="860611" y="3438331"/>
-            <a:ext cx="2736477" cy="647280"/>
-          </a:xfrm>
-          <a:prstGeom prst="rect">
-            <a:avLst/>
-          </a:prstGeom>
-          <a:solidFill>
-            <a:schemeClr val="bg1"/>
-          </a:solidFill>
-          <a:ln>
-            <a:solidFill>
-              <a:schemeClr val="bg1"/>
-            </a:solidFill>
-          </a:ln>
-        </p:spPr>
-        <p:style>
-          <a:lnRef idx="2">
-            <a:schemeClr val="accent1">
-              <a:shade val="50000"/>
-            </a:schemeClr>
-          </a:lnRef>
-          <a:fillRef idx="1">
-            <a:schemeClr val="accent1"/>
-          </a:fillRef>
-          <a:effectRef idx="0">
-            <a:schemeClr val="accent1"/>
-          </a:effectRef>
-          <a:fontRef idx="minor">
-            <a:schemeClr val="lt1"/>
-          </a:fontRef>
-        </p:style>
-        <p:txBody>
-          <a:bodyPr rtlCol="0" anchor="ctr"/>
-          <a:lstStyle/>
-          <a:p>
-            <a:pPr algn="ctr"/>
-            <a:r>
-              <a:rPr lang="en-GB" dirty="0">
-                <a:ln>
-                  <a:solidFill>
-                    <a:sysClr val="windowText" lastClr="000000"/>
-                  </a:solidFill>
-                </a:ln>
-                <a:solidFill>
-                  <a:sysClr val="windowText" lastClr="000000"/>
-                </a:solidFill>
-                <a:latin typeface="Calibri" panose="020F0502020204030204" pitchFamily="34" charset="0"/>
-                <a:cs typeface="Calibri" panose="020F0502020204030204" pitchFamily="34" charset="0"/>
-              </a:rPr>
-              <a:t>Horse</a:t>
-            </a:r>
-          </a:p>
-        </p:txBody>
-      </p:sp>
-      <p:sp>
-        <p:nvSpPr>
-          <p:cNvPr id="3" name="Rectangle 2">
-            <a:extLst>
-              <a:ext uri="{FF2B5EF4-FFF2-40B4-BE49-F238E27FC236}">
-                <a16:creationId xmlns:a16="http://schemas.microsoft.com/office/drawing/2014/main" id="{088C87B0-8F87-42C0-9282-3EBD6D8CB225}"/>
-              </a:ext>
-            </a:extLst>
-          </p:cNvPr>
-          <p:cNvSpPr/>
-          <p:nvPr/>
-        </p:nvSpPr>
-        <p:spPr>
-          <a:xfrm>
-            <a:off x="5940058" y="1271013"/>
-            <a:ext cx="460742" cy="611575"/>
-          </a:xfrm>
-          <a:prstGeom prst="rect">
-            <a:avLst/>
-          </a:prstGeom>
-          <a:solidFill>
-            <a:schemeClr val="bg1"/>
-          </a:solidFill>
-          <a:ln>
-            <a:solidFill>
-              <a:schemeClr val="bg1"/>
-            </a:solidFill>
-          </a:ln>
-        </p:spPr>
-        <p:style>
-          <a:lnRef idx="2">
-            <a:schemeClr val="accent1">
-              <a:shade val="50000"/>
-            </a:schemeClr>
-          </a:lnRef>
-          <a:fillRef idx="1">
-            <a:schemeClr val="accent1"/>
-          </a:fillRef>
-          <a:effectRef idx="0">
-            <a:schemeClr val="accent1"/>
-          </a:effectRef>
-          <a:fontRef idx="minor">
-            <a:schemeClr val="lt1"/>
-          </a:fontRef>
-        </p:style>
-        <p:txBody>
-          <a:bodyPr rtlCol="0" anchor="ctr"/>
-          <a:lstStyle/>
-          <a:p>
-            <a:pPr algn="ctr"/>
-            <a:endParaRPr lang="en-GB"/>
           </a:p>
         </p:txBody>
       </p:sp>
@@ -13021,10 +9845,10 @@
       </p:grpSpPr>
       <p:pic>
         <p:nvPicPr>
-          <p:cNvPr id="3" name="Picture 2" descr="A screenshot of a cell phone&#10;&#10;Description automatically generated">
+          <p:cNvPr id="4" name="Picture 3" descr="A screenshot of a cell phone&#10;&#10;Description automatically generated">
             <a:extLst>
               <a:ext uri="{FF2B5EF4-FFF2-40B4-BE49-F238E27FC236}">
-                <a16:creationId xmlns:a16="http://schemas.microsoft.com/office/drawing/2014/main" id="{095C3605-F9D7-4F79-9C7C-850AFB7F48C1}"/>
+                <a16:creationId xmlns:a16="http://schemas.microsoft.com/office/drawing/2014/main" id="{3ACD3409-A4CE-4596-89AF-3F49FFFBD7CD}"/>
               </a:ext>
             </a:extLst>
           </p:cNvPr>
@@ -13047,35 +9871,12 @@
         </p:blipFill>
         <p:spPr>
           <a:xfrm>
-            <a:off x="0" y="2381"/>
+            <a:off x="0" y="-4343"/>
             <a:ext cx="9144000" cy="5143500"/>
           </a:xfrm>
           <a:prstGeom prst="rect">
             <a:avLst/>
           </a:prstGeom>
-        </p:spPr>
-      </p:pic>
-      <p:pic>
-        <p:nvPicPr>
-          <p:cNvPr id="80" name="Picture 79"/>
-          <p:cNvPicPr/>
-          <p:nvPr/>
-        </p:nvPicPr>
-        <p:blipFill>
-          <a:blip r:embed="rId4"/>
-          <a:stretch/>
-        </p:blipFill>
-        <p:spPr>
-          <a:xfrm>
-            <a:off x="0" y="0"/>
-            <a:ext cx="513720" cy="5146920"/>
-          </a:xfrm>
-          <a:prstGeom prst="rect">
-            <a:avLst/>
-          </a:prstGeom>
-          <a:ln>
-            <a:noFill/>
-          </a:ln>
         </p:spPr>
       </p:pic>
       <p:sp>
@@ -13645,36 +10446,6 @@
           </a:p>
         </p:txBody>
       </p:sp>
-      <p:pic>
-        <p:nvPicPr>
-          <p:cNvPr id="17" name="Picture 16">
-            <a:extLst>
-              <a:ext uri="{FF2B5EF4-FFF2-40B4-BE49-F238E27FC236}">
-                <a16:creationId xmlns:a16="http://schemas.microsoft.com/office/drawing/2014/main" id="{7F4D9F75-FCD1-4AF2-BCE5-285B43CF8FAD}"/>
-              </a:ext>
-            </a:extLst>
-          </p:cNvPr>
-          <p:cNvPicPr/>
-          <p:nvPr/>
-        </p:nvPicPr>
-        <p:blipFill rotWithShape="1">
-          <a:blip r:embed="rId5"/>
-          <a:srcRect b="90102"/>
-          <a:stretch/>
-        </p:blipFill>
-        <p:spPr>
-          <a:xfrm>
-            <a:off x="0" y="671"/>
-            <a:ext cx="2286720" cy="509449"/>
-          </a:xfrm>
-          <a:prstGeom prst="rect">
-            <a:avLst/>
-          </a:prstGeom>
-          <a:ln>
-            <a:noFill/>
-          </a:ln>
-        </p:spPr>
-      </p:pic>
       <p:sp>
         <p:nvSpPr>
           <p:cNvPr id="90" name="Line 10"/>
@@ -14531,41 +11302,6 @@
       </p:sp>
       <p:sp>
         <p:nvSpPr>
-          <p:cNvPr id="218" name="Line 4"/>
-          <p:cNvSpPr/>
-          <p:nvPr/>
-        </p:nvSpPr>
-        <p:spPr>
-          <a:xfrm flipV="1">
-            <a:off x="5904000" y="936000"/>
-            <a:ext cx="792000" cy="504000"/>
-          </a:xfrm>
-          <a:prstGeom prst="line">
-            <a:avLst/>
-          </a:prstGeom>
-          <a:ln w="38160">
-            <a:solidFill>
-              <a:srgbClr val="729FCF"/>
-            </a:solidFill>
-            <a:round/>
-            <a:tailEnd type="triangle" w="med" len="med"/>
-          </a:ln>
-        </p:spPr>
-        <p:style>
-          <a:lnRef idx="0">
-            <a:scrgbClr r="0" g="0" b="0"/>
-          </a:lnRef>
-          <a:fillRef idx="0">
-            <a:scrgbClr r="0" g="0" b="0"/>
-          </a:fillRef>
-          <a:effectRef idx="0">
-            <a:scrgbClr r="0" g="0" b="0"/>
-          </a:effectRef>
-          <a:fontRef idx="minor"/>
-        </p:style>
-      </p:sp>
-      <p:sp>
-        <p:nvSpPr>
           <p:cNvPr id="219" name="CustomShape 5"/>
           <p:cNvSpPr/>
           <p:nvPr/>
@@ -14639,6 +11375,165 @@
           <a:xfrm flipH="1">
             <a:off x="4896000" y="4248000"/>
             <a:ext cx="720000" cy="504000"/>
+          </a:xfrm>
+          <a:prstGeom prst="line">
+            <a:avLst/>
+          </a:prstGeom>
+          <a:ln w="38160">
+            <a:solidFill>
+              <a:srgbClr val="729FCF"/>
+            </a:solidFill>
+            <a:round/>
+            <a:tailEnd type="triangle" w="med" len="med"/>
+          </a:ln>
+        </p:spPr>
+        <p:style>
+          <a:lnRef idx="0">
+            <a:scrgbClr r="0" g="0" b="0"/>
+          </a:lnRef>
+          <a:fillRef idx="0">
+            <a:scrgbClr r="0" g="0" b="0"/>
+          </a:fillRef>
+          <a:effectRef idx="0">
+            <a:scrgbClr r="0" g="0" b="0"/>
+          </a:effectRef>
+          <a:fontRef idx="minor"/>
+        </p:style>
+      </p:sp>
+      <p:sp>
+        <p:nvSpPr>
+          <p:cNvPr id="19" name="Rectangle 18">
+            <a:extLst>
+              <a:ext uri="{FF2B5EF4-FFF2-40B4-BE49-F238E27FC236}">
+                <a16:creationId xmlns:a16="http://schemas.microsoft.com/office/drawing/2014/main" id="{CA78797D-B768-4C0A-9C14-0BEA9BD2ACB3}"/>
+              </a:ext>
+            </a:extLst>
+          </p:cNvPr>
+          <p:cNvSpPr/>
+          <p:nvPr/>
+        </p:nvSpPr>
+        <p:spPr>
+          <a:xfrm>
+            <a:off x="6648450" y="885825"/>
+            <a:ext cx="2475420" cy="474975"/>
+          </a:xfrm>
+          <a:prstGeom prst="rect">
+            <a:avLst/>
+          </a:prstGeom>
+          <a:solidFill>
+            <a:schemeClr val="bg1"/>
+          </a:solidFill>
+          <a:ln>
+            <a:solidFill>
+              <a:schemeClr val="bg1"/>
+            </a:solidFill>
+          </a:ln>
+        </p:spPr>
+        <p:style>
+          <a:lnRef idx="2">
+            <a:schemeClr val="accent1">
+              <a:shade val="50000"/>
+            </a:schemeClr>
+          </a:lnRef>
+          <a:fillRef idx="1">
+            <a:schemeClr val="accent1"/>
+          </a:fillRef>
+          <a:effectRef idx="0">
+            <a:schemeClr val="accent1"/>
+          </a:effectRef>
+          <a:fontRef idx="minor">
+            <a:schemeClr val="lt1"/>
+          </a:fontRef>
+        </p:style>
+        <p:txBody>
+          <a:bodyPr rtlCol="0" anchor="ctr"/>
+          <a:lstStyle/>
+          <a:p>
+            <a:pPr algn="ctr"/>
+            <a:endParaRPr lang="en-GB"/>
+          </a:p>
+        </p:txBody>
+      </p:sp>
+      <p:sp>
+        <p:nvSpPr>
+          <p:cNvPr id="20" name="TextBox 19">
+            <a:extLst>
+              <a:ext uri="{FF2B5EF4-FFF2-40B4-BE49-F238E27FC236}">
+                <a16:creationId xmlns:a16="http://schemas.microsoft.com/office/drawing/2014/main" id="{76F4405F-D441-48E5-9DBF-EA7363AB98A5}"/>
+              </a:ext>
+            </a:extLst>
+          </p:cNvPr>
+          <p:cNvSpPr txBox="1"/>
+          <p:nvPr/>
+        </p:nvSpPr>
+        <p:spPr>
+          <a:xfrm>
+            <a:off x="6706680" y="885825"/>
+            <a:ext cx="1703895" cy="369332"/>
+          </a:xfrm>
+          <a:prstGeom prst="rect">
+            <a:avLst/>
+          </a:prstGeom>
+          <a:noFill/>
+        </p:spPr>
+        <p:txBody>
+          <a:bodyPr wrap="square" rtlCol="0">
+            <a:spAutoFit/>
+          </a:bodyPr>
+          <a:lstStyle/>
+          <a:p>
+            <a:r>
+              <a:rPr lang="en-GB" dirty="0"/>
+              <a:t>Total Answers:</a:t>
+            </a:r>
+          </a:p>
+        </p:txBody>
+      </p:sp>
+      <p:sp>
+        <p:nvSpPr>
+          <p:cNvPr id="21" name="TextBox 20">
+            <a:extLst>
+              <a:ext uri="{FF2B5EF4-FFF2-40B4-BE49-F238E27FC236}">
+                <a16:creationId xmlns:a16="http://schemas.microsoft.com/office/drawing/2014/main" id="{FD716D58-99C0-4C6E-990D-0D4FA4B0B702}"/>
+              </a:ext>
+            </a:extLst>
+          </p:cNvPr>
+          <p:cNvSpPr txBox="1"/>
+          <p:nvPr/>
+        </p:nvSpPr>
+        <p:spPr>
+          <a:xfrm>
+            <a:off x="8851867" y="885825"/>
+            <a:ext cx="300578" cy="369332"/>
+          </a:xfrm>
+          <a:prstGeom prst="rect">
+            <a:avLst/>
+          </a:prstGeom>
+          <a:noFill/>
+        </p:spPr>
+        <p:txBody>
+          <a:bodyPr wrap="square" rtlCol="0">
+            <a:spAutoFit/>
+          </a:bodyPr>
+          <a:lstStyle/>
+          <a:p>
+            <a:r>
+              <a:rPr lang="en-GB" dirty="0"/>
+              <a:t>5</a:t>
+            </a:r>
+          </a:p>
+        </p:txBody>
+      </p:sp>
+      <p:sp>
+        <p:nvSpPr>
+          <p:cNvPr id="218" name="Line 4"/>
+          <p:cNvSpPr/>
+          <p:nvPr/>
+        </p:nvSpPr>
+        <p:spPr>
+          <a:xfrm flipV="1">
+            <a:off x="5904000" y="936000"/>
+            <a:ext cx="792000" cy="504000"/>
           </a:xfrm>
           <a:prstGeom prst="line">
             <a:avLst/>
@@ -15433,6 +12328,130 @@
           </a:ln>
         </p:spPr>
       </p:pic>
+      <p:sp>
+        <p:nvSpPr>
+          <p:cNvPr id="16" name="Rectangle 15">
+            <a:extLst>
+              <a:ext uri="{FF2B5EF4-FFF2-40B4-BE49-F238E27FC236}">
+                <a16:creationId xmlns:a16="http://schemas.microsoft.com/office/drawing/2014/main" id="{0481342F-2ECE-4BE1-9B38-843DDF59DAF3}"/>
+              </a:ext>
+            </a:extLst>
+          </p:cNvPr>
+          <p:cNvSpPr/>
+          <p:nvPr/>
+        </p:nvSpPr>
+        <p:spPr>
+          <a:xfrm>
+            <a:off x="6648450" y="885825"/>
+            <a:ext cx="2475420" cy="474975"/>
+          </a:xfrm>
+          <a:prstGeom prst="rect">
+            <a:avLst/>
+          </a:prstGeom>
+          <a:solidFill>
+            <a:schemeClr val="bg1"/>
+          </a:solidFill>
+          <a:ln>
+            <a:solidFill>
+              <a:schemeClr val="bg1"/>
+            </a:solidFill>
+          </a:ln>
+        </p:spPr>
+        <p:style>
+          <a:lnRef idx="2">
+            <a:schemeClr val="accent1">
+              <a:shade val="50000"/>
+            </a:schemeClr>
+          </a:lnRef>
+          <a:fillRef idx="1">
+            <a:schemeClr val="accent1"/>
+          </a:fillRef>
+          <a:effectRef idx="0">
+            <a:schemeClr val="accent1"/>
+          </a:effectRef>
+          <a:fontRef idx="minor">
+            <a:schemeClr val="lt1"/>
+          </a:fontRef>
+        </p:style>
+        <p:txBody>
+          <a:bodyPr rtlCol="0" anchor="ctr"/>
+          <a:lstStyle/>
+          <a:p>
+            <a:pPr algn="ctr"/>
+            <a:endParaRPr lang="en-GB"/>
+          </a:p>
+        </p:txBody>
+      </p:sp>
+      <p:sp>
+        <p:nvSpPr>
+          <p:cNvPr id="17" name="TextBox 16">
+            <a:extLst>
+              <a:ext uri="{FF2B5EF4-FFF2-40B4-BE49-F238E27FC236}">
+                <a16:creationId xmlns:a16="http://schemas.microsoft.com/office/drawing/2014/main" id="{D31CE230-C3FA-4FB1-9CB7-3B1FCBD137C1}"/>
+              </a:ext>
+            </a:extLst>
+          </p:cNvPr>
+          <p:cNvSpPr txBox="1"/>
+          <p:nvPr/>
+        </p:nvSpPr>
+        <p:spPr>
+          <a:xfrm>
+            <a:off x="6706680" y="885825"/>
+            <a:ext cx="1703895" cy="369332"/>
+          </a:xfrm>
+          <a:prstGeom prst="rect">
+            <a:avLst/>
+          </a:prstGeom>
+          <a:noFill/>
+        </p:spPr>
+        <p:txBody>
+          <a:bodyPr wrap="square" rtlCol="0">
+            <a:spAutoFit/>
+          </a:bodyPr>
+          <a:lstStyle/>
+          <a:p>
+            <a:r>
+              <a:rPr lang="en-GB" dirty="0"/>
+              <a:t>Total Answers:</a:t>
+            </a:r>
+          </a:p>
+        </p:txBody>
+      </p:sp>
+      <p:sp>
+        <p:nvSpPr>
+          <p:cNvPr id="18" name="TextBox 17">
+            <a:extLst>
+              <a:ext uri="{FF2B5EF4-FFF2-40B4-BE49-F238E27FC236}">
+                <a16:creationId xmlns:a16="http://schemas.microsoft.com/office/drawing/2014/main" id="{F8D57D39-46DF-43FC-8BCE-7C19ECEE77D9}"/>
+              </a:ext>
+            </a:extLst>
+          </p:cNvPr>
+          <p:cNvSpPr txBox="1"/>
+          <p:nvPr/>
+        </p:nvSpPr>
+        <p:spPr>
+          <a:xfrm>
+            <a:off x="8851867" y="885825"/>
+            <a:ext cx="300578" cy="369332"/>
+          </a:xfrm>
+          <a:prstGeom prst="rect">
+            <a:avLst/>
+          </a:prstGeom>
+          <a:noFill/>
+        </p:spPr>
+        <p:txBody>
+          <a:bodyPr wrap="square" rtlCol="0">
+            <a:spAutoFit/>
+          </a:bodyPr>
+          <a:lstStyle/>
+          <a:p>
+            <a:r>
+              <a:rPr lang="en-GB" dirty="0"/>
+              <a:t>5</a:t>
+            </a:r>
+          </a:p>
+        </p:txBody>
+      </p:sp>
     </p:spTree>
   </p:cSld>
   <p:clrMapOvr>
@@ -15460,31 +12479,38 @@
       </p:grpSpPr>
       <p:pic>
         <p:nvPicPr>
-          <p:cNvPr id="7" name="Picture 6">
+          <p:cNvPr id="5" name="Picture 4" descr="A screenshot of a cell phone&#10;&#10;Description automatically generated">
             <a:extLst>
               <a:ext uri="{FF2B5EF4-FFF2-40B4-BE49-F238E27FC236}">
-                <a16:creationId xmlns:a16="http://schemas.microsoft.com/office/drawing/2014/main" id="{08A981F4-D0BF-4333-9573-66158D4E1479}"/>
+                <a16:creationId xmlns:a16="http://schemas.microsoft.com/office/drawing/2014/main" id="{C23C138C-00BF-4AC2-B0D7-311FE7E8D61F}"/>
               </a:ext>
             </a:extLst>
           </p:cNvPr>
-          <p:cNvPicPr/>
+          <p:cNvPicPr>
+            <a:picLocks noChangeAspect="1"/>
+          </p:cNvPicPr>
           <p:nvPr/>
         </p:nvPicPr>
         <p:blipFill>
-          <a:blip r:embed="rId2"/>
-          <a:stretch/>
+          <a:blip r:embed="rId2">
+            <a:extLst>
+              <a:ext uri="{28A0092B-C50C-407E-A947-70E740481C1C}">
+                <a14:useLocalDpi xmlns:a14="http://schemas.microsoft.com/office/drawing/2010/main" val="0"/>
+              </a:ext>
+            </a:extLst>
+          </a:blip>
+          <a:stretch>
+            <a:fillRect/>
+          </a:stretch>
         </p:blipFill>
         <p:spPr>
           <a:xfrm>
-            <a:off x="1080" y="0"/>
-            <a:ext cx="9142920" cy="5142240"/>
-          </a:xfrm>
-          <a:prstGeom prst="rect">
-            <a:avLst/>
-          </a:prstGeom>
-          <a:ln>
-            <a:noFill/>
-          </a:ln>
+            <a:off x="0" y="2381"/>
+            <a:ext cx="9144000" cy="5143500"/>
+          </a:xfrm>
+          <a:prstGeom prst="rect">
+            <a:avLst/>
+          </a:prstGeom>
         </p:spPr>
       </p:pic>
       <p:sp>
@@ -15549,29 +12575,6 @@
           </a:p>
         </p:txBody>
       </p:sp>
-      <p:pic>
-        <p:nvPicPr>
-          <p:cNvPr id="230" name="Picture 229"/>
-          <p:cNvPicPr/>
-          <p:nvPr/>
-        </p:nvPicPr>
-        <p:blipFill>
-          <a:blip r:embed="rId3"/>
-          <a:stretch/>
-        </p:blipFill>
-        <p:spPr>
-          <a:xfrm>
-            <a:off x="360" y="360"/>
-            <a:ext cx="513720" cy="5146920"/>
-          </a:xfrm>
-          <a:prstGeom prst="rect">
-            <a:avLst/>
-          </a:prstGeom>
-          <a:ln>
-            <a:noFill/>
-          </a:ln>
-        </p:spPr>
-      </p:pic>
       <p:sp>
         <p:nvSpPr>
           <p:cNvPr id="2" name="Rectangle 1">
@@ -15729,6 +12732,130 @@
                 <a:cs typeface="Calibri" panose="020F0502020204030204" pitchFamily="34" charset="0"/>
               </a:rPr>
               <a:t>Afal</a:t>
+            </a:r>
+          </a:p>
+        </p:txBody>
+      </p:sp>
+      <p:sp>
+        <p:nvSpPr>
+          <p:cNvPr id="10" name="Rectangle 9">
+            <a:extLst>
+              <a:ext uri="{FF2B5EF4-FFF2-40B4-BE49-F238E27FC236}">
+                <a16:creationId xmlns:a16="http://schemas.microsoft.com/office/drawing/2014/main" id="{00994AE8-91C2-438C-9D1F-205791456482}"/>
+              </a:ext>
+            </a:extLst>
+          </p:cNvPr>
+          <p:cNvSpPr/>
+          <p:nvPr/>
+        </p:nvSpPr>
+        <p:spPr>
+          <a:xfrm>
+            <a:off x="6648450" y="885825"/>
+            <a:ext cx="2475420" cy="474975"/>
+          </a:xfrm>
+          <a:prstGeom prst="rect">
+            <a:avLst/>
+          </a:prstGeom>
+          <a:solidFill>
+            <a:schemeClr val="bg1"/>
+          </a:solidFill>
+          <a:ln>
+            <a:solidFill>
+              <a:schemeClr val="bg1"/>
+            </a:solidFill>
+          </a:ln>
+        </p:spPr>
+        <p:style>
+          <a:lnRef idx="2">
+            <a:schemeClr val="accent1">
+              <a:shade val="50000"/>
+            </a:schemeClr>
+          </a:lnRef>
+          <a:fillRef idx="1">
+            <a:schemeClr val="accent1"/>
+          </a:fillRef>
+          <a:effectRef idx="0">
+            <a:schemeClr val="accent1"/>
+          </a:effectRef>
+          <a:fontRef idx="minor">
+            <a:schemeClr val="lt1"/>
+          </a:fontRef>
+        </p:style>
+        <p:txBody>
+          <a:bodyPr rtlCol="0" anchor="ctr"/>
+          <a:lstStyle/>
+          <a:p>
+            <a:pPr algn="ctr"/>
+            <a:endParaRPr lang="en-GB"/>
+          </a:p>
+        </p:txBody>
+      </p:sp>
+      <p:sp>
+        <p:nvSpPr>
+          <p:cNvPr id="11" name="TextBox 10">
+            <a:extLst>
+              <a:ext uri="{FF2B5EF4-FFF2-40B4-BE49-F238E27FC236}">
+                <a16:creationId xmlns:a16="http://schemas.microsoft.com/office/drawing/2014/main" id="{71F8B0C0-C4B3-4804-A2CB-E18021835E98}"/>
+              </a:ext>
+            </a:extLst>
+          </p:cNvPr>
+          <p:cNvSpPr txBox="1"/>
+          <p:nvPr/>
+        </p:nvSpPr>
+        <p:spPr>
+          <a:xfrm>
+            <a:off x="6706680" y="885825"/>
+            <a:ext cx="1703895" cy="369332"/>
+          </a:xfrm>
+          <a:prstGeom prst="rect">
+            <a:avLst/>
+          </a:prstGeom>
+          <a:noFill/>
+        </p:spPr>
+        <p:txBody>
+          <a:bodyPr wrap="square" rtlCol="0">
+            <a:spAutoFit/>
+          </a:bodyPr>
+          <a:lstStyle/>
+          <a:p>
+            <a:r>
+              <a:rPr lang="en-GB" dirty="0"/>
+              <a:t>Total Answers:</a:t>
+            </a:r>
+          </a:p>
+        </p:txBody>
+      </p:sp>
+      <p:sp>
+        <p:nvSpPr>
+          <p:cNvPr id="12" name="TextBox 11">
+            <a:extLst>
+              <a:ext uri="{FF2B5EF4-FFF2-40B4-BE49-F238E27FC236}">
+                <a16:creationId xmlns:a16="http://schemas.microsoft.com/office/drawing/2014/main" id="{0313F657-9D14-4BB5-A54E-6A244B59981E}"/>
+              </a:ext>
+            </a:extLst>
+          </p:cNvPr>
+          <p:cNvSpPr txBox="1"/>
+          <p:nvPr/>
+        </p:nvSpPr>
+        <p:spPr>
+          <a:xfrm>
+            <a:off x="8851867" y="885825"/>
+            <a:ext cx="300578" cy="369332"/>
+          </a:xfrm>
+          <a:prstGeom prst="rect">
+            <a:avLst/>
+          </a:prstGeom>
+          <a:noFill/>
+        </p:spPr>
+        <p:txBody>
+          <a:bodyPr wrap="square" rtlCol="0">
+            <a:spAutoFit/>
+          </a:bodyPr>
+          <a:lstStyle/>
+          <a:p>
+            <a:r>
+              <a:rPr lang="en-GB" dirty="0"/>
+              <a:t>5</a:t>
             </a:r>
           </a:p>
         </p:txBody>
@@ -15760,25 +12887,38 @@
       </p:grpSpPr>
       <p:pic>
         <p:nvPicPr>
-          <p:cNvPr id="231" name="Picture 230"/>
-          <p:cNvPicPr/>
+          <p:cNvPr id="3" name="Picture 2" descr="A screenshot of a cell phone&#10;&#10;Description automatically generated">
+            <a:extLst>
+              <a:ext uri="{FF2B5EF4-FFF2-40B4-BE49-F238E27FC236}">
+                <a16:creationId xmlns:a16="http://schemas.microsoft.com/office/drawing/2014/main" id="{8D2D4F3E-9F85-4D36-B27A-D136E0DC736F}"/>
+              </a:ext>
+            </a:extLst>
+          </p:cNvPr>
+          <p:cNvPicPr>
+            <a:picLocks noChangeAspect="1"/>
+          </p:cNvPicPr>
           <p:nvPr/>
         </p:nvPicPr>
         <p:blipFill>
-          <a:blip r:embed="rId2"/>
-          <a:stretch/>
+          <a:blip r:embed="rId2">
+            <a:extLst>
+              <a:ext uri="{28A0092B-C50C-407E-A947-70E740481C1C}">
+                <a14:useLocalDpi xmlns:a14="http://schemas.microsoft.com/office/drawing/2010/main" val="0"/>
+              </a:ext>
+            </a:extLst>
+          </a:blip>
+          <a:stretch>
+            <a:fillRect/>
+          </a:stretch>
         </p:blipFill>
         <p:spPr>
           <a:xfrm>
-            <a:off x="360" y="2520"/>
-            <a:ext cx="9142920" cy="5142240"/>
-          </a:xfrm>
-          <a:prstGeom prst="rect">
-            <a:avLst/>
-          </a:prstGeom>
-          <a:ln>
-            <a:noFill/>
-          </a:ln>
+            <a:off x="0" y="2381"/>
+            <a:ext cx="9144000" cy="5143500"/>
+          </a:xfrm>
+          <a:prstGeom prst="rect">
+            <a:avLst/>
+          </a:prstGeom>
         </p:spPr>
       </p:pic>
       <p:sp>
@@ -15849,29 +12989,6 @@
           </a:p>
         </p:txBody>
       </p:sp>
-      <p:pic>
-        <p:nvPicPr>
-          <p:cNvPr id="232" name="Picture 231"/>
-          <p:cNvPicPr/>
-          <p:nvPr/>
-        </p:nvPicPr>
-        <p:blipFill>
-          <a:blip r:embed="rId3"/>
-          <a:stretch/>
-        </p:blipFill>
-        <p:spPr>
-          <a:xfrm>
-            <a:off x="360" y="360"/>
-            <a:ext cx="513720" cy="5146920"/>
-          </a:xfrm>
-          <a:prstGeom prst="rect">
-            <a:avLst/>
-          </a:prstGeom>
-          <a:ln>
-            <a:noFill/>
-          </a:ln>
-        </p:spPr>
-      </p:pic>
       <p:sp>
         <p:nvSpPr>
           <p:cNvPr id="233" name="CustomShape 1"/>
@@ -16066,41 +13183,6 @@
       </p:sp>
       <p:sp>
         <p:nvSpPr>
-          <p:cNvPr id="236" name="Line 4"/>
-          <p:cNvSpPr/>
-          <p:nvPr/>
-        </p:nvSpPr>
-        <p:spPr>
-          <a:xfrm flipV="1">
-            <a:off x="5904000" y="932760"/>
-            <a:ext cx="792000" cy="504000"/>
-          </a:xfrm>
-          <a:prstGeom prst="line">
-            <a:avLst/>
-          </a:prstGeom>
-          <a:ln w="38160">
-            <a:solidFill>
-              <a:srgbClr val="729FCF"/>
-            </a:solidFill>
-            <a:round/>
-            <a:tailEnd type="triangle" w="med" len="med"/>
-          </a:ln>
-        </p:spPr>
-        <p:style>
-          <a:lnRef idx="0">
-            <a:scrgbClr r="0" g="0" b="0"/>
-          </a:lnRef>
-          <a:fillRef idx="0">
-            <a:scrgbClr r="0" g="0" b="0"/>
-          </a:fillRef>
-          <a:effectRef idx="0">
-            <a:scrgbClr r="0" g="0" b="0"/>
-          </a:effectRef>
-          <a:fontRef idx="minor"/>
-        </p:style>
-      </p:sp>
-      <p:sp>
-        <p:nvSpPr>
           <p:cNvPr id="237" name="CustomShape 5"/>
           <p:cNvSpPr/>
           <p:nvPr/>
@@ -16174,6 +13256,165 @@
           <a:xfrm flipH="1">
             <a:off x="4896000" y="4244760"/>
             <a:ext cx="720000" cy="504000"/>
+          </a:xfrm>
+          <a:prstGeom prst="line">
+            <a:avLst/>
+          </a:prstGeom>
+          <a:ln w="38160">
+            <a:solidFill>
+              <a:srgbClr val="729FCF"/>
+            </a:solidFill>
+            <a:round/>
+            <a:tailEnd type="triangle" w="med" len="med"/>
+          </a:ln>
+        </p:spPr>
+        <p:style>
+          <a:lnRef idx="0">
+            <a:scrgbClr r="0" g="0" b="0"/>
+          </a:lnRef>
+          <a:fillRef idx="0">
+            <a:scrgbClr r="0" g="0" b="0"/>
+          </a:fillRef>
+          <a:effectRef idx="0">
+            <a:scrgbClr r="0" g="0" b="0"/>
+          </a:effectRef>
+          <a:fontRef idx="minor"/>
+        </p:style>
+      </p:sp>
+      <p:sp>
+        <p:nvSpPr>
+          <p:cNvPr id="13" name="Rectangle 12">
+            <a:extLst>
+              <a:ext uri="{FF2B5EF4-FFF2-40B4-BE49-F238E27FC236}">
+                <a16:creationId xmlns:a16="http://schemas.microsoft.com/office/drawing/2014/main" id="{A844603C-FCF5-450A-9183-5690938465D4}"/>
+              </a:ext>
+            </a:extLst>
+          </p:cNvPr>
+          <p:cNvSpPr/>
+          <p:nvPr/>
+        </p:nvSpPr>
+        <p:spPr>
+          <a:xfrm>
+            <a:off x="6648450" y="885825"/>
+            <a:ext cx="2475420" cy="474975"/>
+          </a:xfrm>
+          <a:prstGeom prst="rect">
+            <a:avLst/>
+          </a:prstGeom>
+          <a:solidFill>
+            <a:schemeClr val="bg1"/>
+          </a:solidFill>
+          <a:ln>
+            <a:solidFill>
+              <a:schemeClr val="bg1"/>
+            </a:solidFill>
+          </a:ln>
+        </p:spPr>
+        <p:style>
+          <a:lnRef idx="2">
+            <a:schemeClr val="accent1">
+              <a:shade val="50000"/>
+            </a:schemeClr>
+          </a:lnRef>
+          <a:fillRef idx="1">
+            <a:schemeClr val="accent1"/>
+          </a:fillRef>
+          <a:effectRef idx="0">
+            <a:schemeClr val="accent1"/>
+          </a:effectRef>
+          <a:fontRef idx="minor">
+            <a:schemeClr val="lt1"/>
+          </a:fontRef>
+        </p:style>
+        <p:txBody>
+          <a:bodyPr rtlCol="0" anchor="ctr"/>
+          <a:lstStyle/>
+          <a:p>
+            <a:pPr algn="ctr"/>
+            <a:endParaRPr lang="en-GB"/>
+          </a:p>
+        </p:txBody>
+      </p:sp>
+      <p:sp>
+        <p:nvSpPr>
+          <p:cNvPr id="14" name="TextBox 13">
+            <a:extLst>
+              <a:ext uri="{FF2B5EF4-FFF2-40B4-BE49-F238E27FC236}">
+                <a16:creationId xmlns:a16="http://schemas.microsoft.com/office/drawing/2014/main" id="{AADB96AD-58CB-4462-B9B9-380F0F2BCE7C}"/>
+              </a:ext>
+            </a:extLst>
+          </p:cNvPr>
+          <p:cNvSpPr txBox="1"/>
+          <p:nvPr/>
+        </p:nvSpPr>
+        <p:spPr>
+          <a:xfrm>
+            <a:off x="6706680" y="885825"/>
+            <a:ext cx="1703895" cy="369332"/>
+          </a:xfrm>
+          <a:prstGeom prst="rect">
+            <a:avLst/>
+          </a:prstGeom>
+          <a:noFill/>
+        </p:spPr>
+        <p:txBody>
+          <a:bodyPr wrap="square" rtlCol="0">
+            <a:spAutoFit/>
+          </a:bodyPr>
+          <a:lstStyle/>
+          <a:p>
+            <a:r>
+              <a:rPr lang="en-GB" dirty="0"/>
+              <a:t>Total Answers:</a:t>
+            </a:r>
+          </a:p>
+        </p:txBody>
+      </p:sp>
+      <p:sp>
+        <p:nvSpPr>
+          <p:cNvPr id="15" name="TextBox 14">
+            <a:extLst>
+              <a:ext uri="{FF2B5EF4-FFF2-40B4-BE49-F238E27FC236}">
+                <a16:creationId xmlns:a16="http://schemas.microsoft.com/office/drawing/2014/main" id="{FE10869C-1B50-4EAE-A5A0-FAB9A7F74371}"/>
+              </a:ext>
+            </a:extLst>
+          </p:cNvPr>
+          <p:cNvSpPr txBox="1"/>
+          <p:nvPr/>
+        </p:nvSpPr>
+        <p:spPr>
+          <a:xfrm>
+            <a:off x="8851867" y="885825"/>
+            <a:ext cx="300578" cy="369332"/>
+          </a:xfrm>
+          <a:prstGeom prst="rect">
+            <a:avLst/>
+          </a:prstGeom>
+          <a:noFill/>
+        </p:spPr>
+        <p:txBody>
+          <a:bodyPr wrap="square" rtlCol="0">
+            <a:spAutoFit/>
+          </a:bodyPr>
+          <a:lstStyle/>
+          <a:p>
+            <a:r>
+              <a:rPr lang="en-GB" dirty="0"/>
+              <a:t>5</a:t>
+            </a:r>
+          </a:p>
+        </p:txBody>
+      </p:sp>
+      <p:sp>
+        <p:nvSpPr>
+          <p:cNvPr id="236" name="Line 4"/>
+          <p:cNvSpPr/>
+          <p:nvPr/>
+        </p:nvSpPr>
+        <p:spPr>
+          <a:xfrm flipV="1">
+            <a:off x="5904000" y="932760"/>
+            <a:ext cx="792000" cy="504000"/>
           </a:xfrm>
           <a:prstGeom prst="line">
             <a:avLst/>
@@ -16226,25 +13467,38 @@
       </p:grpSpPr>
       <p:pic>
         <p:nvPicPr>
-          <p:cNvPr id="239" name="Picture 238"/>
-          <p:cNvPicPr/>
+          <p:cNvPr id="3" name="Picture 2" descr="A screenshot of a cell phone&#10;&#10;Description automatically generated">
+            <a:extLst>
+              <a:ext uri="{FF2B5EF4-FFF2-40B4-BE49-F238E27FC236}">
+                <a16:creationId xmlns:a16="http://schemas.microsoft.com/office/drawing/2014/main" id="{C7018969-FAC5-499D-9277-E32CD8D61474}"/>
+              </a:ext>
+            </a:extLst>
+          </p:cNvPr>
+          <p:cNvPicPr>
+            <a:picLocks noChangeAspect="1"/>
+          </p:cNvPicPr>
           <p:nvPr/>
         </p:nvPicPr>
         <p:blipFill>
-          <a:blip r:embed="rId2"/>
-          <a:stretch/>
+          <a:blip r:embed="rId2">
+            <a:extLst>
+              <a:ext uri="{28A0092B-C50C-407E-A947-70E740481C1C}">
+                <a14:useLocalDpi xmlns:a14="http://schemas.microsoft.com/office/drawing/2010/main" val="0"/>
+              </a:ext>
+            </a:extLst>
+          </a:blip>
+          <a:stretch>
+            <a:fillRect/>
+          </a:stretch>
         </p:blipFill>
         <p:spPr>
           <a:xfrm>
-            <a:off x="360" y="2520"/>
-            <a:ext cx="9142920" cy="5142240"/>
-          </a:xfrm>
-          <a:prstGeom prst="rect">
-            <a:avLst/>
-          </a:prstGeom>
-          <a:ln>
-            <a:noFill/>
-          </a:ln>
+            <a:off x="0" y="2381"/>
+            <a:ext cx="9144000" cy="5143500"/>
+          </a:xfrm>
+          <a:prstGeom prst="rect">
+            <a:avLst/>
+          </a:prstGeom>
         </p:spPr>
       </p:pic>
       <p:sp>
@@ -16500,6 +13754,130 @@
           </a:ln>
         </p:spPr>
       </p:pic>
+      <p:sp>
+        <p:nvSpPr>
+          <p:cNvPr id="10" name="Rectangle 9">
+            <a:extLst>
+              <a:ext uri="{FF2B5EF4-FFF2-40B4-BE49-F238E27FC236}">
+                <a16:creationId xmlns:a16="http://schemas.microsoft.com/office/drawing/2014/main" id="{0CC40AFA-0E01-432C-B8E1-5B7D2CF0234E}"/>
+              </a:ext>
+            </a:extLst>
+          </p:cNvPr>
+          <p:cNvSpPr/>
+          <p:nvPr/>
+        </p:nvSpPr>
+        <p:spPr>
+          <a:xfrm>
+            <a:off x="6648450" y="885825"/>
+            <a:ext cx="2475420" cy="474975"/>
+          </a:xfrm>
+          <a:prstGeom prst="rect">
+            <a:avLst/>
+          </a:prstGeom>
+          <a:solidFill>
+            <a:schemeClr val="bg1"/>
+          </a:solidFill>
+          <a:ln>
+            <a:solidFill>
+              <a:schemeClr val="bg1"/>
+            </a:solidFill>
+          </a:ln>
+        </p:spPr>
+        <p:style>
+          <a:lnRef idx="2">
+            <a:schemeClr val="accent1">
+              <a:shade val="50000"/>
+            </a:schemeClr>
+          </a:lnRef>
+          <a:fillRef idx="1">
+            <a:schemeClr val="accent1"/>
+          </a:fillRef>
+          <a:effectRef idx="0">
+            <a:schemeClr val="accent1"/>
+          </a:effectRef>
+          <a:fontRef idx="minor">
+            <a:schemeClr val="lt1"/>
+          </a:fontRef>
+        </p:style>
+        <p:txBody>
+          <a:bodyPr rtlCol="0" anchor="ctr"/>
+          <a:lstStyle/>
+          <a:p>
+            <a:pPr algn="ctr"/>
+            <a:endParaRPr lang="en-GB"/>
+          </a:p>
+        </p:txBody>
+      </p:sp>
+      <p:sp>
+        <p:nvSpPr>
+          <p:cNvPr id="11" name="TextBox 10">
+            <a:extLst>
+              <a:ext uri="{FF2B5EF4-FFF2-40B4-BE49-F238E27FC236}">
+                <a16:creationId xmlns:a16="http://schemas.microsoft.com/office/drawing/2014/main" id="{F6A75BFB-E904-4C29-9F10-01BE730746F2}"/>
+              </a:ext>
+            </a:extLst>
+          </p:cNvPr>
+          <p:cNvSpPr txBox="1"/>
+          <p:nvPr/>
+        </p:nvSpPr>
+        <p:spPr>
+          <a:xfrm>
+            <a:off x="6706680" y="885825"/>
+            <a:ext cx="1703895" cy="369332"/>
+          </a:xfrm>
+          <a:prstGeom prst="rect">
+            <a:avLst/>
+          </a:prstGeom>
+          <a:noFill/>
+        </p:spPr>
+        <p:txBody>
+          <a:bodyPr wrap="square" rtlCol="0">
+            <a:spAutoFit/>
+          </a:bodyPr>
+          <a:lstStyle/>
+          <a:p>
+            <a:r>
+              <a:rPr lang="en-GB" dirty="0"/>
+              <a:t>Total Answers:</a:t>
+            </a:r>
+          </a:p>
+        </p:txBody>
+      </p:sp>
+      <p:sp>
+        <p:nvSpPr>
+          <p:cNvPr id="12" name="TextBox 11">
+            <a:extLst>
+              <a:ext uri="{FF2B5EF4-FFF2-40B4-BE49-F238E27FC236}">
+                <a16:creationId xmlns:a16="http://schemas.microsoft.com/office/drawing/2014/main" id="{4CA8F2AA-067A-438E-87B0-6764AD9CB7D2}"/>
+              </a:ext>
+            </a:extLst>
+          </p:cNvPr>
+          <p:cNvSpPr txBox="1"/>
+          <p:nvPr/>
+        </p:nvSpPr>
+        <p:spPr>
+          <a:xfrm>
+            <a:off x="8851867" y="885825"/>
+            <a:ext cx="300578" cy="369332"/>
+          </a:xfrm>
+          <a:prstGeom prst="rect">
+            <a:avLst/>
+          </a:prstGeom>
+          <a:noFill/>
+        </p:spPr>
+        <p:txBody>
+          <a:bodyPr wrap="square" rtlCol="0">
+            <a:spAutoFit/>
+          </a:bodyPr>
+          <a:lstStyle/>
+          <a:p>
+            <a:r>
+              <a:rPr lang="en-GB" dirty="0"/>
+              <a:t>5</a:t>
+            </a:r>
+          </a:p>
+        </p:txBody>
+      </p:sp>
     </p:spTree>
   </p:cSld>
   <p:clrMapOvr>
@@ -17857,10 +15235,10 @@
       </p:grpSpPr>
       <p:pic>
         <p:nvPicPr>
-          <p:cNvPr id="15" name="Picture 14" descr="A screenshot of a cell phone&#10;&#10;Description automatically generated">
+          <p:cNvPr id="4" name="Picture 3" descr="A screenshot of a cell phone&#10;&#10;Description automatically generated">
             <a:extLst>
               <a:ext uri="{FF2B5EF4-FFF2-40B4-BE49-F238E27FC236}">
-                <a16:creationId xmlns:a16="http://schemas.microsoft.com/office/drawing/2014/main" id="{CECB19FC-9E52-49FE-9C92-CF9A6164FCBC}"/>
+                <a16:creationId xmlns:a16="http://schemas.microsoft.com/office/drawing/2014/main" id="{C7ABE8C2-36AC-4B44-94D2-8A95189799EB}"/>
               </a:ext>
             </a:extLst>
           </p:cNvPr>
@@ -17883,43 +15261,7 @@
         </p:blipFill>
         <p:spPr>
           <a:xfrm>
-            <a:off x="0" y="4763"/>
-            <a:ext cx="9144000" cy="5143500"/>
-          </a:xfrm>
-          <a:prstGeom prst="rect">
-            <a:avLst/>
-          </a:prstGeom>
-        </p:spPr>
-      </p:pic>
-      <p:pic>
-        <p:nvPicPr>
-          <p:cNvPr id="3" name="Picture 2" descr="A screenshot of a cell phone&#10;&#10;Description automatically generated">
-            <a:extLst>
-              <a:ext uri="{FF2B5EF4-FFF2-40B4-BE49-F238E27FC236}">
-                <a16:creationId xmlns:a16="http://schemas.microsoft.com/office/drawing/2014/main" id="{41B613ED-1E34-4ABE-B23E-3682398D3693}"/>
-              </a:ext>
-            </a:extLst>
-          </p:cNvPr>
-          <p:cNvPicPr>
-            <a:picLocks noChangeAspect="1"/>
-          </p:cNvPicPr>
-          <p:nvPr/>
-        </p:nvPicPr>
-        <p:blipFill>
-          <a:blip r:embed="rId3">
-            <a:extLst>
-              <a:ext uri="{28A0092B-C50C-407E-A947-70E740481C1C}">
-                <a14:useLocalDpi xmlns:a14="http://schemas.microsoft.com/office/drawing/2010/main" val="0"/>
-              </a:ext>
-            </a:extLst>
-          </a:blip>
-          <a:stretch>
-            <a:fillRect/>
-          </a:stretch>
-        </p:blipFill>
-        <p:spPr>
-          <a:xfrm>
-            <a:off x="0" y="2381"/>
+            <a:off x="0" y="-4343"/>
             <a:ext cx="9144000" cy="5143500"/>
           </a:xfrm>
           <a:prstGeom prst="rect">
@@ -17942,7 +15284,7 @@
           <p:nvPr/>
         </p:nvPicPr>
         <p:blipFill rotWithShape="1">
-          <a:blip r:embed="rId4">
+          <a:blip r:embed="rId3">
             <a:extLst>
               <a:ext uri="{28A0092B-C50C-407E-A947-70E740481C1C}">
                 <a14:useLocalDpi xmlns:a14="http://schemas.microsoft.com/office/drawing/2010/main" val="0"/>
@@ -19550,10 +16892,10 @@
       </p:grpSpPr>
       <p:pic>
         <p:nvPicPr>
-          <p:cNvPr id="8" name="Picture 7" descr="A screenshot of a cell phone&#10;&#10;Description automatically generated">
+          <p:cNvPr id="3" name="Picture 2" descr="A screenshot of a cell phone&#10;&#10;Description automatically generated">
             <a:extLst>
               <a:ext uri="{FF2B5EF4-FFF2-40B4-BE49-F238E27FC236}">
-                <a16:creationId xmlns:a16="http://schemas.microsoft.com/office/drawing/2014/main" id="{ADCFF63E-470C-45D5-91C3-ADEC346DD715}"/>
+                <a16:creationId xmlns:a16="http://schemas.microsoft.com/office/drawing/2014/main" id="{B7F21D34-1102-492B-B755-B025CBFBD04A}"/>
               </a:ext>
             </a:extLst>
           </p:cNvPr>
@@ -19746,59 +17088,6 @@
           <a:fontRef idx="minor"/>
         </p:style>
       </p:sp>
-      <p:pic>
-        <p:nvPicPr>
-          <p:cNvPr id="301" name="Picture 300"/>
-          <p:cNvPicPr/>
-          <p:nvPr/>
-        </p:nvPicPr>
-        <p:blipFill>
-          <a:blip r:embed="rId3"/>
-          <a:stretch/>
-        </p:blipFill>
-        <p:spPr>
-          <a:xfrm>
-            <a:off x="720" y="720"/>
-            <a:ext cx="513720" cy="5146920"/>
-          </a:xfrm>
-          <a:prstGeom prst="rect">
-            <a:avLst/>
-          </a:prstGeom>
-          <a:ln>
-            <a:noFill/>
-          </a:ln>
-        </p:spPr>
-      </p:pic>
-      <p:pic>
-        <p:nvPicPr>
-          <p:cNvPr id="9" name="Picture 8">
-            <a:extLst>
-              <a:ext uri="{FF2B5EF4-FFF2-40B4-BE49-F238E27FC236}">
-                <a16:creationId xmlns:a16="http://schemas.microsoft.com/office/drawing/2014/main" id="{C102CEC4-1ADA-4323-93C9-FFE3B0DFC806}"/>
-              </a:ext>
-            </a:extLst>
-          </p:cNvPr>
-          <p:cNvPicPr/>
-          <p:nvPr/>
-        </p:nvPicPr>
-        <p:blipFill rotWithShape="1">
-          <a:blip r:embed="rId4"/>
-          <a:srcRect b="90102"/>
-          <a:stretch/>
-        </p:blipFill>
-        <p:spPr>
-          <a:xfrm>
-            <a:off x="0" y="671"/>
-            <a:ext cx="2286720" cy="509449"/>
-          </a:xfrm>
-          <a:prstGeom prst="rect">
-            <a:avLst/>
-          </a:prstGeom>
-          <a:ln>
-            <a:noFill/>
-          </a:ln>
-        </p:spPr>
-      </p:pic>
     </p:spTree>
   </p:cSld>
   <p:clrMapOvr>
@@ -19826,10 +17115,10 @@
       </p:grpSpPr>
       <p:pic>
         <p:nvPicPr>
-          <p:cNvPr id="8" name="Picture 7" descr="A screenshot of a cell phone&#10;&#10;Description automatically generated">
+          <p:cNvPr id="3" name="Picture 2" descr="A screenshot of a cell phone&#10;&#10;Description automatically generated">
             <a:extLst>
               <a:ext uri="{FF2B5EF4-FFF2-40B4-BE49-F238E27FC236}">
-                <a16:creationId xmlns:a16="http://schemas.microsoft.com/office/drawing/2014/main" id="{958F011A-1B46-431F-818A-CBF6D07E243C}"/>
+                <a16:creationId xmlns:a16="http://schemas.microsoft.com/office/drawing/2014/main" id="{806AAB02-8CFD-485C-85D3-DF2DBA31C6F1}"/>
               </a:ext>
             </a:extLst>
           </p:cNvPr>
@@ -20022,59 +17311,6 @@
           <a:fontRef idx="minor"/>
         </p:style>
       </p:sp>
-      <p:pic>
-        <p:nvPicPr>
-          <p:cNvPr id="306" name="Picture 305"/>
-          <p:cNvPicPr/>
-          <p:nvPr/>
-        </p:nvPicPr>
-        <p:blipFill>
-          <a:blip r:embed="rId3"/>
-          <a:stretch/>
-        </p:blipFill>
-        <p:spPr>
-          <a:xfrm>
-            <a:off x="720" y="720"/>
-            <a:ext cx="513720" cy="5146920"/>
-          </a:xfrm>
-          <a:prstGeom prst="rect">
-            <a:avLst/>
-          </a:prstGeom>
-          <a:ln>
-            <a:noFill/>
-          </a:ln>
-        </p:spPr>
-      </p:pic>
-      <p:pic>
-        <p:nvPicPr>
-          <p:cNvPr id="9" name="Picture 8">
-            <a:extLst>
-              <a:ext uri="{FF2B5EF4-FFF2-40B4-BE49-F238E27FC236}">
-                <a16:creationId xmlns:a16="http://schemas.microsoft.com/office/drawing/2014/main" id="{3B011FCE-FB70-4DC0-BA8F-0CAF672F529D}"/>
-              </a:ext>
-            </a:extLst>
-          </p:cNvPr>
-          <p:cNvPicPr/>
-          <p:nvPr/>
-        </p:nvPicPr>
-        <p:blipFill rotWithShape="1">
-          <a:blip r:embed="rId4"/>
-          <a:srcRect b="90102"/>
-          <a:stretch/>
-        </p:blipFill>
-        <p:spPr>
-          <a:xfrm>
-            <a:off x="0" y="671"/>
-            <a:ext cx="2286720" cy="509449"/>
-          </a:xfrm>
-          <a:prstGeom prst="rect">
-            <a:avLst/>
-          </a:prstGeom>
-          <a:ln>
-            <a:noFill/>
-          </a:ln>
-        </p:spPr>
-      </p:pic>
     </p:spTree>
   </p:cSld>
   <p:clrMapOvr>
@@ -20102,10 +17338,10 @@
       </p:grpSpPr>
       <p:pic>
         <p:nvPicPr>
-          <p:cNvPr id="8" name="Picture 7" descr="A screenshot of a cell phone&#10;&#10;Description automatically generated">
+          <p:cNvPr id="3" name="Picture 2" descr="A screenshot of a cell phone&#10;&#10;Description automatically generated">
             <a:extLst>
               <a:ext uri="{FF2B5EF4-FFF2-40B4-BE49-F238E27FC236}">
-                <a16:creationId xmlns:a16="http://schemas.microsoft.com/office/drawing/2014/main" id="{442245F2-907C-46E8-BB4E-730DD31ED2EE}"/>
+                <a16:creationId xmlns:a16="http://schemas.microsoft.com/office/drawing/2014/main" id="{7153459A-5977-40BD-A1E6-FD9A3500BF6E}"/>
               </a:ext>
             </a:extLst>
           </p:cNvPr>
@@ -20298,59 +17534,6 @@
           <a:fontRef idx="minor"/>
         </p:style>
       </p:sp>
-      <p:pic>
-        <p:nvPicPr>
-          <p:cNvPr id="311" name="Picture 310"/>
-          <p:cNvPicPr/>
-          <p:nvPr/>
-        </p:nvPicPr>
-        <p:blipFill>
-          <a:blip r:embed="rId3"/>
-          <a:stretch/>
-        </p:blipFill>
-        <p:spPr>
-          <a:xfrm>
-            <a:off x="720" y="720"/>
-            <a:ext cx="513720" cy="5146920"/>
-          </a:xfrm>
-          <a:prstGeom prst="rect">
-            <a:avLst/>
-          </a:prstGeom>
-          <a:ln>
-            <a:noFill/>
-          </a:ln>
-        </p:spPr>
-      </p:pic>
-      <p:pic>
-        <p:nvPicPr>
-          <p:cNvPr id="9" name="Picture 8">
-            <a:extLst>
-              <a:ext uri="{FF2B5EF4-FFF2-40B4-BE49-F238E27FC236}">
-                <a16:creationId xmlns:a16="http://schemas.microsoft.com/office/drawing/2014/main" id="{872D9A31-B2BB-4DED-87A6-7DCE99A46534}"/>
-              </a:ext>
-            </a:extLst>
-          </p:cNvPr>
-          <p:cNvPicPr/>
-          <p:nvPr/>
-        </p:nvPicPr>
-        <p:blipFill rotWithShape="1">
-          <a:blip r:embed="rId4"/>
-          <a:srcRect b="90102"/>
-          <a:stretch/>
-        </p:blipFill>
-        <p:spPr>
-          <a:xfrm>
-            <a:off x="0" y="671"/>
-            <a:ext cx="2286720" cy="509449"/>
-          </a:xfrm>
-          <a:prstGeom prst="rect">
-            <a:avLst/>
-          </a:prstGeom>
-          <a:ln>
-            <a:noFill/>
-          </a:ln>
-        </p:spPr>
-      </p:pic>
     </p:spTree>
   </p:cSld>
   <p:clrMapOvr>
@@ -20378,10 +17561,10 @@
       </p:grpSpPr>
       <p:pic>
         <p:nvPicPr>
-          <p:cNvPr id="6" name="Picture 5" descr="A screenshot of a cell phone&#10;&#10;Description automatically generated">
+          <p:cNvPr id="11" name="Picture 10" descr="A screenshot of a cell phone&#10;&#10;Description automatically generated">
             <a:extLst>
               <a:ext uri="{FF2B5EF4-FFF2-40B4-BE49-F238E27FC236}">
-                <a16:creationId xmlns:a16="http://schemas.microsoft.com/office/drawing/2014/main" id="{62AE02C5-B404-40C3-B4F1-46AABB60014D}"/>
+                <a16:creationId xmlns:a16="http://schemas.microsoft.com/office/drawing/2014/main" id="{F8205333-9C27-4A71-82D7-9BA7C66CC10F}"/>
               </a:ext>
             </a:extLst>
           </p:cNvPr>
@@ -20412,6 +17595,60 @@
           </a:prstGeom>
         </p:spPr>
       </p:pic>
+      <p:sp>
+        <p:nvSpPr>
+          <p:cNvPr id="12" name="Rectangle 11">
+            <a:extLst>
+              <a:ext uri="{FF2B5EF4-FFF2-40B4-BE49-F238E27FC236}">
+                <a16:creationId xmlns:a16="http://schemas.microsoft.com/office/drawing/2014/main" id="{EFD22E36-1C77-4353-B8FD-06AEAF4204EC}"/>
+              </a:ext>
+            </a:extLst>
+          </p:cNvPr>
+          <p:cNvSpPr/>
+          <p:nvPr/>
+        </p:nvSpPr>
+        <p:spPr>
+          <a:xfrm>
+            <a:off x="2600325" y="4210050"/>
+            <a:ext cx="1790700" cy="257175"/>
+          </a:xfrm>
+          <a:prstGeom prst="rect">
+            <a:avLst/>
+          </a:prstGeom>
+          <a:solidFill>
+            <a:schemeClr val="bg1"/>
+          </a:solidFill>
+          <a:ln>
+            <a:solidFill>
+              <a:schemeClr val="bg1"/>
+            </a:solidFill>
+          </a:ln>
+        </p:spPr>
+        <p:style>
+          <a:lnRef idx="2">
+            <a:schemeClr val="accent1">
+              <a:shade val="50000"/>
+            </a:schemeClr>
+          </a:lnRef>
+          <a:fillRef idx="1">
+            <a:schemeClr val="accent1"/>
+          </a:fillRef>
+          <a:effectRef idx="0">
+            <a:schemeClr val="accent1"/>
+          </a:effectRef>
+          <a:fontRef idx="minor">
+            <a:schemeClr val="lt1"/>
+          </a:fontRef>
+        </p:style>
+        <p:txBody>
+          <a:bodyPr rtlCol="0" anchor="ctr"/>
+          <a:lstStyle/>
+          <a:p>
+            <a:pPr algn="ctr"/>
+            <a:endParaRPr lang="en-GB"/>
+          </a:p>
+        </p:txBody>
+      </p:sp>
       <p:sp>
         <p:nvSpPr>
           <p:cNvPr id="313" name="CustomShape 1"/>
@@ -20476,55 +17713,72 @@
       </p:sp>
       <p:pic>
         <p:nvPicPr>
-          <p:cNvPr id="314" name="Picture 313"/>
-          <p:cNvPicPr/>
+          <p:cNvPr id="5" name="Picture 4" descr="A screenshot of a cell phone&#10;&#10;Description automatically generated">
+            <a:extLst>
+              <a:ext uri="{FF2B5EF4-FFF2-40B4-BE49-F238E27FC236}">
+                <a16:creationId xmlns:a16="http://schemas.microsoft.com/office/drawing/2014/main" id="{E14C917D-E200-438C-B253-8EE5AB3796D6}"/>
+              </a:ext>
+            </a:extLst>
+          </p:cNvPr>
+          <p:cNvPicPr>
+            <a:picLocks noChangeAspect="1"/>
+          </p:cNvPicPr>
           <p:nvPr/>
         </p:nvPicPr>
-        <p:blipFill>
-          <a:blip r:embed="rId3"/>
+        <p:blipFill rotWithShape="1">
+          <a:blip r:embed="rId2">
+            <a:extLst>
+              <a:ext uri="{28A0092B-C50C-407E-A947-70E740481C1C}">
+                <a14:useLocalDpi xmlns:a14="http://schemas.microsoft.com/office/drawing/2010/main" val="0"/>
+              </a:ext>
+            </a:extLst>
+          </a:blip>
+          <a:srcRect l="17249" t="17601" r="53242"/>
           <a:stretch/>
         </p:blipFill>
         <p:spPr>
           <a:xfrm>
-            <a:off x="720" y="720"/>
-            <a:ext cx="513720" cy="5146920"/>
-          </a:xfrm>
-          <a:prstGeom prst="rect">
-            <a:avLst/>
-          </a:prstGeom>
-          <a:ln>
-            <a:noFill/>
-          </a:ln>
+            <a:off x="5483677" y="907538"/>
+            <a:ext cx="2698297" cy="4238205"/>
+          </a:xfrm>
+          <a:prstGeom prst="rect">
+            <a:avLst/>
+          </a:prstGeom>
         </p:spPr>
       </p:pic>
       <p:pic>
         <p:nvPicPr>
-          <p:cNvPr id="7" name="Picture 6">
+          <p:cNvPr id="9" name="Picture 8" descr="A screenshot of a cell phone&#10;&#10;Description automatically generated">
             <a:extLst>
               <a:ext uri="{FF2B5EF4-FFF2-40B4-BE49-F238E27FC236}">
-                <a16:creationId xmlns:a16="http://schemas.microsoft.com/office/drawing/2014/main" id="{44A07044-04E3-4C78-8F4F-15A283F35AF0}"/>
+                <a16:creationId xmlns:a16="http://schemas.microsoft.com/office/drawing/2014/main" id="{47A8CC6E-C6A3-4391-89E1-3E85D68A31F7}"/>
               </a:ext>
             </a:extLst>
           </p:cNvPr>
-          <p:cNvPicPr/>
+          <p:cNvPicPr>
+            <a:picLocks noChangeAspect="1"/>
+          </p:cNvPicPr>
           <p:nvPr/>
         </p:nvPicPr>
         <p:blipFill rotWithShape="1">
-          <a:blip r:embed="rId4"/>
-          <a:srcRect b="90102"/>
+          <a:blip r:embed="rId2">
+            <a:extLst>
+              <a:ext uri="{28A0092B-C50C-407E-A947-70E740481C1C}">
+                <a14:useLocalDpi xmlns:a14="http://schemas.microsoft.com/office/drawing/2010/main" val="0"/>
+              </a:ext>
+            </a:extLst>
+          </a:blip>
+          <a:srcRect l="62396" t="17601" r="16978" b="5602"/>
           <a:stretch/>
         </p:blipFill>
         <p:spPr>
           <a:xfrm>
-            <a:off x="0" y="671"/>
-            <a:ext cx="2286720" cy="509449"/>
-          </a:xfrm>
-          <a:prstGeom prst="rect">
-            <a:avLst/>
-          </a:prstGeom>
-          <a:ln>
-            <a:noFill/>
-          </a:ln>
+            <a:off x="1440997" y="907538"/>
+            <a:ext cx="1885951" cy="3950075"/>
+          </a:xfrm>
+          <a:prstGeom prst="rect">
+            <a:avLst/>
+          </a:prstGeom>
         </p:spPr>
       </p:pic>
     </p:spTree>
@@ -20554,10 +17808,10 @@
       </p:grpSpPr>
       <p:pic>
         <p:nvPicPr>
-          <p:cNvPr id="50" name="Picture 49" descr="A screenshot of a cell phone&#10;&#10;Description automatically generated">
+          <p:cNvPr id="3" name="Picture 2" descr="A screenshot of a cell phone&#10;&#10;Description automatically generated">
             <a:extLst>
               <a:ext uri="{FF2B5EF4-FFF2-40B4-BE49-F238E27FC236}">
-                <a16:creationId xmlns:a16="http://schemas.microsoft.com/office/drawing/2014/main" id="{EC083F47-1AED-4B57-954B-4811C76FA812}"/>
+                <a16:creationId xmlns:a16="http://schemas.microsoft.com/office/drawing/2014/main" id="{7DCAD74F-7ED2-4D2C-857F-442BE92BB523}"/>
               </a:ext>
             </a:extLst>
           </p:cNvPr>
@@ -20580,7 +17834,7 @@
         </p:blipFill>
         <p:spPr>
           <a:xfrm>
-            <a:off x="0" y="2381"/>
+            <a:off x="0" y="-4343"/>
             <a:ext cx="9144000" cy="5143500"/>
           </a:xfrm>
           <a:prstGeom prst="rect">
@@ -20970,10 +18224,10 @@
       </p:grpSpPr>
       <p:pic>
         <p:nvPicPr>
-          <p:cNvPr id="9" name="Picture 8" descr="A screenshot of a cell phone&#10;&#10;Description automatically generated">
+          <p:cNvPr id="3" name="Picture 2" descr="A screenshot of a cell phone&#10;&#10;Description automatically generated">
             <a:extLst>
               <a:ext uri="{FF2B5EF4-FFF2-40B4-BE49-F238E27FC236}">
-                <a16:creationId xmlns:a16="http://schemas.microsoft.com/office/drawing/2014/main" id="{CFF114B5-FB08-4F0B-A0C7-6FD5DDDD73FB}"/>
+                <a16:creationId xmlns:a16="http://schemas.microsoft.com/office/drawing/2014/main" id="{5DE6A5C7-A7B3-4CA7-A233-5FF199D03214}"/>
               </a:ext>
             </a:extLst>
           </p:cNvPr>
@@ -20996,7 +18250,7 @@
         </p:blipFill>
         <p:spPr>
           <a:xfrm>
-            <a:off x="0" y="2381"/>
+            <a:off x="0" y="-4343"/>
             <a:ext cx="9144000" cy="5143500"/>
           </a:xfrm>
           <a:prstGeom prst="rect">
@@ -21246,10 +18500,10 @@
       </p:grpSpPr>
       <p:pic>
         <p:nvPicPr>
-          <p:cNvPr id="15" name="Picture 14" descr="A screenshot of a cell phone&#10;&#10;Description automatically generated">
+          <p:cNvPr id="16" name="Picture 15" descr="A screenshot of a cell phone&#10;&#10;Description automatically generated">
             <a:extLst>
               <a:ext uri="{FF2B5EF4-FFF2-40B4-BE49-F238E27FC236}">
-                <a16:creationId xmlns:a16="http://schemas.microsoft.com/office/drawing/2014/main" id="{6ECC2C3C-FDDD-416D-8D62-85893B042F34}"/>
+                <a16:creationId xmlns:a16="http://schemas.microsoft.com/office/drawing/2014/main" id="{381897C1-6F14-4E63-9759-88EE0535CB57}"/>
               </a:ext>
             </a:extLst>
           </p:cNvPr>
@@ -21272,7 +18526,7 @@
         </p:blipFill>
         <p:spPr>
           <a:xfrm>
-            <a:off x="0" y="2381"/>
+            <a:off x="0" y="-4343"/>
             <a:ext cx="9144000" cy="5143500"/>
           </a:xfrm>
           <a:prstGeom prst="rect">
@@ -21717,59 +18971,6 @@
           <a:fontRef idx="minor"/>
         </p:style>
       </p:sp>
-      <p:pic>
-        <p:nvPicPr>
-          <p:cNvPr id="135" name="Picture 134"/>
-          <p:cNvPicPr/>
-          <p:nvPr/>
-        </p:nvPicPr>
-        <p:blipFill>
-          <a:blip r:embed="rId3"/>
-          <a:stretch/>
-        </p:blipFill>
-        <p:spPr>
-          <a:xfrm>
-            <a:off x="360" y="360"/>
-            <a:ext cx="513720" cy="5146920"/>
-          </a:xfrm>
-          <a:prstGeom prst="rect">
-            <a:avLst/>
-          </a:prstGeom>
-          <a:ln>
-            <a:noFill/>
-          </a:ln>
-        </p:spPr>
-      </p:pic>
-      <p:pic>
-        <p:nvPicPr>
-          <p:cNvPr id="14" name="Picture 13">
-            <a:extLst>
-              <a:ext uri="{FF2B5EF4-FFF2-40B4-BE49-F238E27FC236}">
-                <a16:creationId xmlns:a16="http://schemas.microsoft.com/office/drawing/2014/main" id="{78F7C461-6B95-423D-B7E0-616ABABA75F4}"/>
-              </a:ext>
-            </a:extLst>
-          </p:cNvPr>
-          <p:cNvPicPr/>
-          <p:nvPr/>
-        </p:nvPicPr>
-        <p:blipFill rotWithShape="1">
-          <a:blip r:embed="rId4"/>
-          <a:srcRect b="90102"/>
-          <a:stretch/>
-        </p:blipFill>
-        <p:spPr>
-          <a:xfrm>
-            <a:off x="0" y="671"/>
-            <a:ext cx="2286720" cy="509449"/>
-          </a:xfrm>
-          <a:prstGeom prst="rect">
-            <a:avLst/>
-          </a:prstGeom>
-          <a:ln>
-            <a:noFill/>
-          </a:ln>
-        </p:spPr>
-      </p:pic>
     </p:spTree>
   </p:cSld>
   <p:clrMapOvr>
@@ -21797,10 +18998,10 @@
       </p:grpSpPr>
       <p:pic>
         <p:nvPicPr>
-          <p:cNvPr id="9" name="Picture 8" descr="A screenshot of a cell phone&#10;&#10;Description automatically generated">
+          <p:cNvPr id="10" name="Picture 9" descr="A screenshot of a cell phone&#10;&#10;Description automatically generated">
             <a:extLst>
               <a:ext uri="{FF2B5EF4-FFF2-40B4-BE49-F238E27FC236}">
-                <a16:creationId xmlns:a16="http://schemas.microsoft.com/office/drawing/2014/main" id="{1E788148-314A-424B-B731-A8A5E0FCF88E}"/>
+                <a16:creationId xmlns:a16="http://schemas.microsoft.com/office/drawing/2014/main" id="{D0BF29F9-CB14-4096-B2BE-4B04F436AE74}"/>
               </a:ext>
             </a:extLst>
           </p:cNvPr>
@@ -21823,7 +19024,7 @@
         </p:blipFill>
         <p:spPr>
           <a:xfrm>
-            <a:off x="0" y="2381"/>
+            <a:off x="0" y="-4343"/>
             <a:ext cx="9144000" cy="5143500"/>
           </a:xfrm>
           <a:prstGeom prst="rect">
@@ -22108,10 +19309,10 @@
       </p:grpSpPr>
       <p:pic>
         <p:nvPicPr>
-          <p:cNvPr id="8" name="Picture 7" descr="A screenshot of a cell phone&#10;&#10;Description automatically generated">
+          <p:cNvPr id="9" name="Picture 8" descr="A screenshot of a cell phone&#10;&#10;Description automatically generated">
             <a:extLst>
               <a:ext uri="{FF2B5EF4-FFF2-40B4-BE49-F238E27FC236}">
-                <a16:creationId xmlns:a16="http://schemas.microsoft.com/office/drawing/2014/main" id="{4625AAC1-DAB6-4127-A20E-FF0D155AF303}"/>
+                <a16:creationId xmlns:a16="http://schemas.microsoft.com/office/drawing/2014/main" id="{B6661EE7-C8F0-4D9B-97AD-9226176F4B2A}"/>
               </a:ext>
             </a:extLst>
           </p:cNvPr>
@@ -22134,7 +19335,7 @@
         </p:blipFill>
         <p:spPr>
           <a:xfrm>
-            <a:off x="0" y="2381"/>
+            <a:off x="0" y="-4343"/>
             <a:ext cx="9144000" cy="5143500"/>
           </a:xfrm>
           <a:prstGeom prst="rect">
@@ -22384,10 +19585,10 @@
       </p:grpSpPr>
       <p:pic>
         <p:nvPicPr>
-          <p:cNvPr id="3" name="Picture 2" descr="A screenshot of a cell phone&#10;&#10;Description automatically generated">
+          <p:cNvPr id="4" name="Picture 3" descr="A screenshot of a cell phone&#10;&#10;Description automatically generated">
             <a:extLst>
               <a:ext uri="{FF2B5EF4-FFF2-40B4-BE49-F238E27FC236}">
-                <a16:creationId xmlns:a16="http://schemas.microsoft.com/office/drawing/2014/main" id="{A7D42D52-B117-4524-B47A-C41B47391081}"/>
+                <a16:creationId xmlns:a16="http://schemas.microsoft.com/office/drawing/2014/main" id="{773FF338-AC1F-43D1-8047-6C11E1E19795}"/>
               </a:ext>
             </a:extLst>
           </p:cNvPr>
@@ -22545,59 +19746,6 @@
           </a:p>
         </p:txBody>
       </p:sp>
-      <p:pic>
-        <p:nvPicPr>
-          <p:cNvPr id="150" name="Picture 149"/>
-          <p:cNvPicPr/>
-          <p:nvPr/>
-        </p:nvPicPr>
-        <p:blipFill>
-          <a:blip r:embed="rId3"/>
-          <a:stretch/>
-        </p:blipFill>
-        <p:spPr>
-          <a:xfrm>
-            <a:off x="360" y="360"/>
-            <a:ext cx="513720" cy="5146920"/>
-          </a:xfrm>
-          <a:prstGeom prst="rect">
-            <a:avLst/>
-          </a:prstGeom>
-          <a:ln>
-            <a:noFill/>
-          </a:ln>
-        </p:spPr>
-      </p:pic>
-      <p:pic>
-        <p:nvPicPr>
-          <p:cNvPr id="6" name="Picture 5">
-            <a:extLst>
-              <a:ext uri="{FF2B5EF4-FFF2-40B4-BE49-F238E27FC236}">
-                <a16:creationId xmlns:a16="http://schemas.microsoft.com/office/drawing/2014/main" id="{03AAF450-CAAC-47E4-87BD-606271826882}"/>
-              </a:ext>
-            </a:extLst>
-          </p:cNvPr>
-          <p:cNvPicPr/>
-          <p:nvPr/>
-        </p:nvPicPr>
-        <p:blipFill rotWithShape="1">
-          <a:blip r:embed="rId4"/>
-          <a:srcRect b="90102"/>
-          <a:stretch/>
-        </p:blipFill>
-        <p:spPr>
-          <a:xfrm>
-            <a:off x="0" y="671"/>
-            <a:ext cx="2286720" cy="509449"/>
-          </a:xfrm>
-          <a:prstGeom prst="rect">
-            <a:avLst/>
-          </a:prstGeom>
-          <a:ln>
-            <a:noFill/>
-          </a:ln>
-        </p:spPr>
-      </p:pic>
     </p:spTree>
   </p:cSld>
   <p:clrMapOvr>
